--- a/CVP_Project_Proposal/Rough_Architecture.pptx
+++ b/CVP_Project_Proposal/Rough_Architecture.pptx
@@ -7,6 +7,8 @@
   <p:sldIdLst>
     <p:sldId id="256" r:id="rId2"/>
     <p:sldId id="257" r:id="rId3"/>
+    <p:sldId id="258" r:id="rId4"/>
+    <p:sldId id="259" r:id="rId5"/>
   </p:sldIdLst>
   <p:sldSz cx="12192000" cy="6858000"/>
   <p:notesSz cx="6858000" cy="9144000"/>
@@ -105,6 +107,11 @@
       </a:defRPr>
     </a:lvl9pPr>
   </p:defaultTextStyle>
+  <p:extLst>
+    <p:ext uri="{EFAFB233-063F-42B5-8137-9DF3F51BA10A}">
+      <p15:sldGuideLst xmlns:p15="http://schemas.microsoft.com/office/powerpoint/2012/main"/>
+    </p:ext>
+  </p:extLst>
 </p:presentation>
 </file>
 
@@ -257,7 +264,7 @@
           <a:p>
             <a:fld id="{6EC1A1C7-F509-43EB-85EF-9DD8750C7471}" type="datetimeFigureOut">
               <a:rPr lang="en-IN" smtClean="0"/>
-              <a:t>03-12-2024</a:t>
+              <a:t>06-01-2025</a:t>
             </a:fld>
             <a:endParaRPr lang="en-IN"/>
           </a:p>
@@ -457,7 +464,7 @@
           <a:p>
             <a:fld id="{6EC1A1C7-F509-43EB-85EF-9DD8750C7471}" type="datetimeFigureOut">
               <a:rPr lang="en-IN" smtClean="0"/>
-              <a:t>03-12-2024</a:t>
+              <a:t>06-01-2025</a:t>
             </a:fld>
             <a:endParaRPr lang="en-IN"/>
           </a:p>
@@ -667,7 +674,7 @@
           <a:p>
             <a:fld id="{6EC1A1C7-F509-43EB-85EF-9DD8750C7471}" type="datetimeFigureOut">
               <a:rPr lang="en-IN" smtClean="0"/>
-              <a:t>03-12-2024</a:t>
+              <a:t>06-01-2025</a:t>
             </a:fld>
             <a:endParaRPr lang="en-IN"/>
           </a:p>
@@ -867,7 +874,7 @@
           <a:p>
             <a:fld id="{6EC1A1C7-F509-43EB-85EF-9DD8750C7471}" type="datetimeFigureOut">
               <a:rPr lang="en-IN" smtClean="0"/>
-              <a:t>03-12-2024</a:t>
+              <a:t>06-01-2025</a:t>
             </a:fld>
             <a:endParaRPr lang="en-IN"/>
           </a:p>
@@ -1143,7 +1150,7 @@
           <a:p>
             <a:fld id="{6EC1A1C7-F509-43EB-85EF-9DD8750C7471}" type="datetimeFigureOut">
               <a:rPr lang="en-IN" smtClean="0"/>
-              <a:t>03-12-2024</a:t>
+              <a:t>06-01-2025</a:t>
             </a:fld>
             <a:endParaRPr lang="en-IN"/>
           </a:p>
@@ -1411,7 +1418,7 @@
           <a:p>
             <a:fld id="{6EC1A1C7-F509-43EB-85EF-9DD8750C7471}" type="datetimeFigureOut">
               <a:rPr lang="en-IN" smtClean="0"/>
-              <a:t>03-12-2024</a:t>
+              <a:t>06-01-2025</a:t>
             </a:fld>
             <a:endParaRPr lang="en-IN"/>
           </a:p>
@@ -1826,7 +1833,7 @@
           <a:p>
             <a:fld id="{6EC1A1C7-F509-43EB-85EF-9DD8750C7471}" type="datetimeFigureOut">
               <a:rPr lang="en-IN" smtClean="0"/>
-              <a:t>03-12-2024</a:t>
+              <a:t>06-01-2025</a:t>
             </a:fld>
             <a:endParaRPr lang="en-IN"/>
           </a:p>
@@ -1968,7 +1975,7 @@
           <a:p>
             <a:fld id="{6EC1A1C7-F509-43EB-85EF-9DD8750C7471}" type="datetimeFigureOut">
               <a:rPr lang="en-IN" smtClean="0"/>
-              <a:t>03-12-2024</a:t>
+              <a:t>06-01-2025</a:t>
             </a:fld>
             <a:endParaRPr lang="en-IN"/>
           </a:p>
@@ -2081,7 +2088,7 @@
           <a:p>
             <a:fld id="{6EC1A1C7-F509-43EB-85EF-9DD8750C7471}" type="datetimeFigureOut">
               <a:rPr lang="en-IN" smtClean="0"/>
-              <a:t>03-12-2024</a:t>
+              <a:t>06-01-2025</a:t>
             </a:fld>
             <a:endParaRPr lang="en-IN"/>
           </a:p>
@@ -2394,7 +2401,7 @@
           <a:p>
             <a:fld id="{6EC1A1C7-F509-43EB-85EF-9DD8750C7471}" type="datetimeFigureOut">
               <a:rPr lang="en-IN" smtClean="0"/>
-              <a:t>03-12-2024</a:t>
+              <a:t>06-01-2025</a:t>
             </a:fld>
             <a:endParaRPr lang="en-IN"/>
           </a:p>
@@ -2683,7 +2690,7 @@
           <a:p>
             <a:fld id="{6EC1A1C7-F509-43EB-85EF-9DD8750C7471}" type="datetimeFigureOut">
               <a:rPr lang="en-IN" smtClean="0"/>
-              <a:t>03-12-2024</a:t>
+              <a:t>06-01-2025</a:t>
             </a:fld>
             <a:endParaRPr lang="en-IN"/>
           </a:p>
@@ -2926,7 +2933,7 @@
           <a:p>
             <a:fld id="{6EC1A1C7-F509-43EB-85EF-9DD8750C7471}" type="datetimeFigureOut">
               <a:rPr lang="en-IN" smtClean="0"/>
-              <a:t>03-12-2024</a:t>
+              <a:t>06-01-2025</a:t>
             </a:fld>
             <a:endParaRPr lang="en-IN"/>
           </a:p>
@@ -12273,6 +12280,8897 @@
 </p:sld>
 </file>
 
+<file path=ppt/slides/slide3.xml><?xml version="1.0" encoding="utf-8"?>
+<p:sld xmlns:a="http://schemas.openxmlformats.org/drawingml/2006/main" xmlns:r="http://schemas.openxmlformats.org/officeDocument/2006/relationships" xmlns:p="http://schemas.openxmlformats.org/presentationml/2006/main">
+  <p:cSld>
+    <p:spTree>
+      <p:nvGrpSpPr>
+        <p:cNvPr id="1" name="">
+          <a:extLst>
+            <a:ext uri="{FF2B5EF4-FFF2-40B4-BE49-F238E27FC236}">
+              <a16:creationId xmlns:a16="http://schemas.microsoft.com/office/drawing/2014/main" id="{C50C4636-1939-8A63-199D-DBCDF6E80340}"/>
+            </a:ext>
+          </a:extLst>
+        </p:cNvPr>
+        <p:cNvGrpSpPr/>
+        <p:nvPr/>
+      </p:nvGrpSpPr>
+      <p:grpSpPr>
+        <a:xfrm>
+          <a:off x="0" y="0"/>
+          <a:ext cx="0" cy="0"/>
+          <a:chOff x="0" y="0"/>
+          <a:chExt cx="0" cy="0"/>
+        </a:xfrm>
+      </p:grpSpPr>
+      <p:pic>
+        <p:nvPicPr>
+          <p:cNvPr id="4" name="Picture 2" descr="D:\Users\Lean\Desktop\IT Sys Flyer\ppt materials\bord2.png">
+            <a:extLst>
+              <a:ext uri="{FF2B5EF4-FFF2-40B4-BE49-F238E27FC236}">
+                <a16:creationId xmlns:a16="http://schemas.microsoft.com/office/drawing/2014/main" id="{84131C20-C0BE-12AE-E87C-6605EDA49148}"/>
+              </a:ext>
+            </a:extLst>
+          </p:cNvPr>
+          <p:cNvPicPr>
+            <a:picLocks noChangeAspect="1" noChangeArrowheads="1"/>
+          </p:cNvPicPr>
+          <p:nvPr/>
+        </p:nvPicPr>
+        <p:blipFill rotWithShape="1">
+          <a:blip r:embed="rId2" cstate="email">
+            <a:extLst>
+              <a:ext uri="{28A0092B-C50C-407E-A947-70E740481C1C}">
+                <a14:useLocalDpi xmlns:a14="http://schemas.microsoft.com/office/drawing/2010/main"/>
+              </a:ext>
+            </a:extLst>
+          </a:blip>
+          <a:srcRect/>
+          <a:stretch/>
+        </p:blipFill>
+        <p:spPr bwMode="auto">
+          <a:xfrm>
+            <a:off x="-4293" y="-50306"/>
+            <a:ext cx="12196293" cy="1339404"/>
+          </a:xfrm>
+          <a:prstGeom prst="rect">
+            <a:avLst/>
+          </a:prstGeom>
+          <a:noFill/>
+          <a:extLst>
+            <a:ext uri="{909E8E84-426E-40DD-AFC4-6F175D3DCCD1}">
+              <a14:hiddenFill xmlns:a14="http://schemas.microsoft.com/office/drawing/2010/main">
+                <a:solidFill>
+                  <a:srgbClr val="FFFFFF"/>
+                </a:solidFill>
+              </a14:hiddenFill>
+            </a:ext>
+          </a:extLst>
+        </p:spPr>
+      </p:pic>
+      <p:sp>
+        <p:nvSpPr>
+          <p:cNvPr id="5" name="Title 3">
+            <a:extLst>
+              <a:ext uri="{FF2B5EF4-FFF2-40B4-BE49-F238E27FC236}">
+                <a16:creationId xmlns:a16="http://schemas.microsoft.com/office/drawing/2014/main" id="{B4EEEDC5-2A5A-DD86-A825-23252D0A77A6}"/>
+              </a:ext>
+            </a:extLst>
+          </p:cNvPr>
+          <p:cNvSpPr txBox="1">
+            <a:spLocks/>
+          </p:cNvSpPr>
+          <p:nvPr/>
+        </p:nvSpPr>
+        <p:spPr>
+          <a:xfrm>
+            <a:off x="8478076" y="0"/>
+            <a:ext cx="3361456" cy="468000"/>
+          </a:xfrm>
+          <a:prstGeom prst="rect">
+            <a:avLst/>
+          </a:prstGeom>
+        </p:spPr>
+        <p:txBody>
+          <a:bodyPr/>
+          <a:lstStyle>
+            <a:lvl1pPr algn="l" rtl="0" eaLnBrk="1" fontAlgn="base" hangingPunct="1">
+              <a:spcBef>
+                <a:spcPct val="0"/>
+              </a:spcBef>
+              <a:spcAft>
+                <a:spcPct val="0"/>
+              </a:spcAft>
+              <a:defRPr sz="2600" kern="1200">
+                <a:solidFill>
+                  <a:srgbClr val="006EB4"/>
+                </a:solidFill>
+                <a:latin typeface="Cambria" pitchFamily="18" charset="0"/>
+                <a:ea typeface="+mj-ea"/>
+                <a:cs typeface="Arial" pitchFamily="34" charset="0"/>
+              </a:defRPr>
+            </a:lvl1pPr>
+            <a:lvl2pPr algn="l" rtl="0" eaLnBrk="1" fontAlgn="base" hangingPunct="1">
+              <a:spcBef>
+                <a:spcPct val="0"/>
+              </a:spcBef>
+              <a:spcAft>
+                <a:spcPct val="0"/>
+              </a:spcAft>
+              <a:defRPr sz="3900">
+                <a:solidFill>
+                  <a:schemeClr val="bg1"/>
+                </a:solidFill>
+                <a:latin typeface="Arial" pitchFamily="34" charset="0"/>
+                <a:cs typeface="Arial" pitchFamily="34" charset="0"/>
+              </a:defRPr>
+            </a:lvl2pPr>
+            <a:lvl3pPr algn="l" rtl="0" eaLnBrk="1" fontAlgn="base" hangingPunct="1">
+              <a:spcBef>
+                <a:spcPct val="0"/>
+              </a:spcBef>
+              <a:spcAft>
+                <a:spcPct val="0"/>
+              </a:spcAft>
+              <a:defRPr sz="3900">
+                <a:solidFill>
+                  <a:schemeClr val="bg1"/>
+                </a:solidFill>
+                <a:latin typeface="Arial" pitchFamily="34" charset="0"/>
+                <a:cs typeface="Arial" pitchFamily="34" charset="0"/>
+              </a:defRPr>
+            </a:lvl3pPr>
+            <a:lvl4pPr algn="l" rtl="0" eaLnBrk="1" fontAlgn="base" hangingPunct="1">
+              <a:spcBef>
+                <a:spcPct val="0"/>
+              </a:spcBef>
+              <a:spcAft>
+                <a:spcPct val="0"/>
+              </a:spcAft>
+              <a:defRPr sz="3900">
+                <a:solidFill>
+                  <a:schemeClr val="bg1"/>
+                </a:solidFill>
+                <a:latin typeface="Arial" pitchFamily="34" charset="0"/>
+                <a:cs typeface="Arial" pitchFamily="34" charset="0"/>
+              </a:defRPr>
+            </a:lvl4pPr>
+            <a:lvl5pPr algn="l" rtl="0" eaLnBrk="1" fontAlgn="base" hangingPunct="1">
+              <a:spcBef>
+                <a:spcPct val="0"/>
+              </a:spcBef>
+              <a:spcAft>
+                <a:spcPct val="0"/>
+              </a:spcAft>
+              <a:defRPr sz="3900">
+                <a:solidFill>
+                  <a:schemeClr val="bg1"/>
+                </a:solidFill>
+                <a:latin typeface="Arial" pitchFamily="34" charset="0"/>
+                <a:cs typeface="Arial" pitchFamily="34" charset="0"/>
+              </a:defRPr>
+            </a:lvl5pPr>
+            <a:lvl6pPr marL="487443" algn="l" rtl="0" eaLnBrk="1" fontAlgn="base" hangingPunct="1">
+              <a:spcBef>
+                <a:spcPct val="0"/>
+              </a:spcBef>
+              <a:spcAft>
+                <a:spcPct val="0"/>
+              </a:spcAft>
+              <a:defRPr sz="3900">
+                <a:solidFill>
+                  <a:schemeClr val="bg1"/>
+                </a:solidFill>
+                <a:latin typeface="Arial" pitchFamily="34" charset="0"/>
+                <a:cs typeface="Arial" pitchFamily="34" charset="0"/>
+              </a:defRPr>
+            </a:lvl6pPr>
+            <a:lvl7pPr marL="974887" algn="l" rtl="0" eaLnBrk="1" fontAlgn="base" hangingPunct="1">
+              <a:spcBef>
+                <a:spcPct val="0"/>
+              </a:spcBef>
+              <a:spcAft>
+                <a:spcPct val="0"/>
+              </a:spcAft>
+              <a:defRPr sz="3900">
+                <a:solidFill>
+                  <a:schemeClr val="bg1"/>
+                </a:solidFill>
+                <a:latin typeface="Arial" pitchFamily="34" charset="0"/>
+                <a:cs typeface="Arial" pitchFamily="34" charset="0"/>
+              </a:defRPr>
+            </a:lvl7pPr>
+            <a:lvl8pPr marL="1462330" algn="l" rtl="0" eaLnBrk="1" fontAlgn="base" hangingPunct="1">
+              <a:spcBef>
+                <a:spcPct val="0"/>
+              </a:spcBef>
+              <a:spcAft>
+                <a:spcPct val="0"/>
+              </a:spcAft>
+              <a:defRPr sz="3900">
+                <a:solidFill>
+                  <a:schemeClr val="bg1"/>
+                </a:solidFill>
+                <a:latin typeface="Arial" pitchFamily="34" charset="0"/>
+                <a:cs typeface="Arial" pitchFamily="34" charset="0"/>
+              </a:defRPr>
+            </a:lvl8pPr>
+            <a:lvl9pPr marL="1949773" algn="l" rtl="0" eaLnBrk="1" fontAlgn="base" hangingPunct="1">
+              <a:spcBef>
+                <a:spcPct val="0"/>
+              </a:spcBef>
+              <a:spcAft>
+                <a:spcPct val="0"/>
+              </a:spcAft>
+              <a:defRPr sz="3900">
+                <a:solidFill>
+                  <a:schemeClr val="bg1"/>
+                </a:solidFill>
+                <a:latin typeface="Arial" pitchFamily="34" charset="0"/>
+                <a:cs typeface="Arial" pitchFamily="34" charset="0"/>
+              </a:defRPr>
+            </a:lvl9pPr>
+          </a:lstStyle>
+          <a:p>
+            <a:r>
+              <a:rPr lang="en-US" sz="2000" b="1" dirty="0">
+                <a:solidFill>
+                  <a:srgbClr val="4A9D45"/>
+                </a:solidFill>
+                <a:ea typeface="Cambria" panose="02040503050406030204" pitchFamily="18" charset="0"/>
+              </a:rPr>
+              <a:t>Rough Architecture 2</a:t>
+            </a:r>
+          </a:p>
+        </p:txBody>
+      </p:sp>
+      <p:sp>
+        <p:nvSpPr>
+          <p:cNvPr id="6" name="Date Placeholder 11">
+            <a:extLst>
+              <a:ext uri="{FF2B5EF4-FFF2-40B4-BE49-F238E27FC236}">
+                <a16:creationId xmlns:a16="http://schemas.microsoft.com/office/drawing/2014/main" id="{66412762-E867-182A-824D-477A50566858}"/>
+              </a:ext>
+            </a:extLst>
+          </p:cNvPr>
+          <p:cNvSpPr>
+            <a:spLocks noGrp="1"/>
+          </p:cNvSpPr>
+          <p:nvPr>
+            <p:ph type="dt" sz="half" idx="10"/>
+          </p:nvPr>
+        </p:nvSpPr>
+        <p:spPr>
+          <a:xfrm>
+            <a:off x="838200" y="6356350"/>
+            <a:ext cx="2743200" cy="365125"/>
+          </a:xfrm>
+        </p:spPr>
+        <p:txBody>
+          <a:bodyPr/>
+          <a:lstStyle/>
+          <a:p>
+            <a:r>
+              <a:rPr lang="en-US"/>
+              <a:t>CloudJournee Confidential</a:t>
+            </a:r>
+            <a:endParaRPr lang="en-IN"/>
+          </a:p>
+        </p:txBody>
+      </p:sp>
+      <p:sp>
+        <p:nvSpPr>
+          <p:cNvPr id="7" name="Footer Placeholder 12">
+            <a:extLst>
+              <a:ext uri="{FF2B5EF4-FFF2-40B4-BE49-F238E27FC236}">
+                <a16:creationId xmlns:a16="http://schemas.microsoft.com/office/drawing/2014/main" id="{5B6417A1-519C-3915-202B-3FCE500AC0F1}"/>
+              </a:ext>
+            </a:extLst>
+          </p:cNvPr>
+          <p:cNvSpPr>
+            <a:spLocks noGrp="1"/>
+          </p:cNvSpPr>
+          <p:nvPr>
+            <p:ph type="ftr" sz="quarter" idx="11"/>
+          </p:nvPr>
+        </p:nvSpPr>
+        <p:spPr>
+          <a:xfrm>
+            <a:off x="4038600" y="6356350"/>
+            <a:ext cx="4114800" cy="365125"/>
+          </a:xfrm>
+        </p:spPr>
+        <p:txBody>
+          <a:bodyPr/>
+          <a:lstStyle/>
+          <a:p>
+            <a:r>
+              <a:rPr lang="en-IN"/>
+              <a:t>www.cloudjournee.com</a:t>
+            </a:r>
+          </a:p>
+        </p:txBody>
+      </p:sp>
+      <p:sp>
+        <p:nvSpPr>
+          <p:cNvPr id="8" name="Slide Number Placeholder 14">
+            <a:extLst>
+              <a:ext uri="{FF2B5EF4-FFF2-40B4-BE49-F238E27FC236}">
+                <a16:creationId xmlns:a16="http://schemas.microsoft.com/office/drawing/2014/main" id="{BA90A7E2-A9FC-9033-EB61-4408BE0918CB}"/>
+              </a:ext>
+            </a:extLst>
+          </p:cNvPr>
+          <p:cNvSpPr>
+            <a:spLocks noGrp="1"/>
+          </p:cNvSpPr>
+          <p:nvPr>
+            <p:ph type="sldNum" sz="quarter" idx="12"/>
+          </p:nvPr>
+        </p:nvSpPr>
+        <p:spPr>
+          <a:xfrm>
+            <a:off x="8610600" y="6356350"/>
+            <a:ext cx="2743200" cy="365125"/>
+          </a:xfrm>
+        </p:spPr>
+        <p:txBody>
+          <a:bodyPr/>
+          <a:lstStyle/>
+          <a:p>
+            <a:fld id="{D505516B-1523-49EF-A656-1CF7DFC0298D}" type="slidenum">
+              <a:rPr lang="en-IN" smtClean="0"/>
+              <a:pPr/>
+              <a:t>3</a:t>
+            </a:fld>
+            <a:endParaRPr lang="en-IN"/>
+          </a:p>
+        </p:txBody>
+      </p:sp>
+      <p:sp>
+        <p:nvSpPr>
+          <p:cNvPr id="11" name="Rectangle 10">
+            <a:extLst>
+              <a:ext uri="{FF2B5EF4-FFF2-40B4-BE49-F238E27FC236}">
+                <a16:creationId xmlns:a16="http://schemas.microsoft.com/office/drawing/2014/main" id="{B151B812-C69A-A47A-E4F2-D983AB1237D3}"/>
+              </a:ext>
+            </a:extLst>
+          </p:cNvPr>
+          <p:cNvSpPr/>
+          <p:nvPr/>
+        </p:nvSpPr>
+        <p:spPr>
+          <a:xfrm>
+            <a:off x="6645383" y="2357678"/>
+            <a:ext cx="4261345" cy="3815228"/>
+          </a:xfrm>
+          <a:prstGeom prst="rect">
+            <a:avLst/>
+          </a:prstGeom>
+          <a:ln w="38100">
+            <a:gradFill>
+              <a:gsLst>
+                <a:gs pos="0">
+                  <a:schemeClr val="tx2">
+                    <a:lumMod val="50000"/>
+                    <a:lumOff val="50000"/>
+                  </a:schemeClr>
+                </a:gs>
+                <a:gs pos="74000">
+                  <a:schemeClr val="accent1">
+                    <a:lumMod val="45000"/>
+                    <a:lumOff val="55000"/>
+                  </a:schemeClr>
+                </a:gs>
+                <a:gs pos="83000">
+                  <a:schemeClr val="accent1">
+                    <a:lumMod val="45000"/>
+                    <a:lumOff val="55000"/>
+                  </a:schemeClr>
+                </a:gs>
+                <a:gs pos="100000">
+                  <a:schemeClr val="accent1">
+                    <a:lumMod val="30000"/>
+                    <a:lumOff val="70000"/>
+                  </a:schemeClr>
+                </a:gs>
+              </a:gsLst>
+              <a:lin ang="5400000" scaled="1"/>
+            </a:gradFill>
+            <a:prstDash val="sysDash"/>
+          </a:ln>
+        </p:spPr>
+        <p:style>
+          <a:lnRef idx="2">
+            <a:schemeClr val="accent6"/>
+          </a:lnRef>
+          <a:fillRef idx="1">
+            <a:schemeClr val="lt1"/>
+          </a:fillRef>
+          <a:effectRef idx="0">
+            <a:schemeClr val="accent6"/>
+          </a:effectRef>
+          <a:fontRef idx="minor">
+            <a:schemeClr val="dk1"/>
+          </a:fontRef>
+        </p:style>
+        <p:txBody>
+          <a:bodyPr rtlCol="0" anchor="ctr"/>
+          <a:lstStyle>
+            <a:defPPr>
+              <a:defRPr lang="en-US"/>
+            </a:defPPr>
+            <a:lvl1pPr marL="0" algn="l" defTabSz="914400" rtl="0" eaLnBrk="1" latinLnBrk="0" hangingPunct="1">
+              <a:defRPr sz="1800" kern="1200">
+                <a:solidFill>
+                  <a:schemeClr val="dk1"/>
+                </a:solidFill>
+                <a:latin typeface="+mn-lt"/>
+                <a:ea typeface="+mn-ea"/>
+                <a:cs typeface="+mn-cs"/>
+              </a:defRPr>
+            </a:lvl1pPr>
+            <a:lvl2pPr marL="457200" algn="l" defTabSz="914400" rtl="0" eaLnBrk="1" latinLnBrk="0" hangingPunct="1">
+              <a:defRPr sz="1800" kern="1200">
+                <a:solidFill>
+                  <a:schemeClr val="dk1"/>
+                </a:solidFill>
+                <a:latin typeface="+mn-lt"/>
+                <a:ea typeface="+mn-ea"/>
+                <a:cs typeface="+mn-cs"/>
+              </a:defRPr>
+            </a:lvl2pPr>
+            <a:lvl3pPr marL="914400" algn="l" defTabSz="914400" rtl="0" eaLnBrk="1" latinLnBrk="0" hangingPunct="1">
+              <a:defRPr sz="1800" kern="1200">
+                <a:solidFill>
+                  <a:schemeClr val="dk1"/>
+                </a:solidFill>
+                <a:latin typeface="+mn-lt"/>
+                <a:ea typeface="+mn-ea"/>
+                <a:cs typeface="+mn-cs"/>
+              </a:defRPr>
+            </a:lvl3pPr>
+            <a:lvl4pPr marL="1371600" algn="l" defTabSz="914400" rtl="0" eaLnBrk="1" latinLnBrk="0" hangingPunct="1">
+              <a:defRPr sz="1800" kern="1200">
+                <a:solidFill>
+                  <a:schemeClr val="dk1"/>
+                </a:solidFill>
+                <a:latin typeface="+mn-lt"/>
+                <a:ea typeface="+mn-ea"/>
+                <a:cs typeface="+mn-cs"/>
+              </a:defRPr>
+            </a:lvl4pPr>
+            <a:lvl5pPr marL="1828800" algn="l" defTabSz="914400" rtl="0" eaLnBrk="1" latinLnBrk="0" hangingPunct="1">
+              <a:defRPr sz="1800" kern="1200">
+                <a:solidFill>
+                  <a:schemeClr val="dk1"/>
+                </a:solidFill>
+                <a:latin typeface="+mn-lt"/>
+                <a:ea typeface="+mn-ea"/>
+                <a:cs typeface="+mn-cs"/>
+              </a:defRPr>
+            </a:lvl5pPr>
+            <a:lvl6pPr marL="2286000" algn="l" defTabSz="914400" rtl="0" eaLnBrk="1" latinLnBrk="0" hangingPunct="1">
+              <a:defRPr sz="1800" kern="1200">
+                <a:solidFill>
+                  <a:schemeClr val="dk1"/>
+                </a:solidFill>
+                <a:latin typeface="+mn-lt"/>
+                <a:ea typeface="+mn-ea"/>
+                <a:cs typeface="+mn-cs"/>
+              </a:defRPr>
+            </a:lvl6pPr>
+            <a:lvl7pPr marL="2743200" algn="l" defTabSz="914400" rtl="0" eaLnBrk="1" latinLnBrk="0" hangingPunct="1">
+              <a:defRPr sz="1800" kern="1200">
+                <a:solidFill>
+                  <a:schemeClr val="dk1"/>
+                </a:solidFill>
+                <a:latin typeface="+mn-lt"/>
+                <a:ea typeface="+mn-ea"/>
+                <a:cs typeface="+mn-cs"/>
+              </a:defRPr>
+            </a:lvl7pPr>
+            <a:lvl8pPr marL="3200400" algn="l" defTabSz="914400" rtl="0" eaLnBrk="1" latinLnBrk="0" hangingPunct="1">
+              <a:defRPr sz="1800" kern="1200">
+                <a:solidFill>
+                  <a:schemeClr val="dk1"/>
+                </a:solidFill>
+                <a:latin typeface="+mn-lt"/>
+                <a:ea typeface="+mn-ea"/>
+                <a:cs typeface="+mn-cs"/>
+              </a:defRPr>
+            </a:lvl8pPr>
+            <a:lvl9pPr marL="3657600" algn="l" defTabSz="914400" rtl="0" eaLnBrk="1" latinLnBrk="0" hangingPunct="1">
+              <a:defRPr sz="1800" kern="1200">
+                <a:solidFill>
+                  <a:schemeClr val="dk1"/>
+                </a:solidFill>
+                <a:latin typeface="+mn-lt"/>
+                <a:ea typeface="+mn-ea"/>
+                <a:cs typeface="+mn-cs"/>
+              </a:defRPr>
+            </a:lvl9pPr>
+          </a:lstStyle>
+          <a:p>
+            <a:endParaRPr lang="en-IN" sz="900" dirty="0"/>
+          </a:p>
+        </p:txBody>
+      </p:sp>
+      <p:sp>
+        <p:nvSpPr>
+          <p:cNvPr id="12" name="Rectangle 11">
+            <a:extLst>
+              <a:ext uri="{FF2B5EF4-FFF2-40B4-BE49-F238E27FC236}">
+                <a16:creationId xmlns:a16="http://schemas.microsoft.com/office/drawing/2014/main" id="{609950B2-913B-3EC1-7F05-58C32E2F220A}"/>
+              </a:ext>
+            </a:extLst>
+          </p:cNvPr>
+          <p:cNvSpPr/>
+          <p:nvPr/>
+        </p:nvSpPr>
+        <p:spPr>
+          <a:xfrm>
+            <a:off x="918617" y="1308420"/>
+            <a:ext cx="10467309" cy="5132845"/>
+          </a:xfrm>
+          <a:prstGeom prst="rect">
+            <a:avLst/>
+          </a:prstGeom>
+          <a:noFill/>
+          <a:ln w="12700">
+            <a:solidFill>
+              <a:schemeClr val="tx1"/>
+            </a:solidFill>
+          </a:ln>
+        </p:spPr>
+        <p:style>
+          <a:lnRef idx="2">
+            <a:schemeClr val="accent1">
+              <a:shade val="50000"/>
+            </a:schemeClr>
+          </a:lnRef>
+          <a:fillRef idx="1">
+            <a:schemeClr val="accent1"/>
+          </a:fillRef>
+          <a:effectRef idx="0">
+            <a:schemeClr val="accent1"/>
+          </a:effectRef>
+          <a:fontRef idx="minor">
+            <a:schemeClr val="lt1"/>
+          </a:fontRef>
+        </p:style>
+        <p:txBody>
+          <a:bodyPr lIns="502920" tIns="91440"/>
+          <a:lstStyle>
+            <a:defPPr>
+              <a:defRPr lang="en-US"/>
+            </a:defPPr>
+            <a:lvl1pPr marL="0" algn="l" defTabSz="914400" rtl="0" eaLnBrk="1" latinLnBrk="0" hangingPunct="1">
+              <a:defRPr sz="1800" kern="1200">
+                <a:solidFill>
+                  <a:schemeClr val="lt1"/>
+                </a:solidFill>
+                <a:latin typeface="+mn-lt"/>
+                <a:ea typeface="+mn-ea"/>
+                <a:cs typeface="+mn-cs"/>
+              </a:defRPr>
+            </a:lvl1pPr>
+            <a:lvl2pPr marL="457200" algn="l" defTabSz="914400" rtl="0" eaLnBrk="1" latinLnBrk="0" hangingPunct="1">
+              <a:defRPr sz="1800" kern="1200">
+                <a:solidFill>
+                  <a:schemeClr val="lt1"/>
+                </a:solidFill>
+                <a:latin typeface="+mn-lt"/>
+                <a:ea typeface="+mn-ea"/>
+                <a:cs typeface="+mn-cs"/>
+              </a:defRPr>
+            </a:lvl2pPr>
+            <a:lvl3pPr marL="914400" algn="l" defTabSz="914400" rtl="0" eaLnBrk="1" latinLnBrk="0" hangingPunct="1">
+              <a:defRPr sz="1800" kern="1200">
+                <a:solidFill>
+                  <a:schemeClr val="lt1"/>
+                </a:solidFill>
+                <a:latin typeface="+mn-lt"/>
+                <a:ea typeface="+mn-ea"/>
+                <a:cs typeface="+mn-cs"/>
+              </a:defRPr>
+            </a:lvl3pPr>
+            <a:lvl4pPr marL="1371600" algn="l" defTabSz="914400" rtl="0" eaLnBrk="1" latinLnBrk="0" hangingPunct="1">
+              <a:defRPr sz="1800" kern="1200">
+                <a:solidFill>
+                  <a:schemeClr val="lt1"/>
+                </a:solidFill>
+                <a:latin typeface="+mn-lt"/>
+                <a:ea typeface="+mn-ea"/>
+                <a:cs typeface="+mn-cs"/>
+              </a:defRPr>
+            </a:lvl4pPr>
+            <a:lvl5pPr marL="1828800" algn="l" defTabSz="914400" rtl="0" eaLnBrk="1" latinLnBrk="0" hangingPunct="1">
+              <a:defRPr sz="1800" kern="1200">
+                <a:solidFill>
+                  <a:schemeClr val="lt1"/>
+                </a:solidFill>
+                <a:latin typeface="+mn-lt"/>
+                <a:ea typeface="+mn-ea"/>
+                <a:cs typeface="+mn-cs"/>
+              </a:defRPr>
+            </a:lvl5pPr>
+            <a:lvl6pPr marL="2286000" algn="l" defTabSz="914400" rtl="0" eaLnBrk="1" latinLnBrk="0" hangingPunct="1">
+              <a:defRPr sz="1800" kern="1200">
+                <a:solidFill>
+                  <a:schemeClr val="lt1"/>
+                </a:solidFill>
+                <a:latin typeface="+mn-lt"/>
+                <a:ea typeface="+mn-ea"/>
+                <a:cs typeface="+mn-cs"/>
+              </a:defRPr>
+            </a:lvl6pPr>
+            <a:lvl7pPr marL="2743200" algn="l" defTabSz="914400" rtl="0" eaLnBrk="1" latinLnBrk="0" hangingPunct="1">
+              <a:defRPr sz="1800" kern="1200">
+                <a:solidFill>
+                  <a:schemeClr val="lt1"/>
+                </a:solidFill>
+                <a:latin typeface="+mn-lt"/>
+                <a:ea typeface="+mn-ea"/>
+                <a:cs typeface="+mn-cs"/>
+              </a:defRPr>
+            </a:lvl7pPr>
+            <a:lvl8pPr marL="3200400" algn="l" defTabSz="914400" rtl="0" eaLnBrk="1" latinLnBrk="0" hangingPunct="1">
+              <a:defRPr sz="1800" kern="1200">
+                <a:solidFill>
+                  <a:schemeClr val="lt1"/>
+                </a:solidFill>
+                <a:latin typeface="+mn-lt"/>
+                <a:ea typeface="+mn-ea"/>
+                <a:cs typeface="+mn-cs"/>
+              </a:defRPr>
+            </a:lvl8pPr>
+            <a:lvl9pPr marL="3657600" algn="l" defTabSz="914400" rtl="0" eaLnBrk="1" latinLnBrk="0" hangingPunct="1">
+              <a:defRPr sz="1800" kern="1200">
+                <a:solidFill>
+                  <a:schemeClr val="lt1"/>
+                </a:solidFill>
+                <a:latin typeface="+mn-lt"/>
+                <a:ea typeface="+mn-ea"/>
+                <a:cs typeface="+mn-cs"/>
+              </a:defRPr>
+            </a:lvl9pPr>
+          </a:lstStyle>
+          <a:p>
+            <a:pPr eaLnBrk="1" fontAlgn="auto" hangingPunct="1">
+              <a:spcBef>
+                <a:spcPts val="0"/>
+              </a:spcBef>
+              <a:spcAft>
+                <a:spcPts val="0"/>
+              </a:spcAft>
+              <a:defRPr/>
+            </a:pPr>
+            <a:r>
+              <a:rPr lang="en-US" sz="900" dirty="0">
+                <a:solidFill>
+                  <a:sysClr val="windowText" lastClr="000000"/>
+                </a:solidFill>
+                <a:cs typeface="Arial" panose="020B0604020202020204" pitchFamily="34" charset="0"/>
+              </a:rPr>
+              <a:t>AWS Cloud</a:t>
+            </a:r>
+          </a:p>
+        </p:txBody>
+      </p:sp>
+      <p:pic>
+        <p:nvPicPr>
+          <p:cNvPr id="29" name="Graphic 33">
+            <a:extLst>
+              <a:ext uri="{FF2B5EF4-FFF2-40B4-BE49-F238E27FC236}">
+                <a16:creationId xmlns:a16="http://schemas.microsoft.com/office/drawing/2014/main" id="{C9DB7881-EEE3-0F71-D702-066BD23720CD}"/>
+              </a:ext>
+            </a:extLst>
+          </p:cNvPr>
+          <p:cNvPicPr>
+            <a:picLocks noChangeAspect="1"/>
+          </p:cNvPicPr>
+          <p:nvPr/>
+        </p:nvPicPr>
+        <p:blipFill>
+          <a:blip r:embed="rId3" cstate="print"/>
+          <a:srcRect/>
+          <a:stretch/>
+        </p:blipFill>
+        <p:spPr>
+          <a:xfrm>
+            <a:off x="921688" y="1312064"/>
+            <a:ext cx="384902" cy="368547"/>
+          </a:xfrm>
+          <a:prstGeom prst="rect">
+            <a:avLst/>
+          </a:prstGeom>
+        </p:spPr>
+      </p:pic>
+      <p:sp>
+        <p:nvSpPr>
+          <p:cNvPr id="30" name="Rectangle 29">
+            <a:extLst>
+              <a:ext uri="{FF2B5EF4-FFF2-40B4-BE49-F238E27FC236}">
+                <a16:creationId xmlns:a16="http://schemas.microsoft.com/office/drawing/2014/main" id="{FB1A820E-D301-FE6B-6744-58F7D5D81A53}"/>
+              </a:ext>
+            </a:extLst>
+          </p:cNvPr>
+          <p:cNvSpPr/>
+          <p:nvPr/>
+        </p:nvSpPr>
+        <p:spPr>
+          <a:xfrm>
+            <a:off x="1230079" y="1806264"/>
+            <a:ext cx="3869352" cy="3812061"/>
+          </a:xfrm>
+          <a:prstGeom prst="rect">
+            <a:avLst/>
+          </a:prstGeom>
+          <a:ln w="38100">
+            <a:gradFill>
+              <a:gsLst>
+                <a:gs pos="0">
+                  <a:schemeClr val="tx2">
+                    <a:lumMod val="50000"/>
+                    <a:lumOff val="50000"/>
+                  </a:schemeClr>
+                </a:gs>
+                <a:gs pos="74000">
+                  <a:schemeClr val="accent1">
+                    <a:lumMod val="45000"/>
+                    <a:lumOff val="55000"/>
+                  </a:schemeClr>
+                </a:gs>
+                <a:gs pos="83000">
+                  <a:schemeClr val="accent1">
+                    <a:lumMod val="45000"/>
+                    <a:lumOff val="55000"/>
+                  </a:schemeClr>
+                </a:gs>
+                <a:gs pos="100000">
+                  <a:schemeClr val="accent1">
+                    <a:lumMod val="30000"/>
+                    <a:lumOff val="70000"/>
+                  </a:schemeClr>
+                </a:gs>
+              </a:gsLst>
+              <a:lin ang="5400000" scaled="1"/>
+            </a:gradFill>
+            <a:prstDash val="sysDash"/>
+          </a:ln>
+        </p:spPr>
+        <p:style>
+          <a:lnRef idx="2">
+            <a:schemeClr val="accent6"/>
+          </a:lnRef>
+          <a:fillRef idx="1">
+            <a:schemeClr val="lt1"/>
+          </a:fillRef>
+          <a:effectRef idx="0">
+            <a:schemeClr val="accent6"/>
+          </a:effectRef>
+          <a:fontRef idx="minor">
+            <a:schemeClr val="dk1"/>
+          </a:fontRef>
+        </p:style>
+        <p:txBody>
+          <a:bodyPr rtlCol="0" anchor="ctr"/>
+          <a:lstStyle>
+            <a:defPPr>
+              <a:defRPr lang="en-US"/>
+            </a:defPPr>
+            <a:lvl1pPr marL="0" algn="l" defTabSz="914400" rtl="0" eaLnBrk="1" latinLnBrk="0" hangingPunct="1">
+              <a:defRPr sz="1800" kern="1200">
+                <a:solidFill>
+                  <a:schemeClr val="dk1"/>
+                </a:solidFill>
+                <a:latin typeface="+mn-lt"/>
+                <a:ea typeface="+mn-ea"/>
+                <a:cs typeface="+mn-cs"/>
+              </a:defRPr>
+            </a:lvl1pPr>
+            <a:lvl2pPr marL="457200" algn="l" defTabSz="914400" rtl="0" eaLnBrk="1" latinLnBrk="0" hangingPunct="1">
+              <a:defRPr sz="1800" kern="1200">
+                <a:solidFill>
+                  <a:schemeClr val="dk1"/>
+                </a:solidFill>
+                <a:latin typeface="+mn-lt"/>
+                <a:ea typeface="+mn-ea"/>
+                <a:cs typeface="+mn-cs"/>
+              </a:defRPr>
+            </a:lvl2pPr>
+            <a:lvl3pPr marL="914400" algn="l" defTabSz="914400" rtl="0" eaLnBrk="1" latinLnBrk="0" hangingPunct="1">
+              <a:defRPr sz="1800" kern="1200">
+                <a:solidFill>
+                  <a:schemeClr val="dk1"/>
+                </a:solidFill>
+                <a:latin typeface="+mn-lt"/>
+                <a:ea typeface="+mn-ea"/>
+                <a:cs typeface="+mn-cs"/>
+              </a:defRPr>
+            </a:lvl3pPr>
+            <a:lvl4pPr marL="1371600" algn="l" defTabSz="914400" rtl="0" eaLnBrk="1" latinLnBrk="0" hangingPunct="1">
+              <a:defRPr sz="1800" kern="1200">
+                <a:solidFill>
+                  <a:schemeClr val="dk1"/>
+                </a:solidFill>
+                <a:latin typeface="+mn-lt"/>
+                <a:ea typeface="+mn-ea"/>
+                <a:cs typeface="+mn-cs"/>
+              </a:defRPr>
+            </a:lvl4pPr>
+            <a:lvl5pPr marL="1828800" algn="l" defTabSz="914400" rtl="0" eaLnBrk="1" latinLnBrk="0" hangingPunct="1">
+              <a:defRPr sz="1800" kern="1200">
+                <a:solidFill>
+                  <a:schemeClr val="dk1"/>
+                </a:solidFill>
+                <a:latin typeface="+mn-lt"/>
+                <a:ea typeface="+mn-ea"/>
+                <a:cs typeface="+mn-cs"/>
+              </a:defRPr>
+            </a:lvl5pPr>
+            <a:lvl6pPr marL="2286000" algn="l" defTabSz="914400" rtl="0" eaLnBrk="1" latinLnBrk="0" hangingPunct="1">
+              <a:defRPr sz="1800" kern="1200">
+                <a:solidFill>
+                  <a:schemeClr val="dk1"/>
+                </a:solidFill>
+                <a:latin typeface="+mn-lt"/>
+                <a:ea typeface="+mn-ea"/>
+                <a:cs typeface="+mn-cs"/>
+              </a:defRPr>
+            </a:lvl6pPr>
+            <a:lvl7pPr marL="2743200" algn="l" defTabSz="914400" rtl="0" eaLnBrk="1" latinLnBrk="0" hangingPunct="1">
+              <a:defRPr sz="1800" kern="1200">
+                <a:solidFill>
+                  <a:schemeClr val="dk1"/>
+                </a:solidFill>
+                <a:latin typeface="+mn-lt"/>
+                <a:ea typeface="+mn-ea"/>
+                <a:cs typeface="+mn-cs"/>
+              </a:defRPr>
+            </a:lvl7pPr>
+            <a:lvl8pPr marL="3200400" algn="l" defTabSz="914400" rtl="0" eaLnBrk="1" latinLnBrk="0" hangingPunct="1">
+              <a:defRPr sz="1800" kern="1200">
+                <a:solidFill>
+                  <a:schemeClr val="dk1"/>
+                </a:solidFill>
+                <a:latin typeface="+mn-lt"/>
+                <a:ea typeface="+mn-ea"/>
+                <a:cs typeface="+mn-cs"/>
+              </a:defRPr>
+            </a:lvl8pPr>
+            <a:lvl9pPr marL="3657600" algn="l" defTabSz="914400" rtl="0" eaLnBrk="1" latinLnBrk="0" hangingPunct="1">
+              <a:defRPr sz="1800" kern="1200">
+                <a:solidFill>
+                  <a:schemeClr val="dk1"/>
+                </a:solidFill>
+                <a:latin typeface="+mn-lt"/>
+                <a:ea typeface="+mn-ea"/>
+                <a:cs typeface="+mn-cs"/>
+              </a:defRPr>
+            </a:lvl9pPr>
+          </a:lstStyle>
+          <a:p>
+            <a:endParaRPr lang="en-IN" sz="900" dirty="0"/>
+          </a:p>
+        </p:txBody>
+      </p:sp>
+      <p:pic>
+        <p:nvPicPr>
+          <p:cNvPr id="37" name="Graphic 3">
+            <a:extLst>
+              <a:ext uri="{FF2B5EF4-FFF2-40B4-BE49-F238E27FC236}">
+                <a16:creationId xmlns:a16="http://schemas.microsoft.com/office/drawing/2014/main" id="{5333283D-EC07-EF4B-219E-4019EEE5AC6D}"/>
+              </a:ext>
+            </a:extLst>
+          </p:cNvPr>
+          <p:cNvPicPr>
+            <a:picLocks noChangeAspect="1"/>
+          </p:cNvPicPr>
+          <p:nvPr/>
+        </p:nvPicPr>
+        <p:blipFill>
+          <a:blip r:embed="rId4">
+            <a:extLst>
+              <a:ext uri="{96DAC541-7B7A-43D3-8B79-37D633B846F1}">
+                <asvg:svgBlip xmlns:asvg="http://schemas.microsoft.com/office/drawing/2016/SVG/main" r:embed="rId5"/>
+              </a:ext>
+            </a:extLst>
+          </a:blip>
+          <a:srcRect/>
+          <a:stretch/>
+        </p:blipFill>
+        <p:spPr>
+          <a:xfrm>
+            <a:off x="10247382" y="2478703"/>
+            <a:ext cx="507807" cy="507807"/>
+          </a:xfrm>
+          <a:prstGeom prst="rect">
+            <a:avLst/>
+          </a:prstGeom>
+        </p:spPr>
+      </p:pic>
+      <p:sp>
+        <p:nvSpPr>
+          <p:cNvPr id="52" name="TextBox 122">
+            <a:extLst>
+              <a:ext uri="{FF2B5EF4-FFF2-40B4-BE49-F238E27FC236}">
+                <a16:creationId xmlns:a16="http://schemas.microsoft.com/office/drawing/2014/main" id="{70A64A05-1D3F-8EF5-41FC-C92C518E13ED}"/>
+              </a:ext>
+            </a:extLst>
+          </p:cNvPr>
+          <p:cNvSpPr txBox="1"/>
+          <p:nvPr/>
+        </p:nvSpPr>
+        <p:spPr>
+          <a:xfrm>
+            <a:off x="9988378" y="2992970"/>
+            <a:ext cx="978166" cy="643253"/>
+          </a:xfrm>
+          <a:prstGeom prst="rect">
+            <a:avLst/>
+          </a:prstGeom>
+          <a:noFill/>
+        </p:spPr>
+        <p:txBody>
+          <a:bodyPr wrap="square" rtlCol="0">
+            <a:spAutoFit/>
+          </a:bodyPr>
+          <a:lstStyle>
+            <a:defPPr>
+              <a:defRPr lang="en-US"/>
+            </a:defPPr>
+            <a:lvl1pPr marL="0" algn="l" defTabSz="914400" rtl="0" eaLnBrk="1" latinLnBrk="0" hangingPunct="1">
+              <a:defRPr sz="1800" kern="1200">
+                <a:solidFill>
+                  <a:schemeClr val="tx1"/>
+                </a:solidFill>
+                <a:latin typeface="+mn-lt"/>
+                <a:ea typeface="+mn-ea"/>
+                <a:cs typeface="+mn-cs"/>
+              </a:defRPr>
+            </a:lvl1pPr>
+            <a:lvl2pPr marL="457200" algn="l" defTabSz="914400" rtl="0" eaLnBrk="1" latinLnBrk="0" hangingPunct="1">
+              <a:defRPr sz="1800" kern="1200">
+                <a:solidFill>
+                  <a:schemeClr val="tx1"/>
+                </a:solidFill>
+                <a:latin typeface="+mn-lt"/>
+                <a:ea typeface="+mn-ea"/>
+                <a:cs typeface="+mn-cs"/>
+              </a:defRPr>
+            </a:lvl2pPr>
+            <a:lvl3pPr marL="914400" algn="l" defTabSz="914400" rtl="0" eaLnBrk="1" latinLnBrk="0" hangingPunct="1">
+              <a:defRPr sz="1800" kern="1200">
+                <a:solidFill>
+                  <a:schemeClr val="tx1"/>
+                </a:solidFill>
+                <a:latin typeface="+mn-lt"/>
+                <a:ea typeface="+mn-ea"/>
+                <a:cs typeface="+mn-cs"/>
+              </a:defRPr>
+            </a:lvl3pPr>
+            <a:lvl4pPr marL="1371600" algn="l" defTabSz="914400" rtl="0" eaLnBrk="1" latinLnBrk="0" hangingPunct="1">
+              <a:defRPr sz="1800" kern="1200">
+                <a:solidFill>
+                  <a:schemeClr val="tx1"/>
+                </a:solidFill>
+                <a:latin typeface="+mn-lt"/>
+                <a:ea typeface="+mn-ea"/>
+                <a:cs typeface="+mn-cs"/>
+              </a:defRPr>
+            </a:lvl4pPr>
+            <a:lvl5pPr marL="1828800" algn="l" defTabSz="914400" rtl="0" eaLnBrk="1" latinLnBrk="0" hangingPunct="1">
+              <a:defRPr sz="1800" kern="1200">
+                <a:solidFill>
+                  <a:schemeClr val="tx1"/>
+                </a:solidFill>
+                <a:latin typeface="+mn-lt"/>
+                <a:ea typeface="+mn-ea"/>
+                <a:cs typeface="+mn-cs"/>
+              </a:defRPr>
+            </a:lvl5pPr>
+            <a:lvl6pPr marL="2286000" algn="l" defTabSz="914400" rtl="0" eaLnBrk="1" latinLnBrk="0" hangingPunct="1">
+              <a:defRPr sz="1800" kern="1200">
+                <a:solidFill>
+                  <a:schemeClr val="tx1"/>
+                </a:solidFill>
+                <a:latin typeface="+mn-lt"/>
+                <a:ea typeface="+mn-ea"/>
+                <a:cs typeface="+mn-cs"/>
+              </a:defRPr>
+            </a:lvl6pPr>
+            <a:lvl7pPr marL="2743200" algn="l" defTabSz="914400" rtl="0" eaLnBrk="1" latinLnBrk="0" hangingPunct="1">
+              <a:defRPr sz="1800" kern="1200">
+                <a:solidFill>
+                  <a:schemeClr val="tx1"/>
+                </a:solidFill>
+                <a:latin typeface="+mn-lt"/>
+                <a:ea typeface="+mn-ea"/>
+                <a:cs typeface="+mn-cs"/>
+              </a:defRPr>
+            </a:lvl7pPr>
+            <a:lvl8pPr marL="3200400" algn="l" defTabSz="914400" rtl="0" eaLnBrk="1" latinLnBrk="0" hangingPunct="1">
+              <a:defRPr sz="1800" kern="1200">
+                <a:solidFill>
+                  <a:schemeClr val="tx1"/>
+                </a:solidFill>
+                <a:latin typeface="+mn-lt"/>
+                <a:ea typeface="+mn-ea"/>
+                <a:cs typeface="+mn-cs"/>
+              </a:defRPr>
+            </a:lvl8pPr>
+            <a:lvl9pPr marL="3657600" algn="l" defTabSz="914400" rtl="0" eaLnBrk="1" latinLnBrk="0" hangingPunct="1">
+              <a:defRPr sz="1800" kern="1200">
+                <a:solidFill>
+                  <a:schemeClr val="tx1"/>
+                </a:solidFill>
+                <a:latin typeface="+mn-lt"/>
+                <a:ea typeface="+mn-ea"/>
+                <a:cs typeface="+mn-cs"/>
+              </a:defRPr>
+            </a:lvl9pPr>
+          </a:lstStyle>
+          <a:p>
+            <a:pPr algn="ctr"/>
+            <a:r>
+              <a:rPr lang="en-IN" sz="900" b="1" dirty="0">
+                <a:ea typeface="Calibri" panose="020F0502020204030204" pitchFamily="34" charset="0"/>
+                <a:cs typeface="Calibri" panose="020F0502020204030204" pitchFamily="34" charset="0"/>
+              </a:rPr>
+              <a:t>IAM role </a:t>
+            </a:r>
+            <a:r>
+              <a:rPr lang="en-IN" sz="900" dirty="0">
+                <a:ea typeface="Calibri" panose="020F0502020204030204" pitchFamily="34" charset="0"/>
+                <a:cs typeface="Calibri" panose="020F0502020204030204" pitchFamily="34" charset="0"/>
+              </a:rPr>
+              <a:t>with S3 read write access and access to SNS</a:t>
+            </a:r>
+          </a:p>
+        </p:txBody>
+      </p:sp>
+      <p:pic>
+        <p:nvPicPr>
+          <p:cNvPr id="57" name="Graphic 13">
+            <a:extLst>
+              <a:ext uri="{FF2B5EF4-FFF2-40B4-BE49-F238E27FC236}">
+                <a16:creationId xmlns:a16="http://schemas.microsoft.com/office/drawing/2014/main" id="{E4752BD0-6DF3-BE2D-30F3-990348593363}"/>
+              </a:ext>
+            </a:extLst>
+          </p:cNvPr>
+          <p:cNvPicPr>
+            <a:picLocks noChangeAspect="1" noChangeArrowheads="1"/>
+          </p:cNvPicPr>
+          <p:nvPr/>
+        </p:nvPicPr>
+        <p:blipFill>
+          <a:blip r:embed="rId6">
+            <a:extLst>
+              <a:ext uri="{28A0092B-C50C-407E-A947-70E740481C1C}">
+                <a14:useLocalDpi xmlns:a14="http://schemas.microsoft.com/office/drawing/2010/main" val="0"/>
+              </a:ext>
+            </a:extLst>
+          </a:blip>
+          <a:srcRect/>
+          <a:stretch>
+            <a:fillRect/>
+          </a:stretch>
+        </p:blipFill>
+        <p:spPr bwMode="auto">
+          <a:xfrm>
+            <a:off x="2753861" y="3673660"/>
+            <a:ext cx="639913" cy="639913"/>
+          </a:xfrm>
+          <a:prstGeom prst="rect">
+            <a:avLst/>
+          </a:prstGeom>
+          <a:noFill/>
+          <a:ln>
+            <a:noFill/>
+          </a:ln>
+          <a:extLst>
+            <a:ext uri="{909E8E84-426E-40DD-AFC4-6F175D3DCCD1}">
+              <a14:hiddenFill xmlns:a14="http://schemas.microsoft.com/office/drawing/2010/main">
+                <a:solidFill>
+                  <a:srgbClr val="FFFFFF"/>
+                </a:solidFill>
+              </a14:hiddenFill>
+            </a:ext>
+            <a:ext uri="{91240B29-F687-4F45-9708-019B960494DF}">
+              <a14:hiddenLine xmlns:a14="http://schemas.microsoft.com/office/drawing/2010/main" w="9525">
+                <a:solidFill>
+                  <a:srgbClr val="000000"/>
+                </a:solidFill>
+                <a:miter lim="800000"/>
+                <a:headEnd/>
+                <a:tailEnd/>
+              </a14:hiddenLine>
+            </a:ext>
+          </a:extLst>
+        </p:spPr>
+      </p:pic>
+      <p:pic>
+        <p:nvPicPr>
+          <p:cNvPr id="58" name="Graphic 63">
+            <a:extLst>
+              <a:ext uri="{FF2B5EF4-FFF2-40B4-BE49-F238E27FC236}">
+                <a16:creationId xmlns:a16="http://schemas.microsoft.com/office/drawing/2014/main" id="{2DAE2AA5-4036-F578-CBA7-7FDA50A1AA5F}"/>
+              </a:ext>
+            </a:extLst>
+          </p:cNvPr>
+          <p:cNvPicPr>
+            <a:picLocks noChangeAspect="1" noChangeArrowheads="1"/>
+          </p:cNvPicPr>
+          <p:nvPr/>
+        </p:nvPicPr>
+        <p:blipFill>
+          <a:blip r:embed="rId7">
+            <a:extLst>
+              <a:ext uri="{28A0092B-C50C-407E-A947-70E740481C1C}">
+                <a14:useLocalDpi xmlns:a14="http://schemas.microsoft.com/office/drawing/2010/main" val="0"/>
+              </a:ext>
+            </a:extLst>
+          </a:blip>
+          <a:srcRect/>
+          <a:stretch>
+            <a:fillRect/>
+          </a:stretch>
+        </p:blipFill>
+        <p:spPr bwMode="auto">
+          <a:xfrm>
+            <a:off x="3190453" y="2201639"/>
+            <a:ext cx="617141" cy="617141"/>
+          </a:xfrm>
+          <a:prstGeom prst="rect">
+            <a:avLst/>
+          </a:prstGeom>
+          <a:noFill/>
+          <a:ln>
+            <a:noFill/>
+          </a:ln>
+          <a:extLst>
+            <a:ext uri="{909E8E84-426E-40DD-AFC4-6F175D3DCCD1}">
+              <a14:hiddenFill xmlns:a14="http://schemas.microsoft.com/office/drawing/2010/main">
+                <a:solidFill>
+                  <a:srgbClr val="FFFFFF"/>
+                </a:solidFill>
+              </a14:hiddenFill>
+            </a:ext>
+            <a:ext uri="{91240B29-F687-4F45-9708-019B960494DF}">
+              <a14:hiddenLine xmlns:a14="http://schemas.microsoft.com/office/drawing/2010/main" w="9525">
+                <a:solidFill>
+                  <a:srgbClr val="000000"/>
+                </a:solidFill>
+                <a:miter lim="800000"/>
+                <a:headEnd/>
+                <a:tailEnd/>
+              </a14:hiddenLine>
+            </a:ext>
+          </a:extLst>
+        </p:spPr>
+      </p:pic>
+      <p:sp>
+        <p:nvSpPr>
+          <p:cNvPr id="60" name="TextBox 134">
+            <a:extLst>
+              <a:ext uri="{FF2B5EF4-FFF2-40B4-BE49-F238E27FC236}">
+                <a16:creationId xmlns:a16="http://schemas.microsoft.com/office/drawing/2014/main" id="{2E175010-9F72-D362-4CAB-9BBEA2DBB677}"/>
+              </a:ext>
+            </a:extLst>
+          </p:cNvPr>
+          <p:cNvSpPr txBox="1"/>
+          <p:nvPr/>
+        </p:nvSpPr>
+        <p:spPr>
+          <a:xfrm>
+            <a:off x="3634715" y="2236366"/>
+            <a:ext cx="1544856" cy="923330"/>
+          </a:xfrm>
+          <a:prstGeom prst="rect">
+            <a:avLst/>
+          </a:prstGeom>
+          <a:noFill/>
+        </p:spPr>
+        <p:txBody>
+          <a:bodyPr wrap="square" rtlCol="0">
+            <a:spAutoFit/>
+          </a:bodyPr>
+          <a:lstStyle>
+            <a:defPPr>
+              <a:defRPr lang="en-US"/>
+            </a:defPPr>
+            <a:lvl1pPr marL="0" algn="l" defTabSz="914400" rtl="0" eaLnBrk="1" latinLnBrk="0" hangingPunct="1">
+              <a:defRPr sz="1800" kern="1200">
+                <a:solidFill>
+                  <a:schemeClr val="tx1"/>
+                </a:solidFill>
+                <a:latin typeface="+mn-lt"/>
+                <a:ea typeface="+mn-ea"/>
+                <a:cs typeface="+mn-cs"/>
+              </a:defRPr>
+            </a:lvl1pPr>
+            <a:lvl2pPr marL="457200" algn="l" defTabSz="914400" rtl="0" eaLnBrk="1" latinLnBrk="0" hangingPunct="1">
+              <a:defRPr sz="1800" kern="1200">
+                <a:solidFill>
+                  <a:schemeClr val="tx1"/>
+                </a:solidFill>
+                <a:latin typeface="+mn-lt"/>
+                <a:ea typeface="+mn-ea"/>
+                <a:cs typeface="+mn-cs"/>
+              </a:defRPr>
+            </a:lvl2pPr>
+            <a:lvl3pPr marL="914400" algn="l" defTabSz="914400" rtl="0" eaLnBrk="1" latinLnBrk="0" hangingPunct="1">
+              <a:defRPr sz="1800" kern="1200">
+                <a:solidFill>
+                  <a:schemeClr val="tx1"/>
+                </a:solidFill>
+                <a:latin typeface="+mn-lt"/>
+                <a:ea typeface="+mn-ea"/>
+                <a:cs typeface="+mn-cs"/>
+              </a:defRPr>
+            </a:lvl3pPr>
+            <a:lvl4pPr marL="1371600" algn="l" defTabSz="914400" rtl="0" eaLnBrk="1" latinLnBrk="0" hangingPunct="1">
+              <a:defRPr sz="1800" kern="1200">
+                <a:solidFill>
+                  <a:schemeClr val="tx1"/>
+                </a:solidFill>
+                <a:latin typeface="+mn-lt"/>
+                <a:ea typeface="+mn-ea"/>
+                <a:cs typeface="+mn-cs"/>
+              </a:defRPr>
+            </a:lvl4pPr>
+            <a:lvl5pPr marL="1828800" algn="l" defTabSz="914400" rtl="0" eaLnBrk="1" latinLnBrk="0" hangingPunct="1">
+              <a:defRPr sz="1800" kern="1200">
+                <a:solidFill>
+                  <a:schemeClr val="tx1"/>
+                </a:solidFill>
+                <a:latin typeface="+mn-lt"/>
+                <a:ea typeface="+mn-ea"/>
+                <a:cs typeface="+mn-cs"/>
+              </a:defRPr>
+            </a:lvl5pPr>
+            <a:lvl6pPr marL="2286000" algn="l" defTabSz="914400" rtl="0" eaLnBrk="1" latinLnBrk="0" hangingPunct="1">
+              <a:defRPr sz="1800" kern="1200">
+                <a:solidFill>
+                  <a:schemeClr val="tx1"/>
+                </a:solidFill>
+                <a:latin typeface="+mn-lt"/>
+                <a:ea typeface="+mn-ea"/>
+                <a:cs typeface="+mn-cs"/>
+              </a:defRPr>
+            </a:lvl6pPr>
+            <a:lvl7pPr marL="2743200" algn="l" defTabSz="914400" rtl="0" eaLnBrk="1" latinLnBrk="0" hangingPunct="1">
+              <a:defRPr sz="1800" kern="1200">
+                <a:solidFill>
+                  <a:schemeClr val="tx1"/>
+                </a:solidFill>
+                <a:latin typeface="+mn-lt"/>
+                <a:ea typeface="+mn-ea"/>
+                <a:cs typeface="+mn-cs"/>
+              </a:defRPr>
+            </a:lvl7pPr>
+            <a:lvl8pPr marL="3200400" algn="l" defTabSz="914400" rtl="0" eaLnBrk="1" latinLnBrk="0" hangingPunct="1">
+              <a:defRPr sz="1800" kern="1200">
+                <a:solidFill>
+                  <a:schemeClr val="tx1"/>
+                </a:solidFill>
+                <a:latin typeface="+mn-lt"/>
+                <a:ea typeface="+mn-ea"/>
+                <a:cs typeface="+mn-cs"/>
+              </a:defRPr>
+            </a:lvl8pPr>
+            <a:lvl9pPr marL="3657600" algn="l" defTabSz="914400" rtl="0" eaLnBrk="1" latinLnBrk="0" hangingPunct="1">
+              <a:defRPr sz="1800" kern="1200">
+                <a:solidFill>
+                  <a:schemeClr val="tx1"/>
+                </a:solidFill>
+                <a:latin typeface="+mn-lt"/>
+                <a:ea typeface="+mn-ea"/>
+                <a:cs typeface="+mn-cs"/>
+              </a:defRPr>
+            </a:lvl9pPr>
+          </a:lstStyle>
+          <a:p>
+            <a:pPr algn="ctr"/>
+            <a:r>
+              <a:rPr lang="en-US" sz="900" b="1" dirty="0"/>
+              <a:t>Input</a:t>
+            </a:r>
+            <a:r>
+              <a:rPr lang="en-US" sz="900" dirty="0"/>
+              <a:t> </a:t>
+            </a:r>
+            <a:r>
+              <a:rPr lang="en-US" sz="900" b="1" dirty="0"/>
+              <a:t>bucket</a:t>
+            </a:r>
+            <a:r>
+              <a:rPr lang="en-US" sz="900" dirty="0"/>
+              <a:t> </a:t>
+            </a:r>
+          </a:p>
+          <a:p>
+            <a:pPr algn="ctr"/>
+            <a:r>
+              <a:rPr lang="en-US" sz="900" dirty="0"/>
+              <a:t>(The S3 bucket contains the drug name and Data extracts from the Canada Vigilance adverse reaction online database(.txt files) as input)</a:t>
+            </a:r>
+            <a:endParaRPr lang="en-IN" sz="900" dirty="0">
+              <a:ea typeface="Calibri" panose="020F0502020204030204" pitchFamily="34" charset="0"/>
+              <a:cs typeface="Calibri" panose="020F0502020204030204" pitchFamily="34" charset="0"/>
+            </a:endParaRPr>
+          </a:p>
+        </p:txBody>
+      </p:sp>
+      <p:pic>
+        <p:nvPicPr>
+          <p:cNvPr id="61" name="Graphic 13">
+            <a:extLst>
+              <a:ext uri="{FF2B5EF4-FFF2-40B4-BE49-F238E27FC236}">
+                <a16:creationId xmlns:a16="http://schemas.microsoft.com/office/drawing/2014/main" id="{B5642746-0AC9-0DA8-BD0D-2F8046A2C6D1}"/>
+              </a:ext>
+            </a:extLst>
+          </p:cNvPr>
+          <p:cNvPicPr>
+            <a:picLocks noChangeAspect="1" noChangeArrowheads="1"/>
+          </p:cNvPicPr>
+          <p:nvPr/>
+        </p:nvPicPr>
+        <p:blipFill>
+          <a:blip r:embed="rId8" cstate="print">
+            <a:extLst>
+              <a:ext uri="{28A0092B-C50C-407E-A947-70E740481C1C}">
+                <a14:useLocalDpi xmlns:a14="http://schemas.microsoft.com/office/drawing/2010/main" val="0"/>
+              </a:ext>
+            </a:extLst>
+          </a:blip>
+          <a:srcRect/>
+          <a:stretch>
+            <a:fillRect/>
+          </a:stretch>
+        </p:blipFill>
+        <p:spPr bwMode="auto">
+          <a:xfrm>
+            <a:off x="7410669" y="4727155"/>
+            <a:ext cx="691618" cy="707005"/>
+          </a:xfrm>
+          <a:prstGeom prst="rect">
+            <a:avLst/>
+          </a:prstGeom>
+          <a:noFill/>
+          <a:ln>
+            <a:noFill/>
+          </a:ln>
+          <a:extLst>
+            <a:ext uri="{909E8E84-426E-40DD-AFC4-6F175D3DCCD1}">
+              <a14:hiddenFill xmlns:a14="http://schemas.microsoft.com/office/drawing/2010/main">
+                <a:solidFill>
+                  <a:srgbClr val="FFFFFF"/>
+                </a:solidFill>
+              </a14:hiddenFill>
+            </a:ext>
+            <a:ext uri="{91240B29-F687-4F45-9708-019B960494DF}">
+              <a14:hiddenLine xmlns:a14="http://schemas.microsoft.com/office/drawing/2010/main" w="9525">
+                <a:solidFill>
+                  <a:srgbClr val="000000"/>
+                </a:solidFill>
+                <a:miter lim="800000"/>
+                <a:headEnd/>
+                <a:tailEnd/>
+              </a14:hiddenLine>
+            </a:ext>
+          </a:extLst>
+        </p:spPr>
+      </p:pic>
+      <p:sp>
+        <p:nvSpPr>
+          <p:cNvPr id="64" name="TextBox 140">
+            <a:extLst>
+              <a:ext uri="{FF2B5EF4-FFF2-40B4-BE49-F238E27FC236}">
+                <a16:creationId xmlns:a16="http://schemas.microsoft.com/office/drawing/2014/main" id="{7DE08BE0-6F6D-5BB3-E75A-FE04877B831C}"/>
+              </a:ext>
+            </a:extLst>
+          </p:cNvPr>
+          <p:cNvSpPr txBox="1"/>
+          <p:nvPr/>
+        </p:nvSpPr>
+        <p:spPr>
+          <a:xfrm>
+            <a:off x="7159403" y="5337871"/>
+            <a:ext cx="1225162" cy="778675"/>
+          </a:xfrm>
+          <a:prstGeom prst="rect">
+            <a:avLst/>
+          </a:prstGeom>
+          <a:noFill/>
+        </p:spPr>
+        <p:txBody>
+          <a:bodyPr wrap="square" rtlCol="0">
+            <a:spAutoFit/>
+          </a:bodyPr>
+          <a:lstStyle>
+            <a:defPPr>
+              <a:defRPr lang="en-US"/>
+            </a:defPPr>
+            <a:lvl1pPr marL="0" algn="l" defTabSz="914400" rtl="0" eaLnBrk="1" latinLnBrk="0" hangingPunct="1">
+              <a:defRPr sz="1800" kern="1200">
+                <a:solidFill>
+                  <a:schemeClr val="tx1"/>
+                </a:solidFill>
+                <a:latin typeface="+mn-lt"/>
+                <a:ea typeface="+mn-ea"/>
+                <a:cs typeface="+mn-cs"/>
+              </a:defRPr>
+            </a:lvl1pPr>
+            <a:lvl2pPr marL="457200" algn="l" defTabSz="914400" rtl="0" eaLnBrk="1" latinLnBrk="0" hangingPunct="1">
+              <a:defRPr sz="1800" kern="1200">
+                <a:solidFill>
+                  <a:schemeClr val="tx1"/>
+                </a:solidFill>
+                <a:latin typeface="+mn-lt"/>
+                <a:ea typeface="+mn-ea"/>
+                <a:cs typeface="+mn-cs"/>
+              </a:defRPr>
+            </a:lvl2pPr>
+            <a:lvl3pPr marL="914400" algn="l" defTabSz="914400" rtl="0" eaLnBrk="1" latinLnBrk="0" hangingPunct="1">
+              <a:defRPr sz="1800" kern="1200">
+                <a:solidFill>
+                  <a:schemeClr val="tx1"/>
+                </a:solidFill>
+                <a:latin typeface="+mn-lt"/>
+                <a:ea typeface="+mn-ea"/>
+                <a:cs typeface="+mn-cs"/>
+              </a:defRPr>
+            </a:lvl3pPr>
+            <a:lvl4pPr marL="1371600" algn="l" defTabSz="914400" rtl="0" eaLnBrk="1" latinLnBrk="0" hangingPunct="1">
+              <a:defRPr sz="1800" kern="1200">
+                <a:solidFill>
+                  <a:schemeClr val="tx1"/>
+                </a:solidFill>
+                <a:latin typeface="+mn-lt"/>
+                <a:ea typeface="+mn-ea"/>
+                <a:cs typeface="+mn-cs"/>
+              </a:defRPr>
+            </a:lvl4pPr>
+            <a:lvl5pPr marL="1828800" algn="l" defTabSz="914400" rtl="0" eaLnBrk="1" latinLnBrk="0" hangingPunct="1">
+              <a:defRPr sz="1800" kern="1200">
+                <a:solidFill>
+                  <a:schemeClr val="tx1"/>
+                </a:solidFill>
+                <a:latin typeface="+mn-lt"/>
+                <a:ea typeface="+mn-ea"/>
+                <a:cs typeface="+mn-cs"/>
+              </a:defRPr>
+            </a:lvl5pPr>
+            <a:lvl6pPr marL="2286000" algn="l" defTabSz="914400" rtl="0" eaLnBrk="1" latinLnBrk="0" hangingPunct="1">
+              <a:defRPr sz="1800" kern="1200">
+                <a:solidFill>
+                  <a:schemeClr val="tx1"/>
+                </a:solidFill>
+                <a:latin typeface="+mn-lt"/>
+                <a:ea typeface="+mn-ea"/>
+                <a:cs typeface="+mn-cs"/>
+              </a:defRPr>
+            </a:lvl6pPr>
+            <a:lvl7pPr marL="2743200" algn="l" defTabSz="914400" rtl="0" eaLnBrk="1" latinLnBrk="0" hangingPunct="1">
+              <a:defRPr sz="1800" kern="1200">
+                <a:solidFill>
+                  <a:schemeClr val="tx1"/>
+                </a:solidFill>
+                <a:latin typeface="+mn-lt"/>
+                <a:ea typeface="+mn-ea"/>
+                <a:cs typeface="+mn-cs"/>
+              </a:defRPr>
+            </a:lvl7pPr>
+            <a:lvl8pPr marL="3200400" algn="l" defTabSz="914400" rtl="0" eaLnBrk="1" latinLnBrk="0" hangingPunct="1">
+              <a:defRPr sz="1800" kern="1200">
+                <a:solidFill>
+                  <a:schemeClr val="tx1"/>
+                </a:solidFill>
+                <a:latin typeface="+mn-lt"/>
+                <a:ea typeface="+mn-ea"/>
+                <a:cs typeface="+mn-cs"/>
+              </a:defRPr>
+            </a:lvl8pPr>
+            <a:lvl9pPr marL="3657600" algn="l" defTabSz="914400" rtl="0" eaLnBrk="1" latinLnBrk="0" hangingPunct="1">
+              <a:defRPr sz="1800" kern="1200">
+                <a:solidFill>
+                  <a:schemeClr val="tx1"/>
+                </a:solidFill>
+                <a:latin typeface="+mn-lt"/>
+                <a:ea typeface="+mn-ea"/>
+                <a:cs typeface="+mn-cs"/>
+              </a:defRPr>
+            </a:lvl9pPr>
+          </a:lstStyle>
+          <a:p>
+            <a:pPr algn="ctr"/>
+            <a:r>
+              <a:rPr lang="en-IN" sz="900" b="1" dirty="0">
+                <a:ea typeface="Calibri" panose="020F0502020204030204" pitchFamily="34" charset="0"/>
+                <a:cs typeface="Calibri" panose="020F0502020204030204" pitchFamily="34" charset="0"/>
+              </a:rPr>
+              <a:t>Lambda 3</a:t>
+            </a:r>
+          </a:p>
+          <a:p>
+            <a:pPr algn="ctr"/>
+            <a:r>
+              <a:rPr lang="en-IN" sz="900" dirty="0">
+                <a:ea typeface="Calibri" panose="020F0502020204030204" pitchFamily="34" charset="0"/>
+                <a:cs typeface="Calibri" panose="020F0502020204030204" pitchFamily="34" charset="0"/>
+              </a:rPr>
+              <a:t>(Lambda function to trigger an Email notification alert to Send mail to Client)</a:t>
+            </a:r>
+          </a:p>
+        </p:txBody>
+      </p:sp>
+      <p:pic>
+        <p:nvPicPr>
+          <p:cNvPr id="66" name="Graphic 18">
+            <a:extLst>
+              <a:ext uri="{FF2B5EF4-FFF2-40B4-BE49-F238E27FC236}">
+                <a16:creationId xmlns:a16="http://schemas.microsoft.com/office/drawing/2014/main" id="{6EF9B043-D541-231F-7578-22AE70CE71A6}"/>
+              </a:ext>
+            </a:extLst>
+          </p:cNvPr>
+          <p:cNvPicPr>
+            <a:picLocks noChangeAspect="1" noChangeArrowheads="1"/>
+          </p:cNvPicPr>
+          <p:nvPr/>
+        </p:nvPicPr>
+        <p:blipFill>
+          <a:blip r:embed="rId9" cstate="print"/>
+          <a:srcRect/>
+          <a:stretch/>
+        </p:blipFill>
+        <p:spPr bwMode="auto">
+          <a:xfrm>
+            <a:off x="9113213" y="4796331"/>
+            <a:ext cx="607679" cy="607679"/>
+          </a:xfrm>
+          <a:prstGeom prst="rect">
+            <a:avLst/>
+          </a:prstGeom>
+          <a:noFill/>
+          <a:ln>
+            <a:noFill/>
+          </a:ln>
+          <a:extLst>
+            <a:ext uri="{909E8E84-426E-40DD-AFC4-6F175D3DCCD1}">
+              <a14:hiddenFill xmlns:a14="http://schemas.microsoft.com/office/drawing/2010/main">
+                <a:solidFill>
+                  <a:srgbClr val="FFFFFF"/>
+                </a:solidFill>
+              </a14:hiddenFill>
+            </a:ext>
+            <a:ext uri="{91240B29-F687-4F45-9708-019B960494DF}">
+              <a14:hiddenLine xmlns:a14="http://schemas.microsoft.com/office/drawing/2010/main" w="9525">
+                <a:solidFill>
+                  <a:srgbClr val="000000"/>
+                </a:solidFill>
+                <a:miter lim="800000"/>
+                <a:headEnd/>
+                <a:tailEnd/>
+              </a14:hiddenLine>
+            </a:ext>
+          </a:extLst>
+        </p:spPr>
+      </p:pic>
+      <p:cxnSp>
+        <p:nvCxnSpPr>
+          <p:cNvPr id="68" name="Straight Arrow Connector 67">
+            <a:extLst>
+              <a:ext uri="{FF2B5EF4-FFF2-40B4-BE49-F238E27FC236}">
+                <a16:creationId xmlns:a16="http://schemas.microsoft.com/office/drawing/2014/main" id="{63FCE760-25DD-F7EB-B8A9-5E8358C865B6}"/>
+              </a:ext>
+            </a:extLst>
+          </p:cNvPr>
+          <p:cNvCxnSpPr>
+            <a:cxnSpLocks/>
+            <a:stCxn id="61" idx="3"/>
+            <a:endCxn id="66" idx="1"/>
+          </p:cNvCxnSpPr>
+          <p:nvPr/>
+        </p:nvCxnSpPr>
+        <p:spPr>
+          <a:xfrm>
+            <a:off x="8102287" y="5080658"/>
+            <a:ext cx="1010926" cy="19513"/>
+          </a:xfrm>
+          <a:prstGeom prst="straightConnector1">
+            <a:avLst/>
+          </a:prstGeom>
+          <a:ln>
+            <a:tailEnd type="triangle"/>
+          </a:ln>
+        </p:spPr>
+        <p:style>
+          <a:lnRef idx="2">
+            <a:schemeClr val="accent1"/>
+          </a:lnRef>
+          <a:fillRef idx="0">
+            <a:schemeClr val="accent1"/>
+          </a:fillRef>
+          <a:effectRef idx="1">
+            <a:schemeClr val="accent1"/>
+          </a:effectRef>
+          <a:fontRef idx="minor">
+            <a:schemeClr val="tx1"/>
+          </a:fontRef>
+        </p:style>
+      </p:cxnSp>
+      <p:sp>
+        <p:nvSpPr>
+          <p:cNvPr id="69" name="TextBox 144">
+            <a:extLst>
+              <a:ext uri="{FF2B5EF4-FFF2-40B4-BE49-F238E27FC236}">
+                <a16:creationId xmlns:a16="http://schemas.microsoft.com/office/drawing/2014/main" id="{5924FCE1-8F35-AF78-814E-46FFFBD6C3BA}"/>
+              </a:ext>
+            </a:extLst>
+          </p:cNvPr>
+          <p:cNvSpPr txBox="1"/>
+          <p:nvPr/>
+        </p:nvSpPr>
+        <p:spPr>
+          <a:xfrm>
+            <a:off x="8850294" y="5376465"/>
+            <a:ext cx="1193897" cy="507832"/>
+          </a:xfrm>
+          <a:prstGeom prst="rect">
+            <a:avLst/>
+          </a:prstGeom>
+          <a:noFill/>
+        </p:spPr>
+        <p:txBody>
+          <a:bodyPr wrap="square" rtlCol="0">
+            <a:spAutoFit/>
+          </a:bodyPr>
+          <a:lstStyle>
+            <a:defPPr>
+              <a:defRPr lang="en-US"/>
+            </a:defPPr>
+            <a:lvl1pPr marL="0" algn="l" defTabSz="914400" rtl="0" eaLnBrk="1" latinLnBrk="0" hangingPunct="1">
+              <a:defRPr sz="1800" kern="1200">
+                <a:solidFill>
+                  <a:schemeClr val="tx1"/>
+                </a:solidFill>
+                <a:latin typeface="+mn-lt"/>
+                <a:ea typeface="+mn-ea"/>
+                <a:cs typeface="+mn-cs"/>
+              </a:defRPr>
+            </a:lvl1pPr>
+            <a:lvl2pPr marL="457200" algn="l" defTabSz="914400" rtl="0" eaLnBrk="1" latinLnBrk="0" hangingPunct="1">
+              <a:defRPr sz="1800" kern="1200">
+                <a:solidFill>
+                  <a:schemeClr val="tx1"/>
+                </a:solidFill>
+                <a:latin typeface="+mn-lt"/>
+                <a:ea typeface="+mn-ea"/>
+                <a:cs typeface="+mn-cs"/>
+              </a:defRPr>
+            </a:lvl2pPr>
+            <a:lvl3pPr marL="914400" algn="l" defTabSz="914400" rtl="0" eaLnBrk="1" latinLnBrk="0" hangingPunct="1">
+              <a:defRPr sz="1800" kern="1200">
+                <a:solidFill>
+                  <a:schemeClr val="tx1"/>
+                </a:solidFill>
+                <a:latin typeface="+mn-lt"/>
+                <a:ea typeface="+mn-ea"/>
+                <a:cs typeface="+mn-cs"/>
+              </a:defRPr>
+            </a:lvl3pPr>
+            <a:lvl4pPr marL="1371600" algn="l" defTabSz="914400" rtl="0" eaLnBrk="1" latinLnBrk="0" hangingPunct="1">
+              <a:defRPr sz="1800" kern="1200">
+                <a:solidFill>
+                  <a:schemeClr val="tx1"/>
+                </a:solidFill>
+                <a:latin typeface="+mn-lt"/>
+                <a:ea typeface="+mn-ea"/>
+                <a:cs typeface="+mn-cs"/>
+              </a:defRPr>
+            </a:lvl4pPr>
+            <a:lvl5pPr marL="1828800" algn="l" defTabSz="914400" rtl="0" eaLnBrk="1" latinLnBrk="0" hangingPunct="1">
+              <a:defRPr sz="1800" kern="1200">
+                <a:solidFill>
+                  <a:schemeClr val="tx1"/>
+                </a:solidFill>
+                <a:latin typeface="+mn-lt"/>
+                <a:ea typeface="+mn-ea"/>
+                <a:cs typeface="+mn-cs"/>
+              </a:defRPr>
+            </a:lvl5pPr>
+            <a:lvl6pPr marL="2286000" algn="l" defTabSz="914400" rtl="0" eaLnBrk="1" latinLnBrk="0" hangingPunct="1">
+              <a:defRPr sz="1800" kern="1200">
+                <a:solidFill>
+                  <a:schemeClr val="tx1"/>
+                </a:solidFill>
+                <a:latin typeface="+mn-lt"/>
+                <a:ea typeface="+mn-ea"/>
+                <a:cs typeface="+mn-cs"/>
+              </a:defRPr>
+            </a:lvl6pPr>
+            <a:lvl7pPr marL="2743200" algn="l" defTabSz="914400" rtl="0" eaLnBrk="1" latinLnBrk="0" hangingPunct="1">
+              <a:defRPr sz="1800" kern="1200">
+                <a:solidFill>
+                  <a:schemeClr val="tx1"/>
+                </a:solidFill>
+                <a:latin typeface="+mn-lt"/>
+                <a:ea typeface="+mn-ea"/>
+                <a:cs typeface="+mn-cs"/>
+              </a:defRPr>
+            </a:lvl7pPr>
+            <a:lvl8pPr marL="3200400" algn="l" defTabSz="914400" rtl="0" eaLnBrk="1" latinLnBrk="0" hangingPunct="1">
+              <a:defRPr sz="1800" kern="1200">
+                <a:solidFill>
+                  <a:schemeClr val="tx1"/>
+                </a:solidFill>
+                <a:latin typeface="+mn-lt"/>
+                <a:ea typeface="+mn-ea"/>
+                <a:cs typeface="+mn-cs"/>
+              </a:defRPr>
+            </a:lvl8pPr>
+            <a:lvl9pPr marL="3657600" algn="l" defTabSz="914400" rtl="0" eaLnBrk="1" latinLnBrk="0" hangingPunct="1">
+              <a:defRPr sz="1800" kern="1200">
+                <a:solidFill>
+                  <a:schemeClr val="tx1"/>
+                </a:solidFill>
+                <a:latin typeface="+mn-lt"/>
+                <a:ea typeface="+mn-ea"/>
+                <a:cs typeface="+mn-cs"/>
+              </a:defRPr>
+            </a:lvl9pPr>
+          </a:lstStyle>
+          <a:p>
+            <a:pPr algn="ctr"/>
+            <a:r>
+              <a:rPr lang="en-IN" sz="900" b="1" dirty="0">
+                <a:ea typeface="Calibri" panose="020F0502020204030204" pitchFamily="34" charset="0"/>
+                <a:cs typeface="Calibri" panose="020F0502020204030204" pitchFamily="34" charset="0"/>
+              </a:rPr>
+              <a:t>SES</a:t>
+            </a:r>
+          </a:p>
+          <a:p>
+            <a:pPr algn="ctr"/>
+            <a:r>
+              <a:rPr lang="en-IN" sz="900" dirty="0">
+                <a:ea typeface="Calibri" panose="020F0502020204030204" pitchFamily="34" charset="0"/>
+                <a:cs typeface="Calibri" panose="020F0502020204030204" pitchFamily="34" charset="0"/>
+              </a:rPr>
+              <a:t>     (To send mail to Client)</a:t>
+            </a:r>
+          </a:p>
+        </p:txBody>
+      </p:sp>
+      <p:pic>
+        <p:nvPicPr>
+          <p:cNvPr id="70" name="Graphic 6">
+            <a:extLst>
+              <a:ext uri="{FF2B5EF4-FFF2-40B4-BE49-F238E27FC236}">
+                <a16:creationId xmlns:a16="http://schemas.microsoft.com/office/drawing/2014/main" id="{ECEB49C2-2D02-25D5-DFA8-D312E4E0C120}"/>
+              </a:ext>
+            </a:extLst>
+          </p:cNvPr>
+          <p:cNvPicPr>
+            <a:picLocks noChangeAspect="1" noChangeArrowheads="1"/>
+          </p:cNvPicPr>
+          <p:nvPr/>
+        </p:nvPicPr>
+        <p:blipFill>
+          <a:blip r:embed="rId10" cstate="print"/>
+          <a:srcRect/>
+          <a:stretch/>
+        </p:blipFill>
+        <p:spPr bwMode="auto">
+          <a:xfrm>
+            <a:off x="11609236" y="2529596"/>
+            <a:ext cx="557836" cy="557836"/>
+          </a:xfrm>
+          <a:prstGeom prst="rect">
+            <a:avLst/>
+          </a:prstGeom>
+          <a:noFill/>
+          <a:ln>
+            <a:noFill/>
+          </a:ln>
+          <a:extLst>
+            <a:ext uri="{909E8E84-426E-40DD-AFC4-6F175D3DCCD1}">
+              <a14:hiddenFill xmlns:a14="http://schemas.microsoft.com/office/drawing/2010/main">
+                <a:solidFill>
+                  <a:srgbClr val="FFFFFF"/>
+                </a:solidFill>
+              </a14:hiddenFill>
+            </a:ext>
+            <a:ext uri="{91240B29-F687-4F45-9708-019B960494DF}">
+              <a14:hiddenLine xmlns:a14="http://schemas.microsoft.com/office/drawing/2010/main" w="9525">
+                <a:solidFill>
+                  <a:srgbClr val="000000"/>
+                </a:solidFill>
+                <a:miter lim="800000"/>
+                <a:headEnd/>
+                <a:tailEnd/>
+              </a14:hiddenLine>
+            </a:ext>
+          </a:extLst>
+        </p:spPr>
+      </p:pic>
+      <p:pic>
+        <p:nvPicPr>
+          <p:cNvPr id="71" name="Graphic 19">
+            <a:extLst>
+              <a:ext uri="{FF2B5EF4-FFF2-40B4-BE49-F238E27FC236}">
+                <a16:creationId xmlns:a16="http://schemas.microsoft.com/office/drawing/2014/main" id="{AE39D401-3C57-B29B-B388-E7D245BCB25B}"/>
+              </a:ext>
+            </a:extLst>
+          </p:cNvPr>
+          <p:cNvPicPr>
+            <a:picLocks noChangeAspect="1" noChangeArrowheads="1"/>
+          </p:cNvPicPr>
+          <p:nvPr/>
+        </p:nvPicPr>
+        <p:blipFill>
+          <a:blip r:embed="rId11" cstate="print"/>
+          <a:srcRect/>
+          <a:stretch/>
+        </p:blipFill>
+        <p:spPr bwMode="auto">
+          <a:xfrm>
+            <a:off x="1451425" y="3087432"/>
+            <a:ext cx="461643" cy="461643"/>
+          </a:xfrm>
+          <a:prstGeom prst="rect">
+            <a:avLst/>
+          </a:prstGeom>
+          <a:noFill/>
+          <a:ln>
+            <a:noFill/>
+          </a:ln>
+          <a:extLst>
+            <a:ext uri="{909E8E84-426E-40DD-AFC4-6F175D3DCCD1}">
+              <a14:hiddenFill xmlns:a14="http://schemas.microsoft.com/office/drawing/2010/main">
+                <a:solidFill>
+                  <a:srgbClr val="FFFFFF"/>
+                </a:solidFill>
+              </a14:hiddenFill>
+            </a:ext>
+            <a:ext uri="{91240B29-F687-4F45-9708-019B960494DF}">
+              <a14:hiddenLine xmlns:a14="http://schemas.microsoft.com/office/drawing/2010/main" w="9525">
+                <a:solidFill>
+                  <a:srgbClr val="000000"/>
+                </a:solidFill>
+                <a:miter lim="800000"/>
+                <a:headEnd/>
+                <a:tailEnd/>
+              </a14:hiddenLine>
+            </a:ext>
+          </a:extLst>
+        </p:spPr>
+      </p:pic>
+      <p:pic>
+        <p:nvPicPr>
+          <p:cNvPr id="72" name="Graphic 19">
+            <a:extLst>
+              <a:ext uri="{FF2B5EF4-FFF2-40B4-BE49-F238E27FC236}">
+                <a16:creationId xmlns:a16="http://schemas.microsoft.com/office/drawing/2014/main" id="{F77CDE6F-3E8A-C60E-BDD6-EF263B3FAE69}"/>
+              </a:ext>
+            </a:extLst>
+          </p:cNvPr>
+          <p:cNvPicPr>
+            <a:picLocks noChangeAspect="1" noChangeArrowheads="1"/>
+          </p:cNvPicPr>
+          <p:nvPr/>
+        </p:nvPicPr>
+        <p:blipFill>
+          <a:blip r:embed="rId12" cstate="print">
+            <a:extLst>
+              <a:ext uri="{28A0092B-C50C-407E-A947-70E740481C1C}">
+                <a14:useLocalDpi xmlns:a14="http://schemas.microsoft.com/office/drawing/2010/main" val="0"/>
+              </a:ext>
+            </a:extLst>
+          </a:blip>
+          <a:srcRect/>
+          <a:stretch>
+            <a:fillRect/>
+          </a:stretch>
+        </p:blipFill>
+        <p:spPr bwMode="auto">
+          <a:xfrm>
+            <a:off x="10768396" y="1422876"/>
+            <a:ext cx="505958" cy="484460"/>
+          </a:xfrm>
+          <a:prstGeom prst="rect">
+            <a:avLst/>
+          </a:prstGeom>
+          <a:noFill/>
+          <a:ln>
+            <a:noFill/>
+          </a:ln>
+          <a:extLst>
+            <a:ext uri="{909E8E84-426E-40DD-AFC4-6F175D3DCCD1}">
+              <a14:hiddenFill xmlns:a14="http://schemas.microsoft.com/office/drawing/2010/main">
+                <a:solidFill>
+                  <a:srgbClr val="FFFFFF"/>
+                </a:solidFill>
+              </a14:hiddenFill>
+            </a:ext>
+            <a:ext uri="{91240B29-F687-4F45-9708-019B960494DF}">
+              <a14:hiddenLine xmlns:a14="http://schemas.microsoft.com/office/drawing/2010/main" w="9525">
+                <a:solidFill>
+                  <a:srgbClr val="000000"/>
+                </a:solidFill>
+                <a:miter lim="800000"/>
+                <a:headEnd/>
+                <a:tailEnd/>
+              </a14:hiddenLine>
+            </a:ext>
+          </a:extLst>
+        </p:spPr>
+      </p:pic>
+      <p:sp>
+        <p:nvSpPr>
+          <p:cNvPr id="73" name="TextBox 161">
+            <a:extLst>
+              <a:ext uri="{FF2B5EF4-FFF2-40B4-BE49-F238E27FC236}">
+                <a16:creationId xmlns:a16="http://schemas.microsoft.com/office/drawing/2014/main" id="{930F54D0-B0E7-ABF0-E14E-967B86E9D6A2}"/>
+              </a:ext>
+            </a:extLst>
+          </p:cNvPr>
+          <p:cNvSpPr txBox="1"/>
+          <p:nvPr/>
+        </p:nvSpPr>
+        <p:spPr>
+          <a:xfrm>
+            <a:off x="1158760" y="3512551"/>
+            <a:ext cx="1027513" cy="643253"/>
+          </a:xfrm>
+          <a:prstGeom prst="rect">
+            <a:avLst/>
+          </a:prstGeom>
+          <a:noFill/>
+        </p:spPr>
+        <p:txBody>
+          <a:bodyPr wrap="square" rtlCol="0">
+            <a:spAutoFit/>
+          </a:bodyPr>
+          <a:lstStyle>
+            <a:defPPr>
+              <a:defRPr lang="en-US"/>
+            </a:defPPr>
+            <a:lvl1pPr marL="0" algn="l" defTabSz="914400" rtl="0" eaLnBrk="1" latinLnBrk="0" hangingPunct="1">
+              <a:defRPr sz="1800" kern="1200">
+                <a:solidFill>
+                  <a:schemeClr val="tx1"/>
+                </a:solidFill>
+                <a:latin typeface="+mn-lt"/>
+                <a:ea typeface="+mn-ea"/>
+                <a:cs typeface="+mn-cs"/>
+              </a:defRPr>
+            </a:lvl1pPr>
+            <a:lvl2pPr marL="457200" algn="l" defTabSz="914400" rtl="0" eaLnBrk="1" latinLnBrk="0" hangingPunct="1">
+              <a:defRPr sz="1800" kern="1200">
+                <a:solidFill>
+                  <a:schemeClr val="tx1"/>
+                </a:solidFill>
+                <a:latin typeface="+mn-lt"/>
+                <a:ea typeface="+mn-ea"/>
+                <a:cs typeface="+mn-cs"/>
+              </a:defRPr>
+            </a:lvl2pPr>
+            <a:lvl3pPr marL="914400" algn="l" defTabSz="914400" rtl="0" eaLnBrk="1" latinLnBrk="0" hangingPunct="1">
+              <a:defRPr sz="1800" kern="1200">
+                <a:solidFill>
+                  <a:schemeClr val="tx1"/>
+                </a:solidFill>
+                <a:latin typeface="+mn-lt"/>
+                <a:ea typeface="+mn-ea"/>
+                <a:cs typeface="+mn-cs"/>
+              </a:defRPr>
+            </a:lvl3pPr>
+            <a:lvl4pPr marL="1371600" algn="l" defTabSz="914400" rtl="0" eaLnBrk="1" latinLnBrk="0" hangingPunct="1">
+              <a:defRPr sz="1800" kern="1200">
+                <a:solidFill>
+                  <a:schemeClr val="tx1"/>
+                </a:solidFill>
+                <a:latin typeface="+mn-lt"/>
+                <a:ea typeface="+mn-ea"/>
+                <a:cs typeface="+mn-cs"/>
+              </a:defRPr>
+            </a:lvl4pPr>
+            <a:lvl5pPr marL="1828800" algn="l" defTabSz="914400" rtl="0" eaLnBrk="1" latinLnBrk="0" hangingPunct="1">
+              <a:defRPr sz="1800" kern="1200">
+                <a:solidFill>
+                  <a:schemeClr val="tx1"/>
+                </a:solidFill>
+                <a:latin typeface="+mn-lt"/>
+                <a:ea typeface="+mn-ea"/>
+                <a:cs typeface="+mn-cs"/>
+              </a:defRPr>
+            </a:lvl5pPr>
+            <a:lvl6pPr marL="2286000" algn="l" defTabSz="914400" rtl="0" eaLnBrk="1" latinLnBrk="0" hangingPunct="1">
+              <a:defRPr sz="1800" kern="1200">
+                <a:solidFill>
+                  <a:schemeClr val="tx1"/>
+                </a:solidFill>
+                <a:latin typeface="+mn-lt"/>
+                <a:ea typeface="+mn-ea"/>
+                <a:cs typeface="+mn-cs"/>
+              </a:defRPr>
+            </a:lvl6pPr>
+            <a:lvl7pPr marL="2743200" algn="l" defTabSz="914400" rtl="0" eaLnBrk="1" latinLnBrk="0" hangingPunct="1">
+              <a:defRPr sz="1800" kern="1200">
+                <a:solidFill>
+                  <a:schemeClr val="tx1"/>
+                </a:solidFill>
+                <a:latin typeface="+mn-lt"/>
+                <a:ea typeface="+mn-ea"/>
+                <a:cs typeface="+mn-cs"/>
+              </a:defRPr>
+            </a:lvl7pPr>
+            <a:lvl8pPr marL="3200400" algn="l" defTabSz="914400" rtl="0" eaLnBrk="1" latinLnBrk="0" hangingPunct="1">
+              <a:defRPr sz="1800" kern="1200">
+                <a:solidFill>
+                  <a:schemeClr val="tx1"/>
+                </a:solidFill>
+                <a:latin typeface="+mn-lt"/>
+                <a:ea typeface="+mn-ea"/>
+                <a:cs typeface="+mn-cs"/>
+              </a:defRPr>
+            </a:lvl8pPr>
+            <a:lvl9pPr marL="3657600" algn="l" defTabSz="914400" rtl="0" eaLnBrk="1" latinLnBrk="0" hangingPunct="1">
+              <a:defRPr sz="1800" kern="1200">
+                <a:solidFill>
+                  <a:schemeClr val="tx1"/>
+                </a:solidFill>
+                <a:latin typeface="+mn-lt"/>
+                <a:ea typeface="+mn-ea"/>
+                <a:cs typeface="+mn-cs"/>
+              </a:defRPr>
+            </a:lvl9pPr>
+          </a:lstStyle>
+          <a:p>
+            <a:pPr algn="ctr"/>
+            <a:r>
+              <a:rPr lang="en-IN" sz="900" b="1" dirty="0"/>
+              <a:t>Event bridge</a:t>
+            </a:r>
+          </a:p>
+          <a:p>
+            <a:pPr algn="ctr"/>
+            <a:r>
+              <a:rPr lang="en-IN" sz="900" dirty="0"/>
+              <a:t>(To trigger the scheduled lambda ) </a:t>
+            </a:r>
+          </a:p>
+        </p:txBody>
+      </p:sp>
+      <p:cxnSp>
+        <p:nvCxnSpPr>
+          <p:cNvPr id="74" name="Connector: Elbow 201">
+            <a:extLst>
+              <a:ext uri="{FF2B5EF4-FFF2-40B4-BE49-F238E27FC236}">
+                <a16:creationId xmlns:a16="http://schemas.microsoft.com/office/drawing/2014/main" id="{0D24ED8F-B5B1-DD5B-7A5E-909E4B152FE6}"/>
+              </a:ext>
+            </a:extLst>
+          </p:cNvPr>
+          <p:cNvCxnSpPr>
+            <a:cxnSpLocks/>
+            <a:stCxn id="71" idx="3"/>
+            <a:endCxn id="57" idx="0"/>
+          </p:cNvCxnSpPr>
+          <p:nvPr/>
+        </p:nvCxnSpPr>
+        <p:spPr>
+          <a:xfrm>
+            <a:off x="1913068" y="3318254"/>
+            <a:ext cx="1160750" cy="355406"/>
+          </a:xfrm>
+          <a:prstGeom prst="bentConnector2">
+            <a:avLst/>
+          </a:prstGeom>
+          <a:ln>
+            <a:tailEnd type="triangle"/>
+          </a:ln>
+        </p:spPr>
+        <p:style>
+          <a:lnRef idx="1">
+            <a:schemeClr val="accent1"/>
+          </a:lnRef>
+          <a:fillRef idx="0">
+            <a:schemeClr val="accent1"/>
+          </a:fillRef>
+          <a:effectRef idx="0">
+            <a:schemeClr val="accent1"/>
+          </a:effectRef>
+          <a:fontRef idx="minor">
+            <a:schemeClr val="tx1"/>
+          </a:fontRef>
+        </p:style>
+      </p:cxnSp>
+      <p:sp>
+        <p:nvSpPr>
+          <p:cNvPr id="75" name="TextBox 208">
+            <a:extLst>
+              <a:ext uri="{FF2B5EF4-FFF2-40B4-BE49-F238E27FC236}">
+                <a16:creationId xmlns:a16="http://schemas.microsoft.com/office/drawing/2014/main" id="{148EB503-696A-BA0C-345D-5632358CBBAB}"/>
+              </a:ext>
+            </a:extLst>
+          </p:cNvPr>
+          <p:cNvSpPr txBox="1"/>
+          <p:nvPr/>
+        </p:nvSpPr>
+        <p:spPr>
+          <a:xfrm>
+            <a:off x="2977989" y="1795854"/>
+            <a:ext cx="1544857" cy="236988"/>
+          </a:xfrm>
+          <a:prstGeom prst="rect">
+            <a:avLst/>
+          </a:prstGeom>
+          <a:noFill/>
+        </p:spPr>
+        <p:txBody>
+          <a:bodyPr wrap="square" rtlCol="0">
+            <a:spAutoFit/>
+          </a:bodyPr>
+          <a:lstStyle>
+            <a:defPPr>
+              <a:defRPr lang="en-US"/>
+            </a:defPPr>
+            <a:lvl1pPr marL="0" algn="l" defTabSz="914400" rtl="0" eaLnBrk="1" latinLnBrk="0" hangingPunct="1">
+              <a:defRPr sz="1800" kern="1200">
+                <a:solidFill>
+                  <a:schemeClr val="tx1"/>
+                </a:solidFill>
+                <a:latin typeface="+mn-lt"/>
+                <a:ea typeface="+mn-ea"/>
+                <a:cs typeface="+mn-cs"/>
+              </a:defRPr>
+            </a:lvl1pPr>
+            <a:lvl2pPr marL="457200" algn="l" defTabSz="914400" rtl="0" eaLnBrk="1" latinLnBrk="0" hangingPunct="1">
+              <a:defRPr sz="1800" kern="1200">
+                <a:solidFill>
+                  <a:schemeClr val="tx1"/>
+                </a:solidFill>
+                <a:latin typeface="+mn-lt"/>
+                <a:ea typeface="+mn-ea"/>
+                <a:cs typeface="+mn-cs"/>
+              </a:defRPr>
+            </a:lvl2pPr>
+            <a:lvl3pPr marL="914400" algn="l" defTabSz="914400" rtl="0" eaLnBrk="1" latinLnBrk="0" hangingPunct="1">
+              <a:defRPr sz="1800" kern="1200">
+                <a:solidFill>
+                  <a:schemeClr val="tx1"/>
+                </a:solidFill>
+                <a:latin typeface="+mn-lt"/>
+                <a:ea typeface="+mn-ea"/>
+                <a:cs typeface="+mn-cs"/>
+              </a:defRPr>
+            </a:lvl3pPr>
+            <a:lvl4pPr marL="1371600" algn="l" defTabSz="914400" rtl="0" eaLnBrk="1" latinLnBrk="0" hangingPunct="1">
+              <a:defRPr sz="1800" kern="1200">
+                <a:solidFill>
+                  <a:schemeClr val="tx1"/>
+                </a:solidFill>
+                <a:latin typeface="+mn-lt"/>
+                <a:ea typeface="+mn-ea"/>
+                <a:cs typeface="+mn-cs"/>
+              </a:defRPr>
+            </a:lvl4pPr>
+            <a:lvl5pPr marL="1828800" algn="l" defTabSz="914400" rtl="0" eaLnBrk="1" latinLnBrk="0" hangingPunct="1">
+              <a:defRPr sz="1800" kern="1200">
+                <a:solidFill>
+                  <a:schemeClr val="tx1"/>
+                </a:solidFill>
+                <a:latin typeface="+mn-lt"/>
+                <a:ea typeface="+mn-ea"/>
+                <a:cs typeface="+mn-cs"/>
+              </a:defRPr>
+            </a:lvl5pPr>
+            <a:lvl6pPr marL="2286000" algn="l" defTabSz="914400" rtl="0" eaLnBrk="1" latinLnBrk="0" hangingPunct="1">
+              <a:defRPr sz="1800" kern="1200">
+                <a:solidFill>
+                  <a:schemeClr val="tx1"/>
+                </a:solidFill>
+                <a:latin typeface="+mn-lt"/>
+                <a:ea typeface="+mn-ea"/>
+                <a:cs typeface="+mn-cs"/>
+              </a:defRPr>
+            </a:lvl6pPr>
+            <a:lvl7pPr marL="2743200" algn="l" defTabSz="914400" rtl="0" eaLnBrk="1" latinLnBrk="0" hangingPunct="1">
+              <a:defRPr sz="1800" kern="1200">
+                <a:solidFill>
+                  <a:schemeClr val="tx1"/>
+                </a:solidFill>
+                <a:latin typeface="+mn-lt"/>
+                <a:ea typeface="+mn-ea"/>
+                <a:cs typeface="+mn-cs"/>
+              </a:defRPr>
+            </a:lvl7pPr>
+            <a:lvl8pPr marL="3200400" algn="l" defTabSz="914400" rtl="0" eaLnBrk="1" latinLnBrk="0" hangingPunct="1">
+              <a:defRPr sz="1800" kern="1200">
+                <a:solidFill>
+                  <a:schemeClr val="tx1"/>
+                </a:solidFill>
+                <a:latin typeface="+mn-lt"/>
+                <a:ea typeface="+mn-ea"/>
+                <a:cs typeface="+mn-cs"/>
+              </a:defRPr>
+            </a:lvl8pPr>
+            <a:lvl9pPr marL="3657600" algn="l" defTabSz="914400" rtl="0" eaLnBrk="1" latinLnBrk="0" hangingPunct="1">
+              <a:defRPr sz="1800" kern="1200">
+                <a:solidFill>
+                  <a:schemeClr val="tx1"/>
+                </a:solidFill>
+                <a:latin typeface="+mn-lt"/>
+                <a:ea typeface="+mn-ea"/>
+                <a:cs typeface="+mn-cs"/>
+              </a:defRPr>
+            </a:lvl9pPr>
+          </a:lstStyle>
+          <a:p>
+            <a:r>
+              <a:rPr lang="en-IN" sz="900" b="1" dirty="0"/>
+              <a:t>FETCHING &amp; FILTERING</a:t>
+            </a:r>
+          </a:p>
+        </p:txBody>
+      </p:sp>
+      <p:cxnSp>
+        <p:nvCxnSpPr>
+          <p:cNvPr id="76" name="Straight Arrow Connector 34">
+            <a:extLst>
+              <a:ext uri="{FF2B5EF4-FFF2-40B4-BE49-F238E27FC236}">
+                <a16:creationId xmlns:a16="http://schemas.microsoft.com/office/drawing/2014/main" id="{7168C21B-766E-8405-2879-656693ABB39E}"/>
+              </a:ext>
+            </a:extLst>
+          </p:cNvPr>
+          <p:cNvCxnSpPr>
+            <a:cxnSpLocks/>
+          </p:cNvCxnSpPr>
+          <p:nvPr/>
+        </p:nvCxnSpPr>
+        <p:spPr>
+          <a:xfrm>
+            <a:off x="6035351" y="4338346"/>
+            <a:ext cx="1501224" cy="794691"/>
+          </a:xfrm>
+          <a:prstGeom prst="bentConnector3">
+            <a:avLst>
+              <a:gd name="adj1" fmla="val 87"/>
+            </a:avLst>
+          </a:prstGeom>
+          <a:ln>
+            <a:headEnd type="triangle"/>
+            <a:tailEnd type="triangle"/>
+          </a:ln>
+        </p:spPr>
+        <p:style>
+          <a:lnRef idx="1">
+            <a:schemeClr val="accent1"/>
+          </a:lnRef>
+          <a:fillRef idx="0">
+            <a:schemeClr val="accent1"/>
+          </a:fillRef>
+          <a:effectRef idx="0">
+            <a:schemeClr val="accent1"/>
+          </a:effectRef>
+          <a:fontRef idx="minor">
+            <a:schemeClr val="tx1"/>
+          </a:fontRef>
+        </p:style>
+      </p:cxnSp>
+      <p:pic>
+        <p:nvPicPr>
+          <p:cNvPr id="77" name="Graphic 17">
+            <a:extLst>
+              <a:ext uri="{FF2B5EF4-FFF2-40B4-BE49-F238E27FC236}">
+                <a16:creationId xmlns:a16="http://schemas.microsoft.com/office/drawing/2014/main" id="{A17FB97C-38D1-1161-BB96-C7E733B3BEE4}"/>
+              </a:ext>
+            </a:extLst>
+          </p:cNvPr>
+          <p:cNvPicPr>
+            <a:picLocks noChangeAspect="1" noChangeArrowheads="1"/>
+          </p:cNvPicPr>
+          <p:nvPr/>
+        </p:nvPicPr>
+        <p:blipFill>
+          <a:blip r:embed="rId13" cstate="print">
+            <a:extLst>
+              <a:ext uri="{28A0092B-C50C-407E-A947-70E740481C1C}">
+                <a14:useLocalDpi xmlns:a14="http://schemas.microsoft.com/office/drawing/2010/main" val="0"/>
+              </a:ext>
+            </a:extLst>
+          </a:blip>
+          <a:srcRect/>
+          <a:stretch>
+            <a:fillRect/>
+          </a:stretch>
+        </p:blipFill>
+        <p:spPr bwMode="auto">
+          <a:xfrm>
+            <a:off x="9958271" y="1422876"/>
+            <a:ext cx="505958" cy="484460"/>
+          </a:xfrm>
+          <a:prstGeom prst="rect">
+            <a:avLst/>
+          </a:prstGeom>
+          <a:noFill/>
+          <a:ln>
+            <a:noFill/>
+          </a:ln>
+          <a:extLst>
+            <a:ext uri="{909E8E84-426E-40DD-AFC4-6F175D3DCCD1}">
+              <a14:hiddenFill xmlns:a14="http://schemas.microsoft.com/office/drawing/2010/main">
+                <a:solidFill>
+                  <a:srgbClr val="FFFFFF"/>
+                </a:solidFill>
+              </a14:hiddenFill>
+            </a:ext>
+            <a:ext uri="{91240B29-F687-4F45-9708-019B960494DF}">
+              <a14:hiddenLine xmlns:a14="http://schemas.microsoft.com/office/drawing/2010/main" w="9525">
+                <a:solidFill>
+                  <a:srgbClr val="000000"/>
+                </a:solidFill>
+                <a:miter lim="800000"/>
+                <a:headEnd/>
+                <a:tailEnd/>
+              </a14:hiddenLine>
+            </a:ext>
+          </a:extLst>
+        </p:spPr>
+      </p:pic>
+      <p:pic>
+        <p:nvPicPr>
+          <p:cNvPr id="78" name="Graphic 23">
+            <a:extLst>
+              <a:ext uri="{FF2B5EF4-FFF2-40B4-BE49-F238E27FC236}">
+                <a16:creationId xmlns:a16="http://schemas.microsoft.com/office/drawing/2014/main" id="{B437F545-EEE9-AE61-9D9A-F5F4FD1B7CC3}"/>
+              </a:ext>
+            </a:extLst>
+          </p:cNvPr>
+          <p:cNvPicPr>
+            <a:picLocks noChangeAspect="1" noChangeArrowheads="1"/>
+          </p:cNvPicPr>
+          <p:nvPr/>
+        </p:nvPicPr>
+        <p:blipFill>
+          <a:blip r:embed="rId14" cstate="print">
+            <a:extLst>
+              <a:ext uri="{28A0092B-C50C-407E-A947-70E740481C1C}">
+                <a14:useLocalDpi xmlns:a14="http://schemas.microsoft.com/office/drawing/2010/main" val="0"/>
+              </a:ext>
+            </a:extLst>
+          </a:blip>
+          <a:srcRect/>
+          <a:stretch>
+            <a:fillRect/>
+          </a:stretch>
+        </p:blipFill>
+        <p:spPr bwMode="auto">
+          <a:xfrm>
+            <a:off x="9109878" y="1381593"/>
+            <a:ext cx="517815" cy="495813"/>
+          </a:xfrm>
+          <a:prstGeom prst="rect">
+            <a:avLst/>
+          </a:prstGeom>
+          <a:noFill/>
+          <a:ln>
+            <a:noFill/>
+          </a:ln>
+          <a:extLst>
+            <a:ext uri="{909E8E84-426E-40DD-AFC4-6F175D3DCCD1}">
+              <a14:hiddenFill xmlns:a14="http://schemas.microsoft.com/office/drawing/2010/main">
+                <a:solidFill>
+                  <a:srgbClr val="FFFFFF"/>
+                </a:solidFill>
+              </a14:hiddenFill>
+            </a:ext>
+            <a:ext uri="{91240B29-F687-4F45-9708-019B960494DF}">
+              <a14:hiddenLine xmlns:a14="http://schemas.microsoft.com/office/drawing/2010/main" w="9525">
+                <a:solidFill>
+                  <a:srgbClr val="000000"/>
+                </a:solidFill>
+                <a:miter lim="800000"/>
+                <a:headEnd/>
+                <a:tailEnd/>
+              </a14:hiddenLine>
+            </a:ext>
+          </a:extLst>
+        </p:spPr>
+      </p:pic>
+      <p:sp>
+        <p:nvSpPr>
+          <p:cNvPr id="79" name="TextBox 10">
+            <a:extLst>
+              <a:ext uri="{FF2B5EF4-FFF2-40B4-BE49-F238E27FC236}">
+                <a16:creationId xmlns:a16="http://schemas.microsoft.com/office/drawing/2014/main" id="{E3B67D6E-7056-D9FB-182C-611500F26EA0}"/>
+              </a:ext>
+            </a:extLst>
+          </p:cNvPr>
+          <p:cNvSpPr txBox="1"/>
+          <p:nvPr/>
+        </p:nvSpPr>
+        <p:spPr>
+          <a:xfrm>
+            <a:off x="10698888" y="1923252"/>
+            <a:ext cx="578776" cy="236988"/>
+          </a:xfrm>
+          <a:prstGeom prst="rect">
+            <a:avLst/>
+          </a:prstGeom>
+          <a:noFill/>
+        </p:spPr>
+        <p:txBody>
+          <a:bodyPr wrap="square" rtlCol="0">
+            <a:spAutoFit/>
+          </a:bodyPr>
+          <a:lstStyle>
+            <a:defPPr>
+              <a:defRPr lang="en-US"/>
+            </a:defPPr>
+            <a:lvl1pPr marL="0" algn="l" defTabSz="914400" rtl="0" eaLnBrk="1" latinLnBrk="0" hangingPunct="1">
+              <a:defRPr sz="1800" kern="1200">
+                <a:solidFill>
+                  <a:schemeClr val="tx1"/>
+                </a:solidFill>
+                <a:latin typeface="+mn-lt"/>
+                <a:ea typeface="+mn-ea"/>
+                <a:cs typeface="+mn-cs"/>
+              </a:defRPr>
+            </a:lvl1pPr>
+            <a:lvl2pPr marL="457200" algn="l" defTabSz="914400" rtl="0" eaLnBrk="1" latinLnBrk="0" hangingPunct="1">
+              <a:defRPr sz="1800" kern="1200">
+                <a:solidFill>
+                  <a:schemeClr val="tx1"/>
+                </a:solidFill>
+                <a:latin typeface="+mn-lt"/>
+                <a:ea typeface="+mn-ea"/>
+                <a:cs typeface="+mn-cs"/>
+              </a:defRPr>
+            </a:lvl2pPr>
+            <a:lvl3pPr marL="914400" algn="l" defTabSz="914400" rtl="0" eaLnBrk="1" latinLnBrk="0" hangingPunct="1">
+              <a:defRPr sz="1800" kern="1200">
+                <a:solidFill>
+                  <a:schemeClr val="tx1"/>
+                </a:solidFill>
+                <a:latin typeface="+mn-lt"/>
+                <a:ea typeface="+mn-ea"/>
+                <a:cs typeface="+mn-cs"/>
+              </a:defRPr>
+            </a:lvl3pPr>
+            <a:lvl4pPr marL="1371600" algn="l" defTabSz="914400" rtl="0" eaLnBrk="1" latinLnBrk="0" hangingPunct="1">
+              <a:defRPr sz="1800" kern="1200">
+                <a:solidFill>
+                  <a:schemeClr val="tx1"/>
+                </a:solidFill>
+                <a:latin typeface="+mn-lt"/>
+                <a:ea typeface="+mn-ea"/>
+                <a:cs typeface="+mn-cs"/>
+              </a:defRPr>
+            </a:lvl4pPr>
+            <a:lvl5pPr marL="1828800" algn="l" defTabSz="914400" rtl="0" eaLnBrk="1" latinLnBrk="0" hangingPunct="1">
+              <a:defRPr sz="1800" kern="1200">
+                <a:solidFill>
+                  <a:schemeClr val="tx1"/>
+                </a:solidFill>
+                <a:latin typeface="+mn-lt"/>
+                <a:ea typeface="+mn-ea"/>
+                <a:cs typeface="+mn-cs"/>
+              </a:defRPr>
+            </a:lvl5pPr>
+            <a:lvl6pPr marL="2286000" algn="l" defTabSz="914400" rtl="0" eaLnBrk="1" latinLnBrk="0" hangingPunct="1">
+              <a:defRPr sz="1800" kern="1200">
+                <a:solidFill>
+                  <a:schemeClr val="tx1"/>
+                </a:solidFill>
+                <a:latin typeface="+mn-lt"/>
+                <a:ea typeface="+mn-ea"/>
+                <a:cs typeface="+mn-cs"/>
+              </a:defRPr>
+            </a:lvl6pPr>
+            <a:lvl7pPr marL="2743200" algn="l" defTabSz="914400" rtl="0" eaLnBrk="1" latinLnBrk="0" hangingPunct="1">
+              <a:defRPr sz="1800" kern="1200">
+                <a:solidFill>
+                  <a:schemeClr val="tx1"/>
+                </a:solidFill>
+                <a:latin typeface="+mn-lt"/>
+                <a:ea typeface="+mn-ea"/>
+                <a:cs typeface="+mn-cs"/>
+              </a:defRPr>
+            </a:lvl7pPr>
+            <a:lvl8pPr marL="3200400" algn="l" defTabSz="914400" rtl="0" eaLnBrk="1" latinLnBrk="0" hangingPunct="1">
+              <a:defRPr sz="1800" kern="1200">
+                <a:solidFill>
+                  <a:schemeClr val="tx1"/>
+                </a:solidFill>
+                <a:latin typeface="+mn-lt"/>
+                <a:ea typeface="+mn-ea"/>
+                <a:cs typeface="+mn-cs"/>
+              </a:defRPr>
+            </a:lvl8pPr>
+            <a:lvl9pPr marL="3657600" algn="l" defTabSz="914400" rtl="0" eaLnBrk="1" latinLnBrk="0" hangingPunct="1">
+              <a:defRPr sz="1800" kern="1200">
+                <a:solidFill>
+                  <a:schemeClr val="tx1"/>
+                </a:solidFill>
+                <a:latin typeface="+mn-lt"/>
+                <a:ea typeface="+mn-ea"/>
+                <a:cs typeface="+mn-cs"/>
+              </a:defRPr>
+            </a:lvl9pPr>
+          </a:lstStyle>
+          <a:p>
+            <a:pPr algn="ctr"/>
+            <a:r>
+              <a:rPr lang="en-IN" sz="900" dirty="0"/>
+              <a:t>IAM</a:t>
+            </a:r>
+          </a:p>
+        </p:txBody>
+      </p:sp>
+      <p:sp>
+        <p:nvSpPr>
+          <p:cNvPr id="80" name="TextBox 13">
+            <a:extLst>
+              <a:ext uri="{FF2B5EF4-FFF2-40B4-BE49-F238E27FC236}">
+                <a16:creationId xmlns:a16="http://schemas.microsoft.com/office/drawing/2014/main" id="{11876952-E9D4-31C9-EB98-725E04586941}"/>
+              </a:ext>
+            </a:extLst>
+          </p:cNvPr>
+          <p:cNvSpPr txBox="1"/>
+          <p:nvPr/>
+        </p:nvSpPr>
+        <p:spPr>
+          <a:xfrm>
+            <a:off x="9725979" y="1920574"/>
+            <a:ext cx="967627" cy="236988"/>
+          </a:xfrm>
+          <a:prstGeom prst="rect">
+            <a:avLst/>
+          </a:prstGeom>
+          <a:noFill/>
+        </p:spPr>
+        <p:txBody>
+          <a:bodyPr wrap="square" rtlCol="0">
+            <a:spAutoFit/>
+          </a:bodyPr>
+          <a:lstStyle>
+            <a:defPPr>
+              <a:defRPr lang="en-US"/>
+            </a:defPPr>
+            <a:lvl1pPr marL="0" algn="l" defTabSz="914400" rtl="0" eaLnBrk="1" latinLnBrk="0" hangingPunct="1">
+              <a:defRPr sz="1800" kern="1200">
+                <a:solidFill>
+                  <a:schemeClr val="tx1"/>
+                </a:solidFill>
+                <a:latin typeface="+mn-lt"/>
+                <a:ea typeface="+mn-ea"/>
+                <a:cs typeface="+mn-cs"/>
+              </a:defRPr>
+            </a:lvl1pPr>
+            <a:lvl2pPr marL="457200" algn="l" defTabSz="914400" rtl="0" eaLnBrk="1" latinLnBrk="0" hangingPunct="1">
+              <a:defRPr sz="1800" kern="1200">
+                <a:solidFill>
+                  <a:schemeClr val="tx1"/>
+                </a:solidFill>
+                <a:latin typeface="+mn-lt"/>
+                <a:ea typeface="+mn-ea"/>
+                <a:cs typeface="+mn-cs"/>
+              </a:defRPr>
+            </a:lvl2pPr>
+            <a:lvl3pPr marL="914400" algn="l" defTabSz="914400" rtl="0" eaLnBrk="1" latinLnBrk="0" hangingPunct="1">
+              <a:defRPr sz="1800" kern="1200">
+                <a:solidFill>
+                  <a:schemeClr val="tx1"/>
+                </a:solidFill>
+                <a:latin typeface="+mn-lt"/>
+                <a:ea typeface="+mn-ea"/>
+                <a:cs typeface="+mn-cs"/>
+              </a:defRPr>
+            </a:lvl3pPr>
+            <a:lvl4pPr marL="1371600" algn="l" defTabSz="914400" rtl="0" eaLnBrk="1" latinLnBrk="0" hangingPunct="1">
+              <a:defRPr sz="1800" kern="1200">
+                <a:solidFill>
+                  <a:schemeClr val="tx1"/>
+                </a:solidFill>
+                <a:latin typeface="+mn-lt"/>
+                <a:ea typeface="+mn-ea"/>
+                <a:cs typeface="+mn-cs"/>
+              </a:defRPr>
+            </a:lvl4pPr>
+            <a:lvl5pPr marL="1828800" algn="l" defTabSz="914400" rtl="0" eaLnBrk="1" latinLnBrk="0" hangingPunct="1">
+              <a:defRPr sz="1800" kern="1200">
+                <a:solidFill>
+                  <a:schemeClr val="tx1"/>
+                </a:solidFill>
+                <a:latin typeface="+mn-lt"/>
+                <a:ea typeface="+mn-ea"/>
+                <a:cs typeface="+mn-cs"/>
+              </a:defRPr>
+            </a:lvl5pPr>
+            <a:lvl6pPr marL="2286000" algn="l" defTabSz="914400" rtl="0" eaLnBrk="1" latinLnBrk="0" hangingPunct="1">
+              <a:defRPr sz="1800" kern="1200">
+                <a:solidFill>
+                  <a:schemeClr val="tx1"/>
+                </a:solidFill>
+                <a:latin typeface="+mn-lt"/>
+                <a:ea typeface="+mn-ea"/>
+                <a:cs typeface="+mn-cs"/>
+              </a:defRPr>
+            </a:lvl6pPr>
+            <a:lvl7pPr marL="2743200" algn="l" defTabSz="914400" rtl="0" eaLnBrk="1" latinLnBrk="0" hangingPunct="1">
+              <a:defRPr sz="1800" kern="1200">
+                <a:solidFill>
+                  <a:schemeClr val="tx1"/>
+                </a:solidFill>
+                <a:latin typeface="+mn-lt"/>
+                <a:ea typeface="+mn-ea"/>
+                <a:cs typeface="+mn-cs"/>
+              </a:defRPr>
+            </a:lvl7pPr>
+            <a:lvl8pPr marL="3200400" algn="l" defTabSz="914400" rtl="0" eaLnBrk="1" latinLnBrk="0" hangingPunct="1">
+              <a:defRPr sz="1800" kern="1200">
+                <a:solidFill>
+                  <a:schemeClr val="tx1"/>
+                </a:solidFill>
+                <a:latin typeface="+mn-lt"/>
+                <a:ea typeface="+mn-ea"/>
+                <a:cs typeface="+mn-cs"/>
+              </a:defRPr>
+            </a:lvl8pPr>
+            <a:lvl9pPr marL="3657600" algn="l" defTabSz="914400" rtl="0" eaLnBrk="1" latinLnBrk="0" hangingPunct="1">
+              <a:defRPr sz="1800" kern="1200">
+                <a:solidFill>
+                  <a:schemeClr val="tx1"/>
+                </a:solidFill>
+                <a:latin typeface="+mn-lt"/>
+                <a:ea typeface="+mn-ea"/>
+                <a:cs typeface="+mn-cs"/>
+              </a:defRPr>
+            </a:lvl9pPr>
+          </a:lstStyle>
+          <a:p>
+            <a:pPr algn="ctr"/>
+            <a:r>
+              <a:rPr lang="en-IN" sz="900" dirty="0"/>
+              <a:t>Cloud watch</a:t>
+            </a:r>
+          </a:p>
+        </p:txBody>
+      </p:sp>
+      <p:sp>
+        <p:nvSpPr>
+          <p:cNvPr id="81" name="TextBox 15">
+            <a:extLst>
+              <a:ext uri="{FF2B5EF4-FFF2-40B4-BE49-F238E27FC236}">
+                <a16:creationId xmlns:a16="http://schemas.microsoft.com/office/drawing/2014/main" id="{1907D122-34CE-B89C-1914-28600BA47E59}"/>
+              </a:ext>
+            </a:extLst>
+          </p:cNvPr>
+          <p:cNvSpPr txBox="1"/>
+          <p:nvPr/>
+        </p:nvSpPr>
+        <p:spPr>
+          <a:xfrm>
+            <a:off x="8804571" y="1903359"/>
+            <a:ext cx="1128428" cy="236988"/>
+          </a:xfrm>
+          <a:prstGeom prst="rect">
+            <a:avLst/>
+          </a:prstGeom>
+          <a:noFill/>
+        </p:spPr>
+        <p:txBody>
+          <a:bodyPr wrap="square" rtlCol="0">
+            <a:spAutoFit/>
+          </a:bodyPr>
+          <a:lstStyle>
+            <a:defPPr>
+              <a:defRPr lang="en-US"/>
+            </a:defPPr>
+            <a:lvl1pPr marL="0" algn="l" defTabSz="914400" rtl="0" eaLnBrk="1" latinLnBrk="0" hangingPunct="1">
+              <a:defRPr sz="1800" kern="1200">
+                <a:solidFill>
+                  <a:schemeClr val="tx1"/>
+                </a:solidFill>
+                <a:latin typeface="+mn-lt"/>
+                <a:ea typeface="+mn-ea"/>
+                <a:cs typeface="+mn-cs"/>
+              </a:defRPr>
+            </a:lvl1pPr>
+            <a:lvl2pPr marL="457200" algn="l" defTabSz="914400" rtl="0" eaLnBrk="1" latinLnBrk="0" hangingPunct="1">
+              <a:defRPr sz="1800" kern="1200">
+                <a:solidFill>
+                  <a:schemeClr val="tx1"/>
+                </a:solidFill>
+                <a:latin typeface="+mn-lt"/>
+                <a:ea typeface="+mn-ea"/>
+                <a:cs typeface="+mn-cs"/>
+              </a:defRPr>
+            </a:lvl2pPr>
+            <a:lvl3pPr marL="914400" algn="l" defTabSz="914400" rtl="0" eaLnBrk="1" latinLnBrk="0" hangingPunct="1">
+              <a:defRPr sz="1800" kern="1200">
+                <a:solidFill>
+                  <a:schemeClr val="tx1"/>
+                </a:solidFill>
+                <a:latin typeface="+mn-lt"/>
+                <a:ea typeface="+mn-ea"/>
+                <a:cs typeface="+mn-cs"/>
+              </a:defRPr>
+            </a:lvl3pPr>
+            <a:lvl4pPr marL="1371600" algn="l" defTabSz="914400" rtl="0" eaLnBrk="1" latinLnBrk="0" hangingPunct="1">
+              <a:defRPr sz="1800" kern="1200">
+                <a:solidFill>
+                  <a:schemeClr val="tx1"/>
+                </a:solidFill>
+                <a:latin typeface="+mn-lt"/>
+                <a:ea typeface="+mn-ea"/>
+                <a:cs typeface="+mn-cs"/>
+              </a:defRPr>
+            </a:lvl4pPr>
+            <a:lvl5pPr marL="1828800" algn="l" defTabSz="914400" rtl="0" eaLnBrk="1" latinLnBrk="0" hangingPunct="1">
+              <a:defRPr sz="1800" kern="1200">
+                <a:solidFill>
+                  <a:schemeClr val="tx1"/>
+                </a:solidFill>
+                <a:latin typeface="+mn-lt"/>
+                <a:ea typeface="+mn-ea"/>
+                <a:cs typeface="+mn-cs"/>
+              </a:defRPr>
+            </a:lvl5pPr>
+            <a:lvl6pPr marL="2286000" algn="l" defTabSz="914400" rtl="0" eaLnBrk="1" latinLnBrk="0" hangingPunct="1">
+              <a:defRPr sz="1800" kern="1200">
+                <a:solidFill>
+                  <a:schemeClr val="tx1"/>
+                </a:solidFill>
+                <a:latin typeface="+mn-lt"/>
+                <a:ea typeface="+mn-ea"/>
+                <a:cs typeface="+mn-cs"/>
+              </a:defRPr>
+            </a:lvl6pPr>
+            <a:lvl7pPr marL="2743200" algn="l" defTabSz="914400" rtl="0" eaLnBrk="1" latinLnBrk="0" hangingPunct="1">
+              <a:defRPr sz="1800" kern="1200">
+                <a:solidFill>
+                  <a:schemeClr val="tx1"/>
+                </a:solidFill>
+                <a:latin typeface="+mn-lt"/>
+                <a:ea typeface="+mn-ea"/>
+                <a:cs typeface="+mn-cs"/>
+              </a:defRPr>
+            </a:lvl7pPr>
+            <a:lvl8pPr marL="3200400" algn="l" defTabSz="914400" rtl="0" eaLnBrk="1" latinLnBrk="0" hangingPunct="1">
+              <a:defRPr sz="1800" kern="1200">
+                <a:solidFill>
+                  <a:schemeClr val="tx1"/>
+                </a:solidFill>
+                <a:latin typeface="+mn-lt"/>
+                <a:ea typeface="+mn-ea"/>
+                <a:cs typeface="+mn-cs"/>
+              </a:defRPr>
+            </a:lvl8pPr>
+            <a:lvl9pPr marL="3657600" algn="l" defTabSz="914400" rtl="0" eaLnBrk="1" latinLnBrk="0" hangingPunct="1">
+              <a:defRPr sz="1800" kern="1200">
+                <a:solidFill>
+                  <a:schemeClr val="tx1"/>
+                </a:solidFill>
+                <a:latin typeface="+mn-lt"/>
+                <a:ea typeface="+mn-ea"/>
+                <a:cs typeface="+mn-cs"/>
+              </a:defRPr>
+            </a:lvl9pPr>
+          </a:lstStyle>
+          <a:p>
+            <a:pPr algn="ctr"/>
+            <a:r>
+              <a:rPr lang="en-IN" sz="900" dirty="0"/>
+              <a:t>Cloud Trail</a:t>
+            </a:r>
+          </a:p>
+        </p:txBody>
+      </p:sp>
+      <p:sp>
+        <p:nvSpPr>
+          <p:cNvPr id="82" name="TextBox 24">
+            <a:extLst>
+              <a:ext uri="{FF2B5EF4-FFF2-40B4-BE49-F238E27FC236}">
+                <a16:creationId xmlns:a16="http://schemas.microsoft.com/office/drawing/2014/main" id="{432C50D9-6B4C-814A-0F7D-BE7CC412183D}"/>
+              </a:ext>
+            </a:extLst>
+          </p:cNvPr>
+          <p:cNvSpPr txBox="1"/>
+          <p:nvPr/>
+        </p:nvSpPr>
+        <p:spPr>
+          <a:xfrm>
+            <a:off x="1811133" y="3924234"/>
+            <a:ext cx="1131226" cy="778675"/>
+          </a:xfrm>
+          <a:prstGeom prst="rect">
+            <a:avLst/>
+          </a:prstGeom>
+          <a:noFill/>
+        </p:spPr>
+        <p:txBody>
+          <a:bodyPr wrap="square" rtlCol="0">
+            <a:spAutoFit/>
+          </a:bodyPr>
+          <a:lstStyle>
+            <a:defPPr>
+              <a:defRPr lang="en-US"/>
+            </a:defPPr>
+            <a:lvl1pPr marL="0" algn="l" defTabSz="914400" rtl="0" eaLnBrk="1" latinLnBrk="0" hangingPunct="1">
+              <a:defRPr sz="1800" kern="1200">
+                <a:solidFill>
+                  <a:schemeClr val="tx1"/>
+                </a:solidFill>
+                <a:latin typeface="+mn-lt"/>
+                <a:ea typeface="+mn-ea"/>
+                <a:cs typeface="+mn-cs"/>
+              </a:defRPr>
+            </a:lvl1pPr>
+            <a:lvl2pPr marL="457200" algn="l" defTabSz="914400" rtl="0" eaLnBrk="1" latinLnBrk="0" hangingPunct="1">
+              <a:defRPr sz="1800" kern="1200">
+                <a:solidFill>
+                  <a:schemeClr val="tx1"/>
+                </a:solidFill>
+                <a:latin typeface="+mn-lt"/>
+                <a:ea typeface="+mn-ea"/>
+                <a:cs typeface="+mn-cs"/>
+              </a:defRPr>
+            </a:lvl2pPr>
+            <a:lvl3pPr marL="914400" algn="l" defTabSz="914400" rtl="0" eaLnBrk="1" latinLnBrk="0" hangingPunct="1">
+              <a:defRPr sz="1800" kern="1200">
+                <a:solidFill>
+                  <a:schemeClr val="tx1"/>
+                </a:solidFill>
+                <a:latin typeface="+mn-lt"/>
+                <a:ea typeface="+mn-ea"/>
+                <a:cs typeface="+mn-cs"/>
+              </a:defRPr>
+            </a:lvl3pPr>
+            <a:lvl4pPr marL="1371600" algn="l" defTabSz="914400" rtl="0" eaLnBrk="1" latinLnBrk="0" hangingPunct="1">
+              <a:defRPr sz="1800" kern="1200">
+                <a:solidFill>
+                  <a:schemeClr val="tx1"/>
+                </a:solidFill>
+                <a:latin typeface="+mn-lt"/>
+                <a:ea typeface="+mn-ea"/>
+                <a:cs typeface="+mn-cs"/>
+              </a:defRPr>
+            </a:lvl4pPr>
+            <a:lvl5pPr marL="1828800" algn="l" defTabSz="914400" rtl="0" eaLnBrk="1" latinLnBrk="0" hangingPunct="1">
+              <a:defRPr sz="1800" kern="1200">
+                <a:solidFill>
+                  <a:schemeClr val="tx1"/>
+                </a:solidFill>
+                <a:latin typeface="+mn-lt"/>
+                <a:ea typeface="+mn-ea"/>
+                <a:cs typeface="+mn-cs"/>
+              </a:defRPr>
+            </a:lvl5pPr>
+            <a:lvl6pPr marL="2286000" algn="l" defTabSz="914400" rtl="0" eaLnBrk="1" latinLnBrk="0" hangingPunct="1">
+              <a:defRPr sz="1800" kern="1200">
+                <a:solidFill>
+                  <a:schemeClr val="tx1"/>
+                </a:solidFill>
+                <a:latin typeface="+mn-lt"/>
+                <a:ea typeface="+mn-ea"/>
+                <a:cs typeface="+mn-cs"/>
+              </a:defRPr>
+            </a:lvl6pPr>
+            <a:lvl7pPr marL="2743200" algn="l" defTabSz="914400" rtl="0" eaLnBrk="1" latinLnBrk="0" hangingPunct="1">
+              <a:defRPr sz="1800" kern="1200">
+                <a:solidFill>
+                  <a:schemeClr val="tx1"/>
+                </a:solidFill>
+                <a:latin typeface="+mn-lt"/>
+                <a:ea typeface="+mn-ea"/>
+                <a:cs typeface="+mn-cs"/>
+              </a:defRPr>
+            </a:lvl7pPr>
+            <a:lvl8pPr marL="3200400" algn="l" defTabSz="914400" rtl="0" eaLnBrk="1" latinLnBrk="0" hangingPunct="1">
+              <a:defRPr sz="1800" kern="1200">
+                <a:solidFill>
+                  <a:schemeClr val="tx1"/>
+                </a:solidFill>
+                <a:latin typeface="+mn-lt"/>
+                <a:ea typeface="+mn-ea"/>
+                <a:cs typeface="+mn-cs"/>
+              </a:defRPr>
+            </a:lvl8pPr>
+            <a:lvl9pPr marL="3657600" algn="l" defTabSz="914400" rtl="0" eaLnBrk="1" latinLnBrk="0" hangingPunct="1">
+              <a:defRPr sz="1800" kern="1200">
+                <a:solidFill>
+                  <a:schemeClr val="tx1"/>
+                </a:solidFill>
+                <a:latin typeface="+mn-lt"/>
+                <a:ea typeface="+mn-ea"/>
+                <a:cs typeface="+mn-cs"/>
+              </a:defRPr>
+            </a:lvl9pPr>
+          </a:lstStyle>
+          <a:p>
+            <a:pPr algn="ctr"/>
+            <a:r>
+              <a:rPr lang="en-US" sz="900" b="1" dirty="0"/>
+              <a:t>Lambda 1</a:t>
+            </a:r>
+          </a:p>
+          <a:p>
+            <a:pPr algn="ctr"/>
+            <a:r>
+              <a:rPr lang="en-US" sz="900" dirty="0"/>
+              <a:t>(designed to fetch and filter the data provided by the client)</a:t>
+            </a:r>
+            <a:endParaRPr lang="en-IN" sz="900" b="1" dirty="0"/>
+          </a:p>
+        </p:txBody>
+      </p:sp>
+      <p:pic>
+        <p:nvPicPr>
+          <p:cNvPr id="83" name="Graphic 24">
+            <a:extLst>
+              <a:ext uri="{FF2B5EF4-FFF2-40B4-BE49-F238E27FC236}">
+                <a16:creationId xmlns:a16="http://schemas.microsoft.com/office/drawing/2014/main" id="{5A92F1C0-19E3-5AD4-1462-7369E9FB0C04}"/>
+              </a:ext>
+            </a:extLst>
+          </p:cNvPr>
+          <p:cNvPicPr>
+            <a:picLocks noChangeAspect="1" noChangeArrowheads="1"/>
+          </p:cNvPicPr>
+          <p:nvPr/>
+        </p:nvPicPr>
+        <p:blipFill>
+          <a:blip r:embed="rId15" cstate="print">
+            <a:extLst>
+              <a:ext uri="{28A0092B-C50C-407E-A947-70E740481C1C}">
+                <a14:useLocalDpi xmlns:a14="http://schemas.microsoft.com/office/drawing/2010/main" val="0"/>
+              </a:ext>
+            </a:extLst>
+          </a:blip>
+          <a:srcRect/>
+          <a:stretch>
+            <a:fillRect/>
+          </a:stretch>
+        </p:blipFill>
+        <p:spPr bwMode="auto">
+          <a:xfrm>
+            <a:off x="225950" y="3905611"/>
+            <a:ext cx="459702" cy="459702"/>
+          </a:xfrm>
+          <a:prstGeom prst="rect">
+            <a:avLst/>
+          </a:prstGeom>
+          <a:noFill/>
+          <a:ln>
+            <a:noFill/>
+          </a:ln>
+          <a:extLst>
+            <a:ext uri="{909E8E84-426E-40DD-AFC4-6F175D3DCCD1}">
+              <a14:hiddenFill xmlns:a14="http://schemas.microsoft.com/office/drawing/2010/main">
+                <a:solidFill>
+                  <a:srgbClr val="FFFFFF"/>
+                </a:solidFill>
+              </a14:hiddenFill>
+            </a:ext>
+            <a:ext uri="{91240B29-F687-4F45-9708-019B960494DF}">
+              <a14:hiddenLine xmlns:a14="http://schemas.microsoft.com/office/drawing/2010/main" w="9525">
+                <a:solidFill>
+                  <a:srgbClr val="000000"/>
+                </a:solidFill>
+                <a:miter lim="800000"/>
+                <a:headEnd/>
+                <a:tailEnd/>
+              </a14:hiddenLine>
+            </a:ext>
+          </a:extLst>
+        </p:spPr>
+      </p:pic>
+      <p:sp>
+        <p:nvSpPr>
+          <p:cNvPr id="84" name="TextBox 48">
+            <a:extLst>
+              <a:ext uri="{FF2B5EF4-FFF2-40B4-BE49-F238E27FC236}">
+                <a16:creationId xmlns:a16="http://schemas.microsoft.com/office/drawing/2014/main" id="{0AC9362A-CF55-5A17-0D53-1D18E1F6B9BB}"/>
+              </a:ext>
+            </a:extLst>
+          </p:cNvPr>
+          <p:cNvSpPr txBox="1"/>
+          <p:nvPr/>
+        </p:nvSpPr>
+        <p:spPr>
+          <a:xfrm>
+            <a:off x="-102647" y="4354360"/>
+            <a:ext cx="1137866" cy="778675"/>
+          </a:xfrm>
+          <a:prstGeom prst="rect">
+            <a:avLst/>
+          </a:prstGeom>
+          <a:noFill/>
+        </p:spPr>
+        <p:txBody>
+          <a:bodyPr wrap="square" rtlCol="0">
+            <a:spAutoFit/>
+          </a:bodyPr>
+          <a:lstStyle>
+            <a:defPPr>
+              <a:defRPr lang="en-US"/>
+            </a:defPPr>
+            <a:lvl1pPr marL="0" algn="l" defTabSz="914400" rtl="0" eaLnBrk="1" latinLnBrk="0" hangingPunct="1">
+              <a:defRPr sz="1800" kern="1200">
+                <a:solidFill>
+                  <a:schemeClr val="tx1"/>
+                </a:solidFill>
+                <a:latin typeface="+mn-lt"/>
+                <a:ea typeface="+mn-ea"/>
+                <a:cs typeface="+mn-cs"/>
+              </a:defRPr>
+            </a:lvl1pPr>
+            <a:lvl2pPr marL="457200" algn="l" defTabSz="914400" rtl="0" eaLnBrk="1" latinLnBrk="0" hangingPunct="1">
+              <a:defRPr sz="1800" kern="1200">
+                <a:solidFill>
+                  <a:schemeClr val="tx1"/>
+                </a:solidFill>
+                <a:latin typeface="+mn-lt"/>
+                <a:ea typeface="+mn-ea"/>
+                <a:cs typeface="+mn-cs"/>
+              </a:defRPr>
+            </a:lvl2pPr>
+            <a:lvl3pPr marL="914400" algn="l" defTabSz="914400" rtl="0" eaLnBrk="1" latinLnBrk="0" hangingPunct="1">
+              <a:defRPr sz="1800" kern="1200">
+                <a:solidFill>
+                  <a:schemeClr val="tx1"/>
+                </a:solidFill>
+                <a:latin typeface="+mn-lt"/>
+                <a:ea typeface="+mn-ea"/>
+                <a:cs typeface="+mn-cs"/>
+              </a:defRPr>
+            </a:lvl3pPr>
+            <a:lvl4pPr marL="1371600" algn="l" defTabSz="914400" rtl="0" eaLnBrk="1" latinLnBrk="0" hangingPunct="1">
+              <a:defRPr sz="1800" kern="1200">
+                <a:solidFill>
+                  <a:schemeClr val="tx1"/>
+                </a:solidFill>
+                <a:latin typeface="+mn-lt"/>
+                <a:ea typeface="+mn-ea"/>
+                <a:cs typeface="+mn-cs"/>
+              </a:defRPr>
+            </a:lvl4pPr>
+            <a:lvl5pPr marL="1828800" algn="l" defTabSz="914400" rtl="0" eaLnBrk="1" latinLnBrk="0" hangingPunct="1">
+              <a:defRPr sz="1800" kern="1200">
+                <a:solidFill>
+                  <a:schemeClr val="tx1"/>
+                </a:solidFill>
+                <a:latin typeface="+mn-lt"/>
+                <a:ea typeface="+mn-ea"/>
+                <a:cs typeface="+mn-cs"/>
+              </a:defRPr>
+            </a:lvl5pPr>
+            <a:lvl6pPr marL="2286000" algn="l" defTabSz="914400" rtl="0" eaLnBrk="1" latinLnBrk="0" hangingPunct="1">
+              <a:defRPr sz="1800" kern="1200">
+                <a:solidFill>
+                  <a:schemeClr val="tx1"/>
+                </a:solidFill>
+                <a:latin typeface="+mn-lt"/>
+                <a:ea typeface="+mn-ea"/>
+                <a:cs typeface="+mn-cs"/>
+              </a:defRPr>
+            </a:lvl6pPr>
+            <a:lvl7pPr marL="2743200" algn="l" defTabSz="914400" rtl="0" eaLnBrk="1" latinLnBrk="0" hangingPunct="1">
+              <a:defRPr sz="1800" kern="1200">
+                <a:solidFill>
+                  <a:schemeClr val="tx1"/>
+                </a:solidFill>
+                <a:latin typeface="+mn-lt"/>
+                <a:ea typeface="+mn-ea"/>
+                <a:cs typeface="+mn-cs"/>
+              </a:defRPr>
+            </a:lvl7pPr>
+            <a:lvl8pPr marL="3200400" algn="l" defTabSz="914400" rtl="0" eaLnBrk="1" latinLnBrk="0" hangingPunct="1">
+              <a:defRPr sz="1800" kern="1200">
+                <a:solidFill>
+                  <a:schemeClr val="tx1"/>
+                </a:solidFill>
+                <a:latin typeface="+mn-lt"/>
+                <a:ea typeface="+mn-ea"/>
+                <a:cs typeface="+mn-cs"/>
+              </a:defRPr>
+            </a:lvl8pPr>
+            <a:lvl9pPr marL="3657600" algn="l" defTabSz="914400" rtl="0" eaLnBrk="1" latinLnBrk="0" hangingPunct="1">
+              <a:defRPr sz="1800" kern="1200">
+                <a:solidFill>
+                  <a:schemeClr val="tx1"/>
+                </a:solidFill>
+                <a:latin typeface="+mn-lt"/>
+                <a:ea typeface="+mn-ea"/>
+                <a:cs typeface="+mn-cs"/>
+              </a:defRPr>
+            </a:lvl9pPr>
+          </a:lstStyle>
+          <a:p>
+            <a:pPr algn="ctr"/>
+            <a:r>
+              <a:rPr lang="en-US" sz="900" b="1" dirty="0"/>
+              <a:t>SNS</a:t>
+            </a:r>
+            <a:r>
+              <a:rPr lang="en-US" sz="900" dirty="0"/>
+              <a:t> </a:t>
+            </a:r>
+          </a:p>
+          <a:p>
+            <a:pPr algn="ctr"/>
+            <a:r>
+              <a:rPr lang="en-US" sz="900" dirty="0"/>
+              <a:t>(A notification will be triggered if the specified drug name is not available)</a:t>
+            </a:r>
+            <a:endParaRPr lang="en-IN" sz="900" dirty="0"/>
+          </a:p>
+        </p:txBody>
+      </p:sp>
+      <p:sp>
+        <p:nvSpPr>
+          <p:cNvPr id="85" name="TextBox 147">
+            <a:extLst>
+              <a:ext uri="{FF2B5EF4-FFF2-40B4-BE49-F238E27FC236}">
+                <a16:creationId xmlns:a16="http://schemas.microsoft.com/office/drawing/2014/main" id="{1E6BFF2F-F19F-B5AD-81E5-03AD488B5FE7}"/>
+              </a:ext>
+            </a:extLst>
+          </p:cNvPr>
+          <p:cNvSpPr txBox="1"/>
+          <p:nvPr/>
+        </p:nvSpPr>
+        <p:spPr>
+          <a:xfrm>
+            <a:off x="11525693" y="2387945"/>
+            <a:ext cx="911801" cy="236988"/>
+          </a:xfrm>
+          <a:prstGeom prst="rect">
+            <a:avLst/>
+          </a:prstGeom>
+          <a:noFill/>
+        </p:spPr>
+        <p:txBody>
+          <a:bodyPr wrap="square" rtlCol="0">
+            <a:spAutoFit/>
+          </a:bodyPr>
+          <a:lstStyle>
+            <a:defPPr>
+              <a:defRPr lang="en-US"/>
+            </a:defPPr>
+            <a:lvl1pPr marL="0" algn="l" defTabSz="914400" rtl="0" eaLnBrk="1" latinLnBrk="0" hangingPunct="1">
+              <a:defRPr sz="1800" kern="1200">
+                <a:solidFill>
+                  <a:schemeClr val="tx1"/>
+                </a:solidFill>
+                <a:latin typeface="+mn-lt"/>
+                <a:ea typeface="+mn-ea"/>
+                <a:cs typeface="+mn-cs"/>
+              </a:defRPr>
+            </a:lvl1pPr>
+            <a:lvl2pPr marL="457200" algn="l" defTabSz="914400" rtl="0" eaLnBrk="1" latinLnBrk="0" hangingPunct="1">
+              <a:defRPr sz="1800" kern="1200">
+                <a:solidFill>
+                  <a:schemeClr val="tx1"/>
+                </a:solidFill>
+                <a:latin typeface="+mn-lt"/>
+                <a:ea typeface="+mn-ea"/>
+                <a:cs typeface="+mn-cs"/>
+              </a:defRPr>
+            </a:lvl2pPr>
+            <a:lvl3pPr marL="914400" algn="l" defTabSz="914400" rtl="0" eaLnBrk="1" latinLnBrk="0" hangingPunct="1">
+              <a:defRPr sz="1800" kern="1200">
+                <a:solidFill>
+                  <a:schemeClr val="tx1"/>
+                </a:solidFill>
+                <a:latin typeface="+mn-lt"/>
+                <a:ea typeface="+mn-ea"/>
+                <a:cs typeface="+mn-cs"/>
+              </a:defRPr>
+            </a:lvl3pPr>
+            <a:lvl4pPr marL="1371600" algn="l" defTabSz="914400" rtl="0" eaLnBrk="1" latinLnBrk="0" hangingPunct="1">
+              <a:defRPr sz="1800" kern="1200">
+                <a:solidFill>
+                  <a:schemeClr val="tx1"/>
+                </a:solidFill>
+                <a:latin typeface="+mn-lt"/>
+                <a:ea typeface="+mn-ea"/>
+                <a:cs typeface="+mn-cs"/>
+              </a:defRPr>
+            </a:lvl4pPr>
+            <a:lvl5pPr marL="1828800" algn="l" defTabSz="914400" rtl="0" eaLnBrk="1" latinLnBrk="0" hangingPunct="1">
+              <a:defRPr sz="1800" kern="1200">
+                <a:solidFill>
+                  <a:schemeClr val="tx1"/>
+                </a:solidFill>
+                <a:latin typeface="+mn-lt"/>
+                <a:ea typeface="+mn-ea"/>
+                <a:cs typeface="+mn-cs"/>
+              </a:defRPr>
+            </a:lvl5pPr>
+            <a:lvl6pPr marL="2286000" algn="l" defTabSz="914400" rtl="0" eaLnBrk="1" latinLnBrk="0" hangingPunct="1">
+              <a:defRPr sz="1800" kern="1200">
+                <a:solidFill>
+                  <a:schemeClr val="tx1"/>
+                </a:solidFill>
+                <a:latin typeface="+mn-lt"/>
+                <a:ea typeface="+mn-ea"/>
+                <a:cs typeface="+mn-cs"/>
+              </a:defRPr>
+            </a:lvl6pPr>
+            <a:lvl7pPr marL="2743200" algn="l" defTabSz="914400" rtl="0" eaLnBrk="1" latinLnBrk="0" hangingPunct="1">
+              <a:defRPr sz="1800" kern="1200">
+                <a:solidFill>
+                  <a:schemeClr val="tx1"/>
+                </a:solidFill>
+                <a:latin typeface="+mn-lt"/>
+                <a:ea typeface="+mn-ea"/>
+                <a:cs typeface="+mn-cs"/>
+              </a:defRPr>
+            </a:lvl7pPr>
+            <a:lvl8pPr marL="3200400" algn="l" defTabSz="914400" rtl="0" eaLnBrk="1" latinLnBrk="0" hangingPunct="1">
+              <a:defRPr sz="1800" kern="1200">
+                <a:solidFill>
+                  <a:schemeClr val="tx1"/>
+                </a:solidFill>
+                <a:latin typeface="+mn-lt"/>
+                <a:ea typeface="+mn-ea"/>
+                <a:cs typeface="+mn-cs"/>
+              </a:defRPr>
+            </a:lvl8pPr>
+            <a:lvl9pPr marL="3657600" algn="l" defTabSz="914400" rtl="0" eaLnBrk="1" latinLnBrk="0" hangingPunct="1">
+              <a:defRPr sz="1800" kern="1200">
+                <a:solidFill>
+                  <a:schemeClr val="tx1"/>
+                </a:solidFill>
+                <a:latin typeface="+mn-lt"/>
+                <a:ea typeface="+mn-ea"/>
+                <a:cs typeface="+mn-cs"/>
+              </a:defRPr>
+            </a:lvl9pPr>
+          </a:lstStyle>
+          <a:p>
+            <a:r>
+              <a:rPr lang="en-IN" sz="900" dirty="0">
+                <a:ea typeface="Calibri" panose="020F0502020204030204" pitchFamily="34" charset="0"/>
+                <a:cs typeface="Calibri" panose="020F0502020204030204" pitchFamily="34" charset="0"/>
+              </a:rPr>
+              <a:t>Client Mail</a:t>
+            </a:r>
+          </a:p>
+        </p:txBody>
+      </p:sp>
+      <p:cxnSp>
+        <p:nvCxnSpPr>
+          <p:cNvPr id="86" name="Straight Arrow Connector 97">
+            <a:extLst>
+              <a:ext uri="{FF2B5EF4-FFF2-40B4-BE49-F238E27FC236}">
+                <a16:creationId xmlns:a16="http://schemas.microsoft.com/office/drawing/2014/main" id="{37BCC0DA-B733-B1C5-EF2D-8706DF0B582F}"/>
+              </a:ext>
+            </a:extLst>
+          </p:cNvPr>
+          <p:cNvCxnSpPr>
+            <a:cxnSpLocks/>
+            <a:stCxn id="58" idx="2"/>
+          </p:cNvCxnSpPr>
+          <p:nvPr/>
+        </p:nvCxnSpPr>
+        <p:spPr>
+          <a:xfrm rot="5400000">
+            <a:off x="2910494" y="3098742"/>
+            <a:ext cx="868493" cy="308569"/>
+          </a:xfrm>
+          <a:prstGeom prst="bentConnector3">
+            <a:avLst>
+              <a:gd name="adj1" fmla="val 50000"/>
+            </a:avLst>
+          </a:prstGeom>
+          <a:ln>
+            <a:headEnd type="triangle"/>
+            <a:tailEnd type="triangle"/>
+          </a:ln>
+        </p:spPr>
+        <p:style>
+          <a:lnRef idx="1">
+            <a:schemeClr val="accent1"/>
+          </a:lnRef>
+          <a:fillRef idx="0">
+            <a:schemeClr val="accent1"/>
+          </a:fillRef>
+          <a:effectRef idx="0">
+            <a:schemeClr val="accent1"/>
+          </a:effectRef>
+          <a:fontRef idx="minor">
+            <a:schemeClr val="tx1"/>
+          </a:fontRef>
+        </p:style>
+      </p:cxnSp>
+      <p:pic>
+        <p:nvPicPr>
+          <p:cNvPr id="87" name="Picture 2" descr="Zip file - Free interface icons">
+            <a:extLst>
+              <a:ext uri="{FF2B5EF4-FFF2-40B4-BE49-F238E27FC236}">
+                <a16:creationId xmlns:a16="http://schemas.microsoft.com/office/drawing/2014/main" id="{4A485EAD-5707-0060-8EED-674D1CDB4043}"/>
+              </a:ext>
+            </a:extLst>
+          </p:cNvPr>
+          <p:cNvPicPr>
+            <a:picLocks noChangeAspect="1" noChangeArrowheads="1"/>
+          </p:cNvPicPr>
+          <p:nvPr/>
+        </p:nvPicPr>
+        <p:blipFill>
+          <a:blip r:embed="rId16">
+            <a:extLst>
+              <a:ext uri="{28A0092B-C50C-407E-A947-70E740481C1C}">
+                <a14:useLocalDpi xmlns:a14="http://schemas.microsoft.com/office/drawing/2010/main" val="0"/>
+              </a:ext>
+            </a:extLst>
+          </a:blip>
+          <a:srcRect/>
+          <a:stretch>
+            <a:fillRect/>
+          </a:stretch>
+        </p:blipFill>
+        <p:spPr bwMode="auto">
+          <a:xfrm>
+            <a:off x="130041" y="2279269"/>
+            <a:ext cx="461882" cy="461882"/>
+          </a:xfrm>
+          <a:prstGeom prst="rect">
+            <a:avLst/>
+          </a:prstGeom>
+          <a:noFill/>
+          <a:extLst>
+            <a:ext uri="{909E8E84-426E-40DD-AFC4-6F175D3DCCD1}">
+              <a14:hiddenFill xmlns:a14="http://schemas.microsoft.com/office/drawing/2010/main">
+                <a:solidFill>
+                  <a:srgbClr val="FFFFFF"/>
+                </a:solidFill>
+              </a14:hiddenFill>
+            </a:ext>
+          </a:extLst>
+        </p:spPr>
+      </p:pic>
+      <p:sp>
+        <p:nvSpPr>
+          <p:cNvPr id="88" name="TextBox 119">
+            <a:extLst>
+              <a:ext uri="{FF2B5EF4-FFF2-40B4-BE49-F238E27FC236}">
+                <a16:creationId xmlns:a16="http://schemas.microsoft.com/office/drawing/2014/main" id="{E0439A36-DC65-D274-B196-E40A46000A2A}"/>
+              </a:ext>
+            </a:extLst>
+          </p:cNvPr>
+          <p:cNvSpPr txBox="1"/>
+          <p:nvPr/>
+        </p:nvSpPr>
+        <p:spPr>
+          <a:xfrm>
+            <a:off x="43031" y="2719694"/>
+            <a:ext cx="1159371" cy="236988"/>
+          </a:xfrm>
+          <a:prstGeom prst="rect">
+            <a:avLst/>
+          </a:prstGeom>
+          <a:noFill/>
+        </p:spPr>
+        <p:txBody>
+          <a:bodyPr wrap="square" rtlCol="0">
+            <a:spAutoFit/>
+          </a:bodyPr>
+          <a:lstStyle>
+            <a:defPPr>
+              <a:defRPr lang="en-US"/>
+            </a:defPPr>
+            <a:lvl1pPr marL="0" algn="l" defTabSz="914400" rtl="0" eaLnBrk="1" latinLnBrk="0" hangingPunct="1">
+              <a:defRPr sz="1800" kern="1200">
+                <a:solidFill>
+                  <a:schemeClr val="tx1"/>
+                </a:solidFill>
+                <a:latin typeface="+mn-lt"/>
+                <a:ea typeface="+mn-ea"/>
+                <a:cs typeface="+mn-cs"/>
+              </a:defRPr>
+            </a:lvl1pPr>
+            <a:lvl2pPr marL="457200" algn="l" defTabSz="914400" rtl="0" eaLnBrk="1" latinLnBrk="0" hangingPunct="1">
+              <a:defRPr sz="1800" kern="1200">
+                <a:solidFill>
+                  <a:schemeClr val="tx1"/>
+                </a:solidFill>
+                <a:latin typeface="+mn-lt"/>
+                <a:ea typeface="+mn-ea"/>
+                <a:cs typeface="+mn-cs"/>
+              </a:defRPr>
+            </a:lvl2pPr>
+            <a:lvl3pPr marL="914400" algn="l" defTabSz="914400" rtl="0" eaLnBrk="1" latinLnBrk="0" hangingPunct="1">
+              <a:defRPr sz="1800" kern="1200">
+                <a:solidFill>
+                  <a:schemeClr val="tx1"/>
+                </a:solidFill>
+                <a:latin typeface="+mn-lt"/>
+                <a:ea typeface="+mn-ea"/>
+                <a:cs typeface="+mn-cs"/>
+              </a:defRPr>
+            </a:lvl3pPr>
+            <a:lvl4pPr marL="1371600" algn="l" defTabSz="914400" rtl="0" eaLnBrk="1" latinLnBrk="0" hangingPunct="1">
+              <a:defRPr sz="1800" kern="1200">
+                <a:solidFill>
+                  <a:schemeClr val="tx1"/>
+                </a:solidFill>
+                <a:latin typeface="+mn-lt"/>
+                <a:ea typeface="+mn-ea"/>
+                <a:cs typeface="+mn-cs"/>
+              </a:defRPr>
+            </a:lvl4pPr>
+            <a:lvl5pPr marL="1828800" algn="l" defTabSz="914400" rtl="0" eaLnBrk="1" latinLnBrk="0" hangingPunct="1">
+              <a:defRPr sz="1800" kern="1200">
+                <a:solidFill>
+                  <a:schemeClr val="tx1"/>
+                </a:solidFill>
+                <a:latin typeface="+mn-lt"/>
+                <a:ea typeface="+mn-ea"/>
+                <a:cs typeface="+mn-cs"/>
+              </a:defRPr>
+            </a:lvl5pPr>
+            <a:lvl6pPr marL="2286000" algn="l" defTabSz="914400" rtl="0" eaLnBrk="1" latinLnBrk="0" hangingPunct="1">
+              <a:defRPr sz="1800" kern="1200">
+                <a:solidFill>
+                  <a:schemeClr val="tx1"/>
+                </a:solidFill>
+                <a:latin typeface="+mn-lt"/>
+                <a:ea typeface="+mn-ea"/>
+                <a:cs typeface="+mn-cs"/>
+              </a:defRPr>
+            </a:lvl6pPr>
+            <a:lvl7pPr marL="2743200" algn="l" defTabSz="914400" rtl="0" eaLnBrk="1" latinLnBrk="0" hangingPunct="1">
+              <a:defRPr sz="1800" kern="1200">
+                <a:solidFill>
+                  <a:schemeClr val="tx1"/>
+                </a:solidFill>
+                <a:latin typeface="+mn-lt"/>
+                <a:ea typeface="+mn-ea"/>
+                <a:cs typeface="+mn-cs"/>
+              </a:defRPr>
+            </a:lvl7pPr>
+            <a:lvl8pPr marL="3200400" algn="l" defTabSz="914400" rtl="0" eaLnBrk="1" latinLnBrk="0" hangingPunct="1">
+              <a:defRPr sz="1800" kern="1200">
+                <a:solidFill>
+                  <a:schemeClr val="tx1"/>
+                </a:solidFill>
+                <a:latin typeface="+mn-lt"/>
+                <a:ea typeface="+mn-ea"/>
+                <a:cs typeface="+mn-cs"/>
+              </a:defRPr>
+            </a:lvl8pPr>
+            <a:lvl9pPr marL="3657600" algn="l" defTabSz="914400" rtl="0" eaLnBrk="1" latinLnBrk="0" hangingPunct="1">
+              <a:defRPr sz="1800" kern="1200">
+                <a:solidFill>
+                  <a:schemeClr val="tx1"/>
+                </a:solidFill>
+                <a:latin typeface="+mn-lt"/>
+                <a:ea typeface="+mn-ea"/>
+                <a:cs typeface="+mn-cs"/>
+              </a:defRPr>
+            </a:lvl9pPr>
+          </a:lstStyle>
+          <a:p>
+            <a:r>
+              <a:rPr lang="en-IN" sz="900" dirty="0">
+                <a:ea typeface="Calibri" panose="020F0502020204030204" pitchFamily="34" charset="0"/>
+                <a:cs typeface="Calibri" panose="020F0502020204030204" pitchFamily="34" charset="0"/>
+              </a:rPr>
+              <a:t>Source data</a:t>
+            </a:r>
+          </a:p>
+        </p:txBody>
+      </p:sp>
+      <p:cxnSp>
+        <p:nvCxnSpPr>
+          <p:cNvPr id="89" name="Straight Arrow Connector 88">
+            <a:extLst>
+              <a:ext uri="{FF2B5EF4-FFF2-40B4-BE49-F238E27FC236}">
+                <a16:creationId xmlns:a16="http://schemas.microsoft.com/office/drawing/2014/main" id="{38C97E95-8304-4C28-A08B-446069820DB1}"/>
+              </a:ext>
+            </a:extLst>
+          </p:cNvPr>
+          <p:cNvCxnSpPr>
+            <a:cxnSpLocks/>
+            <a:stCxn id="87" idx="3"/>
+            <a:endCxn id="58" idx="1"/>
+          </p:cNvCxnSpPr>
+          <p:nvPr/>
+        </p:nvCxnSpPr>
+        <p:spPr>
+          <a:xfrm>
+            <a:off x="591923" y="2510210"/>
+            <a:ext cx="2598530" cy="0"/>
+          </a:xfrm>
+          <a:prstGeom prst="straightConnector1">
+            <a:avLst/>
+          </a:prstGeom>
+          <a:ln>
+            <a:headEnd type="triangle"/>
+            <a:tailEnd type="triangle"/>
+          </a:ln>
+        </p:spPr>
+        <p:style>
+          <a:lnRef idx="1">
+            <a:schemeClr val="accent1"/>
+          </a:lnRef>
+          <a:fillRef idx="0">
+            <a:schemeClr val="accent1"/>
+          </a:fillRef>
+          <a:effectRef idx="0">
+            <a:schemeClr val="accent1"/>
+          </a:effectRef>
+          <a:fontRef idx="minor">
+            <a:schemeClr val="tx1"/>
+          </a:fontRef>
+        </p:style>
+      </p:cxnSp>
+      <p:cxnSp>
+        <p:nvCxnSpPr>
+          <p:cNvPr id="90" name="Straight Arrow Connector 58">
+            <a:extLst>
+              <a:ext uri="{FF2B5EF4-FFF2-40B4-BE49-F238E27FC236}">
+                <a16:creationId xmlns:a16="http://schemas.microsoft.com/office/drawing/2014/main" id="{EEB7B809-3215-C49E-7510-F41B8C4BD32C}"/>
+              </a:ext>
+            </a:extLst>
+          </p:cNvPr>
+          <p:cNvCxnSpPr>
+            <a:cxnSpLocks/>
+            <a:stCxn id="66" idx="3"/>
+            <a:endCxn id="70" idx="2"/>
+          </p:cNvCxnSpPr>
+          <p:nvPr/>
+        </p:nvCxnSpPr>
+        <p:spPr>
+          <a:xfrm flipV="1">
+            <a:off x="9720892" y="3087432"/>
+            <a:ext cx="2167262" cy="2012739"/>
+          </a:xfrm>
+          <a:prstGeom prst="bentConnector2">
+            <a:avLst/>
+          </a:prstGeom>
+          <a:ln>
+            <a:tailEnd type="triangle"/>
+          </a:ln>
+        </p:spPr>
+        <p:style>
+          <a:lnRef idx="1">
+            <a:schemeClr val="accent1"/>
+          </a:lnRef>
+          <a:fillRef idx="0">
+            <a:schemeClr val="accent1"/>
+          </a:fillRef>
+          <a:effectRef idx="0">
+            <a:schemeClr val="accent1"/>
+          </a:effectRef>
+          <a:fontRef idx="minor">
+            <a:schemeClr val="tx1"/>
+          </a:fontRef>
+        </p:style>
+      </p:cxnSp>
+      <p:pic>
+        <p:nvPicPr>
+          <p:cNvPr id="91" name="Picture 10">
+            <a:extLst>
+              <a:ext uri="{FF2B5EF4-FFF2-40B4-BE49-F238E27FC236}">
+                <a16:creationId xmlns:a16="http://schemas.microsoft.com/office/drawing/2014/main" id="{41C6E4BA-8B13-F462-1A45-1E00EFBBF1B1}"/>
+              </a:ext>
+            </a:extLst>
+          </p:cNvPr>
+          <p:cNvPicPr>
+            <a:picLocks noChangeAspect="1" noChangeArrowheads="1"/>
+          </p:cNvPicPr>
+          <p:nvPr/>
+        </p:nvPicPr>
+        <p:blipFill>
+          <a:blip r:embed="rId17">
+            <a:extLst>
+              <a:ext uri="{28A0092B-C50C-407E-A947-70E740481C1C}">
+                <a14:useLocalDpi xmlns:a14="http://schemas.microsoft.com/office/drawing/2010/main" val="0"/>
+              </a:ext>
+            </a:extLst>
+          </a:blip>
+          <a:srcRect/>
+          <a:stretch>
+            <a:fillRect/>
+          </a:stretch>
+        </p:blipFill>
+        <p:spPr bwMode="auto">
+          <a:xfrm>
+            <a:off x="7380103" y="2930415"/>
+            <a:ext cx="757940" cy="744686"/>
+          </a:xfrm>
+          <a:prstGeom prst="rect">
+            <a:avLst/>
+          </a:prstGeom>
+          <a:noFill/>
+          <a:extLst>
+            <a:ext uri="{909E8E84-426E-40DD-AFC4-6F175D3DCCD1}">
+              <a14:hiddenFill xmlns:a14="http://schemas.microsoft.com/office/drawing/2010/main">
+                <a:solidFill>
+                  <a:srgbClr val="FFFFFF"/>
+                </a:solidFill>
+              </a14:hiddenFill>
+            </a:ext>
+          </a:extLst>
+        </p:spPr>
+      </p:pic>
+      <p:pic>
+        <p:nvPicPr>
+          <p:cNvPr id="92" name="Graphic 13">
+            <a:extLst>
+              <a:ext uri="{FF2B5EF4-FFF2-40B4-BE49-F238E27FC236}">
+                <a16:creationId xmlns:a16="http://schemas.microsoft.com/office/drawing/2014/main" id="{201FC8A2-E17F-C1AC-0B84-B7B164071C58}"/>
+              </a:ext>
+            </a:extLst>
+          </p:cNvPr>
+          <p:cNvPicPr>
+            <a:picLocks noChangeAspect="1" noChangeArrowheads="1"/>
+          </p:cNvPicPr>
+          <p:nvPr/>
+        </p:nvPicPr>
+        <p:blipFill>
+          <a:blip r:embed="rId6">
+            <a:extLst>
+              <a:ext uri="{28A0092B-C50C-407E-A947-70E740481C1C}">
+                <a14:useLocalDpi xmlns:a14="http://schemas.microsoft.com/office/drawing/2010/main" val="0"/>
+              </a:ext>
+            </a:extLst>
+          </a:blip>
+          <a:srcRect/>
+          <a:stretch>
+            <a:fillRect/>
+          </a:stretch>
+        </p:blipFill>
+        <p:spPr bwMode="auto">
+          <a:xfrm>
+            <a:off x="2755229" y="4780776"/>
+            <a:ext cx="639913" cy="639913"/>
+          </a:xfrm>
+          <a:prstGeom prst="rect">
+            <a:avLst/>
+          </a:prstGeom>
+          <a:noFill/>
+          <a:ln>
+            <a:noFill/>
+          </a:ln>
+          <a:extLst>
+            <a:ext uri="{909E8E84-426E-40DD-AFC4-6F175D3DCCD1}">
+              <a14:hiddenFill xmlns:a14="http://schemas.microsoft.com/office/drawing/2010/main">
+                <a:solidFill>
+                  <a:srgbClr val="FFFFFF"/>
+                </a:solidFill>
+              </a14:hiddenFill>
+            </a:ext>
+            <a:ext uri="{91240B29-F687-4F45-9708-019B960494DF}">
+              <a14:hiddenLine xmlns:a14="http://schemas.microsoft.com/office/drawing/2010/main" w="9525">
+                <a:solidFill>
+                  <a:srgbClr val="000000"/>
+                </a:solidFill>
+                <a:miter lim="800000"/>
+                <a:headEnd/>
+                <a:tailEnd/>
+              </a14:hiddenLine>
+            </a:ext>
+          </a:extLst>
+        </p:spPr>
+      </p:pic>
+      <p:sp>
+        <p:nvSpPr>
+          <p:cNvPr id="93" name="TextBox 24">
+            <a:extLst>
+              <a:ext uri="{FF2B5EF4-FFF2-40B4-BE49-F238E27FC236}">
+                <a16:creationId xmlns:a16="http://schemas.microsoft.com/office/drawing/2014/main" id="{862743F9-C18A-64E3-D760-C89F5E674CA4}"/>
+              </a:ext>
+            </a:extLst>
+          </p:cNvPr>
+          <p:cNvSpPr txBox="1"/>
+          <p:nvPr/>
+        </p:nvSpPr>
+        <p:spPr>
+          <a:xfrm>
+            <a:off x="1642898" y="4770905"/>
+            <a:ext cx="1237063" cy="646331"/>
+          </a:xfrm>
+          <a:prstGeom prst="rect">
+            <a:avLst/>
+          </a:prstGeom>
+          <a:noFill/>
+        </p:spPr>
+        <p:txBody>
+          <a:bodyPr wrap="square" rtlCol="0">
+            <a:spAutoFit/>
+          </a:bodyPr>
+          <a:lstStyle>
+            <a:defPPr>
+              <a:defRPr lang="en-US"/>
+            </a:defPPr>
+            <a:lvl1pPr marL="0" algn="l" defTabSz="914400" rtl="0" eaLnBrk="1" latinLnBrk="0" hangingPunct="1">
+              <a:defRPr sz="1800" kern="1200">
+                <a:solidFill>
+                  <a:schemeClr val="tx1"/>
+                </a:solidFill>
+                <a:latin typeface="+mn-lt"/>
+                <a:ea typeface="+mn-ea"/>
+                <a:cs typeface="+mn-cs"/>
+              </a:defRPr>
+            </a:lvl1pPr>
+            <a:lvl2pPr marL="457200" algn="l" defTabSz="914400" rtl="0" eaLnBrk="1" latinLnBrk="0" hangingPunct="1">
+              <a:defRPr sz="1800" kern="1200">
+                <a:solidFill>
+                  <a:schemeClr val="tx1"/>
+                </a:solidFill>
+                <a:latin typeface="+mn-lt"/>
+                <a:ea typeface="+mn-ea"/>
+                <a:cs typeface="+mn-cs"/>
+              </a:defRPr>
+            </a:lvl2pPr>
+            <a:lvl3pPr marL="914400" algn="l" defTabSz="914400" rtl="0" eaLnBrk="1" latinLnBrk="0" hangingPunct="1">
+              <a:defRPr sz="1800" kern="1200">
+                <a:solidFill>
+                  <a:schemeClr val="tx1"/>
+                </a:solidFill>
+                <a:latin typeface="+mn-lt"/>
+                <a:ea typeface="+mn-ea"/>
+                <a:cs typeface="+mn-cs"/>
+              </a:defRPr>
+            </a:lvl3pPr>
+            <a:lvl4pPr marL="1371600" algn="l" defTabSz="914400" rtl="0" eaLnBrk="1" latinLnBrk="0" hangingPunct="1">
+              <a:defRPr sz="1800" kern="1200">
+                <a:solidFill>
+                  <a:schemeClr val="tx1"/>
+                </a:solidFill>
+                <a:latin typeface="+mn-lt"/>
+                <a:ea typeface="+mn-ea"/>
+                <a:cs typeface="+mn-cs"/>
+              </a:defRPr>
+            </a:lvl4pPr>
+            <a:lvl5pPr marL="1828800" algn="l" defTabSz="914400" rtl="0" eaLnBrk="1" latinLnBrk="0" hangingPunct="1">
+              <a:defRPr sz="1800" kern="1200">
+                <a:solidFill>
+                  <a:schemeClr val="tx1"/>
+                </a:solidFill>
+                <a:latin typeface="+mn-lt"/>
+                <a:ea typeface="+mn-ea"/>
+                <a:cs typeface="+mn-cs"/>
+              </a:defRPr>
+            </a:lvl5pPr>
+            <a:lvl6pPr marL="2286000" algn="l" defTabSz="914400" rtl="0" eaLnBrk="1" latinLnBrk="0" hangingPunct="1">
+              <a:defRPr sz="1800" kern="1200">
+                <a:solidFill>
+                  <a:schemeClr val="tx1"/>
+                </a:solidFill>
+                <a:latin typeface="+mn-lt"/>
+                <a:ea typeface="+mn-ea"/>
+                <a:cs typeface="+mn-cs"/>
+              </a:defRPr>
+            </a:lvl6pPr>
+            <a:lvl7pPr marL="2743200" algn="l" defTabSz="914400" rtl="0" eaLnBrk="1" latinLnBrk="0" hangingPunct="1">
+              <a:defRPr sz="1800" kern="1200">
+                <a:solidFill>
+                  <a:schemeClr val="tx1"/>
+                </a:solidFill>
+                <a:latin typeface="+mn-lt"/>
+                <a:ea typeface="+mn-ea"/>
+                <a:cs typeface="+mn-cs"/>
+              </a:defRPr>
+            </a:lvl7pPr>
+            <a:lvl8pPr marL="3200400" algn="l" defTabSz="914400" rtl="0" eaLnBrk="1" latinLnBrk="0" hangingPunct="1">
+              <a:defRPr sz="1800" kern="1200">
+                <a:solidFill>
+                  <a:schemeClr val="tx1"/>
+                </a:solidFill>
+                <a:latin typeface="+mn-lt"/>
+                <a:ea typeface="+mn-ea"/>
+                <a:cs typeface="+mn-cs"/>
+              </a:defRPr>
+            </a:lvl8pPr>
+            <a:lvl9pPr marL="3657600" algn="l" defTabSz="914400" rtl="0" eaLnBrk="1" latinLnBrk="0" hangingPunct="1">
+              <a:defRPr sz="1800" kern="1200">
+                <a:solidFill>
+                  <a:schemeClr val="tx1"/>
+                </a:solidFill>
+                <a:latin typeface="+mn-lt"/>
+                <a:ea typeface="+mn-ea"/>
+                <a:cs typeface="+mn-cs"/>
+              </a:defRPr>
+            </a:lvl9pPr>
+          </a:lstStyle>
+          <a:p>
+            <a:pPr algn="ctr"/>
+            <a:r>
+              <a:rPr lang="en-US" sz="900" b="1" dirty="0"/>
+              <a:t>Lambda 2</a:t>
+            </a:r>
+          </a:p>
+          <a:p>
+            <a:pPr algn="ctr"/>
+            <a:r>
+              <a:rPr lang="en-US" sz="900" dirty="0"/>
+              <a:t>(Designed to convert the output data into HTML pages.)</a:t>
+            </a:r>
+            <a:endParaRPr lang="en-IN" sz="900" b="1" dirty="0"/>
+          </a:p>
+        </p:txBody>
+      </p:sp>
+      <p:cxnSp>
+        <p:nvCxnSpPr>
+          <p:cNvPr id="94" name="Straight Arrow Connector 75">
+            <a:extLst>
+              <a:ext uri="{FF2B5EF4-FFF2-40B4-BE49-F238E27FC236}">
+                <a16:creationId xmlns:a16="http://schemas.microsoft.com/office/drawing/2014/main" id="{953FC42F-3F27-AAF8-BAA2-2FD07067627F}"/>
+              </a:ext>
+            </a:extLst>
+          </p:cNvPr>
+          <p:cNvCxnSpPr>
+            <a:cxnSpLocks/>
+            <a:stCxn id="99" idx="0"/>
+            <a:endCxn id="91" idx="1"/>
+          </p:cNvCxnSpPr>
+          <p:nvPr/>
+        </p:nvCxnSpPr>
+        <p:spPr>
+          <a:xfrm rot="5400000" flipH="1" flipV="1">
+            <a:off x="6493093" y="2756117"/>
+            <a:ext cx="340369" cy="1433652"/>
+          </a:xfrm>
+          <a:prstGeom prst="bentConnector2">
+            <a:avLst/>
+          </a:prstGeom>
+          <a:ln>
+            <a:tailEnd type="triangle"/>
+          </a:ln>
+        </p:spPr>
+        <p:style>
+          <a:lnRef idx="1">
+            <a:schemeClr val="accent1"/>
+          </a:lnRef>
+          <a:fillRef idx="0">
+            <a:schemeClr val="accent1"/>
+          </a:fillRef>
+          <a:effectRef idx="0">
+            <a:schemeClr val="accent1"/>
+          </a:effectRef>
+          <a:fontRef idx="minor">
+            <a:schemeClr val="tx1"/>
+          </a:fontRef>
+        </p:style>
+      </p:cxnSp>
+      <p:sp>
+        <p:nvSpPr>
+          <p:cNvPr id="95" name="TextBox 140">
+            <a:extLst>
+              <a:ext uri="{FF2B5EF4-FFF2-40B4-BE49-F238E27FC236}">
+                <a16:creationId xmlns:a16="http://schemas.microsoft.com/office/drawing/2014/main" id="{45DB99C7-0E6E-701B-1B70-A80BBB66FEB9}"/>
+              </a:ext>
+            </a:extLst>
+          </p:cNvPr>
+          <p:cNvSpPr txBox="1"/>
+          <p:nvPr/>
+        </p:nvSpPr>
+        <p:spPr>
+          <a:xfrm>
+            <a:off x="6993159" y="3559163"/>
+            <a:ext cx="1372017" cy="646331"/>
+          </a:xfrm>
+          <a:prstGeom prst="rect">
+            <a:avLst/>
+          </a:prstGeom>
+          <a:noFill/>
+        </p:spPr>
+        <p:txBody>
+          <a:bodyPr wrap="square" rtlCol="0">
+            <a:spAutoFit/>
+          </a:bodyPr>
+          <a:lstStyle>
+            <a:defPPr>
+              <a:defRPr lang="en-US"/>
+            </a:defPPr>
+            <a:lvl1pPr marL="0" algn="l" defTabSz="914400" rtl="0" eaLnBrk="1" latinLnBrk="0" hangingPunct="1">
+              <a:defRPr sz="1800" kern="1200">
+                <a:solidFill>
+                  <a:schemeClr val="tx1"/>
+                </a:solidFill>
+                <a:latin typeface="+mn-lt"/>
+                <a:ea typeface="+mn-ea"/>
+                <a:cs typeface="+mn-cs"/>
+              </a:defRPr>
+            </a:lvl1pPr>
+            <a:lvl2pPr marL="457200" algn="l" defTabSz="914400" rtl="0" eaLnBrk="1" latinLnBrk="0" hangingPunct="1">
+              <a:defRPr sz="1800" kern="1200">
+                <a:solidFill>
+                  <a:schemeClr val="tx1"/>
+                </a:solidFill>
+                <a:latin typeface="+mn-lt"/>
+                <a:ea typeface="+mn-ea"/>
+                <a:cs typeface="+mn-cs"/>
+              </a:defRPr>
+            </a:lvl2pPr>
+            <a:lvl3pPr marL="914400" algn="l" defTabSz="914400" rtl="0" eaLnBrk="1" latinLnBrk="0" hangingPunct="1">
+              <a:defRPr sz="1800" kern="1200">
+                <a:solidFill>
+                  <a:schemeClr val="tx1"/>
+                </a:solidFill>
+                <a:latin typeface="+mn-lt"/>
+                <a:ea typeface="+mn-ea"/>
+                <a:cs typeface="+mn-cs"/>
+              </a:defRPr>
+            </a:lvl3pPr>
+            <a:lvl4pPr marL="1371600" algn="l" defTabSz="914400" rtl="0" eaLnBrk="1" latinLnBrk="0" hangingPunct="1">
+              <a:defRPr sz="1800" kern="1200">
+                <a:solidFill>
+                  <a:schemeClr val="tx1"/>
+                </a:solidFill>
+                <a:latin typeface="+mn-lt"/>
+                <a:ea typeface="+mn-ea"/>
+                <a:cs typeface="+mn-cs"/>
+              </a:defRPr>
+            </a:lvl4pPr>
+            <a:lvl5pPr marL="1828800" algn="l" defTabSz="914400" rtl="0" eaLnBrk="1" latinLnBrk="0" hangingPunct="1">
+              <a:defRPr sz="1800" kern="1200">
+                <a:solidFill>
+                  <a:schemeClr val="tx1"/>
+                </a:solidFill>
+                <a:latin typeface="+mn-lt"/>
+                <a:ea typeface="+mn-ea"/>
+                <a:cs typeface="+mn-cs"/>
+              </a:defRPr>
+            </a:lvl5pPr>
+            <a:lvl6pPr marL="2286000" algn="l" defTabSz="914400" rtl="0" eaLnBrk="1" latinLnBrk="0" hangingPunct="1">
+              <a:defRPr sz="1800" kern="1200">
+                <a:solidFill>
+                  <a:schemeClr val="tx1"/>
+                </a:solidFill>
+                <a:latin typeface="+mn-lt"/>
+                <a:ea typeface="+mn-ea"/>
+                <a:cs typeface="+mn-cs"/>
+              </a:defRPr>
+            </a:lvl6pPr>
+            <a:lvl7pPr marL="2743200" algn="l" defTabSz="914400" rtl="0" eaLnBrk="1" latinLnBrk="0" hangingPunct="1">
+              <a:defRPr sz="1800" kern="1200">
+                <a:solidFill>
+                  <a:schemeClr val="tx1"/>
+                </a:solidFill>
+                <a:latin typeface="+mn-lt"/>
+                <a:ea typeface="+mn-ea"/>
+                <a:cs typeface="+mn-cs"/>
+              </a:defRPr>
+            </a:lvl7pPr>
+            <a:lvl8pPr marL="3200400" algn="l" defTabSz="914400" rtl="0" eaLnBrk="1" latinLnBrk="0" hangingPunct="1">
+              <a:defRPr sz="1800" kern="1200">
+                <a:solidFill>
+                  <a:schemeClr val="tx1"/>
+                </a:solidFill>
+                <a:latin typeface="+mn-lt"/>
+                <a:ea typeface="+mn-ea"/>
+                <a:cs typeface="+mn-cs"/>
+              </a:defRPr>
+            </a:lvl8pPr>
+            <a:lvl9pPr marL="3657600" algn="l" defTabSz="914400" rtl="0" eaLnBrk="1" latinLnBrk="0" hangingPunct="1">
+              <a:defRPr sz="1800" kern="1200">
+                <a:solidFill>
+                  <a:schemeClr val="tx1"/>
+                </a:solidFill>
+                <a:latin typeface="+mn-lt"/>
+                <a:ea typeface="+mn-ea"/>
+                <a:cs typeface="+mn-cs"/>
+              </a:defRPr>
+            </a:lvl9pPr>
+          </a:lstStyle>
+          <a:p>
+            <a:pPr algn="ctr"/>
+            <a:r>
+              <a:rPr lang="en-IN" sz="900" b="1" dirty="0">
+                <a:ea typeface="Calibri" panose="020F0502020204030204" pitchFamily="34" charset="0"/>
+                <a:cs typeface="Calibri" panose="020F0502020204030204" pitchFamily="34" charset="0"/>
+              </a:rPr>
+              <a:t>Lambda 4</a:t>
+            </a:r>
+          </a:p>
+          <a:p>
+            <a:pPr algn="ctr"/>
+            <a:r>
+              <a:rPr lang="en-IN" sz="900" dirty="0">
+                <a:ea typeface="Calibri" panose="020F0502020204030204" pitchFamily="34" charset="0"/>
+                <a:cs typeface="Calibri" panose="020F0502020204030204" pitchFamily="34" charset="0"/>
+              </a:rPr>
+              <a:t>(Lambda function to trigger an PDF creation and store it in s3)</a:t>
+            </a:r>
+          </a:p>
+        </p:txBody>
+      </p:sp>
+      <p:pic>
+        <p:nvPicPr>
+          <p:cNvPr id="96" name="Graphic 63">
+            <a:extLst>
+              <a:ext uri="{FF2B5EF4-FFF2-40B4-BE49-F238E27FC236}">
+                <a16:creationId xmlns:a16="http://schemas.microsoft.com/office/drawing/2014/main" id="{23636CF6-A15F-F1E1-51D0-9ECEA4B0167E}"/>
+              </a:ext>
+            </a:extLst>
+          </p:cNvPr>
+          <p:cNvPicPr>
+            <a:picLocks noChangeAspect="1" noChangeArrowheads="1"/>
+          </p:cNvPicPr>
+          <p:nvPr/>
+        </p:nvPicPr>
+        <p:blipFill>
+          <a:blip r:embed="rId7">
+            <a:extLst>
+              <a:ext uri="{28A0092B-C50C-407E-A947-70E740481C1C}">
+                <a14:useLocalDpi xmlns:a14="http://schemas.microsoft.com/office/drawing/2010/main" val="0"/>
+              </a:ext>
+            </a:extLst>
+          </a:blip>
+          <a:srcRect/>
+          <a:stretch>
+            <a:fillRect/>
+          </a:stretch>
+        </p:blipFill>
+        <p:spPr bwMode="auto">
+          <a:xfrm>
+            <a:off x="9097618" y="2959834"/>
+            <a:ext cx="667820" cy="695220"/>
+          </a:xfrm>
+          <a:prstGeom prst="rect">
+            <a:avLst/>
+          </a:prstGeom>
+          <a:noFill/>
+          <a:ln>
+            <a:noFill/>
+          </a:ln>
+          <a:extLst>
+            <a:ext uri="{909E8E84-426E-40DD-AFC4-6F175D3DCCD1}">
+              <a14:hiddenFill xmlns:a14="http://schemas.microsoft.com/office/drawing/2010/main">
+                <a:solidFill>
+                  <a:srgbClr val="FFFFFF"/>
+                </a:solidFill>
+              </a14:hiddenFill>
+            </a:ext>
+            <a:ext uri="{91240B29-F687-4F45-9708-019B960494DF}">
+              <a14:hiddenLine xmlns:a14="http://schemas.microsoft.com/office/drawing/2010/main" w="9525">
+                <a:solidFill>
+                  <a:srgbClr val="000000"/>
+                </a:solidFill>
+                <a:miter lim="800000"/>
+                <a:headEnd/>
+                <a:tailEnd/>
+              </a14:hiddenLine>
+            </a:ext>
+          </a:extLst>
+        </p:spPr>
+      </p:pic>
+      <p:sp>
+        <p:nvSpPr>
+          <p:cNvPr id="97" name="TextBox 137">
+            <a:extLst>
+              <a:ext uri="{FF2B5EF4-FFF2-40B4-BE49-F238E27FC236}">
+                <a16:creationId xmlns:a16="http://schemas.microsoft.com/office/drawing/2014/main" id="{88650B0F-B0E0-B8EC-7EA0-894E8C573604}"/>
+              </a:ext>
+            </a:extLst>
+          </p:cNvPr>
+          <p:cNvSpPr txBox="1"/>
+          <p:nvPr/>
+        </p:nvSpPr>
+        <p:spPr>
+          <a:xfrm>
+            <a:off x="8748064" y="3593485"/>
+            <a:ext cx="1372017" cy="507832"/>
+          </a:xfrm>
+          <a:prstGeom prst="rect">
+            <a:avLst/>
+          </a:prstGeom>
+          <a:noFill/>
+        </p:spPr>
+        <p:txBody>
+          <a:bodyPr wrap="square" rtlCol="0">
+            <a:spAutoFit/>
+          </a:bodyPr>
+          <a:lstStyle>
+            <a:defPPr>
+              <a:defRPr lang="en-US"/>
+            </a:defPPr>
+            <a:lvl1pPr marL="0" algn="l" defTabSz="914400" rtl="0" eaLnBrk="1" latinLnBrk="0" hangingPunct="1">
+              <a:defRPr sz="1800" kern="1200">
+                <a:solidFill>
+                  <a:schemeClr val="tx1"/>
+                </a:solidFill>
+                <a:latin typeface="+mn-lt"/>
+                <a:ea typeface="+mn-ea"/>
+                <a:cs typeface="+mn-cs"/>
+              </a:defRPr>
+            </a:lvl1pPr>
+            <a:lvl2pPr marL="457200" algn="l" defTabSz="914400" rtl="0" eaLnBrk="1" latinLnBrk="0" hangingPunct="1">
+              <a:defRPr sz="1800" kern="1200">
+                <a:solidFill>
+                  <a:schemeClr val="tx1"/>
+                </a:solidFill>
+                <a:latin typeface="+mn-lt"/>
+                <a:ea typeface="+mn-ea"/>
+                <a:cs typeface="+mn-cs"/>
+              </a:defRPr>
+            </a:lvl2pPr>
+            <a:lvl3pPr marL="914400" algn="l" defTabSz="914400" rtl="0" eaLnBrk="1" latinLnBrk="0" hangingPunct="1">
+              <a:defRPr sz="1800" kern="1200">
+                <a:solidFill>
+                  <a:schemeClr val="tx1"/>
+                </a:solidFill>
+                <a:latin typeface="+mn-lt"/>
+                <a:ea typeface="+mn-ea"/>
+                <a:cs typeface="+mn-cs"/>
+              </a:defRPr>
+            </a:lvl3pPr>
+            <a:lvl4pPr marL="1371600" algn="l" defTabSz="914400" rtl="0" eaLnBrk="1" latinLnBrk="0" hangingPunct="1">
+              <a:defRPr sz="1800" kern="1200">
+                <a:solidFill>
+                  <a:schemeClr val="tx1"/>
+                </a:solidFill>
+                <a:latin typeface="+mn-lt"/>
+                <a:ea typeface="+mn-ea"/>
+                <a:cs typeface="+mn-cs"/>
+              </a:defRPr>
+            </a:lvl4pPr>
+            <a:lvl5pPr marL="1828800" algn="l" defTabSz="914400" rtl="0" eaLnBrk="1" latinLnBrk="0" hangingPunct="1">
+              <a:defRPr sz="1800" kern="1200">
+                <a:solidFill>
+                  <a:schemeClr val="tx1"/>
+                </a:solidFill>
+                <a:latin typeface="+mn-lt"/>
+                <a:ea typeface="+mn-ea"/>
+                <a:cs typeface="+mn-cs"/>
+              </a:defRPr>
+            </a:lvl5pPr>
+            <a:lvl6pPr marL="2286000" algn="l" defTabSz="914400" rtl="0" eaLnBrk="1" latinLnBrk="0" hangingPunct="1">
+              <a:defRPr sz="1800" kern="1200">
+                <a:solidFill>
+                  <a:schemeClr val="tx1"/>
+                </a:solidFill>
+                <a:latin typeface="+mn-lt"/>
+                <a:ea typeface="+mn-ea"/>
+                <a:cs typeface="+mn-cs"/>
+              </a:defRPr>
+            </a:lvl6pPr>
+            <a:lvl7pPr marL="2743200" algn="l" defTabSz="914400" rtl="0" eaLnBrk="1" latinLnBrk="0" hangingPunct="1">
+              <a:defRPr sz="1800" kern="1200">
+                <a:solidFill>
+                  <a:schemeClr val="tx1"/>
+                </a:solidFill>
+                <a:latin typeface="+mn-lt"/>
+                <a:ea typeface="+mn-ea"/>
+                <a:cs typeface="+mn-cs"/>
+              </a:defRPr>
+            </a:lvl7pPr>
+            <a:lvl8pPr marL="3200400" algn="l" defTabSz="914400" rtl="0" eaLnBrk="1" latinLnBrk="0" hangingPunct="1">
+              <a:defRPr sz="1800" kern="1200">
+                <a:solidFill>
+                  <a:schemeClr val="tx1"/>
+                </a:solidFill>
+                <a:latin typeface="+mn-lt"/>
+                <a:ea typeface="+mn-ea"/>
+                <a:cs typeface="+mn-cs"/>
+              </a:defRPr>
+            </a:lvl8pPr>
+            <a:lvl9pPr marL="3657600" algn="l" defTabSz="914400" rtl="0" eaLnBrk="1" latinLnBrk="0" hangingPunct="1">
+              <a:defRPr sz="1800" kern="1200">
+                <a:solidFill>
+                  <a:schemeClr val="tx1"/>
+                </a:solidFill>
+                <a:latin typeface="+mn-lt"/>
+                <a:ea typeface="+mn-ea"/>
+                <a:cs typeface="+mn-cs"/>
+              </a:defRPr>
+            </a:lvl9pPr>
+          </a:lstStyle>
+          <a:p>
+            <a:pPr algn="ctr"/>
+            <a:r>
+              <a:rPr lang="en-IN" sz="900" b="1" dirty="0">
+                <a:ea typeface="Calibri" panose="020F0502020204030204" pitchFamily="34" charset="0"/>
+                <a:cs typeface="Calibri" panose="020F0502020204030204" pitchFamily="34" charset="0"/>
+              </a:rPr>
+              <a:t>Output bucket</a:t>
+            </a:r>
+          </a:p>
+          <a:p>
+            <a:pPr algn="ctr"/>
+            <a:r>
+              <a:rPr lang="en-IN" sz="900" dirty="0">
+                <a:ea typeface="Calibri" panose="020F0502020204030204" pitchFamily="34" charset="0"/>
+                <a:cs typeface="Calibri" panose="020F0502020204030204" pitchFamily="34" charset="0"/>
+              </a:rPr>
+              <a:t>(Storing the filtered</a:t>
+            </a:r>
+          </a:p>
+          <a:p>
+            <a:pPr algn="ctr"/>
+            <a:r>
+              <a:rPr lang="en-IN" sz="900" dirty="0">
+                <a:ea typeface="Calibri" panose="020F0502020204030204" pitchFamily="34" charset="0"/>
+                <a:cs typeface="Calibri" panose="020F0502020204030204" pitchFamily="34" charset="0"/>
+              </a:rPr>
+              <a:t>data in S3)</a:t>
+            </a:r>
+          </a:p>
+        </p:txBody>
+      </p:sp>
+      <p:cxnSp>
+        <p:nvCxnSpPr>
+          <p:cNvPr id="98" name="Straight Arrow Connector 97">
+            <a:extLst>
+              <a:ext uri="{FF2B5EF4-FFF2-40B4-BE49-F238E27FC236}">
+                <a16:creationId xmlns:a16="http://schemas.microsoft.com/office/drawing/2014/main" id="{A7A47586-9841-8C68-EF3D-E20DC32A3A69}"/>
+              </a:ext>
+            </a:extLst>
+          </p:cNvPr>
+          <p:cNvCxnSpPr>
+            <a:cxnSpLocks/>
+            <a:stCxn id="91" idx="3"/>
+            <a:endCxn id="96" idx="1"/>
+          </p:cNvCxnSpPr>
+          <p:nvPr/>
+        </p:nvCxnSpPr>
+        <p:spPr>
+          <a:xfrm>
+            <a:off x="8138043" y="3302758"/>
+            <a:ext cx="959575" cy="4686"/>
+          </a:xfrm>
+          <a:prstGeom prst="straightConnector1">
+            <a:avLst/>
+          </a:prstGeom>
+          <a:ln>
+            <a:tailEnd type="triangle"/>
+          </a:ln>
+        </p:spPr>
+        <p:style>
+          <a:lnRef idx="1">
+            <a:schemeClr val="accent1"/>
+          </a:lnRef>
+          <a:fillRef idx="0">
+            <a:schemeClr val="accent1"/>
+          </a:fillRef>
+          <a:effectRef idx="0">
+            <a:schemeClr val="accent1"/>
+          </a:effectRef>
+          <a:fontRef idx="minor">
+            <a:schemeClr val="tx1"/>
+          </a:fontRef>
+        </p:style>
+      </p:cxnSp>
+      <p:pic>
+        <p:nvPicPr>
+          <p:cNvPr id="99" name="Graphic 63">
+            <a:extLst>
+              <a:ext uri="{FF2B5EF4-FFF2-40B4-BE49-F238E27FC236}">
+                <a16:creationId xmlns:a16="http://schemas.microsoft.com/office/drawing/2014/main" id="{68C0ADBC-442C-98E8-0D2B-53AC556A9AF5}"/>
+              </a:ext>
+            </a:extLst>
+          </p:cNvPr>
+          <p:cNvPicPr>
+            <a:picLocks noChangeAspect="1" noChangeArrowheads="1"/>
+          </p:cNvPicPr>
+          <p:nvPr/>
+        </p:nvPicPr>
+        <p:blipFill>
+          <a:blip r:embed="rId7">
+            <a:extLst>
+              <a:ext uri="{28A0092B-C50C-407E-A947-70E740481C1C}">
+                <a14:useLocalDpi xmlns:a14="http://schemas.microsoft.com/office/drawing/2010/main" val="0"/>
+              </a:ext>
+            </a:extLst>
+          </a:blip>
+          <a:srcRect/>
+          <a:stretch>
+            <a:fillRect/>
+          </a:stretch>
+        </p:blipFill>
+        <p:spPr bwMode="auto">
+          <a:xfrm>
+            <a:off x="5612541" y="3643127"/>
+            <a:ext cx="667820" cy="695220"/>
+          </a:xfrm>
+          <a:prstGeom prst="rect">
+            <a:avLst/>
+          </a:prstGeom>
+          <a:noFill/>
+          <a:ln>
+            <a:noFill/>
+          </a:ln>
+          <a:extLst>
+            <a:ext uri="{909E8E84-426E-40DD-AFC4-6F175D3DCCD1}">
+              <a14:hiddenFill xmlns:a14="http://schemas.microsoft.com/office/drawing/2010/main">
+                <a:solidFill>
+                  <a:srgbClr val="FFFFFF"/>
+                </a:solidFill>
+              </a14:hiddenFill>
+            </a:ext>
+            <a:ext uri="{91240B29-F687-4F45-9708-019B960494DF}">
+              <a14:hiddenLine xmlns:a14="http://schemas.microsoft.com/office/drawing/2010/main" w="9525">
+                <a:solidFill>
+                  <a:srgbClr val="000000"/>
+                </a:solidFill>
+                <a:miter lim="800000"/>
+                <a:headEnd/>
+                <a:tailEnd/>
+              </a14:hiddenLine>
+            </a:ext>
+          </a:extLst>
+        </p:spPr>
+      </p:pic>
+      <p:sp>
+        <p:nvSpPr>
+          <p:cNvPr id="100" name="TextBox 137">
+            <a:extLst>
+              <a:ext uri="{FF2B5EF4-FFF2-40B4-BE49-F238E27FC236}">
+                <a16:creationId xmlns:a16="http://schemas.microsoft.com/office/drawing/2014/main" id="{115AF58B-5538-2AB0-1EEF-C0DE4A1FC578}"/>
+              </a:ext>
+            </a:extLst>
+          </p:cNvPr>
+          <p:cNvSpPr txBox="1"/>
+          <p:nvPr/>
+        </p:nvSpPr>
+        <p:spPr>
+          <a:xfrm>
+            <a:off x="5226004" y="2522544"/>
+            <a:ext cx="1372017" cy="507832"/>
+          </a:xfrm>
+          <a:prstGeom prst="rect">
+            <a:avLst/>
+          </a:prstGeom>
+          <a:noFill/>
+        </p:spPr>
+        <p:txBody>
+          <a:bodyPr wrap="square" rtlCol="0">
+            <a:spAutoFit/>
+          </a:bodyPr>
+          <a:lstStyle>
+            <a:defPPr>
+              <a:defRPr lang="en-US"/>
+            </a:defPPr>
+            <a:lvl1pPr marL="0" algn="l" defTabSz="914400" rtl="0" eaLnBrk="1" latinLnBrk="0" hangingPunct="1">
+              <a:defRPr sz="1800" kern="1200">
+                <a:solidFill>
+                  <a:schemeClr val="tx1"/>
+                </a:solidFill>
+                <a:latin typeface="+mn-lt"/>
+                <a:ea typeface="+mn-ea"/>
+                <a:cs typeface="+mn-cs"/>
+              </a:defRPr>
+            </a:lvl1pPr>
+            <a:lvl2pPr marL="457200" algn="l" defTabSz="914400" rtl="0" eaLnBrk="1" latinLnBrk="0" hangingPunct="1">
+              <a:defRPr sz="1800" kern="1200">
+                <a:solidFill>
+                  <a:schemeClr val="tx1"/>
+                </a:solidFill>
+                <a:latin typeface="+mn-lt"/>
+                <a:ea typeface="+mn-ea"/>
+                <a:cs typeface="+mn-cs"/>
+              </a:defRPr>
+            </a:lvl2pPr>
+            <a:lvl3pPr marL="914400" algn="l" defTabSz="914400" rtl="0" eaLnBrk="1" latinLnBrk="0" hangingPunct="1">
+              <a:defRPr sz="1800" kern="1200">
+                <a:solidFill>
+                  <a:schemeClr val="tx1"/>
+                </a:solidFill>
+                <a:latin typeface="+mn-lt"/>
+                <a:ea typeface="+mn-ea"/>
+                <a:cs typeface="+mn-cs"/>
+              </a:defRPr>
+            </a:lvl3pPr>
+            <a:lvl4pPr marL="1371600" algn="l" defTabSz="914400" rtl="0" eaLnBrk="1" latinLnBrk="0" hangingPunct="1">
+              <a:defRPr sz="1800" kern="1200">
+                <a:solidFill>
+                  <a:schemeClr val="tx1"/>
+                </a:solidFill>
+                <a:latin typeface="+mn-lt"/>
+                <a:ea typeface="+mn-ea"/>
+                <a:cs typeface="+mn-cs"/>
+              </a:defRPr>
+            </a:lvl4pPr>
+            <a:lvl5pPr marL="1828800" algn="l" defTabSz="914400" rtl="0" eaLnBrk="1" latinLnBrk="0" hangingPunct="1">
+              <a:defRPr sz="1800" kern="1200">
+                <a:solidFill>
+                  <a:schemeClr val="tx1"/>
+                </a:solidFill>
+                <a:latin typeface="+mn-lt"/>
+                <a:ea typeface="+mn-ea"/>
+                <a:cs typeface="+mn-cs"/>
+              </a:defRPr>
+            </a:lvl5pPr>
+            <a:lvl6pPr marL="2286000" algn="l" defTabSz="914400" rtl="0" eaLnBrk="1" latinLnBrk="0" hangingPunct="1">
+              <a:defRPr sz="1800" kern="1200">
+                <a:solidFill>
+                  <a:schemeClr val="tx1"/>
+                </a:solidFill>
+                <a:latin typeface="+mn-lt"/>
+                <a:ea typeface="+mn-ea"/>
+                <a:cs typeface="+mn-cs"/>
+              </a:defRPr>
+            </a:lvl6pPr>
+            <a:lvl7pPr marL="2743200" algn="l" defTabSz="914400" rtl="0" eaLnBrk="1" latinLnBrk="0" hangingPunct="1">
+              <a:defRPr sz="1800" kern="1200">
+                <a:solidFill>
+                  <a:schemeClr val="tx1"/>
+                </a:solidFill>
+                <a:latin typeface="+mn-lt"/>
+                <a:ea typeface="+mn-ea"/>
+                <a:cs typeface="+mn-cs"/>
+              </a:defRPr>
+            </a:lvl7pPr>
+            <a:lvl8pPr marL="3200400" algn="l" defTabSz="914400" rtl="0" eaLnBrk="1" latinLnBrk="0" hangingPunct="1">
+              <a:defRPr sz="1800" kern="1200">
+                <a:solidFill>
+                  <a:schemeClr val="tx1"/>
+                </a:solidFill>
+                <a:latin typeface="+mn-lt"/>
+                <a:ea typeface="+mn-ea"/>
+                <a:cs typeface="+mn-cs"/>
+              </a:defRPr>
+            </a:lvl8pPr>
+            <a:lvl9pPr marL="3657600" algn="l" defTabSz="914400" rtl="0" eaLnBrk="1" latinLnBrk="0" hangingPunct="1">
+              <a:defRPr sz="1800" kern="1200">
+                <a:solidFill>
+                  <a:schemeClr val="tx1"/>
+                </a:solidFill>
+                <a:latin typeface="+mn-lt"/>
+                <a:ea typeface="+mn-ea"/>
+                <a:cs typeface="+mn-cs"/>
+              </a:defRPr>
+            </a:lvl9pPr>
+          </a:lstStyle>
+          <a:p>
+            <a:pPr algn="ctr"/>
+            <a:r>
+              <a:rPr lang="en-IN" sz="900" b="1" dirty="0">
+                <a:ea typeface="Calibri" panose="020F0502020204030204" pitchFamily="34" charset="0"/>
+                <a:cs typeface="Calibri" panose="020F0502020204030204" pitchFamily="34" charset="0"/>
+              </a:rPr>
+              <a:t>Output bucket</a:t>
+            </a:r>
+          </a:p>
+          <a:p>
+            <a:pPr algn="ctr"/>
+            <a:r>
+              <a:rPr lang="en-IN" sz="900" dirty="0">
+                <a:ea typeface="Calibri" panose="020F0502020204030204" pitchFamily="34" charset="0"/>
+                <a:cs typeface="Calibri" panose="020F0502020204030204" pitchFamily="34" charset="0"/>
+              </a:rPr>
+              <a:t>(Storing the filtered</a:t>
+            </a:r>
+          </a:p>
+          <a:p>
+            <a:pPr algn="ctr"/>
+            <a:r>
+              <a:rPr lang="en-IN" sz="900" dirty="0">
+                <a:ea typeface="Calibri" panose="020F0502020204030204" pitchFamily="34" charset="0"/>
+                <a:cs typeface="Calibri" panose="020F0502020204030204" pitchFamily="34" charset="0"/>
+              </a:rPr>
+              <a:t>data in S3)</a:t>
+            </a:r>
+          </a:p>
+        </p:txBody>
+      </p:sp>
+      <p:cxnSp>
+        <p:nvCxnSpPr>
+          <p:cNvPr id="101" name="Connector: Elbow 195">
+            <a:extLst>
+              <a:ext uri="{FF2B5EF4-FFF2-40B4-BE49-F238E27FC236}">
+                <a16:creationId xmlns:a16="http://schemas.microsoft.com/office/drawing/2014/main" id="{6BCD7014-1FEF-7AD5-5CF5-06618C5F9D2A}"/>
+              </a:ext>
+            </a:extLst>
+          </p:cNvPr>
+          <p:cNvCxnSpPr>
+            <a:cxnSpLocks/>
+            <a:stCxn id="57" idx="3"/>
+            <a:endCxn id="99" idx="1"/>
+          </p:cNvCxnSpPr>
+          <p:nvPr/>
+        </p:nvCxnSpPr>
+        <p:spPr>
+          <a:xfrm flipV="1">
+            <a:off x="3393774" y="3990737"/>
+            <a:ext cx="2218767" cy="2880"/>
+          </a:xfrm>
+          <a:prstGeom prst="bentConnector3">
+            <a:avLst>
+              <a:gd name="adj1" fmla="val 50000"/>
+            </a:avLst>
+          </a:prstGeom>
+          <a:ln>
+            <a:tailEnd type="triangle"/>
+          </a:ln>
+        </p:spPr>
+        <p:style>
+          <a:lnRef idx="1">
+            <a:schemeClr val="accent1"/>
+          </a:lnRef>
+          <a:fillRef idx="0">
+            <a:schemeClr val="accent1"/>
+          </a:fillRef>
+          <a:effectRef idx="0">
+            <a:schemeClr val="accent1"/>
+          </a:effectRef>
+          <a:fontRef idx="minor">
+            <a:schemeClr val="tx1"/>
+          </a:fontRef>
+        </p:style>
+      </p:cxnSp>
+      <p:cxnSp>
+        <p:nvCxnSpPr>
+          <p:cNvPr id="102" name="Straight Arrow Connector 65">
+            <a:extLst>
+              <a:ext uri="{FF2B5EF4-FFF2-40B4-BE49-F238E27FC236}">
+                <a16:creationId xmlns:a16="http://schemas.microsoft.com/office/drawing/2014/main" id="{B6F31A5E-47BF-230A-1F66-37F26F95FEE5}"/>
+              </a:ext>
+            </a:extLst>
+          </p:cNvPr>
+          <p:cNvCxnSpPr>
+            <a:cxnSpLocks/>
+            <a:stCxn id="92" idx="3"/>
+          </p:cNvCxnSpPr>
+          <p:nvPr/>
+        </p:nvCxnSpPr>
+        <p:spPr>
+          <a:xfrm flipV="1">
+            <a:off x="3395142" y="4338347"/>
+            <a:ext cx="2462409" cy="762386"/>
+          </a:xfrm>
+          <a:prstGeom prst="bentConnector3">
+            <a:avLst>
+              <a:gd name="adj1" fmla="val 99513"/>
+            </a:avLst>
+          </a:prstGeom>
+          <a:ln>
+            <a:headEnd type="triangle"/>
+            <a:tailEnd type="triangle"/>
+          </a:ln>
+        </p:spPr>
+        <p:style>
+          <a:lnRef idx="1">
+            <a:schemeClr val="accent1"/>
+          </a:lnRef>
+          <a:fillRef idx="0">
+            <a:schemeClr val="accent1"/>
+          </a:fillRef>
+          <a:effectRef idx="0">
+            <a:schemeClr val="accent1"/>
+          </a:effectRef>
+          <a:fontRef idx="minor">
+            <a:schemeClr val="tx1"/>
+          </a:fontRef>
+        </p:style>
+      </p:cxnSp>
+    </p:spTree>
+    <p:extLst>
+      <p:ext uri="{BB962C8B-B14F-4D97-AF65-F5344CB8AC3E}">
+        <p14:creationId xmlns:p14="http://schemas.microsoft.com/office/powerpoint/2010/main" val="693931689"/>
+      </p:ext>
+    </p:extLst>
+  </p:cSld>
+  <p:clrMapOvr>
+    <a:masterClrMapping/>
+  </p:clrMapOvr>
+</p:sld>
+</file>
+
+<file path=ppt/slides/slide4.xml><?xml version="1.0" encoding="utf-8"?>
+<p:sld xmlns:a="http://schemas.openxmlformats.org/drawingml/2006/main" xmlns:r="http://schemas.openxmlformats.org/officeDocument/2006/relationships" xmlns:p="http://schemas.openxmlformats.org/presentationml/2006/main">
+  <p:cSld>
+    <p:spTree>
+      <p:nvGrpSpPr>
+        <p:cNvPr id="1" name="">
+          <a:extLst>
+            <a:ext uri="{FF2B5EF4-FFF2-40B4-BE49-F238E27FC236}">
+              <a16:creationId xmlns:a16="http://schemas.microsoft.com/office/drawing/2014/main" id="{A4B782DA-B6C5-4A77-CC3D-9FB443252B07}"/>
+            </a:ext>
+          </a:extLst>
+        </p:cNvPr>
+        <p:cNvGrpSpPr/>
+        <p:nvPr/>
+      </p:nvGrpSpPr>
+      <p:grpSpPr>
+        <a:xfrm>
+          <a:off x="0" y="0"/>
+          <a:ext cx="0" cy="0"/>
+          <a:chOff x="0" y="0"/>
+          <a:chExt cx="0" cy="0"/>
+        </a:xfrm>
+      </p:grpSpPr>
+      <p:sp>
+        <p:nvSpPr>
+          <p:cNvPr id="143" name="Rectangle 142">
+            <a:extLst>
+              <a:ext uri="{FF2B5EF4-FFF2-40B4-BE49-F238E27FC236}">
+                <a16:creationId xmlns:a16="http://schemas.microsoft.com/office/drawing/2014/main" id="{DE5AF830-53DE-59FB-1BFE-67B8D71B1E71}"/>
+              </a:ext>
+            </a:extLst>
+          </p:cNvPr>
+          <p:cNvSpPr/>
+          <p:nvPr/>
+        </p:nvSpPr>
+        <p:spPr>
+          <a:xfrm>
+            <a:off x="6288348" y="2170800"/>
+            <a:ext cx="4795370" cy="4185549"/>
+          </a:xfrm>
+          <a:prstGeom prst="rect">
+            <a:avLst/>
+          </a:prstGeom>
+          <a:ln w="28575">
+            <a:prstDash val="dash"/>
+          </a:ln>
+        </p:spPr>
+        <p:style>
+          <a:lnRef idx="2">
+            <a:schemeClr val="accent3"/>
+          </a:lnRef>
+          <a:fillRef idx="1">
+            <a:schemeClr val="lt1"/>
+          </a:fillRef>
+          <a:effectRef idx="0">
+            <a:schemeClr val="accent3"/>
+          </a:effectRef>
+          <a:fontRef idx="minor">
+            <a:schemeClr val="dk1"/>
+          </a:fontRef>
+        </p:style>
+        <p:txBody>
+          <a:bodyPr rtlCol="0" anchor="ctr"/>
+          <a:lstStyle/>
+          <a:p>
+            <a:pPr algn="ctr"/>
+            <a:endParaRPr lang="en-IN"/>
+          </a:p>
+        </p:txBody>
+      </p:sp>
+      <p:sp>
+        <p:nvSpPr>
+          <p:cNvPr id="142" name="Rectangle 141">
+            <a:extLst>
+              <a:ext uri="{FF2B5EF4-FFF2-40B4-BE49-F238E27FC236}">
+                <a16:creationId xmlns:a16="http://schemas.microsoft.com/office/drawing/2014/main" id="{4E9FE705-DCC5-50EC-3CD1-AFBE3BE95FCC}"/>
+              </a:ext>
+            </a:extLst>
+          </p:cNvPr>
+          <p:cNvSpPr/>
+          <p:nvPr/>
+        </p:nvSpPr>
+        <p:spPr>
+          <a:xfrm>
+            <a:off x="1184407" y="1920574"/>
+            <a:ext cx="4795370" cy="3948962"/>
+          </a:xfrm>
+          <a:prstGeom prst="rect">
+            <a:avLst/>
+          </a:prstGeom>
+          <a:ln w="28575">
+            <a:prstDash val="dash"/>
+          </a:ln>
+        </p:spPr>
+        <p:style>
+          <a:lnRef idx="2">
+            <a:schemeClr val="accent3"/>
+          </a:lnRef>
+          <a:fillRef idx="1">
+            <a:schemeClr val="lt1"/>
+          </a:fillRef>
+          <a:effectRef idx="0">
+            <a:schemeClr val="accent3"/>
+          </a:effectRef>
+          <a:fontRef idx="minor">
+            <a:schemeClr val="dk1"/>
+          </a:fontRef>
+        </p:style>
+        <p:txBody>
+          <a:bodyPr rtlCol="0" anchor="ctr"/>
+          <a:lstStyle/>
+          <a:p>
+            <a:pPr algn="ctr"/>
+            <a:endParaRPr lang="en-IN"/>
+          </a:p>
+        </p:txBody>
+      </p:sp>
+      <p:pic>
+        <p:nvPicPr>
+          <p:cNvPr id="4" name="Picture 2" descr="D:\Users\Lean\Desktop\IT Sys Flyer\ppt materials\bord2.png">
+            <a:extLst>
+              <a:ext uri="{FF2B5EF4-FFF2-40B4-BE49-F238E27FC236}">
+                <a16:creationId xmlns:a16="http://schemas.microsoft.com/office/drawing/2014/main" id="{9ED5381C-F2D6-D512-5D6F-ED85082A60FE}"/>
+              </a:ext>
+            </a:extLst>
+          </p:cNvPr>
+          <p:cNvPicPr>
+            <a:picLocks noChangeAspect="1" noChangeArrowheads="1"/>
+          </p:cNvPicPr>
+          <p:nvPr/>
+        </p:nvPicPr>
+        <p:blipFill rotWithShape="1">
+          <a:blip r:embed="rId2" cstate="email">
+            <a:extLst>
+              <a:ext uri="{28A0092B-C50C-407E-A947-70E740481C1C}">
+                <a14:useLocalDpi xmlns:a14="http://schemas.microsoft.com/office/drawing/2010/main"/>
+              </a:ext>
+            </a:extLst>
+          </a:blip>
+          <a:srcRect/>
+          <a:stretch/>
+        </p:blipFill>
+        <p:spPr bwMode="auto">
+          <a:xfrm>
+            <a:off x="-4293" y="-50306"/>
+            <a:ext cx="12196293" cy="1339404"/>
+          </a:xfrm>
+          <a:prstGeom prst="rect">
+            <a:avLst/>
+          </a:prstGeom>
+          <a:noFill/>
+          <a:extLst>
+            <a:ext uri="{909E8E84-426E-40DD-AFC4-6F175D3DCCD1}">
+              <a14:hiddenFill xmlns:a14="http://schemas.microsoft.com/office/drawing/2010/main">
+                <a:solidFill>
+                  <a:srgbClr val="FFFFFF"/>
+                </a:solidFill>
+              </a14:hiddenFill>
+            </a:ext>
+          </a:extLst>
+        </p:spPr>
+      </p:pic>
+      <p:sp>
+        <p:nvSpPr>
+          <p:cNvPr id="5" name="Title 3">
+            <a:extLst>
+              <a:ext uri="{FF2B5EF4-FFF2-40B4-BE49-F238E27FC236}">
+                <a16:creationId xmlns:a16="http://schemas.microsoft.com/office/drawing/2014/main" id="{EE76B4C4-080B-A453-E33C-3647434FA19A}"/>
+              </a:ext>
+            </a:extLst>
+          </p:cNvPr>
+          <p:cNvSpPr txBox="1">
+            <a:spLocks/>
+          </p:cNvSpPr>
+          <p:nvPr/>
+        </p:nvSpPr>
+        <p:spPr>
+          <a:xfrm>
+            <a:off x="8478076" y="0"/>
+            <a:ext cx="3361456" cy="468000"/>
+          </a:xfrm>
+          <a:prstGeom prst="rect">
+            <a:avLst/>
+          </a:prstGeom>
+        </p:spPr>
+        <p:txBody>
+          <a:bodyPr/>
+          <a:lstStyle>
+            <a:lvl1pPr algn="l" rtl="0" eaLnBrk="1" fontAlgn="base" hangingPunct="1">
+              <a:spcBef>
+                <a:spcPct val="0"/>
+              </a:spcBef>
+              <a:spcAft>
+                <a:spcPct val="0"/>
+              </a:spcAft>
+              <a:defRPr sz="2600" kern="1200">
+                <a:solidFill>
+                  <a:srgbClr val="006EB4"/>
+                </a:solidFill>
+                <a:latin typeface="Cambria" pitchFamily="18" charset="0"/>
+                <a:ea typeface="+mj-ea"/>
+                <a:cs typeface="Arial" pitchFamily="34" charset="0"/>
+              </a:defRPr>
+            </a:lvl1pPr>
+            <a:lvl2pPr algn="l" rtl="0" eaLnBrk="1" fontAlgn="base" hangingPunct="1">
+              <a:spcBef>
+                <a:spcPct val="0"/>
+              </a:spcBef>
+              <a:spcAft>
+                <a:spcPct val="0"/>
+              </a:spcAft>
+              <a:defRPr sz="3900">
+                <a:solidFill>
+                  <a:schemeClr val="bg1"/>
+                </a:solidFill>
+                <a:latin typeface="Arial" pitchFamily="34" charset="0"/>
+                <a:cs typeface="Arial" pitchFamily="34" charset="0"/>
+              </a:defRPr>
+            </a:lvl2pPr>
+            <a:lvl3pPr algn="l" rtl="0" eaLnBrk="1" fontAlgn="base" hangingPunct="1">
+              <a:spcBef>
+                <a:spcPct val="0"/>
+              </a:spcBef>
+              <a:spcAft>
+                <a:spcPct val="0"/>
+              </a:spcAft>
+              <a:defRPr sz="3900">
+                <a:solidFill>
+                  <a:schemeClr val="bg1"/>
+                </a:solidFill>
+                <a:latin typeface="Arial" pitchFamily="34" charset="0"/>
+                <a:cs typeface="Arial" pitchFamily="34" charset="0"/>
+              </a:defRPr>
+            </a:lvl3pPr>
+            <a:lvl4pPr algn="l" rtl="0" eaLnBrk="1" fontAlgn="base" hangingPunct="1">
+              <a:spcBef>
+                <a:spcPct val="0"/>
+              </a:spcBef>
+              <a:spcAft>
+                <a:spcPct val="0"/>
+              </a:spcAft>
+              <a:defRPr sz="3900">
+                <a:solidFill>
+                  <a:schemeClr val="bg1"/>
+                </a:solidFill>
+                <a:latin typeface="Arial" pitchFamily="34" charset="0"/>
+                <a:cs typeface="Arial" pitchFamily="34" charset="0"/>
+              </a:defRPr>
+            </a:lvl4pPr>
+            <a:lvl5pPr algn="l" rtl="0" eaLnBrk="1" fontAlgn="base" hangingPunct="1">
+              <a:spcBef>
+                <a:spcPct val="0"/>
+              </a:spcBef>
+              <a:spcAft>
+                <a:spcPct val="0"/>
+              </a:spcAft>
+              <a:defRPr sz="3900">
+                <a:solidFill>
+                  <a:schemeClr val="bg1"/>
+                </a:solidFill>
+                <a:latin typeface="Arial" pitchFamily="34" charset="0"/>
+                <a:cs typeface="Arial" pitchFamily="34" charset="0"/>
+              </a:defRPr>
+            </a:lvl5pPr>
+            <a:lvl6pPr marL="487443" algn="l" rtl="0" eaLnBrk="1" fontAlgn="base" hangingPunct="1">
+              <a:spcBef>
+                <a:spcPct val="0"/>
+              </a:spcBef>
+              <a:spcAft>
+                <a:spcPct val="0"/>
+              </a:spcAft>
+              <a:defRPr sz="3900">
+                <a:solidFill>
+                  <a:schemeClr val="bg1"/>
+                </a:solidFill>
+                <a:latin typeface="Arial" pitchFamily="34" charset="0"/>
+                <a:cs typeface="Arial" pitchFamily="34" charset="0"/>
+              </a:defRPr>
+            </a:lvl6pPr>
+            <a:lvl7pPr marL="974887" algn="l" rtl="0" eaLnBrk="1" fontAlgn="base" hangingPunct="1">
+              <a:spcBef>
+                <a:spcPct val="0"/>
+              </a:spcBef>
+              <a:spcAft>
+                <a:spcPct val="0"/>
+              </a:spcAft>
+              <a:defRPr sz="3900">
+                <a:solidFill>
+                  <a:schemeClr val="bg1"/>
+                </a:solidFill>
+                <a:latin typeface="Arial" pitchFamily="34" charset="0"/>
+                <a:cs typeface="Arial" pitchFamily="34" charset="0"/>
+              </a:defRPr>
+            </a:lvl7pPr>
+            <a:lvl8pPr marL="1462330" algn="l" rtl="0" eaLnBrk="1" fontAlgn="base" hangingPunct="1">
+              <a:spcBef>
+                <a:spcPct val="0"/>
+              </a:spcBef>
+              <a:spcAft>
+                <a:spcPct val="0"/>
+              </a:spcAft>
+              <a:defRPr sz="3900">
+                <a:solidFill>
+                  <a:schemeClr val="bg1"/>
+                </a:solidFill>
+                <a:latin typeface="Arial" pitchFamily="34" charset="0"/>
+                <a:cs typeface="Arial" pitchFamily="34" charset="0"/>
+              </a:defRPr>
+            </a:lvl8pPr>
+            <a:lvl9pPr marL="1949773" algn="l" rtl="0" eaLnBrk="1" fontAlgn="base" hangingPunct="1">
+              <a:spcBef>
+                <a:spcPct val="0"/>
+              </a:spcBef>
+              <a:spcAft>
+                <a:spcPct val="0"/>
+              </a:spcAft>
+              <a:defRPr sz="3900">
+                <a:solidFill>
+                  <a:schemeClr val="bg1"/>
+                </a:solidFill>
+                <a:latin typeface="Arial" pitchFamily="34" charset="0"/>
+                <a:cs typeface="Arial" pitchFamily="34" charset="0"/>
+              </a:defRPr>
+            </a:lvl9pPr>
+          </a:lstStyle>
+          <a:p>
+            <a:r>
+              <a:rPr lang="en-US" sz="2000" b="1" dirty="0">
+                <a:solidFill>
+                  <a:srgbClr val="4A9D45"/>
+                </a:solidFill>
+                <a:ea typeface="Cambria" panose="02040503050406030204" pitchFamily="18" charset="0"/>
+              </a:rPr>
+              <a:t>Rough Architecture 2</a:t>
+            </a:r>
+          </a:p>
+        </p:txBody>
+      </p:sp>
+      <p:sp>
+        <p:nvSpPr>
+          <p:cNvPr id="6" name="Date Placeholder 11">
+            <a:extLst>
+              <a:ext uri="{FF2B5EF4-FFF2-40B4-BE49-F238E27FC236}">
+                <a16:creationId xmlns:a16="http://schemas.microsoft.com/office/drawing/2014/main" id="{A366D8E5-AB16-8417-0796-6D8AB8D8DE19}"/>
+              </a:ext>
+            </a:extLst>
+          </p:cNvPr>
+          <p:cNvSpPr>
+            <a:spLocks noGrp="1"/>
+          </p:cNvSpPr>
+          <p:nvPr>
+            <p:ph type="dt" sz="half" idx="10"/>
+          </p:nvPr>
+        </p:nvSpPr>
+        <p:spPr>
+          <a:xfrm>
+            <a:off x="838200" y="6356350"/>
+            <a:ext cx="2743200" cy="365125"/>
+          </a:xfrm>
+        </p:spPr>
+        <p:txBody>
+          <a:bodyPr/>
+          <a:lstStyle/>
+          <a:p>
+            <a:r>
+              <a:rPr lang="en-US"/>
+              <a:t>CloudJournee Confidential</a:t>
+            </a:r>
+            <a:endParaRPr lang="en-IN"/>
+          </a:p>
+        </p:txBody>
+      </p:sp>
+      <p:sp>
+        <p:nvSpPr>
+          <p:cNvPr id="7" name="Footer Placeholder 12">
+            <a:extLst>
+              <a:ext uri="{FF2B5EF4-FFF2-40B4-BE49-F238E27FC236}">
+                <a16:creationId xmlns:a16="http://schemas.microsoft.com/office/drawing/2014/main" id="{D718B46E-A196-78F5-7364-1CAF4334C8B8}"/>
+              </a:ext>
+            </a:extLst>
+          </p:cNvPr>
+          <p:cNvSpPr>
+            <a:spLocks noGrp="1"/>
+          </p:cNvSpPr>
+          <p:nvPr>
+            <p:ph type="ftr" sz="quarter" idx="11"/>
+          </p:nvPr>
+        </p:nvSpPr>
+        <p:spPr>
+          <a:xfrm>
+            <a:off x="4038600" y="6356350"/>
+            <a:ext cx="4114800" cy="365125"/>
+          </a:xfrm>
+        </p:spPr>
+        <p:txBody>
+          <a:bodyPr/>
+          <a:lstStyle/>
+          <a:p>
+            <a:r>
+              <a:rPr lang="en-IN"/>
+              <a:t>www.cloudjournee.com</a:t>
+            </a:r>
+          </a:p>
+        </p:txBody>
+      </p:sp>
+      <p:sp>
+        <p:nvSpPr>
+          <p:cNvPr id="8" name="Slide Number Placeholder 14">
+            <a:extLst>
+              <a:ext uri="{FF2B5EF4-FFF2-40B4-BE49-F238E27FC236}">
+                <a16:creationId xmlns:a16="http://schemas.microsoft.com/office/drawing/2014/main" id="{2A60B18F-6FC6-6A66-0FE3-0D14B05F3246}"/>
+              </a:ext>
+            </a:extLst>
+          </p:cNvPr>
+          <p:cNvSpPr>
+            <a:spLocks noGrp="1"/>
+          </p:cNvSpPr>
+          <p:nvPr>
+            <p:ph type="sldNum" sz="quarter" idx="12"/>
+          </p:nvPr>
+        </p:nvSpPr>
+        <p:spPr>
+          <a:xfrm>
+            <a:off x="8610600" y="6356350"/>
+            <a:ext cx="2743200" cy="365125"/>
+          </a:xfrm>
+        </p:spPr>
+        <p:txBody>
+          <a:bodyPr/>
+          <a:lstStyle/>
+          <a:p>
+            <a:fld id="{D505516B-1523-49EF-A656-1CF7DFC0298D}" type="slidenum">
+              <a:rPr lang="en-IN" smtClean="0"/>
+              <a:pPr/>
+              <a:t>4</a:t>
+            </a:fld>
+            <a:endParaRPr lang="en-IN"/>
+          </a:p>
+        </p:txBody>
+      </p:sp>
+      <p:sp>
+        <p:nvSpPr>
+          <p:cNvPr id="12" name="Rectangle 11">
+            <a:extLst>
+              <a:ext uri="{FF2B5EF4-FFF2-40B4-BE49-F238E27FC236}">
+                <a16:creationId xmlns:a16="http://schemas.microsoft.com/office/drawing/2014/main" id="{4DB4934E-B5D8-7A09-90C6-B950CC6CDF9B}"/>
+              </a:ext>
+            </a:extLst>
+          </p:cNvPr>
+          <p:cNvSpPr/>
+          <p:nvPr/>
+        </p:nvSpPr>
+        <p:spPr>
+          <a:xfrm>
+            <a:off x="1035219" y="1308420"/>
+            <a:ext cx="10350707" cy="5132845"/>
+          </a:xfrm>
+          <a:prstGeom prst="rect">
+            <a:avLst/>
+          </a:prstGeom>
+          <a:noFill/>
+          <a:ln w="12700">
+            <a:solidFill>
+              <a:schemeClr val="tx1"/>
+            </a:solidFill>
+          </a:ln>
+        </p:spPr>
+        <p:style>
+          <a:lnRef idx="2">
+            <a:schemeClr val="accent1">
+              <a:shade val="50000"/>
+            </a:schemeClr>
+          </a:lnRef>
+          <a:fillRef idx="1">
+            <a:schemeClr val="accent1"/>
+          </a:fillRef>
+          <a:effectRef idx="0">
+            <a:schemeClr val="accent1"/>
+          </a:effectRef>
+          <a:fontRef idx="minor">
+            <a:schemeClr val="lt1"/>
+          </a:fontRef>
+        </p:style>
+        <p:txBody>
+          <a:bodyPr lIns="502920" tIns="91440"/>
+          <a:lstStyle>
+            <a:defPPr>
+              <a:defRPr lang="en-US"/>
+            </a:defPPr>
+            <a:lvl1pPr marL="0" algn="l" defTabSz="914400" rtl="0" eaLnBrk="1" latinLnBrk="0" hangingPunct="1">
+              <a:defRPr sz="1800" kern="1200">
+                <a:solidFill>
+                  <a:schemeClr val="lt1"/>
+                </a:solidFill>
+                <a:latin typeface="+mn-lt"/>
+                <a:ea typeface="+mn-ea"/>
+                <a:cs typeface="+mn-cs"/>
+              </a:defRPr>
+            </a:lvl1pPr>
+            <a:lvl2pPr marL="457200" algn="l" defTabSz="914400" rtl="0" eaLnBrk="1" latinLnBrk="0" hangingPunct="1">
+              <a:defRPr sz="1800" kern="1200">
+                <a:solidFill>
+                  <a:schemeClr val="lt1"/>
+                </a:solidFill>
+                <a:latin typeface="+mn-lt"/>
+                <a:ea typeface="+mn-ea"/>
+                <a:cs typeface="+mn-cs"/>
+              </a:defRPr>
+            </a:lvl2pPr>
+            <a:lvl3pPr marL="914400" algn="l" defTabSz="914400" rtl="0" eaLnBrk="1" latinLnBrk="0" hangingPunct="1">
+              <a:defRPr sz="1800" kern="1200">
+                <a:solidFill>
+                  <a:schemeClr val="lt1"/>
+                </a:solidFill>
+                <a:latin typeface="+mn-lt"/>
+                <a:ea typeface="+mn-ea"/>
+                <a:cs typeface="+mn-cs"/>
+              </a:defRPr>
+            </a:lvl3pPr>
+            <a:lvl4pPr marL="1371600" algn="l" defTabSz="914400" rtl="0" eaLnBrk="1" latinLnBrk="0" hangingPunct="1">
+              <a:defRPr sz="1800" kern="1200">
+                <a:solidFill>
+                  <a:schemeClr val="lt1"/>
+                </a:solidFill>
+                <a:latin typeface="+mn-lt"/>
+                <a:ea typeface="+mn-ea"/>
+                <a:cs typeface="+mn-cs"/>
+              </a:defRPr>
+            </a:lvl4pPr>
+            <a:lvl5pPr marL="1828800" algn="l" defTabSz="914400" rtl="0" eaLnBrk="1" latinLnBrk="0" hangingPunct="1">
+              <a:defRPr sz="1800" kern="1200">
+                <a:solidFill>
+                  <a:schemeClr val="lt1"/>
+                </a:solidFill>
+                <a:latin typeface="+mn-lt"/>
+                <a:ea typeface="+mn-ea"/>
+                <a:cs typeface="+mn-cs"/>
+              </a:defRPr>
+            </a:lvl5pPr>
+            <a:lvl6pPr marL="2286000" algn="l" defTabSz="914400" rtl="0" eaLnBrk="1" latinLnBrk="0" hangingPunct="1">
+              <a:defRPr sz="1800" kern="1200">
+                <a:solidFill>
+                  <a:schemeClr val="lt1"/>
+                </a:solidFill>
+                <a:latin typeface="+mn-lt"/>
+                <a:ea typeface="+mn-ea"/>
+                <a:cs typeface="+mn-cs"/>
+              </a:defRPr>
+            </a:lvl6pPr>
+            <a:lvl7pPr marL="2743200" algn="l" defTabSz="914400" rtl="0" eaLnBrk="1" latinLnBrk="0" hangingPunct="1">
+              <a:defRPr sz="1800" kern="1200">
+                <a:solidFill>
+                  <a:schemeClr val="lt1"/>
+                </a:solidFill>
+                <a:latin typeface="+mn-lt"/>
+                <a:ea typeface="+mn-ea"/>
+                <a:cs typeface="+mn-cs"/>
+              </a:defRPr>
+            </a:lvl7pPr>
+            <a:lvl8pPr marL="3200400" algn="l" defTabSz="914400" rtl="0" eaLnBrk="1" latinLnBrk="0" hangingPunct="1">
+              <a:defRPr sz="1800" kern="1200">
+                <a:solidFill>
+                  <a:schemeClr val="lt1"/>
+                </a:solidFill>
+                <a:latin typeface="+mn-lt"/>
+                <a:ea typeface="+mn-ea"/>
+                <a:cs typeface="+mn-cs"/>
+              </a:defRPr>
+            </a:lvl8pPr>
+            <a:lvl9pPr marL="3657600" algn="l" defTabSz="914400" rtl="0" eaLnBrk="1" latinLnBrk="0" hangingPunct="1">
+              <a:defRPr sz="1800" kern="1200">
+                <a:solidFill>
+                  <a:schemeClr val="lt1"/>
+                </a:solidFill>
+                <a:latin typeface="+mn-lt"/>
+                <a:ea typeface="+mn-ea"/>
+                <a:cs typeface="+mn-cs"/>
+              </a:defRPr>
+            </a:lvl9pPr>
+          </a:lstStyle>
+          <a:p>
+            <a:pPr eaLnBrk="1" fontAlgn="auto" hangingPunct="1">
+              <a:spcBef>
+                <a:spcPts val="0"/>
+              </a:spcBef>
+              <a:spcAft>
+                <a:spcPts val="0"/>
+              </a:spcAft>
+              <a:defRPr/>
+            </a:pPr>
+            <a:r>
+              <a:rPr lang="en-US" sz="900" dirty="0">
+                <a:solidFill>
+                  <a:sysClr val="windowText" lastClr="000000"/>
+                </a:solidFill>
+                <a:cs typeface="Arial" panose="020B0604020202020204" pitchFamily="34" charset="0"/>
+              </a:rPr>
+              <a:t>AWS Cloud</a:t>
+            </a:r>
+          </a:p>
+        </p:txBody>
+      </p:sp>
+      <p:pic>
+        <p:nvPicPr>
+          <p:cNvPr id="29" name="Graphic 33">
+            <a:extLst>
+              <a:ext uri="{FF2B5EF4-FFF2-40B4-BE49-F238E27FC236}">
+                <a16:creationId xmlns:a16="http://schemas.microsoft.com/office/drawing/2014/main" id="{61A09AEB-01E7-0311-E48B-72C920E3C89E}"/>
+              </a:ext>
+            </a:extLst>
+          </p:cNvPr>
+          <p:cNvPicPr>
+            <a:picLocks noChangeAspect="1"/>
+          </p:cNvPicPr>
+          <p:nvPr/>
+        </p:nvPicPr>
+        <p:blipFill>
+          <a:blip r:embed="rId3" cstate="print"/>
+          <a:srcRect/>
+          <a:stretch/>
+        </p:blipFill>
+        <p:spPr>
+          <a:xfrm>
+            <a:off x="1059614" y="1316738"/>
+            <a:ext cx="380614" cy="368547"/>
+          </a:xfrm>
+          <a:prstGeom prst="rect">
+            <a:avLst/>
+          </a:prstGeom>
+        </p:spPr>
+      </p:pic>
+      <p:pic>
+        <p:nvPicPr>
+          <p:cNvPr id="57" name="Graphic 13">
+            <a:extLst>
+              <a:ext uri="{FF2B5EF4-FFF2-40B4-BE49-F238E27FC236}">
+                <a16:creationId xmlns:a16="http://schemas.microsoft.com/office/drawing/2014/main" id="{E2CE963C-03EE-B3A9-BC5F-D863C60BCAA1}"/>
+              </a:ext>
+            </a:extLst>
+          </p:cNvPr>
+          <p:cNvPicPr>
+            <a:picLocks noChangeAspect="1" noChangeArrowheads="1"/>
+          </p:cNvPicPr>
+          <p:nvPr/>
+        </p:nvPicPr>
+        <p:blipFill>
+          <a:blip r:embed="rId4">
+            <a:extLst>
+              <a:ext uri="{28A0092B-C50C-407E-A947-70E740481C1C}">
+                <a14:useLocalDpi xmlns:a14="http://schemas.microsoft.com/office/drawing/2010/main" val="0"/>
+              </a:ext>
+            </a:extLst>
+          </a:blip>
+          <a:srcRect/>
+          <a:stretch>
+            <a:fillRect/>
+          </a:stretch>
+        </p:blipFill>
+        <p:spPr bwMode="auto">
+          <a:xfrm>
+            <a:off x="4351686" y="2224925"/>
+            <a:ext cx="639913" cy="639913"/>
+          </a:xfrm>
+          <a:prstGeom prst="rect">
+            <a:avLst/>
+          </a:prstGeom>
+          <a:noFill/>
+          <a:ln>
+            <a:noFill/>
+          </a:ln>
+          <a:extLst>
+            <a:ext uri="{909E8E84-426E-40DD-AFC4-6F175D3DCCD1}">
+              <a14:hiddenFill xmlns:a14="http://schemas.microsoft.com/office/drawing/2010/main">
+                <a:solidFill>
+                  <a:srgbClr val="FFFFFF"/>
+                </a:solidFill>
+              </a14:hiddenFill>
+            </a:ext>
+            <a:ext uri="{91240B29-F687-4F45-9708-019B960494DF}">
+              <a14:hiddenLine xmlns:a14="http://schemas.microsoft.com/office/drawing/2010/main" w="9525">
+                <a:solidFill>
+                  <a:srgbClr val="000000"/>
+                </a:solidFill>
+                <a:miter lim="800000"/>
+                <a:headEnd/>
+                <a:tailEnd/>
+              </a14:hiddenLine>
+            </a:ext>
+          </a:extLst>
+        </p:spPr>
+      </p:pic>
+      <p:pic>
+        <p:nvPicPr>
+          <p:cNvPr id="72" name="Graphic 19">
+            <a:extLst>
+              <a:ext uri="{FF2B5EF4-FFF2-40B4-BE49-F238E27FC236}">
+                <a16:creationId xmlns:a16="http://schemas.microsoft.com/office/drawing/2014/main" id="{03EC8CB9-D8F3-75F6-439B-BF07CDB1D83B}"/>
+              </a:ext>
+            </a:extLst>
+          </p:cNvPr>
+          <p:cNvPicPr>
+            <a:picLocks noChangeAspect="1" noChangeArrowheads="1"/>
+          </p:cNvPicPr>
+          <p:nvPr/>
+        </p:nvPicPr>
+        <p:blipFill>
+          <a:blip r:embed="rId5" cstate="print">
+            <a:extLst>
+              <a:ext uri="{28A0092B-C50C-407E-A947-70E740481C1C}">
+                <a14:useLocalDpi xmlns:a14="http://schemas.microsoft.com/office/drawing/2010/main" val="0"/>
+              </a:ext>
+            </a:extLst>
+          </a:blip>
+          <a:srcRect/>
+          <a:stretch>
+            <a:fillRect/>
+          </a:stretch>
+        </p:blipFill>
+        <p:spPr bwMode="auto">
+          <a:xfrm>
+            <a:off x="10768396" y="1422876"/>
+            <a:ext cx="505958" cy="484460"/>
+          </a:xfrm>
+          <a:prstGeom prst="rect">
+            <a:avLst/>
+          </a:prstGeom>
+          <a:noFill/>
+          <a:ln>
+            <a:noFill/>
+          </a:ln>
+          <a:extLst>
+            <a:ext uri="{909E8E84-426E-40DD-AFC4-6F175D3DCCD1}">
+              <a14:hiddenFill xmlns:a14="http://schemas.microsoft.com/office/drawing/2010/main">
+                <a:solidFill>
+                  <a:srgbClr val="FFFFFF"/>
+                </a:solidFill>
+              </a14:hiddenFill>
+            </a:ext>
+            <a:ext uri="{91240B29-F687-4F45-9708-019B960494DF}">
+              <a14:hiddenLine xmlns:a14="http://schemas.microsoft.com/office/drawing/2010/main" w="9525">
+                <a:solidFill>
+                  <a:srgbClr val="000000"/>
+                </a:solidFill>
+                <a:miter lim="800000"/>
+                <a:headEnd/>
+                <a:tailEnd/>
+              </a14:hiddenLine>
+            </a:ext>
+          </a:extLst>
+        </p:spPr>
+      </p:pic>
+      <p:pic>
+        <p:nvPicPr>
+          <p:cNvPr id="77" name="Graphic 17">
+            <a:extLst>
+              <a:ext uri="{FF2B5EF4-FFF2-40B4-BE49-F238E27FC236}">
+                <a16:creationId xmlns:a16="http://schemas.microsoft.com/office/drawing/2014/main" id="{20E41AE5-9E28-515B-779A-98933F57435D}"/>
+              </a:ext>
+            </a:extLst>
+          </p:cNvPr>
+          <p:cNvPicPr>
+            <a:picLocks noChangeAspect="1" noChangeArrowheads="1"/>
+          </p:cNvPicPr>
+          <p:nvPr/>
+        </p:nvPicPr>
+        <p:blipFill>
+          <a:blip r:embed="rId6" cstate="print">
+            <a:extLst>
+              <a:ext uri="{28A0092B-C50C-407E-A947-70E740481C1C}">
+                <a14:useLocalDpi xmlns:a14="http://schemas.microsoft.com/office/drawing/2010/main" val="0"/>
+              </a:ext>
+            </a:extLst>
+          </a:blip>
+          <a:srcRect/>
+          <a:stretch>
+            <a:fillRect/>
+          </a:stretch>
+        </p:blipFill>
+        <p:spPr bwMode="auto">
+          <a:xfrm>
+            <a:off x="9958271" y="1422876"/>
+            <a:ext cx="505958" cy="484460"/>
+          </a:xfrm>
+          <a:prstGeom prst="rect">
+            <a:avLst/>
+          </a:prstGeom>
+          <a:noFill/>
+          <a:ln>
+            <a:noFill/>
+          </a:ln>
+          <a:extLst>
+            <a:ext uri="{909E8E84-426E-40DD-AFC4-6F175D3DCCD1}">
+              <a14:hiddenFill xmlns:a14="http://schemas.microsoft.com/office/drawing/2010/main">
+                <a:solidFill>
+                  <a:srgbClr val="FFFFFF"/>
+                </a:solidFill>
+              </a14:hiddenFill>
+            </a:ext>
+            <a:ext uri="{91240B29-F687-4F45-9708-019B960494DF}">
+              <a14:hiddenLine xmlns:a14="http://schemas.microsoft.com/office/drawing/2010/main" w="9525">
+                <a:solidFill>
+                  <a:srgbClr val="000000"/>
+                </a:solidFill>
+                <a:miter lim="800000"/>
+                <a:headEnd/>
+                <a:tailEnd/>
+              </a14:hiddenLine>
+            </a:ext>
+          </a:extLst>
+        </p:spPr>
+      </p:pic>
+      <p:pic>
+        <p:nvPicPr>
+          <p:cNvPr id="78" name="Graphic 23">
+            <a:extLst>
+              <a:ext uri="{FF2B5EF4-FFF2-40B4-BE49-F238E27FC236}">
+                <a16:creationId xmlns:a16="http://schemas.microsoft.com/office/drawing/2014/main" id="{870ABCF3-3884-12EC-94E9-438DC18DCD63}"/>
+              </a:ext>
+            </a:extLst>
+          </p:cNvPr>
+          <p:cNvPicPr>
+            <a:picLocks noChangeAspect="1" noChangeArrowheads="1"/>
+          </p:cNvPicPr>
+          <p:nvPr/>
+        </p:nvPicPr>
+        <p:blipFill>
+          <a:blip r:embed="rId7" cstate="print">
+            <a:extLst>
+              <a:ext uri="{28A0092B-C50C-407E-A947-70E740481C1C}">
+                <a14:useLocalDpi xmlns:a14="http://schemas.microsoft.com/office/drawing/2010/main" val="0"/>
+              </a:ext>
+            </a:extLst>
+          </a:blip>
+          <a:srcRect/>
+          <a:stretch>
+            <a:fillRect/>
+          </a:stretch>
+        </p:blipFill>
+        <p:spPr bwMode="auto">
+          <a:xfrm>
+            <a:off x="9109878" y="1381593"/>
+            <a:ext cx="517815" cy="495813"/>
+          </a:xfrm>
+          <a:prstGeom prst="rect">
+            <a:avLst/>
+          </a:prstGeom>
+          <a:noFill/>
+          <a:ln>
+            <a:noFill/>
+          </a:ln>
+          <a:extLst>
+            <a:ext uri="{909E8E84-426E-40DD-AFC4-6F175D3DCCD1}">
+              <a14:hiddenFill xmlns:a14="http://schemas.microsoft.com/office/drawing/2010/main">
+                <a:solidFill>
+                  <a:srgbClr val="FFFFFF"/>
+                </a:solidFill>
+              </a14:hiddenFill>
+            </a:ext>
+            <a:ext uri="{91240B29-F687-4F45-9708-019B960494DF}">
+              <a14:hiddenLine xmlns:a14="http://schemas.microsoft.com/office/drawing/2010/main" w="9525">
+                <a:solidFill>
+                  <a:srgbClr val="000000"/>
+                </a:solidFill>
+                <a:miter lim="800000"/>
+                <a:headEnd/>
+                <a:tailEnd/>
+              </a14:hiddenLine>
+            </a:ext>
+          </a:extLst>
+        </p:spPr>
+      </p:pic>
+      <p:sp>
+        <p:nvSpPr>
+          <p:cNvPr id="79" name="TextBox 10">
+            <a:extLst>
+              <a:ext uri="{FF2B5EF4-FFF2-40B4-BE49-F238E27FC236}">
+                <a16:creationId xmlns:a16="http://schemas.microsoft.com/office/drawing/2014/main" id="{92885B20-ACFF-15AF-78AC-874E29FB3A40}"/>
+              </a:ext>
+            </a:extLst>
+          </p:cNvPr>
+          <p:cNvSpPr txBox="1"/>
+          <p:nvPr/>
+        </p:nvSpPr>
+        <p:spPr>
+          <a:xfrm>
+            <a:off x="10698888" y="1923252"/>
+            <a:ext cx="578776" cy="236988"/>
+          </a:xfrm>
+          <a:prstGeom prst="rect">
+            <a:avLst/>
+          </a:prstGeom>
+          <a:noFill/>
+        </p:spPr>
+        <p:txBody>
+          <a:bodyPr wrap="square" rtlCol="0">
+            <a:spAutoFit/>
+          </a:bodyPr>
+          <a:lstStyle>
+            <a:defPPr>
+              <a:defRPr lang="en-US"/>
+            </a:defPPr>
+            <a:lvl1pPr marL="0" algn="l" defTabSz="914400" rtl="0" eaLnBrk="1" latinLnBrk="0" hangingPunct="1">
+              <a:defRPr sz="1800" kern="1200">
+                <a:solidFill>
+                  <a:schemeClr val="tx1"/>
+                </a:solidFill>
+                <a:latin typeface="+mn-lt"/>
+                <a:ea typeface="+mn-ea"/>
+                <a:cs typeface="+mn-cs"/>
+              </a:defRPr>
+            </a:lvl1pPr>
+            <a:lvl2pPr marL="457200" algn="l" defTabSz="914400" rtl="0" eaLnBrk="1" latinLnBrk="0" hangingPunct="1">
+              <a:defRPr sz="1800" kern="1200">
+                <a:solidFill>
+                  <a:schemeClr val="tx1"/>
+                </a:solidFill>
+                <a:latin typeface="+mn-lt"/>
+                <a:ea typeface="+mn-ea"/>
+                <a:cs typeface="+mn-cs"/>
+              </a:defRPr>
+            </a:lvl2pPr>
+            <a:lvl3pPr marL="914400" algn="l" defTabSz="914400" rtl="0" eaLnBrk="1" latinLnBrk="0" hangingPunct="1">
+              <a:defRPr sz="1800" kern="1200">
+                <a:solidFill>
+                  <a:schemeClr val="tx1"/>
+                </a:solidFill>
+                <a:latin typeface="+mn-lt"/>
+                <a:ea typeface="+mn-ea"/>
+                <a:cs typeface="+mn-cs"/>
+              </a:defRPr>
+            </a:lvl3pPr>
+            <a:lvl4pPr marL="1371600" algn="l" defTabSz="914400" rtl="0" eaLnBrk="1" latinLnBrk="0" hangingPunct="1">
+              <a:defRPr sz="1800" kern="1200">
+                <a:solidFill>
+                  <a:schemeClr val="tx1"/>
+                </a:solidFill>
+                <a:latin typeface="+mn-lt"/>
+                <a:ea typeface="+mn-ea"/>
+                <a:cs typeface="+mn-cs"/>
+              </a:defRPr>
+            </a:lvl4pPr>
+            <a:lvl5pPr marL="1828800" algn="l" defTabSz="914400" rtl="0" eaLnBrk="1" latinLnBrk="0" hangingPunct="1">
+              <a:defRPr sz="1800" kern="1200">
+                <a:solidFill>
+                  <a:schemeClr val="tx1"/>
+                </a:solidFill>
+                <a:latin typeface="+mn-lt"/>
+                <a:ea typeface="+mn-ea"/>
+                <a:cs typeface="+mn-cs"/>
+              </a:defRPr>
+            </a:lvl5pPr>
+            <a:lvl6pPr marL="2286000" algn="l" defTabSz="914400" rtl="0" eaLnBrk="1" latinLnBrk="0" hangingPunct="1">
+              <a:defRPr sz="1800" kern="1200">
+                <a:solidFill>
+                  <a:schemeClr val="tx1"/>
+                </a:solidFill>
+                <a:latin typeface="+mn-lt"/>
+                <a:ea typeface="+mn-ea"/>
+                <a:cs typeface="+mn-cs"/>
+              </a:defRPr>
+            </a:lvl6pPr>
+            <a:lvl7pPr marL="2743200" algn="l" defTabSz="914400" rtl="0" eaLnBrk="1" latinLnBrk="0" hangingPunct="1">
+              <a:defRPr sz="1800" kern="1200">
+                <a:solidFill>
+                  <a:schemeClr val="tx1"/>
+                </a:solidFill>
+                <a:latin typeface="+mn-lt"/>
+                <a:ea typeface="+mn-ea"/>
+                <a:cs typeface="+mn-cs"/>
+              </a:defRPr>
+            </a:lvl7pPr>
+            <a:lvl8pPr marL="3200400" algn="l" defTabSz="914400" rtl="0" eaLnBrk="1" latinLnBrk="0" hangingPunct="1">
+              <a:defRPr sz="1800" kern="1200">
+                <a:solidFill>
+                  <a:schemeClr val="tx1"/>
+                </a:solidFill>
+                <a:latin typeface="+mn-lt"/>
+                <a:ea typeface="+mn-ea"/>
+                <a:cs typeface="+mn-cs"/>
+              </a:defRPr>
+            </a:lvl8pPr>
+            <a:lvl9pPr marL="3657600" algn="l" defTabSz="914400" rtl="0" eaLnBrk="1" latinLnBrk="0" hangingPunct="1">
+              <a:defRPr sz="1800" kern="1200">
+                <a:solidFill>
+                  <a:schemeClr val="tx1"/>
+                </a:solidFill>
+                <a:latin typeface="+mn-lt"/>
+                <a:ea typeface="+mn-ea"/>
+                <a:cs typeface="+mn-cs"/>
+              </a:defRPr>
+            </a:lvl9pPr>
+          </a:lstStyle>
+          <a:p>
+            <a:pPr algn="ctr"/>
+            <a:r>
+              <a:rPr lang="en-IN" sz="900" dirty="0"/>
+              <a:t>IAM</a:t>
+            </a:r>
+          </a:p>
+        </p:txBody>
+      </p:sp>
+      <p:sp>
+        <p:nvSpPr>
+          <p:cNvPr id="80" name="TextBox 13">
+            <a:extLst>
+              <a:ext uri="{FF2B5EF4-FFF2-40B4-BE49-F238E27FC236}">
+                <a16:creationId xmlns:a16="http://schemas.microsoft.com/office/drawing/2014/main" id="{E382729A-F9BD-8322-1E60-62BB76D86612}"/>
+              </a:ext>
+            </a:extLst>
+          </p:cNvPr>
+          <p:cNvSpPr txBox="1"/>
+          <p:nvPr/>
+        </p:nvSpPr>
+        <p:spPr>
+          <a:xfrm>
+            <a:off x="9725979" y="1920574"/>
+            <a:ext cx="967627" cy="236988"/>
+          </a:xfrm>
+          <a:prstGeom prst="rect">
+            <a:avLst/>
+          </a:prstGeom>
+          <a:noFill/>
+        </p:spPr>
+        <p:txBody>
+          <a:bodyPr wrap="square" rtlCol="0">
+            <a:spAutoFit/>
+          </a:bodyPr>
+          <a:lstStyle>
+            <a:defPPr>
+              <a:defRPr lang="en-US"/>
+            </a:defPPr>
+            <a:lvl1pPr marL="0" algn="l" defTabSz="914400" rtl="0" eaLnBrk="1" latinLnBrk="0" hangingPunct="1">
+              <a:defRPr sz="1800" kern="1200">
+                <a:solidFill>
+                  <a:schemeClr val="tx1"/>
+                </a:solidFill>
+                <a:latin typeface="+mn-lt"/>
+                <a:ea typeface="+mn-ea"/>
+                <a:cs typeface="+mn-cs"/>
+              </a:defRPr>
+            </a:lvl1pPr>
+            <a:lvl2pPr marL="457200" algn="l" defTabSz="914400" rtl="0" eaLnBrk="1" latinLnBrk="0" hangingPunct="1">
+              <a:defRPr sz="1800" kern="1200">
+                <a:solidFill>
+                  <a:schemeClr val="tx1"/>
+                </a:solidFill>
+                <a:latin typeface="+mn-lt"/>
+                <a:ea typeface="+mn-ea"/>
+                <a:cs typeface="+mn-cs"/>
+              </a:defRPr>
+            </a:lvl2pPr>
+            <a:lvl3pPr marL="914400" algn="l" defTabSz="914400" rtl="0" eaLnBrk="1" latinLnBrk="0" hangingPunct="1">
+              <a:defRPr sz="1800" kern="1200">
+                <a:solidFill>
+                  <a:schemeClr val="tx1"/>
+                </a:solidFill>
+                <a:latin typeface="+mn-lt"/>
+                <a:ea typeface="+mn-ea"/>
+                <a:cs typeface="+mn-cs"/>
+              </a:defRPr>
+            </a:lvl3pPr>
+            <a:lvl4pPr marL="1371600" algn="l" defTabSz="914400" rtl="0" eaLnBrk="1" latinLnBrk="0" hangingPunct="1">
+              <a:defRPr sz="1800" kern="1200">
+                <a:solidFill>
+                  <a:schemeClr val="tx1"/>
+                </a:solidFill>
+                <a:latin typeface="+mn-lt"/>
+                <a:ea typeface="+mn-ea"/>
+                <a:cs typeface="+mn-cs"/>
+              </a:defRPr>
+            </a:lvl4pPr>
+            <a:lvl5pPr marL="1828800" algn="l" defTabSz="914400" rtl="0" eaLnBrk="1" latinLnBrk="0" hangingPunct="1">
+              <a:defRPr sz="1800" kern="1200">
+                <a:solidFill>
+                  <a:schemeClr val="tx1"/>
+                </a:solidFill>
+                <a:latin typeface="+mn-lt"/>
+                <a:ea typeface="+mn-ea"/>
+                <a:cs typeface="+mn-cs"/>
+              </a:defRPr>
+            </a:lvl5pPr>
+            <a:lvl6pPr marL="2286000" algn="l" defTabSz="914400" rtl="0" eaLnBrk="1" latinLnBrk="0" hangingPunct="1">
+              <a:defRPr sz="1800" kern="1200">
+                <a:solidFill>
+                  <a:schemeClr val="tx1"/>
+                </a:solidFill>
+                <a:latin typeface="+mn-lt"/>
+                <a:ea typeface="+mn-ea"/>
+                <a:cs typeface="+mn-cs"/>
+              </a:defRPr>
+            </a:lvl6pPr>
+            <a:lvl7pPr marL="2743200" algn="l" defTabSz="914400" rtl="0" eaLnBrk="1" latinLnBrk="0" hangingPunct="1">
+              <a:defRPr sz="1800" kern="1200">
+                <a:solidFill>
+                  <a:schemeClr val="tx1"/>
+                </a:solidFill>
+                <a:latin typeface="+mn-lt"/>
+                <a:ea typeface="+mn-ea"/>
+                <a:cs typeface="+mn-cs"/>
+              </a:defRPr>
+            </a:lvl7pPr>
+            <a:lvl8pPr marL="3200400" algn="l" defTabSz="914400" rtl="0" eaLnBrk="1" latinLnBrk="0" hangingPunct="1">
+              <a:defRPr sz="1800" kern="1200">
+                <a:solidFill>
+                  <a:schemeClr val="tx1"/>
+                </a:solidFill>
+                <a:latin typeface="+mn-lt"/>
+                <a:ea typeface="+mn-ea"/>
+                <a:cs typeface="+mn-cs"/>
+              </a:defRPr>
+            </a:lvl8pPr>
+            <a:lvl9pPr marL="3657600" algn="l" defTabSz="914400" rtl="0" eaLnBrk="1" latinLnBrk="0" hangingPunct="1">
+              <a:defRPr sz="1800" kern="1200">
+                <a:solidFill>
+                  <a:schemeClr val="tx1"/>
+                </a:solidFill>
+                <a:latin typeface="+mn-lt"/>
+                <a:ea typeface="+mn-ea"/>
+                <a:cs typeface="+mn-cs"/>
+              </a:defRPr>
+            </a:lvl9pPr>
+          </a:lstStyle>
+          <a:p>
+            <a:pPr algn="ctr"/>
+            <a:r>
+              <a:rPr lang="en-IN" sz="900" dirty="0"/>
+              <a:t>Cloud watch</a:t>
+            </a:r>
+          </a:p>
+        </p:txBody>
+      </p:sp>
+      <p:sp>
+        <p:nvSpPr>
+          <p:cNvPr id="81" name="TextBox 15">
+            <a:extLst>
+              <a:ext uri="{FF2B5EF4-FFF2-40B4-BE49-F238E27FC236}">
+                <a16:creationId xmlns:a16="http://schemas.microsoft.com/office/drawing/2014/main" id="{9BAF21D6-6BE3-943F-AB66-20F8ED3B7C86}"/>
+              </a:ext>
+            </a:extLst>
+          </p:cNvPr>
+          <p:cNvSpPr txBox="1"/>
+          <p:nvPr/>
+        </p:nvSpPr>
+        <p:spPr>
+          <a:xfrm>
+            <a:off x="8804571" y="1903359"/>
+            <a:ext cx="1128428" cy="236988"/>
+          </a:xfrm>
+          <a:prstGeom prst="rect">
+            <a:avLst/>
+          </a:prstGeom>
+          <a:noFill/>
+        </p:spPr>
+        <p:txBody>
+          <a:bodyPr wrap="square" rtlCol="0">
+            <a:spAutoFit/>
+          </a:bodyPr>
+          <a:lstStyle>
+            <a:defPPr>
+              <a:defRPr lang="en-US"/>
+            </a:defPPr>
+            <a:lvl1pPr marL="0" algn="l" defTabSz="914400" rtl="0" eaLnBrk="1" latinLnBrk="0" hangingPunct="1">
+              <a:defRPr sz="1800" kern="1200">
+                <a:solidFill>
+                  <a:schemeClr val="tx1"/>
+                </a:solidFill>
+                <a:latin typeface="+mn-lt"/>
+                <a:ea typeface="+mn-ea"/>
+                <a:cs typeface="+mn-cs"/>
+              </a:defRPr>
+            </a:lvl1pPr>
+            <a:lvl2pPr marL="457200" algn="l" defTabSz="914400" rtl="0" eaLnBrk="1" latinLnBrk="0" hangingPunct="1">
+              <a:defRPr sz="1800" kern="1200">
+                <a:solidFill>
+                  <a:schemeClr val="tx1"/>
+                </a:solidFill>
+                <a:latin typeface="+mn-lt"/>
+                <a:ea typeface="+mn-ea"/>
+                <a:cs typeface="+mn-cs"/>
+              </a:defRPr>
+            </a:lvl2pPr>
+            <a:lvl3pPr marL="914400" algn="l" defTabSz="914400" rtl="0" eaLnBrk="1" latinLnBrk="0" hangingPunct="1">
+              <a:defRPr sz="1800" kern="1200">
+                <a:solidFill>
+                  <a:schemeClr val="tx1"/>
+                </a:solidFill>
+                <a:latin typeface="+mn-lt"/>
+                <a:ea typeface="+mn-ea"/>
+                <a:cs typeface="+mn-cs"/>
+              </a:defRPr>
+            </a:lvl3pPr>
+            <a:lvl4pPr marL="1371600" algn="l" defTabSz="914400" rtl="0" eaLnBrk="1" latinLnBrk="0" hangingPunct="1">
+              <a:defRPr sz="1800" kern="1200">
+                <a:solidFill>
+                  <a:schemeClr val="tx1"/>
+                </a:solidFill>
+                <a:latin typeface="+mn-lt"/>
+                <a:ea typeface="+mn-ea"/>
+                <a:cs typeface="+mn-cs"/>
+              </a:defRPr>
+            </a:lvl4pPr>
+            <a:lvl5pPr marL="1828800" algn="l" defTabSz="914400" rtl="0" eaLnBrk="1" latinLnBrk="0" hangingPunct="1">
+              <a:defRPr sz="1800" kern="1200">
+                <a:solidFill>
+                  <a:schemeClr val="tx1"/>
+                </a:solidFill>
+                <a:latin typeface="+mn-lt"/>
+                <a:ea typeface="+mn-ea"/>
+                <a:cs typeface="+mn-cs"/>
+              </a:defRPr>
+            </a:lvl5pPr>
+            <a:lvl6pPr marL="2286000" algn="l" defTabSz="914400" rtl="0" eaLnBrk="1" latinLnBrk="0" hangingPunct="1">
+              <a:defRPr sz="1800" kern="1200">
+                <a:solidFill>
+                  <a:schemeClr val="tx1"/>
+                </a:solidFill>
+                <a:latin typeface="+mn-lt"/>
+                <a:ea typeface="+mn-ea"/>
+                <a:cs typeface="+mn-cs"/>
+              </a:defRPr>
+            </a:lvl6pPr>
+            <a:lvl7pPr marL="2743200" algn="l" defTabSz="914400" rtl="0" eaLnBrk="1" latinLnBrk="0" hangingPunct="1">
+              <a:defRPr sz="1800" kern="1200">
+                <a:solidFill>
+                  <a:schemeClr val="tx1"/>
+                </a:solidFill>
+                <a:latin typeface="+mn-lt"/>
+                <a:ea typeface="+mn-ea"/>
+                <a:cs typeface="+mn-cs"/>
+              </a:defRPr>
+            </a:lvl7pPr>
+            <a:lvl8pPr marL="3200400" algn="l" defTabSz="914400" rtl="0" eaLnBrk="1" latinLnBrk="0" hangingPunct="1">
+              <a:defRPr sz="1800" kern="1200">
+                <a:solidFill>
+                  <a:schemeClr val="tx1"/>
+                </a:solidFill>
+                <a:latin typeface="+mn-lt"/>
+                <a:ea typeface="+mn-ea"/>
+                <a:cs typeface="+mn-cs"/>
+              </a:defRPr>
+            </a:lvl8pPr>
+            <a:lvl9pPr marL="3657600" algn="l" defTabSz="914400" rtl="0" eaLnBrk="1" latinLnBrk="0" hangingPunct="1">
+              <a:defRPr sz="1800" kern="1200">
+                <a:solidFill>
+                  <a:schemeClr val="tx1"/>
+                </a:solidFill>
+                <a:latin typeface="+mn-lt"/>
+                <a:ea typeface="+mn-ea"/>
+                <a:cs typeface="+mn-cs"/>
+              </a:defRPr>
+            </a:lvl9pPr>
+          </a:lstStyle>
+          <a:p>
+            <a:pPr algn="ctr"/>
+            <a:r>
+              <a:rPr lang="en-IN" sz="900" dirty="0"/>
+              <a:t>Cloud Trail</a:t>
+            </a:r>
+          </a:p>
+        </p:txBody>
+      </p:sp>
+      <p:pic>
+        <p:nvPicPr>
+          <p:cNvPr id="83" name="Graphic 24">
+            <a:extLst>
+              <a:ext uri="{FF2B5EF4-FFF2-40B4-BE49-F238E27FC236}">
+                <a16:creationId xmlns:a16="http://schemas.microsoft.com/office/drawing/2014/main" id="{9AA9E7AF-5F95-2BBB-B933-6A14DD30FEDF}"/>
+              </a:ext>
+            </a:extLst>
+          </p:cNvPr>
+          <p:cNvPicPr>
+            <a:picLocks noChangeAspect="1" noChangeArrowheads="1"/>
+          </p:cNvPicPr>
+          <p:nvPr/>
+        </p:nvPicPr>
+        <p:blipFill>
+          <a:blip r:embed="rId8" cstate="print">
+            <a:extLst>
+              <a:ext uri="{28A0092B-C50C-407E-A947-70E740481C1C}">
+                <a14:useLocalDpi xmlns:a14="http://schemas.microsoft.com/office/drawing/2010/main" val="0"/>
+              </a:ext>
+            </a:extLst>
+          </a:blip>
+          <a:srcRect/>
+          <a:stretch>
+            <a:fillRect/>
+          </a:stretch>
+        </p:blipFill>
+        <p:spPr bwMode="auto">
+          <a:xfrm>
+            <a:off x="254086" y="2512910"/>
+            <a:ext cx="459702" cy="459702"/>
+          </a:xfrm>
+          <a:prstGeom prst="rect">
+            <a:avLst/>
+          </a:prstGeom>
+          <a:noFill/>
+          <a:ln>
+            <a:noFill/>
+          </a:ln>
+          <a:extLst>
+            <a:ext uri="{909E8E84-426E-40DD-AFC4-6F175D3DCCD1}">
+              <a14:hiddenFill xmlns:a14="http://schemas.microsoft.com/office/drawing/2010/main">
+                <a:solidFill>
+                  <a:srgbClr val="FFFFFF"/>
+                </a:solidFill>
+              </a14:hiddenFill>
+            </a:ext>
+            <a:ext uri="{91240B29-F687-4F45-9708-019B960494DF}">
+              <a14:hiddenLine xmlns:a14="http://schemas.microsoft.com/office/drawing/2010/main" w="9525">
+                <a:solidFill>
+                  <a:srgbClr val="000000"/>
+                </a:solidFill>
+                <a:miter lim="800000"/>
+                <a:headEnd/>
+                <a:tailEnd/>
+              </a14:hiddenLine>
+            </a:ext>
+          </a:extLst>
+        </p:spPr>
+      </p:pic>
+      <p:sp>
+        <p:nvSpPr>
+          <p:cNvPr id="84" name="TextBox 48">
+            <a:extLst>
+              <a:ext uri="{FF2B5EF4-FFF2-40B4-BE49-F238E27FC236}">
+                <a16:creationId xmlns:a16="http://schemas.microsoft.com/office/drawing/2014/main" id="{44BE1047-2B34-A5FC-FE59-66BD00F64E57}"/>
+              </a:ext>
+            </a:extLst>
+          </p:cNvPr>
+          <p:cNvSpPr txBox="1"/>
+          <p:nvPr/>
+        </p:nvSpPr>
+        <p:spPr>
+          <a:xfrm>
+            <a:off x="-74511" y="2961659"/>
+            <a:ext cx="1137866" cy="778675"/>
+          </a:xfrm>
+          <a:prstGeom prst="rect">
+            <a:avLst/>
+          </a:prstGeom>
+          <a:noFill/>
+        </p:spPr>
+        <p:txBody>
+          <a:bodyPr wrap="square" rtlCol="0">
+            <a:spAutoFit/>
+          </a:bodyPr>
+          <a:lstStyle>
+            <a:defPPr>
+              <a:defRPr lang="en-US"/>
+            </a:defPPr>
+            <a:lvl1pPr marL="0" algn="l" defTabSz="914400" rtl="0" eaLnBrk="1" latinLnBrk="0" hangingPunct="1">
+              <a:defRPr sz="1800" kern="1200">
+                <a:solidFill>
+                  <a:schemeClr val="tx1"/>
+                </a:solidFill>
+                <a:latin typeface="+mn-lt"/>
+                <a:ea typeface="+mn-ea"/>
+                <a:cs typeface="+mn-cs"/>
+              </a:defRPr>
+            </a:lvl1pPr>
+            <a:lvl2pPr marL="457200" algn="l" defTabSz="914400" rtl="0" eaLnBrk="1" latinLnBrk="0" hangingPunct="1">
+              <a:defRPr sz="1800" kern="1200">
+                <a:solidFill>
+                  <a:schemeClr val="tx1"/>
+                </a:solidFill>
+                <a:latin typeface="+mn-lt"/>
+                <a:ea typeface="+mn-ea"/>
+                <a:cs typeface="+mn-cs"/>
+              </a:defRPr>
+            </a:lvl2pPr>
+            <a:lvl3pPr marL="914400" algn="l" defTabSz="914400" rtl="0" eaLnBrk="1" latinLnBrk="0" hangingPunct="1">
+              <a:defRPr sz="1800" kern="1200">
+                <a:solidFill>
+                  <a:schemeClr val="tx1"/>
+                </a:solidFill>
+                <a:latin typeface="+mn-lt"/>
+                <a:ea typeface="+mn-ea"/>
+                <a:cs typeface="+mn-cs"/>
+              </a:defRPr>
+            </a:lvl3pPr>
+            <a:lvl4pPr marL="1371600" algn="l" defTabSz="914400" rtl="0" eaLnBrk="1" latinLnBrk="0" hangingPunct="1">
+              <a:defRPr sz="1800" kern="1200">
+                <a:solidFill>
+                  <a:schemeClr val="tx1"/>
+                </a:solidFill>
+                <a:latin typeface="+mn-lt"/>
+                <a:ea typeface="+mn-ea"/>
+                <a:cs typeface="+mn-cs"/>
+              </a:defRPr>
+            </a:lvl4pPr>
+            <a:lvl5pPr marL="1828800" algn="l" defTabSz="914400" rtl="0" eaLnBrk="1" latinLnBrk="0" hangingPunct="1">
+              <a:defRPr sz="1800" kern="1200">
+                <a:solidFill>
+                  <a:schemeClr val="tx1"/>
+                </a:solidFill>
+                <a:latin typeface="+mn-lt"/>
+                <a:ea typeface="+mn-ea"/>
+                <a:cs typeface="+mn-cs"/>
+              </a:defRPr>
+            </a:lvl5pPr>
+            <a:lvl6pPr marL="2286000" algn="l" defTabSz="914400" rtl="0" eaLnBrk="1" latinLnBrk="0" hangingPunct="1">
+              <a:defRPr sz="1800" kern="1200">
+                <a:solidFill>
+                  <a:schemeClr val="tx1"/>
+                </a:solidFill>
+                <a:latin typeface="+mn-lt"/>
+                <a:ea typeface="+mn-ea"/>
+                <a:cs typeface="+mn-cs"/>
+              </a:defRPr>
+            </a:lvl6pPr>
+            <a:lvl7pPr marL="2743200" algn="l" defTabSz="914400" rtl="0" eaLnBrk="1" latinLnBrk="0" hangingPunct="1">
+              <a:defRPr sz="1800" kern="1200">
+                <a:solidFill>
+                  <a:schemeClr val="tx1"/>
+                </a:solidFill>
+                <a:latin typeface="+mn-lt"/>
+                <a:ea typeface="+mn-ea"/>
+                <a:cs typeface="+mn-cs"/>
+              </a:defRPr>
+            </a:lvl7pPr>
+            <a:lvl8pPr marL="3200400" algn="l" defTabSz="914400" rtl="0" eaLnBrk="1" latinLnBrk="0" hangingPunct="1">
+              <a:defRPr sz="1800" kern="1200">
+                <a:solidFill>
+                  <a:schemeClr val="tx1"/>
+                </a:solidFill>
+                <a:latin typeface="+mn-lt"/>
+                <a:ea typeface="+mn-ea"/>
+                <a:cs typeface="+mn-cs"/>
+              </a:defRPr>
+            </a:lvl8pPr>
+            <a:lvl9pPr marL="3657600" algn="l" defTabSz="914400" rtl="0" eaLnBrk="1" latinLnBrk="0" hangingPunct="1">
+              <a:defRPr sz="1800" kern="1200">
+                <a:solidFill>
+                  <a:schemeClr val="tx1"/>
+                </a:solidFill>
+                <a:latin typeface="+mn-lt"/>
+                <a:ea typeface="+mn-ea"/>
+                <a:cs typeface="+mn-cs"/>
+              </a:defRPr>
+            </a:lvl9pPr>
+          </a:lstStyle>
+          <a:p>
+            <a:pPr algn="ctr"/>
+            <a:r>
+              <a:rPr lang="en-US" sz="900" b="1" dirty="0"/>
+              <a:t>SNS</a:t>
+            </a:r>
+            <a:r>
+              <a:rPr lang="en-US" sz="900" dirty="0"/>
+              <a:t> </a:t>
+            </a:r>
+          </a:p>
+          <a:p>
+            <a:pPr algn="ctr"/>
+            <a:r>
+              <a:rPr lang="en-US" sz="900" dirty="0"/>
+              <a:t>(A notification will be triggered if the specified drug name is not available)</a:t>
+            </a:r>
+            <a:endParaRPr lang="en-IN" sz="900" dirty="0"/>
+          </a:p>
+        </p:txBody>
+      </p:sp>
+      <p:pic>
+        <p:nvPicPr>
+          <p:cNvPr id="92" name="Graphic 13">
+            <a:extLst>
+              <a:ext uri="{FF2B5EF4-FFF2-40B4-BE49-F238E27FC236}">
+                <a16:creationId xmlns:a16="http://schemas.microsoft.com/office/drawing/2014/main" id="{A1089E95-009D-B684-FA38-49B2457152C6}"/>
+              </a:ext>
+            </a:extLst>
+          </p:cNvPr>
+          <p:cNvPicPr>
+            <a:picLocks noChangeAspect="1" noChangeArrowheads="1"/>
+          </p:cNvPicPr>
+          <p:nvPr/>
+        </p:nvPicPr>
+        <p:blipFill>
+          <a:blip r:embed="rId4">
+            <a:extLst>
+              <a:ext uri="{28A0092B-C50C-407E-A947-70E740481C1C}">
+                <a14:useLocalDpi xmlns:a14="http://schemas.microsoft.com/office/drawing/2010/main" val="0"/>
+              </a:ext>
+            </a:extLst>
+          </a:blip>
+          <a:srcRect/>
+          <a:stretch>
+            <a:fillRect/>
+          </a:stretch>
+        </p:blipFill>
+        <p:spPr bwMode="auto">
+          <a:xfrm>
+            <a:off x="4633046" y="3981740"/>
+            <a:ext cx="639913" cy="639913"/>
+          </a:xfrm>
+          <a:prstGeom prst="rect">
+            <a:avLst/>
+          </a:prstGeom>
+          <a:noFill/>
+          <a:ln>
+            <a:noFill/>
+          </a:ln>
+          <a:extLst>
+            <a:ext uri="{909E8E84-426E-40DD-AFC4-6F175D3DCCD1}">
+              <a14:hiddenFill xmlns:a14="http://schemas.microsoft.com/office/drawing/2010/main">
+                <a:solidFill>
+                  <a:srgbClr val="FFFFFF"/>
+                </a:solidFill>
+              </a14:hiddenFill>
+            </a:ext>
+            <a:ext uri="{91240B29-F687-4F45-9708-019B960494DF}">
+              <a14:hiddenLine xmlns:a14="http://schemas.microsoft.com/office/drawing/2010/main" w="9525">
+                <a:solidFill>
+                  <a:srgbClr val="000000"/>
+                </a:solidFill>
+                <a:miter lim="800000"/>
+                <a:headEnd/>
+                <a:tailEnd/>
+              </a14:hiddenLine>
+            </a:ext>
+          </a:extLst>
+        </p:spPr>
+      </p:pic>
+      <p:pic>
+        <p:nvPicPr>
+          <p:cNvPr id="2" name="Graphic 13">
+            <a:extLst>
+              <a:ext uri="{FF2B5EF4-FFF2-40B4-BE49-F238E27FC236}">
+                <a16:creationId xmlns:a16="http://schemas.microsoft.com/office/drawing/2014/main" id="{DC3C695B-4AA4-A761-4676-9A713FC6A2D1}"/>
+              </a:ext>
+            </a:extLst>
+          </p:cNvPr>
+          <p:cNvPicPr>
+            <a:picLocks noChangeAspect="1" noChangeArrowheads="1"/>
+          </p:cNvPicPr>
+          <p:nvPr/>
+        </p:nvPicPr>
+        <p:blipFill>
+          <a:blip r:embed="rId4">
+            <a:extLst>
+              <a:ext uri="{28A0092B-C50C-407E-A947-70E740481C1C}">
+                <a14:useLocalDpi xmlns:a14="http://schemas.microsoft.com/office/drawing/2010/main" val="0"/>
+              </a:ext>
+            </a:extLst>
+          </a:blip>
+          <a:srcRect/>
+          <a:stretch>
+            <a:fillRect/>
+          </a:stretch>
+        </p:blipFill>
+        <p:spPr bwMode="auto">
+          <a:xfrm>
+            <a:off x="7640098" y="5229623"/>
+            <a:ext cx="639913" cy="639913"/>
+          </a:xfrm>
+          <a:prstGeom prst="rect">
+            <a:avLst/>
+          </a:prstGeom>
+          <a:noFill/>
+          <a:ln>
+            <a:noFill/>
+          </a:ln>
+          <a:extLst>
+            <a:ext uri="{909E8E84-426E-40DD-AFC4-6F175D3DCCD1}">
+              <a14:hiddenFill xmlns:a14="http://schemas.microsoft.com/office/drawing/2010/main">
+                <a:solidFill>
+                  <a:srgbClr val="FFFFFF"/>
+                </a:solidFill>
+              </a14:hiddenFill>
+            </a:ext>
+            <a:ext uri="{91240B29-F687-4F45-9708-019B960494DF}">
+              <a14:hiddenLine xmlns:a14="http://schemas.microsoft.com/office/drawing/2010/main" w="9525">
+                <a:solidFill>
+                  <a:srgbClr val="000000"/>
+                </a:solidFill>
+                <a:miter lim="800000"/>
+                <a:headEnd/>
+                <a:tailEnd/>
+              </a14:hiddenLine>
+            </a:ext>
+          </a:extLst>
+        </p:spPr>
+      </p:pic>
+      <p:pic>
+        <p:nvPicPr>
+          <p:cNvPr id="3" name="Graphic 13">
+            <a:extLst>
+              <a:ext uri="{FF2B5EF4-FFF2-40B4-BE49-F238E27FC236}">
+                <a16:creationId xmlns:a16="http://schemas.microsoft.com/office/drawing/2014/main" id="{82756B26-CA1A-76AF-873D-C26B3C745F0E}"/>
+              </a:ext>
+            </a:extLst>
+          </p:cNvPr>
+          <p:cNvPicPr>
+            <a:picLocks noChangeAspect="1" noChangeArrowheads="1"/>
+          </p:cNvPicPr>
+          <p:nvPr/>
+        </p:nvPicPr>
+        <p:blipFill>
+          <a:blip r:embed="rId4">
+            <a:extLst>
+              <a:ext uri="{28A0092B-C50C-407E-A947-70E740481C1C}">
+                <a14:useLocalDpi xmlns:a14="http://schemas.microsoft.com/office/drawing/2010/main" val="0"/>
+              </a:ext>
+            </a:extLst>
+          </a:blip>
+          <a:srcRect/>
+          <a:stretch>
+            <a:fillRect/>
+          </a:stretch>
+        </p:blipFill>
+        <p:spPr bwMode="auto">
+          <a:xfrm>
+            <a:off x="7527554" y="2435942"/>
+            <a:ext cx="639913" cy="639913"/>
+          </a:xfrm>
+          <a:prstGeom prst="rect">
+            <a:avLst/>
+          </a:prstGeom>
+          <a:noFill/>
+          <a:ln>
+            <a:noFill/>
+          </a:ln>
+          <a:extLst>
+            <a:ext uri="{909E8E84-426E-40DD-AFC4-6F175D3DCCD1}">
+              <a14:hiddenFill xmlns:a14="http://schemas.microsoft.com/office/drawing/2010/main">
+                <a:solidFill>
+                  <a:srgbClr val="FFFFFF"/>
+                </a:solidFill>
+              </a14:hiddenFill>
+            </a:ext>
+            <a:ext uri="{91240B29-F687-4F45-9708-019B960494DF}">
+              <a14:hiddenLine xmlns:a14="http://schemas.microsoft.com/office/drawing/2010/main" w="9525">
+                <a:solidFill>
+                  <a:srgbClr val="000000"/>
+                </a:solidFill>
+                <a:miter lim="800000"/>
+                <a:headEnd/>
+                <a:tailEnd/>
+              </a14:hiddenLine>
+            </a:ext>
+          </a:extLst>
+        </p:spPr>
+      </p:pic>
+      <p:pic>
+        <p:nvPicPr>
+          <p:cNvPr id="9" name="Graphic 63">
+            <a:extLst>
+              <a:ext uri="{FF2B5EF4-FFF2-40B4-BE49-F238E27FC236}">
+                <a16:creationId xmlns:a16="http://schemas.microsoft.com/office/drawing/2014/main" id="{712D07B1-F474-0AB7-6DC6-E89F5D8BDE93}"/>
+              </a:ext>
+            </a:extLst>
+          </p:cNvPr>
+          <p:cNvPicPr>
+            <a:picLocks noChangeAspect="1" noChangeArrowheads="1"/>
+          </p:cNvPicPr>
+          <p:nvPr/>
+        </p:nvPicPr>
+        <p:blipFill>
+          <a:blip r:embed="rId9">
+            <a:extLst>
+              <a:ext uri="{28A0092B-C50C-407E-A947-70E740481C1C}">
+                <a14:useLocalDpi xmlns:a14="http://schemas.microsoft.com/office/drawing/2010/main" val="0"/>
+              </a:ext>
+            </a:extLst>
+          </a:blip>
+          <a:srcRect/>
+          <a:stretch>
+            <a:fillRect/>
+          </a:stretch>
+        </p:blipFill>
+        <p:spPr bwMode="auto">
+          <a:xfrm>
+            <a:off x="1701916" y="3991300"/>
+            <a:ext cx="617141" cy="617141"/>
+          </a:xfrm>
+          <a:prstGeom prst="rect">
+            <a:avLst/>
+          </a:prstGeom>
+          <a:noFill/>
+          <a:ln>
+            <a:noFill/>
+          </a:ln>
+          <a:extLst>
+            <a:ext uri="{909E8E84-426E-40DD-AFC4-6F175D3DCCD1}">
+              <a14:hiddenFill xmlns:a14="http://schemas.microsoft.com/office/drawing/2010/main">
+                <a:solidFill>
+                  <a:srgbClr val="FFFFFF"/>
+                </a:solidFill>
+              </a14:hiddenFill>
+            </a:ext>
+            <a:ext uri="{91240B29-F687-4F45-9708-019B960494DF}">
+              <a14:hiddenLine xmlns:a14="http://schemas.microsoft.com/office/drawing/2010/main" w="9525">
+                <a:solidFill>
+                  <a:srgbClr val="000000"/>
+                </a:solidFill>
+                <a:miter lim="800000"/>
+                <a:headEnd/>
+                <a:tailEnd/>
+              </a14:hiddenLine>
+            </a:ext>
+          </a:extLst>
+        </p:spPr>
+      </p:pic>
+      <p:pic>
+        <p:nvPicPr>
+          <p:cNvPr id="10" name="Graphic 63">
+            <a:extLst>
+              <a:ext uri="{FF2B5EF4-FFF2-40B4-BE49-F238E27FC236}">
+                <a16:creationId xmlns:a16="http://schemas.microsoft.com/office/drawing/2014/main" id="{769BFC81-E654-345A-CC58-12113B8372A6}"/>
+              </a:ext>
+            </a:extLst>
+          </p:cNvPr>
+          <p:cNvPicPr>
+            <a:picLocks noChangeAspect="1" noChangeArrowheads="1"/>
+          </p:cNvPicPr>
+          <p:nvPr/>
+        </p:nvPicPr>
+        <p:blipFill>
+          <a:blip r:embed="rId9">
+            <a:extLst>
+              <a:ext uri="{28A0092B-C50C-407E-A947-70E740481C1C}">
+                <a14:useLocalDpi xmlns:a14="http://schemas.microsoft.com/office/drawing/2010/main" val="0"/>
+              </a:ext>
+            </a:extLst>
+          </a:blip>
+          <a:srcRect/>
+          <a:stretch>
+            <a:fillRect/>
+          </a:stretch>
+        </p:blipFill>
+        <p:spPr bwMode="auto">
+          <a:xfrm>
+            <a:off x="7022224" y="3993123"/>
+            <a:ext cx="617141" cy="617141"/>
+          </a:xfrm>
+          <a:prstGeom prst="rect">
+            <a:avLst/>
+          </a:prstGeom>
+          <a:noFill/>
+          <a:ln>
+            <a:noFill/>
+          </a:ln>
+          <a:extLst>
+            <a:ext uri="{909E8E84-426E-40DD-AFC4-6F175D3DCCD1}">
+              <a14:hiddenFill xmlns:a14="http://schemas.microsoft.com/office/drawing/2010/main">
+                <a:solidFill>
+                  <a:srgbClr val="FFFFFF"/>
+                </a:solidFill>
+              </a14:hiddenFill>
+            </a:ext>
+            <a:ext uri="{91240B29-F687-4F45-9708-019B960494DF}">
+              <a14:hiddenLine xmlns:a14="http://schemas.microsoft.com/office/drawing/2010/main" w="9525">
+                <a:solidFill>
+                  <a:srgbClr val="000000"/>
+                </a:solidFill>
+                <a:miter lim="800000"/>
+                <a:headEnd/>
+                <a:tailEnd/>
+              </a14:hiddenLine>
+            </a:ext>
+          </a:extLst>
+        </p:spPr>
+      </p:pic>
+      <p:cxnSp>
+        <p:nvCxnSpPr>
+          <p:cNvPr id="14" name="Straight Arrow Connector 13">
+            <a:extLst>
+              <a:ext uri="{FF2B5EF4-FFF2-40B4-BE49-F238E27FC236}">
+                <a16:creationId xmlns:a16="http://schemas.microsoft.com/office/drawing/2014/main" id="{217ED7B8-0269-F89F-26EE-EF45DA02CBDD}"/>
+              </a:ext>
+            </a:extLst>
+          </p:cNvPr>
+          <p:cNvCxnSpPr>
+            <a:cxnSpLocks/>
+            <a:stCxn id="57" idx="1"/>
+            <a:endCxn id="9" idx="0"/>
+          </p:cNvCxnSpPr>
+          <p:nvPr/>
+        </p:nvCxnSpPr>
+        <p:spPr>
+          <a:xfrm rot="10800000" flipV="1">
+            <a:off x="2010488" y="2544882"/>
+            <a:ext cx="2341199" cy="1446418"/>
+          </a:xfrm>
+          <a:prstGeom prst="bentConnector2">
+            <a:avLst/>
+          </a:prstGeom>
+          <a:ln>
+            <a:tailEnd type="triangle"/>
+          </a:ln>
+        </p:spPr>
+        <p:style>
+          <a:lnRef idx="1">
+            <a:schemeClr val="accent1"/>
+          </a:lnRef>
+          <a:fillRef idx="0">
+            <a:schemeClr val="accent1"/>
+          </a:fillRef>
+          <a:effectRef idx="0">
+            <a:schemeClr val="accent1"/>
+          </a:effectRef>
+          <a:fontRef idx="minor">
+            <a:schemeClr val="tx1"/>
+          </a:fontRef>
+        </p:style>
+      </p:cxnSp>
+      <p:cxnSp>
+        <p:nvCxnSpPr>
+          <p:cNvPr id="17" name="Straight Arrow Connector 16">
+            <a:extLst>
+              <a:ext uri="{FF2B5EF4-FFF2-40B4-BE49-F238E27FC236}">
+                <a16:creationId xmlns:a16="http://schemas.microsoft.com/office/drawing/2014/main" id="{90ADDA27-616E-BA90-914F-503A5DB5C839}"/>
+              </a:ext>
+            </a:extLst>
+          </p:cNvPr>
+          <p:cNvCxnSpPr>
+            <a:cxnSpLocks/>
+            <a:stCxn id="2" idx="1"/>
+            <a:endCxn id="55" idx="2"/>
+          </p:cNvCxnSpPr>
+          <p:nvPr/>
+        </p:nvCxnSpPr>
+        <p:spPr>
+          <a:xfrm rot="10800000">
+            <a:off x="2049640" y="5342920"/>
+            <a:ext cx="5590458" cy="206660"/>
+          </a:xfrm>
+          <a:prstGeom prst="bentConnector2">
+            <a:avLst/>
+          </a:prstGeom>
+          <a:ln>
+            <a:tailEnd type="triangle"/>
+          </a:ln>
+        </p:spPr>
+        <p:style>
+          <a:lnRef idx="1">
+            <a:schemeClr val="accent1"/>
+          </a:lnRef>
+          <a:fillRef idx="0">
+            <a:schemeClr val="accent1"/>
+          </a:fillRef>
+          <a:effectRef idx="0">
+            <a:schemeClr val="accent1"/>
+          </a:effectRef>
+          <a:fontRef idx="minor">
+            <a:schemeClr val="tx1"/>
+          </a:fontRef>
+        </p:style>
+      </p:cxnSp>
+      <p:cxnSp>
+        <p:nvCxnSpPr>
+          <p:cNvPr id="21" name="Straight Arrow Connector 20">
+            <a:extLst>
+              <a:ext uri="{FF2B5EF4-FFF2-40B4-BE49-F238E27FC236}">
+                <a16:creationId xmlns:a16="http://schemas.microsoft.com/office/drawing/2014/main" id="{0C1C13CC-5AD0-A183-8D34-076B1EFD6A15}"/>
+              </a:ext>
+            </a:extLst>
+          </p:cNvPr>
+          <p:cNvCxnSpPr>
+            <a:cxnSpLocks/>
+            <a:stCxn id="9" idx="3"/>
+            <a:endCxn id="92" idx="1"/>
+          </p:cNvCxnSpPr>
+          <p:nvPr/>
+        </p:nvCxnSpPr>
+        <p:spPr>
+          <a:xfrm>
+            <a:off x="2319057" y="4299871"/>
+            <a:ext cx="2313989" cy="1826"/>
+          </a:xfrm>
+          <a:prstGeom prst="straightConnector1">
+            <a:avLst/>
+          </a:prstGeom>
+          <a:ln>
+            <a:tailEnd type="triangle"/>
+          </a:ln>
+        </p:spPr>
+        <p:style>
+          <a:lnRef idx="1">
+            <a:schemeClr val="accent1"/>
+          </a:lnRef>
+          <a:fillRef idx="0">
+            <a:schemeClr val="accent1"/>
+          </a:fillRef>
+          <a:effectRef idx="0">
+            <a:schemeClr val="accent1"/>
+          </a:effectRef>
+          <a:fontRef idx="minor">
+            <a:schemeClr val="tx1"/>
+          </a:fontRef>
+        </p:style>
+      </p:cxnSp>
+      <p:cxnSp>
+        <p:nvCxnSpPr>
+          <p:cNvPr id="25" name="Straight Arrow Connector 24">
+            <a:extLst>
+              <a:ext uri="{FF2B5EF4-FFF2-40B4-BE49-F238E27FC236}">
+                <a16:creationId xmlns:a16="http://schemas.microsoft.com/office/drawing/2014/main" id="{CE3A987D-8131-7022-D4C6-65695EF68E08}"/>
+              </a:ext>
+            </a:extLst>
+          </p:cNvPr>
+          <p:cNvCxnSpPr>
+            <a:cxnSpLocks/>
+            <a:stCxn id="57" idx="3"/>
+            <a:endCxn id="3" idx="1"/>
+          </p:cNvCxnSpPr>
+          <p:nvPr/>
+        </p:nvCxnSpPr>
+        <p:spPr>
+          <a:xfrm>
+            <a:off x="4991599" y="2544882"/>
+            <a:ext cx="2535955" cy="211017"/>
+          </a:xfrm>
+          <a:prstGeom prst="bentConnector3">
+            <a:avLst>
+              <a:gd name="adj1" fmla="val 64978"/>
+            </a:avLst>
+          </a:prstGeom>
+          <a:ln>
+            <a:tailEnd type="triangle"/>
+          </a:ln>
+        </p:spPr>
+        <p:style>
+          <a:lnRef idx="1">
+            <a:schemeClr val="accent1"/>
+          </a:lnRef>
+          <a:fillRef idx="0">
+            <a:schemeClr val="accent1"/>
+          </a:fillRef>
+          <a:effectRef idx="0">
+            <a:schemeClr val="accent1"/>
+          </a:effectRef>
+          <a:fontRef idx="minor">
+            <a:schemeClr val="tx1"/>
+          </a:fontRef>
+        </p:style>
+      </p:cxnSp>
+      <p:cxnSp>
+        <p:nvCxnSpPr>
+          <p:cNvPr id="27" name="Straight Arrow Connector 26">
+            <a:extLst>
+              <a:ext uri="{FF2B5EF4-FFF2-40B4-BE49-F238E27FC236}">
+                <a16:creationId xmlns:a16="http://schemas.microsoft.com/office/drawing/2014/main" id="{9D2A47C0-D3B6-30CD-A987-F3D4977BD7B9}"/>
+              </a:ext>
+            </a:extLst>
+          </p:cNvPr>
+          <p:cNvCxnSpPr>
+            <a:cxnSpLocks/>
+            <a:stCxn id="2" idx="0"/>
+            <a:endCxn id="107" idx="2"/>
+          </p:cNvCxnSpPr>
+          <p:nvPr/>
+        </p:nvCxnSpPr>
+        <p:spPr>
+          <a:xfrm flipH="1" flipV="1">
+            <a:off x="7392546" y="5052787"/>
+            <a:ext cx="567509" cy="176836"/>
+          </a:xfrm>
+          <a:prstGeom prst="straightConnector1">
+            <a:avLst/>
+          </a:prstGeom>
+          <a:ln>
+            <a:tailEnd type="triangle"/>
+          </a:ln>
+        </p:spPr>
+        <p:style>
+          <a:lnRef idx="1">
+            <a:schemeClr val="accent1"/>
+          </a:lnRef>
+          <a:fillRef idx="0">
+            <a:schemeClr val="accent1"/>
+          </a:fillRef>
+          <a:effectRef idx="0">
+            <a:schemeClr val="accent1"/>
+          </a:effectRef>
+          <a:fontRef idx="minor">
+            <a:schemeClr val="tx1"/>
+          </a:fontRef>
+        </p:style>
+      </p:cxnSp>
+      <p:cxnSp>
+        <p:nvCxnSpPr>
+          <p:cNvPr id="31" name="Straight Arrow Connector 30">
+            <a:extLst>
+              <a:ext uri="{FF2B5EF4-FFF2-40B4-BE49-F238E27FC236}">
+                <a16:creationId xmlns:a16="http://schemas.microsoft.com/office/drawing/2014/main" id="{68C8139A-423D-E305-111B-28B3C95A6B10}"/>
+              </a:ext>
+            </a:extLst>
+          </p:cNvPr>
+          <p:cNvCxnSpPr>
+            <a:cxnSpLocks/>
+            <a:stCxn id="92" idx="3"/>
+            <a:endCxn id="10" idx="1"/>
+          </p:cNvCxnSpPr>
+          <p:nvPr/>
+        </p:nvCxnSpPr>
+        <p:spPr>
+          <a:xfrm flipV="1">
+            <a:off x="5272959" y="4301694"/>
+            <a:ext cx="1749265" cy="3"/>
+          </a:xfrm>
+          <a:prstGeom prst="straightConnector1">
+            <a:avLst/>
+          </a:prstGeom>
+          <a:ln>
+            <a:tailEnd type="triangle"/>
+          </a:ln>
+        </p:spPr>
+        <p:style>
+          <a:lnRef idx="1">
+            <a:schemeClr val="accent1"/>
+          </a:lnRef>
+          <a:fillRef idx="0">
+            <a:schemeClr val="accent1"/>
+          </a:fillRef>
+          <a:effectRef idx="0">
+            <a:schemeClr val="accent1"/>
+          </a:effectRef>
+          <a:fontRef idx="minor">
+            <a:schemeClr val="tx1"/>
+          </a:fontRef>
+        </p:style>
+      </p:cxnSp>
+      <p:cxnSp>
+        <p:nvCxnSpPr>
+          <p:cNvPr id="36" name="Straight Arrow Connector 35">
+            <a:extLst>
+              <a:ext uri="{FF2B5EF4-FFF2-40B4-BE49-F238E27FC236}">
+                <a16:creationId xmlns:a16="http://schemas.microsoft.com/office/drawing/2014/main" id="{8F5C155A-3F5B-4173-537A-C8FC2E43C71D}"/>
+              </a:ext>
+            </a:extLst>
+          </p:cNvPr>
+          <p:cNvCxnSpPr>
+            <a:cxnSpLocks/>
+            <a:stCxn id="10" idx="0"/>
+            <a:endCxn id="49" idx="2"/>
+          </p:cNvCxnSpPr>
+          <p:nvPr/>
+        </p:nvCxnSpPr>
+        <p:spPr>
+          <a:xfrm rot="16200000" flipV="1">
+            <a:off x="5649453" y="2311780"/>
+            <a:ext cx="710271" cy="2652415"/>
+          </a:xfrm>
+          <a:prstGeom prst="bentConnector3">
+            <a:avLst>
+              <a:gd name="adj1" fmla="val 50000"/>
+            </a:avLst>
+          </a:prstGeom>
+          <a:ln>
+            <a:tailEnd type="triangle"/>
+          </a:ln>
+        </p:spPr>
+        <p:style>
+          <a:lnRef idx="1">
+            <a:schemeClr val="accent1"/>
+          </a:lnRef>
+          <a:fillRef idx="0">
+            <a:schemeClr val="accent1"/>
+          </a:fillRef>
+          <a:effectRef idx="0">
+            <a:schemeClr val="accent1"/>
+          </a:effectRef>
+          <a:fontRef idx="minor">
+            <a:schemeClr val="tx1"/>
+          </a:fontRef>
+        </p:style>
+      </p:cxnSp>
+      <p:pic>
+        <p:nvPicPr>
+          <p:cNvPr id="39" name="Graphic 6">
+            <a:extLst>
+              <a:ext uri="{FF2B5EF4-FFF2-40B4-BE49-F238E27FC236}">
+                <a16:creationId xmlns:a16="http://schemas.microsoft.com/office/drawing/2014/main" id="{5ECBBB64-2C3C-7740-AC1E-08853C7357D1}"/>
+              </a:ext>
+            </a:extLst>
+          </p:cNvPr>
+          <p:cNvPicPr>
+            <a:picLocks noChangeAspect="1" noChangeArrowheads="1"/>
+          </p:cNvPicPr>
+          <p:nvPr/>
+        </p:nvPicPr>
+        <p:blipFill>
+          <a:blip r:embed="rId10" cstate="print"/>
+          <a:srcRect/>
+          <a:stretch/>
+        </p:blipFill>
+        <p:spPr bwMode="auto">
+          <a:xfrm>
+            <a:off x="11560614" y="2269794"/>
+            <a:ext cx="557836" cy="557836"/>
+          </a:xfrm>
+          <a:prstGeom prst="rect">
+            <a:avLst/>
+          </a:prstGeom>
+          <a:noFill/>
+          <a:ln>
+            <a:noFill/>
+          </a:ln>
+          <a:extLst>
+            <a:ext uri="{909E8E84-426E-40DD-AFC4-6F175D3DCCD1}">
+              <a14:hiddenFill xmlns:a14="http://schemas.microsoft.com/office/drawing/2010/main">
+                <a:solidFill>
+                  <a:srgbClr val="FFFFFF"/>
+                </a:solidFill>
+              </a14:hiddenFill>
+            </a:ext>
+            <a:ext uri="{91240B29-F687-4F45-9708-019B960494DF}">
+              <a14:hiddenLine xmlns:a14="http://schemas.microsoft.com/office/drawing/2010/main" w="9525">
+                <a:solidFill>
+                  <a:srgbClr val="000000"/>
+                </a:solidFill>
+                <a:miter lim="800000"/>
+                <a:headEnd/>
+                <a:tailEnd/>
+              </a14:hiddenLine>
+            </a:ext>
+          </a:extLst>
+        </p:spPr>
+      </p:pic>
+      <p:sp>
+        <p:nvSpPr>
+          <p:cNvPr id="40" name="TextBox 147">
+            <a:extLst>
+              <a:ext uri="{FF2B5EF4-FFF2-40B4-BE49-F238E27FC236}">
+                <a16:creationId xmlns:a16="http://schemas.microsoft.com/office/drawing/2014/main" id="{A1BB1785-1CD6-BC8D-D759-4E8B24DEBA09}"/>
+              </a:ext>
+            </a:extLst>
+          </p:cNvPr>
+          <p:cNvSpPr txBox="1"/>
+          <p:nvPr/>
+        </p:nvSpPr>
+        <p:spPr>
+          <a:xfrm>
+            <a:off x="11477071" y="2015599"/>
+            <a:ext cx="911801" cy="236988"/>
+          </a:xfrm>
+          <a:prstGeom prst="rect">
+            <a:avLst/>
+          </a:prstGeom>
+          <a:noFill/>
+        </p:spPr>
+        <p:txBody>
+          <a:bodyPr wrap="square" rtlCol="0">
+            <a:spAutoFit/>
+          </a:bodyPr>
+          <a:lstStyle>
+            <a:defPPr>
+              <a:defRPr lang="en-US"/>
+            </a:defPPr>
+            <a:lvl1pPr marL="0" algn="l" defTabSz="914400" rtl="0" eaLnBrk="1" latinLnBrk="0" hangingPunct="1">
+              <a:defRPr sz="1800" kern="1200">
+                <a:solidFill>
+                  <a:schemeClr val="tx1"/>
+                </a:solidFill>
+                <a:latin typeface="+mn-lt"/>
+                <a:ea typeface="+mn-ea"/>
+                <a:cs typeface="+mn-cs"/>
+              </a:defRPr>
+            </a:lvl1pPr>
+            <a:lvl2pPr marL="457200" algn="l" defTabSz="914400" rtl="0" eaLnBrk="1" latinLnBrk="0" hangingPunct="1">
+              <a:defRPr sz="1800" kern="1200">
+                <a:solidFill>
+                  <a:schemeClr val="tx1"/>
+                </a:solidFill>
+                <a:latin typeface="+mn-lt"/>
+                <a:ea typeface="+mn-ea"/>
+                <a:cs typeface="+mn-cs"/>
+              </a:defRPr>
+            </a:lvl2pPr>
+            <a:lvl3pPr marL="914400" algn="l" defTabSz="914400" rtl="0" eaLnBrk="1" latinLnBrk="0" hangingPunct="1">
+              <a:defRPr sz="1800" kern="1200">
+                <a:solidFill>
+                  <a:schemeClr val="tx1"/>
+                </a:solidFill>
+                <a:latin typeface="+mn-lt"/>
+                <a:ea typeface="+mn-ea"/>
+                <a:cs typeface="+mn-cs"/>
+              </a:defRPr>
+            </a:lvl3pPr>
+            <a:lvl4pPr marL="1371600" algn="l" defTabSz="914400" rtl="0" eaLnBrk="1" latinLnBrk="0" hangingPunct="1">
+              <a:defRPr sz="1800" kern="1200">
+                <a:solidFill>
+                  <a:schemeClr val="tx1"/>
+                </a:solidFill>
+                <a:latin typeface="+mn-lt"/>
+                <a:ea typeface="+mn-ea"/>
+                <a:cs typeface="+mn-cs"/>
+              </a:defRPr>
+            </a:lvl4pPr>
+            <a:lvl5pPr marL="1828800" algn="l" defTabSz="914400" rtl="0" eaLnBrk="1" latinLnBrk="0" hangingPunct="1">
+              <a:defRPr sz="1800" kern="1200">
+                <a:solidFill>
+                  <a:schemeClr val="tx1"/>
+                </a:solidFill>
+                <a:latin typeface="+mn-lt"/>
+                <a:ea typeface="+mn-ea"/>
+                <a:cs typeface="+mn-cs"/>
+              </a:defRPr>
+            </a:lvl5pPr>
+            <a:lvl6pPr marL="2286000" algn="l" defTabSz="914400" rtl="0" eaLnBrk="1" latinLnBrk="0" hangingPunct="1">
+              <a:defRPr sz="1800" kern="1200">
+                <a:solidFill>
+                  <a:schemeClr val="tx1"/>
+                </a:solidFill>
+                <a:latin typeface="+mn-lt"/>
+                <a:ea typeface="+mn-ea"/>
+                <a:cs typeface="+mn-cs"/>
+              </a:defRPr>
+            </a:lvl6pPr>
+            <a:lvl7pPr marL="2743200" algn="l" defTabSz="914400" rtl="0" eaLnBrk="1" latinLnBrk="0" hangingPunct="1">
+              <a:defRPr sz="1800" kern="1200">
+                <a:solidFill>
+                  <a:schemeClr val="tx1"/>
+                </a:solidFill>
+                <a:latin typeface="+mn-lt"/>
+                <a:ea typeface="+mn-ea"/>
+                <a:cs typeface="+mn-cs"/>
+              </a:defRPr>
+            </a:lvl7pPr>
+            <a:lvl8pPr marL="3200400" algn="l" defTabSz="914400" rtl="0" eaLnBrk="1" latinLnBrk="0" hangingPunct="1">
+              <a:defRPr sz="1800" kern="1200">
+                <a:solidFill>
+                  <a:schemeClr val="tx1"/>
+                </a:solidFill>
+                <a:latin typeface="+mn-lt"/>
+                <a:ea typeface="+mn-ea"/>
+                <a:cs typeface="+mn-cs"/>
+              </a:defRPr>
+            </a:lvl8pPr>
+            <a:lvl9pPr marL="3657600" algn="l" defTabSz="914400" rtl="0" eaLnBrk="1" latinLnBrk="0" hangingPunct="1">
+              <a:defRPr sz="1800" kern="1200">
+                <a:solidFill>
+                  <a:schemeClr val="tx1"/>
+                </a:solidFill>
+                <a:latin typeface="+mn-lt"/>
+                <a:ea typeface="+mn-ea"/>
+                <a:cs typeface="+mn-cs"/>
+              </a:defRPr>
+            </a:lvl9pPr>
+          </a:lstStyle>
+          <a:p>
+            <a:r>
+              <a:rPr lang="en-IN" sz="900" dirty="0">
+                <a:ea typeface="Calibri" panose="020F0502020204030204" pitchFamily="34" charset="0"/>
+                <a:cs typeface="Calibri" panose="020F0502020204030204" pitchFamily="34" charset="0"/>
+              </a:rPr>
+              <a:t>Client Mail</a:t>
+            </a:r>
+          </a:p>
+        </p:txBody>
+      </p:sp>
+      <p:cxnSp>
+        <p:nvCxnSpPr>
+          <p:cNvPr id="41" name="Straight Arrow Connector 40">
+            <a:extLst>
+              <a:ext uri="{FF2B5EF4-FFF2-40B4-BE49-F238E27FC236}">
+                <a16:creationId xmlns:a16="http://schemas.microsoft.com/office/drawing/2014/main" id="{9953F241-DA13-D954-DF13-C22A770E38D9}"/>
+              </a:ext>
+            </a:extLst>
+          </p:cNvPr>
+          <p:cNvCxnSpPr>
+            <a:cxnSpLocks/>
+            <a:stCxn id="3" idx="3"/>
+            <a:endCxn id="125" idx="1"/>
+          </p:cNvCxnSpPr>
+          <p:nvPr/>
+        </p:nvCxnSpPr>
+        <p:spPr>
+          <a:xfrm flipV="1">
+            <a:off x="8167467" y="2753230"/>
+            <a:ext cx="1568332" cy="2669"/>
+          </a:xfrm>
+          <a:prstGeom prst="straightConnector1">
+            <a:avLst/>
+          </a:prstGeom>
+          <a:ln>
+            <a:tailEnd type="triangle"/>
+          </a:ln>
+        </p:spPr>
+        <p:style>
+          <a:lnRef idx="1">
+            <a:schemeClr val="accent1"/>
+          </a:lnRef>
+          <a:fillRef idx="0">
+            <a:schemeClr val="accent1"/>
+          </a:fillRef>
+          <a:effectRef idx="0">
+            <a:schemeClr val="accent1"/>
+          </a:effectRef>
+          <a:fontRef idx="minor">
+            <a:schemeClr val="tx1"/>
+          </a:fontRef>
+        </p:style>
+      </p:cxnSp>
+      <p:sp>
+        <p:nvSpPr>
+          <p:cNvPr id="48" name="TextBox 24">
+            <a:extLst>
+              <a:ext uri="{FF2B5EF4-FFF2-40B4-BE49-F238E27FC236}">
+                <a16:creationId xmlns:a16="http://schemas.microsoft.com/office/drawing/2014/main" id="{135C747C-9887-AD33-A312-F8F871B9DAD6}"/>
+              </a:ext>
+            </a:extLst>
+          </p:cNvPr>
+          <p:cNvSpPr txBox="1"/>
+          <p:nvPr/>
+        </p:nvSpPr>
+        <p:spPr>
+          <a:xfrm>
+            <a:off x="4023695" y="4601757"/>
+            <a:ext cx="1902439" cy="507831"/>
+          </a:xfrm>
+          <a:prstGeom prst="rect">
+            <a:avLst/>
+          </a:prstGeom>
+          <a:noFill/>
+        </p:spPr>
+        <p:txBody>
+          <a:bodyPr wrap="square" rtlCol="0">
+            <a:spAutoFit/>
+          </a:bodyPr>
+          <a:lstStyle>
+            <a:defPPr>
+              <a:defRPr lang="en-US"/>
+            </a:defPPr>
+            <a:lvl1pPr marL="0" algn="l" defTabSz="914400" rtl="0" eaLnBrk="1" latinLnBrk="0" hangingPunct="1">
+              <a:defRPr sz="1800" kern="1200">
+                <a:solidFill>
+                  <a:schemeClr val="tx1"/>
+                </a:solidFill>
+                <a:latin typeface="+mn-lt"/>
+                <a:ea typeface="+mn-ea"/>
+                <a:cs typeface="+mn-cs"/>
+              </a:defRPr>
+            </a:lvl1pPr>
+            <a:lvl2pPr marL="457200" algn="l" defTabSz="914400" rtl="0" eaLnBrk="1" latinLnBrk="0" hangingPunct="1">
+              <a:defRPr sz="1800" kern="1200">
+                <a:solidFill>
+                  <a:schemeClr val="tx1"/>
+                </a:solidFill>
+                <a:latin typeface="+mn-lt"/>
+                <a:ea typeface="+mn-ea"/>
+                <a:cs typeface="+mn-cs"/>
+              </a:defRPr>
+            </a:lvl2pPr>
+            <a:lvl3pPr marL="914400" algn="l" defTabSz="914400" rtl="0" eaLnBrk="1" latinLnBrk="0" hangingPunct="1">
+              <a:defRPr sz="1800" kern="1200">
+                <a:solidFill>
+                  <a:schemeClr val="tx1"/>
+                </a:solidFill>
+                <a:latin typeface="+mn-lt"/>
+                <a:ea typeface="+mn-ea"/>
+                <a:cs typeface="+mn-cs"/>
+              </a:defRPr>
+            </a:lvl3pPr>
+            <a:lvl4pPr marL="1371600" algn="l" defTabSz="914400" rtl="0" eaLnBrk="1" latinLnBrk="0" hangingPunct="1">
+              <a:defRPr sz="1800" kern="1200">
+                <a:solidFill>
+                  <a:schemeClr val="tx1"/>
+                </a:solidFill>
+                <a:latin typeface="+mn-lt"/>
+                <a:ea typeface="+mn-ea"/>
+                <a:cs typeface="+mn-cs"/>
+              </a:defRPr>
+            </a:lvl4pPr>
+            <a:lvl5pPr marL="1828800" algn="l" defTabSz="914400" rtl="0" eaLnBrk="1" latinLnBrk="0" hangingPunct="1">
+              <a:defRPr sz="1800" kern="1200">
+                <a:solidFill>
+                  <a:schemeClr val="tx1"/>
+                </a:solidFill>
+                <a:latin typeface="+mn-lt"/>
+                <a:ea typeface="+mn-ea"/>
+                <a:cs typeface="+mn-cs"/>
+              </a:defRPr>
+            </a:lvl5pPr>
+            <a:lvl6pPr marL="2286000" algn="l" defTabSz="914400" rtl="0" eaLnBrk="1" latinLnBrk="0" hangingPunct="1">
+              <a:defRPr sz="1800" kern="1200">
+                <a:solidFill>
+                  <a:schemeClr val="tx1"/>
+                </a:solidFill>
+                <a:latin typeface="+mn-lt"/>
+                <a:ea typeface="+mn-ea"/>
+                <a:cs typeface="+mn-cs"/>
+              </a:defRPr>
+            </a:lvl6pPr>
+            <a:lvl7pPr marL="2743200" algn="l" defTabSz="914400" rtl="0" eaLnBrk="1" latinLnBrk="0" hangingPunct="1">
+              <a:defRPr sz="1800" kern="1200">
+                <a:solidFill>
+                  <a:schemeClr val="tx1"/>
+                </a:solidFill>
+                <a:latin typeface="+mn-lt"/>
+                <a:ea typeface="+mn-ea"/>
+                <a:cs typeface="+mn-cs"/>
+              </a:defRPr>
+            </a:lvl7pPr>
+            <a:lvl8pPr marL="3200400" algn="l" defTabSz="914400" rtl="0" eaLnBrk="1" latinLnBrk="0" hangingPunct="1">
+              <a:defRPr sz="1800" kern="1200">
+                <a:solidFill>
+                  <a:schemeClr val="tx1"/>
+                </a:solidFill>
+                <a:latin typeface="+mn-lt"/>
+                <a:ea typeface="+mn-ea"/>
+                <a:cs typeface="+mn-cs"/>
+              </a:defRPr>
+            </a:lvl8pPr>
+            <a:lvl9pPr marL="3657600" algn="l" defTabSz="914400" rtl="0" eaLnBrk="1" latinLnBrk="0" hangingPunct="1">
+              <a:defRPr sz="1800" kern="1200">
+                <a:solidFill>
+                  <a:schemeClr val="tx1"/>
+                </a:solidFill>
+                <a:latin typeface="+mn-lt"/>
+                <a:ea typeface="+mn-ea"/>
+                <a:cs typeface="+mn-cs"/>
+              </a:defRPr>
+            </a:lvl9pPr>
+          </a:lstStyle>
+          <a:p>
+            <a:pPr algn="ctr"/>
+            <a:r>
+              <a:rPr lang="en-US" sz="900" b="1" dirty="0"/>
+              <a:t>Lambda 1</a:t>
+            </a:r>
+          </a:p>
+          <a:p>
+            <a:pPr algn="ctr"/>
+            <a:r>
+              <a:rPr lang="en-US" sz="900" dirty="0"/>
+              <a:t>(designed to fetch and filter the data provided by the client)</a:t>
+            </a:r>
+            <a:endParaRPr lang="en-IN" sz="900" b="1" dirty="0"/>
+          </a:p>
+        </p:txBody>
+      </p:sp>
+      <p:sp>
+        <p:nvSpPr>
+          <p:cNvPr id="49" name="TextBox 24">
+            <a:extLst>
+              <a:ext uri="{FF2B5EF4-FFF2-40B4-BE49-F238E27FC236}">
+                <a16:creationId xmlns:a16="http://schemas.microsoft.com/office/drawing/2014/main" id="{7181AB09-B54F-4727-C67E-96E6261B7772}"/>
+              </a:ext>
+            </a:extLst>
+          </p:cNvPr>
+          <p:cNvSpPr txBox="1"/>
+          <p:nvPr/>
+        </p:nvSpPr>
+        <p:spPr>
+          <a:xfrm>
+            <a:off x="3544420" y="2775021"/>
+            <a:ext cx="2267920" cy="507831"/>
+          </a:xfrm>
+          <a:prstGeom prst="rect">
+            <a:avLst/>
+          </a:prstGeom>
+          <a:noFill/>
+        </p:spPr>
+        <p:txBody>
+          <a:bodyPr wrap="square" rtlCol="0">
+            <a:spAutoFit/>
+          </a:bodyPr>
+          <a:lstStyle>
+            <a:defPPr>
+              <a:defRPr lang="en-US"/>
+            </a:defPPr>
+            <a:lvl1pPr marL="0" algn="l" defTabSz="914400" rtl="0" eaLnBrk="1" latinLnBrk="0" hangingPunct="1">
+              <a:defRPr sz="1800" kern="1200">
+                <a:solidFill>
+                  <a:schemeClr val="tx1"/>
+                </a:solidFill>
+                <a:latin typeface="+mn-lt"/>
+                <a:ea typeface="+mn-ea"/>
+                <a:cs typeface="+mn-cs"/>
+              </a:defRPr>
+            </a:lvl1pPr>
+            <a:lvl2pPr marL="457200" algn="l" defTabSz="914400" rtl="0" eaLnBrk="1" latinLnBrk="0" hangingPunct="1">
+              <a:defRPr sz="1800" kern="1200">
+                <a:solidFill>
+                  <a:schemeClr val="tx1"/>
+                </a:solidFill>
+                <a:latin typeface="+mn-lt"/>
+                <a:ea typeface="+mn-ea"/>
+                <a:cs typeface="+mn-cs"/>
+              </a:defRPr>
+            </a:lvl2pPr>
+            <a:lvl3pPr marL="914400" algn="l" defTabSz="914400" rtl="0" eaLnBrk="1" latinLnBrk="0" hangingPunct="1">
+              <a:defRPr sz="1800" kern="1200">
+                <a:solidFill>
+                  <a:schemeClr val="tx1"/>
+                </a:solidFill>
+                <a:latin typeface="+mn-lt"/>
+                <a:ea typeface="+mn-ea"/>
+                <a:cs typeface="+mn-cs"/>
+              </a:defRPr>
+            </a:lvl3pPr>
+            <a:lvl4pPr marL="1371600" algn="l" defTabSz="914400" rtl="0" eaLnBrk="1" latinLnBrk="0" hangingPunct="1">
+              <a:defRPr sz="1800" kern="1200">
+                <a:solidFill>
+                  <a:schemeClr val="tx1"/>
+                </a:solidFill>
+                <a:latin typeface="+mn-lt"/>
+                <a:ea typeface="+mn-ea"/>
+                <a:cs typeface="+mn-cs"/>
+              </a:defRPr>
+            </a:lvl4pPr>
+            <a:lvl5pPr marL="1828800" algn="l" defTabSz="914400" rtl="0" eaLnBrk="1" latinLnBrk="0" hangingPunct="1">
+              <a:defRPr sz="1800" kern="1200">
+                <a:solidFill>
+                  <a:schemeClr val="tx1"/>
+                </a:solidFill>
+                <a:latin typeface="+mn-lt"/>
+                <a:ea typeface="+mn-ea"/>
+                <a:cs typeface="+mn-cs"/>
+              </a:defRPr>
+            </a:lvl5pPr>
+            <a:lvl6pPr marL="2286000" algn="l" defTabSz="914400" rtl="0" eaLnBrk="1" latinLnBrk="0" hangingPunct="1">
+              <a:defRPr sz="1800" kern="1200">
+                <a:solidFill>
+                  <a:schemeClr val="tx1"/>
+                </a:solidFill>
+                <a:latin typeface="+mn-lt"/>
+                <a:ea typeface="+mn-ea"/>
+                <a:cs typeface="+mn-cs"/>
+              </a:defRPr>
+            </a:lvl6pPr>
+            <a:lvl7pPr marL="2743200" algn="l" defTabSz="914400" rtl="0" eaLnBrk="1" latinLnBrk="0" hangingPunct="1">
+              <a:defRPr sz="1800" kern="1200">
+                <a:solidFill>
+                  <a:schemeClr val="tx1"/>
+                </a:solidFill>
+                <a:latin typeface="+mn-lt"/>
+                <a:ea typeface="+mn-ea"/>
+                <a:cs typeface="+mn-cs"/>
+              </a:defRPr>
+            </a:lvl7pPr>
+            <a:lvl8pPr marL="3200400" algn="l" defTabSz="914400" rtl="0" eaLnBrk="1" latinLnBrk="0" hangingPunct="1">
+              <a:defRPr sz="1800" kern="1200">
+                <a:solidFill>
+                  <a:schemeClr val="tx1"/>
+                </a:solidFill>
+                <a:latin typeface="+mn-lt"/>
+                <a:ea typeface="+mn-ea"/>
+                <a:cs typeface="+mn-cs"/>
+              </a:defRPr>
+            </a:lvl8pPr>
+            <a:lvl9pPr marL="3657600" algn="l" defTabSz="914400" rtl="0" eaLnBrk="1" latinLnBrk="0" hangingPunct="1">
+              <a:defRPr sz="1800" kern="1200">
+                <a:solidFill>
+                  <a:schemeClr val="tx1"/>
+                </a:solidFill>
+                <a:latin typeface="+mn-lt"/>
+                <a:ea typeface="+mn-ea"/>
+                <a:cs typeface="+mn-cs"/>
+              </a:defRPr>
+            </a:lvl9pPr>
+          </a:lstStyle>
+          <a:p>
+            <a:pPr algn="ctr"/>
+            <a:r>
+              <a:rPr lang="en-US" sz="900" b="1" dirty="0"/>
+              <a:t>Lambda 2</a:t>
+            </a:r>
+          </a:p>
+          <a:p>
+            <a:pPr algn="ctr"/>
+            <a:r>
+              <a:rPr lang="en-US" sz="900" dirty="0"/>
+              <a:t>(Designed to convert the output data into HTML pages.)</a:t>
+            </a:r>
+            <a:endParaRPr lang="en-IN" sz="900" b="1" dirty="0"/>
+          </a:p>
+        </p:txBody>
+      </p:sp>
+      <p:sp>
+        <p:nvSpPr>
+          <p:cNvPr id="50" name="TextBox 140">
+            <a:extLst>
+              <a:ext uri="{FF2B5EF4-FFF2-40B4-BE49-F238E27FC236}">
+                <a16:creationId xmlns:a16="http://schemas.microsoft.com/office/drawing/2014/main" id="{4D84BBFF-EA41-FAB7-2A15-B7E3C5492DF2}"/>
+              </a:ext>
+            </a:extLst>
+          </p:cNvPr>
+          <p:cNvSpPr txBox="1"/>
+          <p:nvPr/>
+        </p:nvSpPr>
+        <p:spPr>
+          <a:xfrm>
+            <a:off x="6868431" y="5807547"/>
+            <a:ext cx="2183245" cy="507831"/>
+          </a:xfrm>
+          <a:prstGeom prst="rect">
+            <a:avLst/>
+          </a:prstGeom>
+          <a:noFill/>
+        </p:spPr>
+        <p:txBody>
+          <a:bodyPr wrap="square" rtlCol="0">
+            <a:spAutoFit/>
+          </a:bodyPr>
+          <a:lstStyle>
+            <a:defPPr>
+              <a:defRPr lang="en-US"/>
+            </a:defPPr>
+            <a:lvl1pPr marL="0" algn="l" defTabSz="914400" rtl="0" eaLnBrk="1" latinLnBrk="0" hangingPunct="1">
+              <a:defRPr sz="1800" kern="1200">
+                <a:solidFill>
+                  <a:schemeClr val="tx1"/>
+                </a:solidFill>
+                <a:latin typeface="+mn-lt"/>
+                <a:ea typeface="+mn-ea"/>
+                <a:cs typeface="+mn-cs"/>
+              </a:defRPr>
+            </a:lvl1pPr>
+            <a:lvl2pPr marL="457200" algn="l" defTabSz="914400" rtl="0" eaLnBrk="1" latinLnBrk="0" hangingPunct="1">
+              <a:defRPr sz="1800" kern="1200">
+                <a:solidFill>
+                  <a:schemeClr val="tx1"/>
+                </a:solidFill>
+                <a:latin typeface="+mn-lt"/>
+                <a:ea typeface="+mn-ea"/>
+                <a:cs typeface="+mn-cs"/>
+              </a:defRPr>
+            </a:lvl2pPr>
+            <a:lvl3pPr marL="914400" algn="l" defTabSz="914400" rtl="0" eaLnBrk="1" latinLnBrk="0" hangingPunct="1">
+              <a:defRPr sz="1800" kern="1200">
+                <a:solidFill>
+                  <a:schemeClr val="tx1"/>
+                </a:solidFill>
+                <a:latin typeface="+mn-lt"/>
+                <a:ea typeface="+mn-ea"/>
+                <a:cs typeface="+mn-cs"/>
+              </a:defRPr>
+            </a:lvl3pPr>
+            <a:lvl4pPr marL="1371600" algn="l" defTabSz="914400" rtl="0" eaLnBrk="1" latinLnBrk="0" hangingPunct="1">
+              <a:defRPr sz="1800" kern="1200">
+                <a:solidFill>
+                  <a:schemeClr val="tx1"/>
+                </a:solidFill>
+                <a:latin typeface="+mn-lt"/>
+                <a:ea typeface="+mn-ea"/>
+                <a:cs typeface="+mn-cs"/>
+              </a:defRPr>
+            </a:lvl4pPr>
+            <a:lvl5pPr marL="1828800" algn="l" defTabSz="914400" rtl="0" eaLnBrk="1" latinLnBrk="0" hangingPunct="1">
+              <a:defRPr sz="1800" kern="1200">
+                <a:solidFill>
+                  <a:schemeClr val="tx1"/>
+                </a:solidFill>
+                <a:latin typeface="+mn-lt"/>
+                <a:ea typeface="+mn-ea"/>
+                <a:cs typeface="+mn-cs"/>
+              </a:defRPr>
+            </a:lvl5pPr>
+            <a:lvl6pPr marL="2286000" algn="l" defTabSz="914400" rtl="0" eaLnBrk="1" latinLnBrk="0" hangingPunct="1">
+              <a:defRPr sz="1800" kern="1200">
+                <a:solidFill>
+                  <a:schemeClr val="tx1"/>
+                </a:solidFill>
+                <a:latin typeface="+mn-lt"/>
+                <a:ea typeface="+mn-ea"/>
+                <a:cs typeface="+mn-cs"/>
+              </a:defRPr>
+            </a:lvl6pPr>
+            <a:lvl7pPr marL="2743200" algn="l" defTabSz="914400" rtl="0" eaLnBrk="1" latinLnBrk="0" hangingPunct="1">
+              <a:defRPr sz="1800" kern="1200">
+                <a:solidFill>
+                  <a:schemeClr val="tx1"/>
+                </a:solidFill>
+                <a:latin typeface="+mn-lt"/>
+                <a:ea typeface="+mn-ea"/>
+                <a:cs typeface="+mn-cs"/>
+              </a:defRPr>
+            </a:lvl7pPr>
+            <a:lvl8pPr marL="3200400" algn="l" defTabSz="914400" rtl="0" eaLnBrk="1" latinLnBrk="0" hangingPunct="1">
+              <a:defRPr sz="1800" kern="1200">
+                <a:solidFill>
+                  <a:schemeClr val="tx1"/>
+                </a:solidFill>
+                <a:latin typeface="+mn-lt"/>
+                <a:ea typeface="+mn-ea"/>
+                <a:cs typeface="+mn-cs"/>
+              </a:defRPr>
+            </a:lvl8pPr>
+            <a:lvl9pPr marL="3657600" algn="l" defTabSz="914400" rtl="0" eaLnBrk="1" latinLnBrk="0" hangingPunct="1">
+              <a:defRPr sz="1800" kern="1200">
+                <a:solidFill>
+                  <a:schemeClr val="tx1"/>
+                </a:solidFill>
+                <a:latin typeface="+mn-lt"/>
+                <a:ea typeface="+mn-ea"/>
+                <a:cs typeface="+mn-cs"/>
+              </a:defRPr>
+            </a:lvl9pPr>
+          </a:lstStyle>
+          <a:p>
+            <a:pPr algn="ctr"/>
+            <a:r>
+              <a:rPr lang="en-IN" sz="900" b="1" dirty="0">
+                <a:ea typeface="Calibri" panose="020F0502020204030204" pitchFamily="34" charset="0"/>
+                <a:cs typeface="Calibri" panose="020F0502020204030204" pitchFamily="34" charset="0"/>
+              </a:rPr>
+              <a:t>Lambda 4</a:t>
+            </a:r>
+          </a:p>
+          <a:p>
+            <a:pPr algn="ctr"/>
+            <a:r>
+              <a:rPr lang="en-IN" sz="900" dirty="0">
+                <a:ea typeface="Calibri" panose="020F0502020204030204" pitchFamily="34" charset="0"/>
+                <a:cs typeface="Calibri" panose="020F0502020204030204" pitchFamily="34" charset="0"/>
+              </a:rPr>
+              <a:t>(Lambda function to trigger an PDF creation and store it in s3)</a:t>
+            </a:r>
+          </a:p>
+        </p:txBody>
+      </p:sp>
+      <p:sp>
+        <p:nvSpPr>
+          <p:cNvPr id="53" name="TextBox 140">
+            <a:extLst>
+              <a:ext uri="{FF2B5EF4-FFF2-40B4-BE49-F238E27FC236}">
+                <a16:creationId xmlns:a16="http://schemas.microsoft.com/office/drawing/2014/main" id="{22E98F47-310F-1AB6-6828-F69A9D365D0A}"/>
+              </a:ext>
+            </a:extLst>
+          </p:cNvPr>
+          <p:cNvSpPr txBox="1"/>
+          <p:nvPr/>
+        </p:nvSpPr>
+        <p:spPr>
+          <a:xfrm>
+            <a:off x="6921497" y="3020153"/>
+            <a:ext cx="1950475" cy="646331"/>
+          </a:xfrm>
+          <a:prstGeom prst="rect">
+            <a:avLst/>
+          </a:prstGeom>
+          <a:noFill/>
+        </p:spPr>
+        <p:txBody>
+          <a:bodyPr wrap="square" rtlCol="0">
+            <a:spAutoFit/>
+          </a:bodyPr>
+          <a:lstStyle>
+            <a:defPPr>
+              <a:defRPr lang="en-US"/>
+            </a:defPPr>
+            <a:lvl1pPr marL="0" algn="l" defTabSz="914400" rtl="0" eaLnBrk="1" latinLnBrk="0" hangingPunct="1">
+              <a:defRPr sz="1800" kern="1200">
+                <a:solidFill>
+                  <a:schemeClr val="tx1"/>
+                </a:solidFill>
+                <a:latin typeface="+mn-lt"/>
+                <a:ea typeface="+mn-ea"/>
+                <a:cs typeface="+mn-cs"/>
+              </a:defRPr>
+            </a:lvl1pPr>
+            <a:lvl2pPr marL="457200" algn="l" defTabSz="914400" rtl="0" eaLnBrk="1" latinLnBrk="0" hangingPunct="1">
+              <a:defRPr sz="1800" kern="1200">
+                <a:solidFill>
+                  <a:schemeClr val="tx1"/>
+                </a:solidFill>
+                <a:latin typeface="+mn-lt"/>
+                <a:ea typeface="+mn-ea"/>
+                <a:cs typeface="+mn-cs"/>
+              </a:defRPr>
+            </a:lvl2pPr>
+            <a:lvl3pPr marL="914400" algn="l" defTabSz="914400" rtl="0" eaLnBrk="1" latinLnBrk="0" hangingPunct="1">
+              <a:defRPr sz="1800" kern="1200">
+                <a:solidFill>
+                  <a:schemeClr val="tx1"/>
+                </a:solidFill>
+                <a:latin typeface="+mn-lt"/>
+                <a:ea typeface="+mn-ea"/>
+                <a:cs typeface="+mn-cs"/>
+              </a:defRPr>
+            </a:lvl3pPr>
+            <a:lvl4pPr marL="1371600" algn="l" defTabSz="914400" rtl="0" eaLnBrk="1" latinLnBrk="0" hangingPunct="1">
+              <a:defRPr sz="1800" kern="1200">
+                <a:solidFill>
+                  <a:schemeClr val="tx1"/>
+                </a:solidFill>
+                <a:latin typeface="+mn-lt"/>
+                <a:ea typeface="+mn-ea"/>
+                <a:cs typeface="+mn-cs"/>
+              </a:defRPr>
+            </a:lvl4pPr>
+            <a:lvl5pPr marL="1828800" algn="l" defTabSz="914400" rtl="0" eaLnBrk="1" latinLnBrk="0" hangingPunct="1">
+              <a:defRPr sz="1800" kern="1200">
+                <a:solidFill>
+                  <a:schemeClr val="tx1"/>
+                </a:solidFill>
+                <a:latin typeface="+mn-lt"/>
+                <a:ea typeface="+mn-ea"/>
+                <a:cs typeface="+mn-cs"/>
+              </a:defRPr>
+            </a:lvl5pPr>
+            <a:lvl6pPr marL="2286000" algn="l" defTabSz="914400" rtl="0" eaLnBrk="1" latinLnBrk="0" hangingPunct="1">
+              <a:defRPr sz="1800" kern="1200">
+                <a:solidFill>
+                  <a:schemeClr val="tx1"/>
+                </a:solidFill>
+                <a:latin typeface="+mn-lt"/>
+                <a:ea typeface="+mn-ea"/>
+                <a:cs typeface="+mn-cs"/>
+              </a:defRPr>
+            </a:lvl6pPr>
+            <a:lvl7pPr marL="2743200" algn="l" defTabSz="914400" rtl="0" eaLnBrk="1" latinLnBrk="0" hangingPunct="1">
+              <a:defRPr sz="1800" kern="1200">
+                <a:solidFill>
+                  <a:schemeClr val="tx1"/>
+                </a:solidFill>
+                <a:latin typeface="+mn-lt"/>
+                <a:ea typeface="+mn-ea"/>
+                <a:cs typeface="+mn-cs"/>
+              </a:defRPr>
+            </a:lvl7pPr>
+            <a:lvl8pPr marL="3200400" algn="l" defTabSz="914400" rtl="0" eaLnBrk="1" latinLnBrk="0" hangingPunct="1">
+              <a:defRPr sz="1800" kern="1200">
+                <a:solidFill>
+                  <a:schemeClr val="tx1"/>
+                </a:solidFill>
+                <a:latin typeface="+mn-lt"/>
+                <a:ea typeface="+mn-ea"/>
+                <a:cs typeface="+mn-cs"/>
+              </a:defRPr>
+            </a:lvl8pPr>
+            <a:lvl9pPr marL="3657600" algn="l" defTabSz="914400" rtl="0" eaLnBrk="1" latinLnBrk="0" hangingPunct="1">
+              <a:defRPr sz="1800" kern="1200">
+                <a:solidFill>
+                  <a:schemeClr val="tx1"/>
+                </a:solidFill>
+                <a:latin typeface="+mn-lt"/>
+                <a:ea typeface="+mn-ea"/>
+                <a:cs typeface="+mn-cs"/>
+              </a:defRPr>
+            </a:lvl9pPr>
+          </a:lstStyle>
+          <a:p>
+            <a:pPr algn="ctr"/>
+            <a:r>
+              <a:rPr lang="en-IN" sz="900" b="1" dirty="0">
+                <a:ea typeface="Calibri" panose="020F0502020204030204" pitchFamily="34" charset="0"/>
+                <a:cs typeface="Calibri" panose="020F0502020204030204" pitchFamily="34" charset="0"/>
+              </a:rPr>
+              <a:t>Lambda 3</a:t>
+            </a:r>
+          </a:p>
+          <a:p>
+            <a:pPr algn="ctr"/>
+            <a:r>
+              <a:rPr lang="en-IN" sz="900" dirty="0">
+                <a:ea typeface="Calibri" panose="020F0502020204030204" pitchFamily="34" charset="0"/>
+                <a:cs typeface="Calibri" panose="020F0502020204030204" pitchFamily="34" charset="0"/>
+              </a:rPr>
+              <a:t>(Lambda function to trigger an Email notification alert to Send mail to Client)</a:t>
+            </a:r>
+          </a:p>
+        </p:txBody>
+      </p:sp>
+      <p:sp>
+        <p:nvSpPr>
+          <p:cNvPr id="55" name="TextBox 134">
+            <a:extLst>
+              <a:ext uri="{FF2B5EF4-FFF2-40B4-BE49-F238E27FC236}">
+                <a16:creationId xmlns:a16="http://schemas.microsoft.com/office/drawing/2014/main" id="{CA73C0AE-87C8-F8B7-AA70-F67C14DFFD40}"/>
+              </a:ext>
+            </a:extLst>
+          </p:cNvPr>
+          <p:cNvSpPr txBox="1"/>
+          <p:nvPr/>
+        </p:nvSpPr>
+        <p:spPr>
+          <a:xfrm>
+            <a:off x="1079471" y="4558090"/>
+            <a:ext cx="1940338" cy="784830"/>
+          </a:xfrm>
+          <a:prstGeom prst="rect">
+            <a:avLst/>
+          </a:prstGeom>
+          <a:noFill/>
+        </p:spPr>
+        <p:txBody>
+          <a:bodyPr wrap="square" rtlCol="0">
+            <a:spAutoFit/>
+          </a:bodyPr>
+          <a:lstStyle>
+            <a:defPPr>
+              <a:defRPr lang="en-US"/>
+            </a:defPPr>
+            <a:lvl1pPr marL="0" algn="l" defTabSz="914400" rtl="0" eaLnBrk="1" latinLnBrk="0" hangingPunct="1">
+              <a:defRPr sz="1800" kern="1200">
+                <a:solidFill>
+                  <a:schemeClr val="tx1"/>
+                </a:solidFill>
+                <a:latin typeface="+mn-lt"/>
+                <a:ea typeface="+mn-ea"/>
+                <a:cs typeface="+mn-cs"/>
+              </a:defRPr>
+            </a:lvl1pPr>
+            <a:lvl2pPr marL="457200" algn="l" defTabSz="914400" rtl="0" eaLnBrk="1" latinLnBrk="0" hangingPunct="1">
+              <a:defRPr sz="1800" kern="1200">
+                <a:solidFill>
+                  <a:schemeClr val="tx1"/>
+                </a:solidFill>
+                <a:latin typeface="+mn-lt"/>
+                <a:ea typeface="+mn-ea"/>
+                <a:cs typeface="+mn-cs"/>
+              </a:defRPr>
+            </a:lvl2pPr>
+            <a:lvl3pPr marL="914400" algn="l" defTabSz="914400" rtl="0" eaLnBrk="1" latinLnBrk="0" hangingPunct="1">
+              <a:defRPr sz="1800" kern="1200">
+                <a:solidFill>
+                  <a:schemeClr val="tx1"/>
+                </a:solidFill>
+                <a:latin typeface="+mn-lt"/>
+                <a:ea typeface="+mn-ea"/>
+                <a:cs typeface="+mn-cs"/>
+              </a:defRPr>
+            </a:lvl3pPr>
+            <a:lvl4pPr marL="1371600" algn="l" defTabSz="914400" rtl="0" eaLnBrk="1" latinLnBrk="0" hangingPunct="1">
+              <a:defRPr sz="1800" kern="1200">
+                <a:solidFill>
+                  <a:schemeClr val="tx1"/>
+                </a:solidFill>
+                <a:latin typeface="+mn-lt"/>
+                <a:ea typeface="+mn-ea"/>
+                <a:cs typeface="+mn-cs"/>
+              </a:defRPr>
+            </a:lvl4pPr>
+            <a:lvl5pPr marL="1828800" algn="l" defTabSz="914400" rtl="0" eaLnBrk="1" latinLnBrk="0" hangingPunct="1">
+              <a:defRPr sz="1800" kern="1200">
+                <a:solidFill>
+                  <a:schemeClr val="tx1"/>
+                </a:solidFill>
+                <a:latin typeface="+mn-lt"/>
+                <a:ea typeface="+mn-ea"/>
+                <a:cs typeface="+mn-cs"/>
+              </a:defRPr>
+            </a:lvl5pPr>
+            <a:lvl6pPr marL="2286000" algn="l" defTabSz="914400" rtl="0" eaLnBrk="1" latinLnBrk="0" hangingPunct="1">
+              <a:defRPr sz="1800" kern="1200">
+                <a:solidFill>
+                  <a:schemeClr val="tx1"/>
+                </a:solidFill>
+                <a:latin typeface="+mn-lt"/>
+                <a:ea typeface="+mn-ea"/>
+                <a:cs typeface="+mn-cs"/>
+              </a:defRPr>
+            </a:lvl6pPr>
+            <a:lvl7pPr marL="2743200" algn="l" defTabSz="914400" rtl="0" eaLnBrk="1" latinLnBrk="0" hangingPunct="1">
+              <a:defRPr sz="1800" kern="1200">
+                <a:solidFill>
+                  <a:schemeClr val="tx1"/>
+                </a:solidFill>
+                <a:latin typeface="+mn-lt"/>
+                <a:ea typeface="+mn-ea"/>
+                <a:cs typeface="+mn-cs"/>
+              </a:defRPr>
+            </a:lvl7pPr>
+            <a:lvl8pPr marL="3200400" algn="l" defTabSz="914400" rtl="0" eaLnBrk="1" latinLnBrk="0" hangingPunct="1">
+              <a:defRPr sz="1800" kern="1200">
+                <a:solidFill>
+                  <a:schemeClr val="tx1"/>
+                </a:solidFill>
+                <a:latin typeface="+mn-lt"/>
+                <a:ea typeface="+mn-ea"/>
+                <a:cs typeface="+mn-cs"/>
+              </a:defRPr>
+            </a:lvl8pPr>
+            <a:lvl9pPr marL="3657600" algn="l" defTabSz="914400" rtl="0" eaLnBrk="1" latinLnBrk="0" hangingPunct="1">
+              <a:defRPr sz="1800" kern="1200">
+                <a:solidFill>
+                  <a:schemeClr val="tx1"/>
+                </a:solidFill>
+                <a:latin typeface="+mn-lt"/>
+                <a:ea typeface="+mn-ea"/>
+                <a:cs typeface="+mn-cs"/>
+              </a:defRPr>
+            </a:lvl9pPr>
+          </a:lstStyle>
+          <a:p>
+            <a:pPr algn="ctr"/>
+            <a:r>
+              <a:rPr lang="en-US" sz="900" b="1" dirty="0"/>
+              <a:t>Input</a:t>
+            </a:r>
+            <a:r>
+              <a:rPr lang="en-US" sz="900" dirty="0"/>
+              <a:t> </a:t>
+            </a:r>
+            <a:r>
+              <a:rPr lang="en-US" sz="900" b="1" dirty="0"/>
+              <a:t>bucket</a:t>
+            </a:r>
+            <a:r>
+              <a:rPr lang="en-US" sz="900" dirty="0"/>
+              <a:t> </a:t>
+            </a:r>
+          </a:p>
+          <a:p>
+            <a:pPr algn="ctr"/>
+            <a:r>
+              <a:rPr lang="en-US" sz="900" dirty="0"/>
+              <a:t>(The S3 bucket contains the drug name and Data extracts from the Canada Vigilance adverse reaction online database(.txt files) as input)</a:t>
+            </a:r>
+            <a:endParaRPr lang="en-IN" sz="900" dirty="0">
+              <a:ea typeface="Calibri" panose="020F0502020204030204" pitchFamily="34" charset="0"/>
+              <a:cs typeface="Calibri" panose="020F0502020204030204" pitchFamily="34" charset="0"/>
+            </a:endParaRPr>
+          </a:p>
+        </p:txBody>
+      </p:sp>
+      <p:sp>
+        <p:nvSpPr>
+          <p:cNvPr id="107" name="TextBox 137">
+            <a:extLst>
+              <a:ext uri="{FF2B5EF4-FFF2-40B4-BE49-F238E27FC236}">
+                <a16:creationId xmlns:a16="http://schemas.microsoft.com/office/drawing/2014/main" id="{9B1ED477-064C-018E-A4F9-35367C7B253A}"/>
+              </a:ext>
+            </a:extLst>
+          </p:cNvPr>
+          <p:cNvSpPr txBox="1"/>
+          <p:nvPr/>
+        </p:nvSpPr>
+        <p:spPr>
+          <a:xfrm>
+            <a:off x="6461761" y="4544956"/>
+            <a:ext cx="1861569" cy="507831"/>
+          </a:xfrm>
+          <a:prstGeom prst="rect">
+            <a:avLst/>
+          </a:prstGeom>
+          <a:noFill/>
+        </p:spPr>
+        <p:txBody>
+          <a:bodyPr wrap="square" rtlCol="0">
+            <a:spAutoFit/>
+          </a:bodyPr>
+          <a:lstStyle>
+            <a:defPPr>
+              <a:defRPr lang="en-US"/>
+            </a:defPPr>
+            <a:lvl1pPr marL="0" algn="l" defTabSz="914400" rtl="0" eaLnBrk="1" latinLnBrk="0" hangingPunct="1">
+              <a:defRPr sz="1800" kern="1200">
+                <a:solidFill>
+                  <a:schemeClr val="tx1"/>
+                </a:solidFill>
+                <a:latin typeface="+mn-lt"/>
+                <a:ea typeface="+mn-ea"/>
+                <a:cs typeface="+mn-cs"/>
+              </a:defRPr>
+            </a:lvl1pPr>
+            <a:lvl2pPr marL="457200" algn="l" defTabSz="914400" rtl="0" eaLnBrk="1" latinLnBrk="0" hangingPunct="1">
+              <a:defRPr sz="1800" kern="1200">
+                <a:solidFill>
+                  <a:schemeClr val="tx1"/>
+                </a:solidFill>
+                <a:latin typeface="+mn-lt"/>
+                <a:ea typeface="+mn-ea"/>
+                <a:cs typeface="+mn-cs"/>
+              </a:defRPr>
+            </a:lvl2pPr>
+            <a:lvl3pPr marL="914400" algn="l" defTabSz="914400" rtl="0" eaLnBrk="1" latinLnBrk="0" hangingPunct="1">
+              <a:defRPr sz="1800" kern="1200">
+                <a:solidFill>
+                  <a:schemeClr val="tx1"/>
+                </a:solidFill>
+                <a:latin typeface="+mn-lt"/>
+                <a:ea typeface="+mn-ea"/>
+                <a:cs typeface="+mn-cs"/>
+              </a:defRPr>
+            </a:lvl3pPr>
+            <a:lvl4pPr marL="1371600" algn="l" defTabSz="914400" rtl="0" eaLnBrk="1" latinLnBrk="0" hangingPunct="1">
+              <a:defRPr sz="1800" kern="1200">
+                <a:solidFill>
+                  <a:schemeClr val="tx1"/>
+                </a:solidFill>
+                <a:latin typeface="+mn-lt"/>
+                <a:ea typeface="+mn-ea"/>
+                <a:cs typeface="+mn-cs"/>
+              </a:defRPr>
+            </a:lvl4pPr>
+            <a:lvl5pPr marL="1828800" algn="l" defTabSz="914400" rtl="0" eaLnBrk="1" latinLnBrk="0" hangingPunct="1">
+              <a:defRPr sz="1800" kern="1200">
+                <a:solidFill>
+                  <a:schemeClr val="tx1"/>
+                </a:solidFill>
+                <a:latin typeface="+mn-lt"/>
+                <a:ea typeface="+mn-ea"/>
+                <a:cs typeface="+mn-cs"/>
+              </a:defRPr>
+            </a:lvl5pPr>
+            <a:lvl6pPr marL="2286000" algn="l" defTabSz="914400" rtl="0" eaLnBrk="1" latinLnBrk="0" hangingPunct="1">
+              <a:defRPr sz="1800" kern="1200">
+                <a:solidFill>
+                  <a:schemeClr val="tx1"/>
+                </a:solidFill>
+                <a:latin typeface="+mn-lt"/>
+                <a:ea typeface="+mn-ea"/>
+                <a:cs typeface="+mn-cs"/>
+              </a:defRPr>
+            </a:lvl6pPr>
+            <a:lvl7pPr marL="2743200" algn="l" defTabSz="914400" rtl="0" eaLnBrk="1" latinLnBrk="0" hangingPunct="1">
+              <a:defRPr sz="1800" kern="1200">
+                <a:solidFill>
+                  <a:schemeClr val="tx1"/>
+                </a:solidFill>
+                <a:latin typeface="+mn-lt"/>
+                <a:ea typeface="+mn-ea"/>
+                <a:cs typeface="+mn-cs"/>
+              </a:defRPr>
+            </a:lvl7pPr>
+            <a:lvl8pPr marL="3200400" algn="l" defTabSz="914400" rtl="0" eaLnBrk="1" latinLnBrk="0" hangingPunct="1">
+              <a:defRPr sz="1800" kern="1200">
+                <a:solidFill>
+                  <a:schemeClr val="tx1"/>
+                </a:solidFill>
+                <a:latin typeface="+mn-lt"/>
+                <a:ea typeface="+mn-ea"/>
+                <a:cs typeface="+mn-cs"/>
+              </a:defRPr>
+            </a:lvl8pPr>
+            <a:lvl9pPr marL="3657600" algn="l" defTabSz="914400" rtl="0" eaLnBrk="1" latinLnBrk="0" hangingPunct="1">
+              <a:defRPr sz="1800" kern="1200">
+                <a:solidFill>
+                  <a:schemeClr val="tx1"/>
+                </a:solidFill>
+                <a:latin typeface="+mn-lt"/>
+                <a:ea typeface="+mn-ea"/>
+                <a:cs typeface="+mn-cs"/>
+              </a:defRPr>
+            </a:lvl9pPr>
+          </a:lstStyle>
+          <a:p>
+            <a:pPr algn="ctr"/>
+            <a:r>
+              <a:rPr lang="en-IN" sz="900" b="1" dirty="0">
+                <a:ea typeface="Calibri" panose="020F0502020204030204" pitchFamily="34" charset="0"/>
+                <a:cs typeface="Calibri" panose="020F0502020204030204" pitchFamily="34" charset="0"/>
+              </a:rPr>
+              <a:t>Output bucket</a:t>
+            </a:r>
+          </a:p>
+          <a:p>
+            <a:pPr algn="ctr"/>
+            <a:r>
+              <a:rPr lang="en-IN" sz="900" dirty="0">
+                <a:ea typeface="Calibri" panose="020F0502020204030204" pitchFamily="34" charset="0"/>
+                <a:cs typeface="Calibri" panose="020F0502020204030204" pitchFamily="34" charset="0"/>
+              </a:rPr>
+              <a:t>(Storing the filtered</a:t>
+            </a:r>
+          </a:p>
+          <a:p>
+            <a:pPr algn="ctr"/>
+            <a:r>
+              <a:rPr lang="en-IN" sz="900" dirty="0">
+                <a:ea typeface="Calibri" panose="020F0502020204030204" pitchFamily="34" charset="0"/>
+                <a:cs typeface="Calibri" panose="020F0502020204030204" pitchFamily="34" charset="0"/>
+              </a:rPr>
+              <a:t>Data and PDF report in S3)</a:t>
+            </a:r>
+          </a:p>
+        </p:txBody>
+      </p:sp>
+      <p:pic>
+        <p:nvPicPr>
+          <p:cNvPr id="118" name="Graphic 19">
+            <a:extLst>
+              <a:ext uri="{FF2B5EF4-FFF2-40B4-BE49-F238E27FC236}">
+                <a16:creationId xmlns:a16="http://schemas.microsoft.com/office/drawing/2014/main" id="{E3354B27-4935-196B-E7E5-DA42D585FFAC}"/>
+              </a:ext>
+            </a:extLst>
+          </p:cNvPr>
+          <p:cNvPicPr>
+            <a:picLocks noChangeAspect="1" noChangeArrowheads="1"/>
+          </p:cNvPicPr>
+          <p:nvPr/>
+        </p:nvPicPr>
+        <p:blipFill>
+          <a:blip r:embed="rId11" cstate="print"/>
+          <a:srcRect/>
+          <a:stretch/>
+        </p:blipFill>
+        <p:spPr bwMode="auto">
+          <a:xfrm>
+            <a:off x="3071822" y="3088249"/>
+            <a:ext cx="456888" cy="456888"/>
+          </a:xfrm>
+          <a:prstGeom prst="rect">
+            <a:avLst/>
+          </a:prstGeom>
+          <a:noFill/>
+          <a:ln>
+            <a:noFill/>
+          </a:ln>
+          <a:extLst>
+            <a:ext uri="{909E8E84-426E-40DD-AFC4-6F175D3DCCD1}">
+              <a14:hiddenFill xmlns:a14="http://schemas.microsoft.com/office/drawing/2010/main">
+                <a:solidFill>
+                  <a:srgbClr val="FFFFFF"/>
+                </a:solidFill>
+              </a14:hiddenFill>
+            </a:ext>
+            <a:ext uri="{91240B29-F687-4F45-9708-019B960494DF}">
+              <a14:hiddenLine xmlns:a14="http://schemas.microsoft.com/office/drawing/2010/main" w="9525">
+                <a:solidFill>
+                  <a:srgbClr val="000000"/>
+                </a:solidFill>
+                <a:miter lim="800000"/>
+                <a:headEnd/>
+                <a:tailEnd/>
+              </a14:hiddenLine>
+            </a:ext>
+          </a:extLst>
+        </p:spPr>
+      </p:pic>
+      <p:sp>
+        <p:nvSpPr>
+          <p:cNvPr id="119" name="TextBox 161">
+            <a:extLst>
+              <a:ext uri="{FF2B5EF4-FFF2-40B4-BE49-F238E27FC236}">
+                <a16:creationId xmlns:a16="http://schemas.microsoft.com/office/drawing/2014/main" id="{5FCDBAE2-F3E0-1640-C566-4D659AC3BFB3}"/>
+              </a:ext>
+            </a:extLst>
+          </p:cNvPr>
+          <p:cNvSpPr txBox="1"/>
+          <p:nvPr/>
+        </p:nvSpPr>
+        <p:spPr>
+          <a:xfrm>
+            <a:off x="2772509" y="3511739"/>
+            <a:ext cx="1027513" cy="643253"/>
+          </a:xfrm>
+          <a:prstGeom prst="rect">
+            <a:avLst/>
+          </a:prstGeom>
+          <a:noFill/>
+        </p:spPr>
+        <p:txBody>
+          <a:bodyPr wrap="square" rtlCol="0">
+            <a:spAutoFit/>
+          </a:bodyPr>
+          <a:lstStyle>
+            <a:defPPr>
+              <a:defRPr lang="en-US"/>
+            </a:defPPr>
+            <a:lvl1pPr marL="0" algn="l" defTabSz="914400" rtl="0" eaLnBrk="1" latinLnBrk="0" hangingPunct="1">
+              <a:defRPr sz="1800" kern="1200">
+                <a:solidFill>
+                  <a:schemeClr val="tx1"/>
+                </a:solidFill>
+                <a:latin typeface="+mn-lt"/>
+                <a:ea typeface="+mn-ea"/>
+                <a:cs typeface="+mn-cs"/>
+              </a:defRPr>
+            </a:lvl1pPr>
+            <a:lvl2pPr marL="457200" algn="l" defTabSz="914400" rtl="0" eaLnBrk="1" latinLnBrk="0" hangingPunct="1">
+              <a:defRPr sz="1800" kern="1200">
+                <a:solidFill>
+                  <a:schemeClr val="tx1"/>
+                </a:solidFill>
+                <a:latin typeface="+mn-lt"/>
+                <a:ea typeface="+mn-ea"/>
+                <a:cs typeface="+mn-cs"/>
+              </a:defRPr>
+            </a:lvl2pPr>
+            <a:lvl3pPr marL="914400" algn="l" defTabSz="914400" rtl="0" eaLnBrk="1" latinLnBrk="0" hangingPunct="1">
+              <a:defRPr sz="1800" kern="1200">
+                <a:solidFill>
+                  <a:schemeClr val="tx1"/>
+                </a:solidFill>
+                <a:latin typeface="+mn-lt"/>
+                <a:ea typeface="+mn-ea"/>
+                <a:cs typeface="+mn-cs"/>
+              </a:defRPr>
+            </a:lvl3pPr>
+            <a:lvl4pPr marL="1371600" algn="l" defTabSz="914400" rtl="0" eaLnBrk="1" latinLnBrk="0" hangingPunct="1">
+              <a:defRPr sz="1800" kern="1200">
+                <a:solidFill>
+                  <a:schemeClr val="tx1"/>
+                </a:solidFill>
+                <a:latin typeface="+mn-lt"/>
+                <a:ea typeface="+mn-ea"/>
+                <a:cs typeface="+mn-cs"/>
+              </a:defRPr>
+            </a:lvl4pPr>
+            <a:lvl5pPr marL="1828800" algn="l" defTabSz="914400" rtl="0" eaLnBrk="1" latinLnBrk="0" hangingPunct="1">
+              <a:defRPr sz="1800" kern="1200">
+                <a:solidFill>
+                  <a:schemeClr val="tx1"/>
+                </a:solidFill>
+                <a:latin typeface="+mn-lt"/>
+                <a:ea typeface="+mn-ea"/>
+                <a:cs typeface="+mn-cs"/>
+              </a:defRPr>
+            </a:lvl5pPr>
+            <a:lvl6pPr marL="2286000" algn="l" defTabSz="914400" rtl="0" eaLnBrk="1" latinLnBrk="0" hangingPunct="1">
+              <a:defRPr sz="1800" kern="1200">
+                <a:solidFill>
+                  <a:schemeClr val="tx1"/>
+                </a:solidFill>
+                <a:latin typeface="+mn-lt"/>
+                <a:ea typeface="+mn-ea"/>
+                <a:cs typeface="+mn-cs"/>
+              </a:defRPr>
+            </a:lvl6pPr>
+            <a:lvl7pPr marL="2743200" algn="l" defTabSz="914400" rtl="0" eaLnBrk="1" latinLnBrk="0" hangingPunct="1">
+              <a:defRPr sz="1800" kern="1200">
+                <a:solidFill>
+                  <a:schemeClr val="tx1"/>
+                </a:solidFill>
+                <a:latin typeface="+mn-lt"/>
+                <a:ea typeface="+mn-ea"/>
+                <a:cs typeface="+mn-cs"/>
+              </a:defRPr>
+            </a:lvl7pPr>
+            <a:lvl8pPr marL="3200400" algn="l" defTabSz="914400" rtl="0" eaLnBrk="1" latinLnBrk="0" hangingPunct="1">
+              <a:defRPr sz="1800" kern="1200">
+                <a:solidFill>
+                  <a:schemeClr val="tx1"/>
+                </a:solidFill>
+                <a:latin typeface="+mn-lt"/>
+                <a:ea typeface="+mn-ea"/>
+                <a:cs typeface="+mn-cs"/>
+              </a:defRPr>
+            </a:lvl8pPr>
+            <a:lvl9pPr marL="3657600" algn="l" defTabSz="914400" rtl="0" eaLnBrk="1" latinLnBrk="0" hangingPunct="1">
+              <a:defRPr sz="1800" kern="1200">
+                <a:solidFill>
+                  <a:schemeClr val="tx1"/>
+                </a:solidFill>
+                <a:latin typeface="+mn-lt"/>
+                <a:ea typeface="+mn-ea"/>
+                <a:cs typeface="+mn-cs"/>
+              </a:defRPr>
+            </a:lvl9pPr>
+          </a:lstStyle>
+          <a:p>
+            <a:pPr algn="ctr"/>
+            <a:r>
+              <a:rPr lang="en-IN" sz="900" b="1" dirty="0"/>
+              <a:t>Event bridge</a:t>
+            </a:r>
+          </a:p>
+          <a:p>
+            <a:pPr algn="ctr"/>
+            <a:r>
+              <a:rPr lang="en-IN" sz="900" dirty="0"/>
+              <a:t>(To trigger the scheduled lambda ) </a:t>
+            </a:r>
+          </a:p>
+        </p:txBody>
+      </p:sp>
+      <p:pic>
+        <p:nvPicPr>
+          <p:cNvPr id="123" name="Graphic 19">
+            <a:extLst>
+              <a:ext uri="{FF2B5EF4-FFF2-40B4-BE49-F238E27FC236}">
+                <a16:creationId xmlns:a16="http://schemas.microsoft.com/office/drawing/2014/main" id="{FD0792F7-0E0E-C803-08A3-79639A3440BD}"/>
+              </a:ext>
+            </a:extLst>
+          </p:cNvPr>
+          <p:cNvPicPr>
+            <a:picLocks noChangeAspect="1" noChangeArrowheads="1"/>
+          </p:cNvPicPr>
+          <p:nvPr/>
+        </p:nvPicPr>
+        <p:blipFill>
+          <a:blip r:embed="rId11" cstate="print"/>
+          <a:srcRect/>
+          <a:stretch/>
+        </p:blipFill>
+        <p:spPr bwMode="auto">
+          <a:xfrm>
+            <a:off x="9333241" y="5318303"/>
+            <a:ext cx="456888" cy="456888"/>
+          </a:xfrm>
+          <a:prstGeom prst="rect">
+            <a:avLst/>
+          </a:prstGeom>
+          <a:noFill/>
+          <a:ln>
+            <a:noFill/>
+          </a:ln>
+          <a:extLst>
+            <a:ext uri="{909E8E84-426E-40DD-AFC4-6F175D3DCCD1}">
+              <a14:hiddenFill xmlns:a14="http://schemas.microsoft.com/office/drawing/2010/main">
+                <a:solidFill>
+                  <a:srgbClr val="FFFFFF"/>
+                </a:solidFill>
+              </a14:hiddenFill>
+            </a:ext>
+            <a:ext uri="{91240B29-F687-4F45-9708-019B960494DF}">
+              <a14:hiddenLine xmlns:a14="http://schemas.microsoft.com/office/drawing/2010/main" w="9525">
+                <a:solidFill>
+                  <a:srgbClr val="000000"/>
+                </a:solidFill>
+                <a:miter lim="800000"/>
+                <a:headEnd/>
+                <a:tailEnd/>
+              </a14:hiddenLine>
+            </a:ext>
+          </a:extLst>
+        </p:spPr>
+      </p:pic>
+      <p:sp>
+        <p:nvSpPr>
+          <p:cNvPr id="124" name="TextBox 161">
+            <a:extLst>
+              <a:ext uri="{FF2B5EF4-FFF2-40B4-BE49-F238E27FC236}">
+                <a16:creationId xmlns:a16="http://schemas.microsoft.com/office/drawing/2014/main" id="{E014F273-5CF5-8CBF-7B63-6B1A7B587E65}"/>
+              </a:ext>
+            </a:extLst>
+          </p:cNvPr>
+          <p:cNvSpPr txBox="1"/>
+          <p:nvPr/>
+        </p:nvSpPr>
+        <p:spPr>
+          <a:xfrm>
+            <a:off x="8805352" y="5743670"/>
+            <a:ext cx="1538126" cy="507831"/>
+          </a:xfrm>
+          <a:prstGeom prst="rect">
+            <a:avLst/>
+          </a:prstGeom>
+          <a:noFill/>
+        </p:spPr>
+        <p:txBody>
+          <a:bodyPr wrap="square" rtlCol="0">
+            <a:spAutoFit/>
+          </a:bodyPr>
+          <a:lstStyle>
+            <a:defPPr>
+              <a:defRPr lang="en-US"/>
+            </a:defPPr>
+            <a:lvl1pPr marL="0" algn="l" defTabSz="914400" rtl="0" eaLnBrk="1" latinLnBrk="0" hangingPunct="1">
+              <a:defRPr sz="1800" kern="1200">
+                <a:solidFill>
+                  <a:schemeClr val="tx1"/>
+                </a:solidFill>
+                <a:latin typeface="+mn-lt"/>
+                <a:ea typeface="+mn-ea"/>
+                <a:cs typeface="+mn-cs"/>
+              </a:defRPr>
+            </a:lvl1pPr>
+            <a:lvl2pPr marL="457200" algn="l" defTabSz="914400" rtl="0" eaLnBrk="1" latinLnBrk="0" hangingPunct="1">
+              <a:defRPr sz="1800" kern="1200">
+                <a:solidFill>
+                  <a:schemeClr val="tx1"/>
+                </a:solidFill>
+                <a:latin typeface="+mn-lt"/>
+                <a:ea typeface="+mn-ea"/>
+                <a:cs typeface="+mn-cs"/>
+              </a:defRPr>
+            </a:lvl2pPr>
+            <a:lvl3pPr marL="914400" algn="l" defTabSz="914400" rtl="0" eaLnBrk="1" latinLnBrk="0" hangingPunct="1">
+              <a:defRPr sz="1800" kern="1200">
+                <a:solidFill>
+                  <a:schemeClr val="tx1"/>
+                </a:solidFill>
+                <a:latin typeface="+mn-lt"/>
+                <a:ea typeface="+mn-ea"/>
+                <a:cs typeface="+mn-cs"/>
+              </a:defRPr>
+            </a:lvl3pPr>
+            <a:lvl4pPr marL="1371600" algn="l" defTabSz="914400" rtl="0" eaLnBrk="1" latinLnBrk="0" hangingPunct="1">
+              <a:defRPr sz="1800" kern="1200">
+                <a:solidFill>
+                  <a:schemeClr val="tx1"/>
+                </a:solidFill>
+                <a:latin typeface="+mn-lt"/>
+                <a:ea typeface="+mn-ea"/>
+                <a:cs typeface="+mn-cs"/>
+              </a:defRPr>
+            </a:lvl4pPr>
+            <a:lvl5pPr marL="1828800" algn="l" defTabSz="914400" rtl="0" eaLnBrk="1" latinLnBrk="0" hangingPunct="1">
+              <a:defRPr sz="1800" kern="1200">
+                <a:solidFill>
+                  <a:schemeClr val="tx1"/>
+                </a:solidFill>
+                <a:latin typeface="+mn-lt"/>
+                <a:ea typeface="+mn-ea"/>
+                <a:cs typeface="+mn-cs"/>
+              </a:defRPr>
+            </a:lvl5pPr>
+            <a:lvl6pPr marL="2286000" algn="l" defTabSz="914400" rtl="0" eaLnBrk="1" latinLnBrk="0" hangingPunct="1">
+              <a:defRPr sz="1800" kern="1200">
+                <a:solidFill>
+                  <a:schemeClr val="tx1"/>
+                </a:solidFill>
+                <a:latin typeface="+mn-lt"/>
+                <a:ea typeface="+mn-ea"/>
+                <a:cs typeface="+mn-cs"/>
+              </a:defRPr>
+            </a:lvl6pPr>
+            <a:lvl7pPr marL="2743200" algn="l" defTabSz="914400" rtl="0" eaLnBrk="1" latinLnBrk="0" hangingPunct="1">
+              <a:defRPr sz="1800" kern="1200">
+                <a:solidFill>
+                  <a:schemeClr val="tx1"/>
+                </a:solidFill>
+                <a:latin typeface="+mn-lt"/>
+                <a:ea typeface="+mn-ea"/>
+                <a:cs typeface="+mn-cs"/>
+              </a:defRPr>
+            </a:lvl7pPr>
+            <a:lvl8pPr marL="3200400" algn="l" defTabSz="914400" rtl="0" eaLnBrk="1" latinLnBrk="0" hangingPunct="1">
+              <a:defRPr sz="1800" kern="1200">
+                <a:solidFill>
+                  <a:schemeClr val="tx1"/>
+                </a:solidFill>
+                <a:latin typeface="+mn-lt"/>
+                <a:ea typeface="+mn-ea"/>
+                <a:cs typeface="+mn-cs"/>
+              </a:defRPr>
+            </a:lvl8pPr>
+            <a:lvl9pPr marL="3657600" algn="l" defTabSz="914400" rtl="0" eaLnBrk="1" latinLnBrk="0" hangingPunct="1">
+              <a:defRPr sz="1800" kern="1200">
+                <a:solidFill>
+                  <a:schemeClr val="tx1"/>
+                </a:solidFill>
+                <a:latin typeface="+mn-lt"/>
+                <a:ea typeface="+mn-ea"/>
+                <a:cs typeface="+mn-cs"/>
+              </a:defRPr>
+            </a:lvl9pPr>
+          </a:lstStyle>
+          <a:p>
+            <a:pPr algn="ctr"/>
+            <a:r>
+              <a:rPr lang="en-IN" sz="900" b="1" dirty="0"/>
+              <a:t>Event bridge</a:t>
+            </a:r>
+          </a:p>
+          <a:p>
+            <a:pPr algn="ctr"/>
+            <a:r>
+              <a:rPr lang="en-IN" sz="900" dirty="0"/>
+              <a:t>(To trigger the scheduled lambda ) </a:t>
+            </a:r>
+          </a:p>
+        </p:txBody>
+      </p:sp>
+      <p:pic>
+        <p:nvPicPr>
+          <p:cNvPr id="125" name="Graphic 18">
+            <a:extLst>
+              <a:ext uri="{FF2B5EF4-FFF2-40B4-BE49-F238E27FC236}">
+                <a16:creationId xmlns:a16="http://schemas.microsoft.com/office/drawing/2014/main" id="{983CDB49-C2CA-9BC2-0C1F-5ED6766181A6}"/>
+              </a:ext>
+            </a:extLst>
+          </p:cNvPr>
+          <p:cNvPicPr>
+            <a:picLocks noChangeAspect="1" noChangeArrowheads="1"/>
+          </p:cNvPicPr>
+          <p:nvPr/>
+        </p:nvPicPr>
+        <p:blipFill>
+          <a:blip r:embed="rId12" cstate="print"/>
+          <a:srcRect/>
+          <a:stretch/>
+        </p:blipFill>
+        <p:spPr bwMode="auto">
+          <a:xfrm>
+            <a:off x="9735799" y="2449390"/>
+            <a:ext cx="607679" cy="607679"/>
+          </a:xfrm>
+          <a:prstGeom prst="rect">
+            <a:avLst/>
+          </a:prstGeom>
+          <a:noFill/>
+          <a:ln>
+            <a:noFill/>
+          </a:ln>
+          <a:extLst>
+            <a:ext uri="{909E8E84-426E-40DD-AFC4-6F175D3DCCD1}">
+              <a14:hiddenFill xmlns:a14="http://schemas.microsoft.com/office/drawing/2010/main">
+                <a:solidFill>
+                  <a:srgbClr val="FFFFFF"/>
+                </a:solidFill>
+              </a14:hiddenFill>
+            </a:ext>
+            <a:ext uri="{91240B29-F687-4F45-9708-019B960494DF}">
+              <a14:hiddenLine xmlns:a14="http://schemas.microsoft.com/office/drawing/2010/main" w="9525">
+                <a:solidFill>
+                  <a:srgbClr val="000000"/>
+                </a:solidFill>
+                <a:miter lim="800000"/>
+                <a:headEnd/>
+                <a:tailEnd/>
+              </a14:hiddenLine>
+            </a:ext>
+          </a:extLst>
+        </p:spPr>
+      </p:pic>
+      <p:sp>
+        <p:nvSpPr>
+          <p:cNvPr id="126" name="TextBox 144">
+            <a:extLst>
+              <a:ext uri="{FF2B5EF4-FFF2-40B4-BE49-F238E27FC236}">
+                <a16:creationId xmlns:a16="http://schemas.microsoft.com/office/drawing/2014/main" id="{FC2E582C-29C8-5AD2-BE9A-8C297B65B916}"/>
+              </a:ext>
+            </a:extLst>
+          </p:cNvPr>
+          <p:cNvSpPr txBox="1"/>
+          <p:nvPr/>
+        </p:nvSpPr>
+        <p:spPr>
+          <a:xfrm>
+            <a:off x="9461368" y="3071421"/>
+            <a:ext cx="1193897" cy="507832"/>
+          </a:xfrm>
+          <a:prstGeom prst="rect">
+            <a:avLst/>
+          </a:prstGeom>
+          <a:noFill/>
+        </p:spPr>
+        <p:txBody>
+          <a:bodyPr wrap="square" rtlCol="0">
+            <a:spAutoFit/>
+          </a:bodyPr>
+          <a:lstStyle>
+            <a:defPPr>
+              <a:defRPr lang="en-US"/>
+            </a:defPPr>
+            <a:lvl1pPr marL="0" algn="l" defTabSz="914400" rtl="0" eaLnBrk="1" latinLnBrk="0" hangingPunct="1">
+              <a:defRPr sz="1800" kern="1200">
+                <a:solidFill>
+                  <a:schemeClr val="tx1"/>
+                </a:solidFill>
+                <a:latin typeface="+mn-lt"/>
+                <a:ea typeface="+mn-ea"/>
+                <a:cs typeface="+mn-cs"/>
+              </a:defRPr>
+            </a:lvl1pPr>
+            <a:lvl2pPr marL="457200" algn="l" defTabSz="914400" rtl="0" eaLnBrk="1" latinLnBrk="0" hangingPunct="1">
+              <a:defRPr sz="1800" kern="1200">
+                <a:solidFill>
+                  <a:schemeClr val="tx1"/>
+                </a:solidFill>
+                <a:latin typeface="+mn-lt"/>
+                <a:ea typeface="+mn-ea"/>
+                <a:cs typeface="+mn-cs"/>
+              </a:defRPr>
+            </a:lvl2pPr>
+            <a:lvl3pPr marL="914400" algn="l" defTabSz="914400" rtl="0" eaLnBrk="1" latinLnBrk="0" hangingPunct="1">
+              <a:defRPr sz="1800" kern="1200">
+                <a:solidFill>
+                  <a:schemeClr val="tx1"/>
+                </a:solidFill>
+                <a:latin typeface="+mn-lt"/>
+                <a:ea typeface="+mn-ea"/>
+                <a:cs typeface="+mn-cs"/>
+              </a:defRPr>
+            </a:lvl3pPr>
+            <a:lvl4pPr marL="1371600" algn="l" defTabSz="914400" rtl="0" eaLnBrk="1" latinLnBrk="0" hangingPunct="1">
+              <a:defRPr sz="1800" kern="1200">
+                <a:solidFill>
+                  <a:schemeClr val="tx1"/>
+                </a:solidFill>
+                <a:latin typeface="+mn-lt"/>
+                <a:ea typeface="+mn-ea"/>
+                <a:cs typeface="+mn-cs"/>
+              </a:defRPr>
+            </a:lvl4pPr>
+            <a:lvl5pPr marL="1828800" algn="l" defTabSz="914400" rtl="0" eaLnBrk="1" latinLnBrk="0" hangingPunct="1">
+              <a:defRPr sz="1800" kern="1200">
+                <a:solidFill>
+                  <a:schemeClr val="tx1"/>
+                </a:solidFill>
+                <a:latin typeface="+mn-lt"/>
+                <a:ea typeface="+mn-ea"/>
+                <a:cs typeface="+mn-cs"/>
+              </a:defRPr>
+            </a:lvl5pPr>
+            <a:lvl6pPr marL="2286000" algn="l" defTabSz="914400" rtl="0" eaLnBrk="1" latinLnBrk="0" hangingPunct="1">
+              <a:defRPr sz="1800" kern="1200">
+                <a:solidFill>
+                  <a:schemeClr val="tx1"/>
+                </a:solidFill>
+                <a:latin typeface="+mn-lt"/>
+                <a:ea typeface="+mn-ea"/>
+                <a:cs typeface="+mn-cs"/>
+              </a:defRPr>
+            </a:lvl6pPr>
+            <a:lvl7pPr marL="2743200" algn="l" defTabSz="914400" rtl="0" eaLnBrk="1" latinLnBrk="0" hangingPunct="1">
+              <a:defRPr sz="1800" kern="1200">
+                <a:solidFill>
+                  <a:schemeClr val="tx1"/>
+                </a:solidFill>
+                <a:latin typeface="+mn-lt"/>
+                <a:ea typeface="+mn-ea"/>
+                <a:cs typeface="+mn-cs"/>
+              </a:defRPr>
+            </a:lvl7pPr>
+            <a:lvl8pPr marL="3200400" algn="l" defTabSz="914400" rtl="0" eaLnBrk="1" latinLnBrk="0" hangingPunct="1">
+              <a:defRPr sz="1800" kern="1200">
+                <a:solidFill>
+                  <a:schemeClr val="tx1"/>
+                </a:solidFill>
+                <a:latin typeface="+mn-lt"/>
+                <a:ea typeface="+mn-ea"/>
+                <a:cs typeface="+mn-cs"/>
+              </a:defRPr>
+            </a:lvl8pPr>
+            <a:lvl9pPr marL="3657600" algn="l" defTabSz="914400" rtl="0" eaLnBrk="1" latinLnBrk="0" hangingPunct="1">
+              <a:defRPr sz="1800" kern="1200">
+                <a:solidFill>
+                  <a:schemeClr val="tx1"/>
+                </a:solidFill>
+                <a:latin typeface="+mn-lt"/>
+                <a:ea typeface="+mn-ea"/>
+                <a:cs typeface="+mn-cs"/>
+              </a:defRPr>
+            </a:lvl9pPr>
+          </a:lstStyle>
+          <a:p>
+            <a:pPr algn="ctr"/>
+            <a:r>
+              <a:rPr lang="en-IN" sz="900" b="1" dirty="0">
+                <a:ea typeface="Calibri" panose="020F0502020204030204" pitchFamily="34" charset="0"/>
+                <a:cs typeface="Calibri" panose="020F0502020204030204" pitchFamily="34" charset="0"/>
+              </a:rPr>
+              <a:t>SES</a:t>
+            </a:r>
+          </a:p>
+          <a:p>
+            <a:pPr algn="ctr"/>
+            <a:r>
+              <a:rPr lang="en-IN" sz="900" dirty="0">
+                <a:ea typeface="Calibri" panose="020F0502020204030204" pitchFamily="34" charset="0"/>
+                <a:cs typeface="Calibri" panose="020F0502020204030204" pitchFamily="34" charset="0"/>
+              </a:rPr>
+              <a:t>     (To send mail to Client)</a:t>
+            </a:r>
+          </a:p>
+        </p:txBody>
+      </p:sp>
+      <p:cxnSp>
+        <p:nvCxnSpPr>
+          <p:cNvPr id="130" name="Straight Arrow Connector 129">
+            <a:extLst>
+              <a:ext uri="{FF2B5EF4-FFF2-40B4-BE49-F238E27FC236}">
+                <a16:creationId xmlns:a16="http://schemas.microsoft.com/office/drawing/2014/main" id="{E48CCDAE-4E65-68C4-5575-496B89A1E5D0}"/>
+              </a:ext>
+            </a:extLst>
+          </p:cNvPr>
+          <p:cNvCxnSpPr>
+            <a:cxnSpLocks/>
+            <a:stCxn id="123" idx="1"/>
+            <a:endCxn id="2" idx="3"/>
+          </p:cNvCxnSpPr>
+          <p:nvPr/>
+        </p:nvCxnSpPr>
+        <p:spPr>
+          <a:xfrm flipH="1">
+            <a:off x="8280011" y="5546747"/>
+            <a:ext cx="1053230" cy="2833"/>
+          </a:xfrm>
+          <a:prstGeom prst="straightConnector1">
+            <a:avLst/>
+          </a:prstGeom>
+          <a:ln>
+            <a:tailEnd type="triangle"/>
+          </a:ln>
+        </p:spPr>
+        <p:style>
+          <a:lnRef idx="1">
+            <a:schemeClr val="accent1"/>
+          </a:lnRef>
+          <a:fillRef idx="0">
+            <a:schemeClr val="accent1"/>
+          </a:fillRef>
+          <a:effectRef idx="0">
+            <a:schemeClr val="accent1"/>
+          </a:effectRef>
+          <a:fontRef idx="minor">
+            <a:schemeClr val="tx1"/>
+          </a:fontRef>
+        </p:style>
+      </p:cxnSp>
+      <p:pic>
+        <p:nvPicPr>
+          <p:cNvPr id="133" name="Picture 2" descr="Zip file - Free interface icons">
+            <a:extLst>
+              <a:ext uri="{FF2B5EF4-FFF2-40B4-BE49-F238E27FC236}">
+                <a16:creationId xmlns:a16="http://schemas.microsoft.com/office/drawing/2014/main" id="{B83F0A04-F1A7-B1B2-E8CA-39FFB68F9E4B}"/>
+              </a:ext>
+            </a:extLst>
+          </p:cNvPr>
+          <p:cNvPicPr>
+            <a:picLocks noChangeAspect="1" noChangeArrowheads="1"/>
+          </p:cNvPicPr>
+          <p:nvPr/>
+        </p:nvPicPr>
+        <p:blipFill>
+          <a:blip r:embed="rId13">
+            <a:extLst>
+              <a:ext uri="{28A0092B-C50C-407E-A947-70E740481C1C}">
+                <a14:useLocalDpi xmlns:a14="http://schemas.microsoft.com/office/drawing/2010/main" val="0"/>
+              </a:ext>
+            </a:extLst>
+          </a:blip>
+          <a:srcRect/>
+          <a:stretch>
+            <a:fillRect/>
+          </a:stretch>
+        </p:blipFill>
+        <p:spPr bwMode="auto">
+          <a:xfrm>
+            <a:off x="186898" y="4067358"/>
+            <a:ext cx="461882" cy="461882"/>
+          </a:xfrm>
+          <a:prstGeom prst="rect">
+            <a:avLst/>
+          </a:prstGeom>
+          <a:noFill/>
+          <a:extLst>
+            <a:ext uri="{909E8E84-426E-40DD-AFC4-6F175D3DCCD1}">
+              <a14:hiddenFill xmlns:a14="http://schemas.microsoft.com/office/drawing/2010/main">
+                <a:solidFill>
+                  <a:srgbClr val="FFFFFF"/>
+                </a:solidFill>
+              </a14:hiddenFill>
+            </a:ext>
+          </a:extLst>
+        </p:spPr>
+      </p:pic>
+      <p:sp>
+        <p:nvSpPr>
+          <p:cNvPr id="134" name="TextBox 119">
+            <a:extLst>
+              <a:ext uri="{FF2B5EF4-FFF2-40B4-BE49-F238E27FC236}">
+                <a16:creationId xmlns:a16="http://schemas.microsoft.com/office/drawing/2014/main" id="{0F71694B-19B5-C509-8FE9-7ED719D84622}"/>
+              </a:ext>
+            </a:extLst>
+          </p:cNvPr>
+          <p:cNvSpPr txBox="1"/>
+          <p:nvPr/>
+        </p:nvSpPr>
+        <p:spPr>
+          <a:xfrm>
+            <a:off x="99888" y="4507783"/>
+            <a:ext cx="1159371" cy="236988"/>
+          </a:xfrm>
+          <a:prstGeom prst="rect">
+            <a:avLst/>
+          </a:prstGeom>
+          <a:noFill/>
+        </p:spPr>
+        <p:txBody>
+          <a:bodyPr wrap="square" rtlCol="0">
+            <a:spAutoFit/>
+          </a:bodyPr>
+          <a:lstStyle>
+            <a:defPPr>
+              <a:defRPr lang="en-US"/>
+            </a:defPPr>
+            <a:lvl1pPr marL="0" algn="l" defTabSz="914400" rtl="0" eaLnBrk="1" latinLnBrk="0" hangingPunct="1">
+              <a:defRPr sz="1800" kern="1200">
+                <a:solidFill>
+                  <a:schemeClr val="tx1"/>
+                </a:solidFill>
+                <a:latin typeface="+mn-lt"/>
+                <a:ea typeface="+mn-ea"/>
+                <a:cs typeface="+mn-cs"/>
+              </a:defRPr>
+            </a:lvl1pPr>
+            <a:lvl2pPr marL="457200" algn="l" defTabSz="914400" rtl="0" eaLnBrk="1" latinLnBrk="0" hangingPunct="1">
+              <a:defRPr sz="1800" kern="1200">
+                <a:solidFill>
+                  <a:schemeClr val="tx1"/>
+                </a:solidFill>
+                <a:latin typeface="+mn-lt"/>
+                <a:ea typeface="+mn-ea"/>
+                <a:cs typeface="+mn-cs"/>
+              </a:defRPr>
+            </a:lvl2pPr>
+            <a:lvl3pPr marL="914400" algn="l" defTabSz="914400" rtl="0" eaLnBrk="1" latinLnBrk="0" hangingPunct="1">
+              <a:defRPr sz="1800" kern="1200">
+                <a:solidFill>
+                  <a:schemeClr val="tx1"/>
+                </a:solidFill>
+                <a:latin typeface="+mn-lt"/>
+                <a:ea typeface="+mn-ea"/>
+                <a:cs typeface="+mn-cs"/>
+              </a:defRPr>
+            </a:lvl3pPr>
+            <a:lvl4pPr marL="1371600" algn="l" defTabSz="914400" rtl="0" eaLnBrk="1" latinLnBrk="0" hangingPunct="1">
+              <a:defRPr sz="1800" kern="1200">
+                <a:solidFill>
+                  <a:schemeClr val="tx1"/>
+                </a:solidFill>
+                <a:latin typeface="+mn-lt"/>
+                <a:ea typeface="+mn-ea"/>
+                <a:cs typeface="+mn-cs"/>
+              </a:defRPr>
+            </a:lvl4pPr>
+            <a:lvl5pPr marL="1828800" algn="l" defTabSz="914400" rtl="0" eaLnBrk="1" latinLnBrk="0" hangingPunct="1">
+              <a:defRPr sz="1800" kern="1200">
+                <a:solidFill>
+                  <a:schemeClr val="tx1"/>
+                </a:solidFill>
+                <a:latin typeface="+mn-lt"/>
+                <a:ea typeface="+mn-ea"/>
+                <a:cs typeface="+mn-cs"/>
+              </a:defRPr>
+            </a:lvl5pPr>
+            <a:lvl6pPr marL="2286000" algn="l" defTabSz="914400" rtl="0" eaLnBrk="1" latinLnBrk="0" hangingPunct="1">
+              <a:defRPr sz="1800" kern="1200">
+                <a:solidFill>
+                  <a:schemeClr val="tx1"/>
+                </a:solidFill>
+                <a:latin typeface="+mn-lt"/>
+                <a:ea typeface="+mn-ea"/>
+                <a:cs typeface="+mn-cs"/>
+              </a:defRPr>
+            </a:lvl6pPr>
+            <a:lvl7pPr marL="2743200" algn="l" defTabSz="914400" rtl="0" eaLnBrk="1" latinLnBrk="0" hangingPunct="1">
+              <a:defRPr sz="1800" kern="1200">
+                <a:solidFill>
+                  <a:schemeClr val="tx1"/>
+                </a:solidFill>
+                <a:latin typeface="+mn-lt"/>
+                <a:ea typeface="+mn-ea"/>
+                <a:cs typeface="+mn-cs"/>
+              </a:defRPr>
+            </a:lvl7pPr>
+            <a:lvl8pPr marL="3200400" algn="l" defTabSz="914400" rtl="0" eaLnBrk="1" latinLnBrk="0" hangingPunct="1">
+              <a:defRPr sz="1800" kern="1200">
+                <a:solidFill>
+                  <a:schemeClr val="tx1"/>
+                </a:solidFill>
+                <a:latin typeface="+mn-lt"/>
+                <a:ea typeface="+mn-ea"/>
+                <a:cs typeface="+mn-cs"/>
+              </a:defRPr>
+            </a:lvl8pPr>
+            <a:lvl9pPr marL="3657600" algn="l" defTabSz="914400" rtl="0" eaLnBrk="1" latinLnBrk="0" hangingPunct="1">
+              <a:defRPr sz="1800" kern="1200">
+                <a:solidFill>
+                  <a:schemeClr val="tx1"/>
+                </a:solidFill>
+                <a:latin typeface="+mn-lt"/>
+                <a:ea typeface="+mn-ea"/>
+                <a:cs typeface="+mn-cs"/>
+              </a:defRPr>
+            </a:lvl9pPr>
+          </a:lstStyle>
+          <a:p>
+            <a:r>
+              <a:rPr lang="en-IN" sz="900" dirty="0">
+                <a:ea typeface="Calibri" panose="020F0502020204030204" pitchFamily="34" charset="0"/>
+                <a:cs typeface="Calibri" panose="020F0502020204030204" pitchFamily="34" charset="0"/>
+              </a:rPr>
+              <a:t>Source data</a:t>
+            </a:r>
+          </a:p>
+        </p:txBody>
+      </p:sp>
+      <p:cxnSp>
+        <p:nvCxnSpPr>
+          <p:cNvPr id="135" name="Straight Arrow Connector 134">
+            <a:extLst>
+              <a:ext uri="{FF2B5EF4-FFF2-40B4-BE49-F238E27FC236}">
+                <a16:creationId xmlns:a16="http://schemas.microsoft.com/office/drawing/2014/main" id="{FB355E25-988C-C08F-2EFF-3B5FE61C689A}"/>
+              </a:ext>
+            </a:extLst>
+          </p:cNvPr>
+          <p:cNvCxnSpPr>
+            <a:cxnSpLocks/>
+            <a:stCxn id="133" idx="3"/>
+            <a:endCxn id="9" idx="1"/>
+          </p:cNvCxnSpPr>
+          <p:nvPr/>
+        </p:nvCxnSpPr>
+        <p:spPr>
+          <a:xfrm>
+            <a:off x="648780" y="4298299"/>
+            <a:ext cx="1053136" cy="1572"/>
+          </a:xfrm>
+          <a:prstGeom prst="straightConnector1">
+            <a:avLst/>
+          </a:prstGeom>
+          <a:ln>
+            <a:tailEnd type="triangle"/>
+          </a:ln>
+        </p:spPr>
+        <p:style>
+          <a:lnRef idx="1">
+            <a:schemeClr val="accent1"/>
+          </a:lnRef>
+          <a:fillRef idx="0">
+            <a:schemeClr val="accent1"/>
+          </a:fillRef>
+          <a:effectRef idx="0">
+            <a:schemeClr val="accent1"/>
+          </a:effectRef>
+          <a:fontRef idx="minor">
+            <a:schemeClr val="tx1"/>
+          </a:fontRef>
+        </p:style>
+      </p:cxnSp>
+      <p:cxnSp>
+        <p:nvCxnSpPr>
+          <p:cNvPr id="138" name="Straight Arrow Connector 137">
+            <a:extLst>
+              <a:ext uri="{FF2B5EF4-FFF2-40B4-BE49-F238E27FC236}">
+                <a16:creationId xmlns:a16="http://schemas.microsoft.com/office/drawing/2014/main" id="{BF43FFE6-74B7-DBAD-74B2-94AA9D5CC001}"/>
+              </a:ext>
+            </a:extLst>
+          </p:cNvPr>
+          <p:cNvCxnSpPr>
+            <a:cxnSpLocks/>
+            <a:stCxn id="125" idx="3"/>
+          </p:cNvCxnSpPr>
+          <p:nvPr/>
+        </p:nvCxnSpPr>
+        <p:spPr>
+          <a:xfrm>
+            <a:off x="10343478" y="2753230"/>
+            <a:ext cx="1217136" cy="6499"/>
+          </a:xfrm>
+          <a:prstGeom prst="straightConnector1">
+            <a:avLst/>
+          </a:prstGeom>
+          <a:ln>
+            <a:tailEnd type="triangle"/>
+          </a:ln>
+        </p:spPr>
+        <p:style>
+          <a:lnRef idx="1">
+            <a:schemeClr val="accent1"/>
+          </a:lnRef>
+          <a:fillRef idx="0">
+            <a:schemeClr val="accent1"/>
+          </a:fillRef>
+          <a:effectRef idx="0">
+            <a:schemeClr val="accent1"/>
+          </a:effectRef>
+          <a:fontRef idx="minor">
+            <a:schemeClr val="tx1"/>
+          </a:fontRef>
+        </p:style>
+      </p:cxnSp>
+      <p:sp>
+        <p:nvSpPr>
+          <p:cNvPr id="145" name="TextBox 208">
+            <a:extLst>
+              <a:ext uri="{FF2B5EF4-FFF2-40B4-BE49-F238E27FC236}">
+                <a16:creationId xmlns:a16="http://schemas.microsoft.com/office/drawing/2014/main" id="{56DF0CD6-A275-931D-DB04-0E63EECDE15F}"/>
+              </a:ext>
+            </a:extLst>
+          </p:cNvPr>
+          <p:cNvSpPr txBox="1"/>
+          <p:nvPr/>
+        </p:nvSpPr>
+        <p:spPr>
+          <a:xfrm>
+            <a:off x="3016724" y="1924494"/>
+            <a:ext cx="1544857" cy="236988"/>
+          </a:xfrm>
+          <a:prstGeom prst="rect">
+            <a:avLst/>
+          </a:prstGeom>
+          <a:noFill/>
+        </p:spPr>
+        <p:txBody>
+          <a:bodyPr wrap="square" rtlCol="0">
+            <a:spAutoFit/>
+          </a:bodyPr>
+          <a:lstStyle>
+            <a:defPPr>
+              <a:defRPr lang="en-US"/>
+            </a:defPPr>
+            <a:lvl1pPr marL="0" algn="l" defTabSz="914400" rtl="0" eaLnBrk="1" latinLnBrk="0" hangingPunct="1">
+              <a:defRPr sz="1800" kern="1200">
+                <a:solidFill>
+                  <a:schemeClr val="tx1"/>
+                </a:solidFill>
+                <a:latin typeface="+mn-lt"/>
+                <a:ea typeface="+mn-ea"/>
+                <a:cs typeface="+mn-cs"/>
+              </a:defRPr>
+            </a:lvl1pPr>
+            <a:lvl2pPr marL="457200" algn="l" defTabSz="914400" rtl="0" eaLnBrk="1" latinLnBrk="0" hangingPunct="1">
+              <a:defRPr sz="1800" kern="1200">
+                <a:solidFill>
+                  <a:schemeClr val="tx1"/>
+                </a:solidFill>
+                <a:latin typeface="+mn-lt"/>
+                <a:ea typeface="+mn-ea"/>
+                <a:cs typeface="+mn-cs"/>
+              </a:defRPr>
+            </a:lvl2pPr>
+            <a:lvl3pPr marL="914400" algn="l" defTabSz="914400" rtl="0" eaLnBrk="1" latinLnBrk="0" hangingPunct="1">
+              <a:defRPr sz="1800" kern="1200">
+                <a:solidFill>
+                  <a:schemeClr val="tx1"/>
+                </a:solidFill>
+                <a:latin typeface="+mn-lt"/>
+                <a:ea typeface="+mn-ea"/>
+                <a:cs typeface="+mn-cs"/>
+              </a:defRPr>
+            </a:lvl3pPr>
+            <a:lvl4pPr marL="1371600" algn="l" defTabSz="914400" rtl="0" eaLnBrk="1" latinLnBrk="0" hangingPunct="1">
+              <a:defRPr sz="1800" kern="1200">
+                <a:solidFill>
+                  <a:schemeClr val="tx1"/>
+                </a:solidFill>
+                <a:latin typeface="+mn-lt"/>
+                <a:ea typeface="+mn-ea"/>
+                <a:cs typeface="+mn-cs"/>
+              </a:defRPr>
+            </a:lvl4pPr>
+            <a:lvl5pPr marL="1828800" algn="l" defTabSz="914400" rtl="0" eaLnBrk="1" latinLnBrk="0" hangingPunct="1">
+              <a:defRPr sz="1800" kern="1200">
+                <a:solidFill>
+                  <a:schemeClr val="tx1"/>
+                </a:solidFill>
+                <a:latin typeface="+mn-lt"/>
+                <a:ea typeface="+mn-ea"/>
+                <a:cs typeface="+mn-cs"/>
+              </a:defRPr>
+            </a:lvl5pPr>
+            <a:lvl6pPr marL="2286000" algn="l" defTabSz="914400" rtl="0" eaLnBrk="1" latinLnBrk="0" hangingPunct="1">
+              <a:defRPr sz="1800" kern="1200">
+                <a:solidFill>
+                  <a:schemeClr val="tx1"/>
+                </a:solidFill>
+                <a:latin typeface="+mn-lt"/>
+                <a:ea typeface="+mn-ea"/>
+                <a:cs typeface="+mn-cs"/>
+              </a:defRPr>
+            </a:lvl6pPr>
+            <a:lvl7pPr marL="2743200" algn="l" defTabSz="914400" rtl="0" eaLnBrk="1" latinLnBrk="0" hangingPunct="1">
+              <a:defRPr sz="1800" kern="1200">
+                <a:solidFill>
+                  <a:schemeClr val="tx1"/>
+                </a:solidFill>
+                <a:latin typeface="+mn-lt"/>
+                <a:ea typeface="+mn-ea"/>
+                <a:cs typeface="+mn-cs"/>
+              </a:defRPr>
+            </a:lvl7pPr>
+            <a:lvl8pPr marL="3200400" algn="l" defTabSz="914400" rtl="0" eaLnBrk="1" latinLnBrk="0" hangingPunct="1">
+              <a:defRPr sz="1800" kern="1200">
+                <a:solidFill>
+                  <a:schemeClr val="tx1"/>
+                </a:solidFill>
+                <a:latin typeface="+mn-lt"/>
+                <a:ea typeface="+mn-ea"/>
+                <a:cs typeface="+mn-cs"/>
+              </a:defRPr>
+            </a:lvl8pPr>
+            <a:lvl9pPr marL="3657600" algn="l" defTabSz="914400" rtl="0" eaLnBrk="1" latinLnBrk="0" hangingPunct="1">
+              <a:defRPr sz="1800" kern="1200">
+                <a:solidFill>
+                  <a:schemeClr val="tx1"/>
+                </a:solidFill>
+                <a:latin typeface="+mn-lt"/>
+                <a:ea typeface="+mn-ea"/>
+                <a:cs typeface="+mn-cs"/>
+              </a:defRPr>
+            </a:lvl9pPr>
+          </a:lstStyle>
+          <a:p>
+            <a:r>
+              <a:rPr lang="en-IN" sz="900" b="1" dirty="0"/>
+              <a:t>FETCHING &amp; FILTERING</a:t>
+            </a:r>
+          </a:p>
+        </p:txBody>
+      </p:sp>
+      <p:sp>
+        <p:nvSpPr>
+          <p:cNvPr id="146" name="TextBox 208">
+            <a:extLst>
+              <a:ext uri="{FF2B5EF4-FFF2-40B4-BE49-F238E27FC236}">
+                <a16:creationId xmlns:a16="http://schemas.microsoft.com/office/drawing/2014/main" id="{F70C6445-EFCD-32C6-4435-6CF8ACECAAB1}"/>
+              </a:ext>
+            </a:extLst>
+          </p:cNvPr>
+          <p:cNvSpPr txBox="1"/>
+          <p:nvPr/>
+        </p:nvSpPr>
+        <p:spPr>
+          <a:xfrm>
+            <a:off x="7941611" y="2160655"/>
+            <a:ext cx="1779086" cy="230832"/>
+          </a:xfrm>
+          <a:prstGeom prst="rect">
+            <a:avLst/>
+          </a:prstGeom>
+          <a:noFill/>
+        </p:spPr>
+        <p:txBody>
+          <a:bodyPr wrap="square" rtlCol="0">
+            <a:spAutoFit/>
+          </a:bodyPr>
+          <a:lstStyle>
+            <a:defPPr>
+              <a:defRPr lang="en-US"/>
+            </a:defPPr>
+            <a:lvl1pPr marL="0" algn="l" defTabSz="914400" rtl="0" eaLnBrk="1" latinLnBrk="0" hangingPunct="1">
+              <a:defRPr sz="1800" kern="1200">
+                <a:solidFill>
+                  <a:schemeClr val="tx1"/>
+                </a:solidFill>
+                <a:latin typeface="+mn-lt"/>
+                <a:ea typeface="+mn-ea"/>
+                <a:cs typeface="+mn-cs"/>
+              </a:defRPr>
+            </a:lvl1pPr>
+            <a:lvl2pPr marL="457200" algn="l" defTabSz="914400" rtl="0" eaLnBrk="1" latinLnBrk="0" hangingPunct="1">
+              <a:defRPr sz="1800" kern="1200">
+                <a:solidFill>
+                  <a:schemeClr val="tx1"/>
+                </a:solidFill>
+                <a:latin typeface="+mn-lt"/>
+                <a:ea typeface="+mn-ea"/>
+                <a:cs typeface="+mn-cs"/>
+              </a:defRPr>
+            </a:lvl2pPr>
+            <a:lvl3pPr marL="914400" algn="l" defTabSz="914400" rtl="0" eaLnBrk="1" latinLnBrk="0" hangingPunct="1">
+              <a:defRPr sz="1800" kern="1200">
+                <a:solidFill>
+                  <a:schemeClr val="tx1"/>
+                </a:solidFill>
+                <a:latin typeface="+mn-lt"/>
+                <a:ea typeface="+mn-ea"/>
+                <a:cs typeface="+mn-cs"/>
+              </a:defRPr>
+            </a:lvl3pPr>
+            <a:lvl4pPr marL="1371600" algn="l" defTabSz="914400" rtl="0" eaLnBrk="1" latinLnBrk="0" hangingPunct="1">
+              <a:defRPr sz="1800" kern="1200">
+                <a:solidFill>
+                  <a:schemeClr val="tx1"/>
+                </a:solidFill>
+                <a:latin typeface="+mn-lt"/>
+                <a:ea typeface="+mn-ea"/>
+                <a:cs typeface="+mn-cs"/>
+              </a:defRPr>
+            </a:lvl4pPr>
+            <a:lvl5pPr marL="1828800" algn="l" defTabSz="914400" rtl="0" eaLnBrk="1" latinLnBrk="0" hangingPunct="1">
+              <a:defRPr sz="1800" kern="1200">
+                <a:solidFill>
+                  <a:schemeClr val="tx1"/>
+                </a:solidFill>
+                <a:latin typeface="+mn-lt"/>
+                <a:ea typeface="+mn-ea"/>
+                <a:cs typeface="+mn-cs"/>
+              </a:defRPr>
+            </a:lvl5pPr>
+            <a:lvl6pPr marL="2286000" algn="l" defTabSz="914400" rtl="0" eaLnBrk="1" latinLnBrk="0" hangingPunct="1">
+              <a:defRPr sz="1800" kern="1200">
+                <a:solidFill>
+                  <a:schemeClr val="tx1"/>
+                </a:solidFill>
+                <a:latin typeface="+mn-lt"/>
+                <a:ea typeface="+mn-ea"/>
+                <a:cs typeface="+mn-cs"/>
+              </a:defRPr>
+            </a:lvl6pPr>
+            <a:lvl7pPr marL="2743200" algn="l" defTabSz="914400" rtl="0" eaLnBrk="1" latinLnBrk="0" hangingPunct="1">
+              <a:defRPr sz="1800" kern="1200">
+                <a:solidFill>
+                  <a:schemeClr val="tx1"/>
+                </a:solidFill>
+                <a:latin typeface="+mn-lt"/>
+                <a:ea typeface="+mn-ea"/>
+                <a:cs typeface="+mn-cs"/>
+              </a:defRPr>
+            </a:lvl7pPr>
+            <a:lvl8pPr marL="3200400" algn="l" defTabSz="914400" rtl="0" eaLnBrk="1" latinLnBrk="0" hangingPunct="1">
+              <a:defRPr sz="1800" kern="1200">
+                <a:solidFill>
+                  <a:schemeClr val="tx1"/>
+                </a:solidFill>
+                <a:latin typeface="+mn-lt"/>
+                <a:ea typeface="+mn-ea"/>
+                <a:cs typeface="+mn-cs"/>
+              </a:defRPr>
+            </a:lvl8pPr>
+            <a:lvl9pPr marL="3657600" algn="l" defTabSz="914400" rtl="0" eaLnBrk="1" latinLnBrk="0" hangingPunct="1">
+              <a:defRPr sz="1800" kern="1200">
+                <a:solidFill>
+                  <a:schemeClr val="tx1"/>
+                </a:solidFill>
+                <a:latin typeface="+mn-lt"/>
+                <a:ea typeface="+mn-ea"/>
+                <a:cs typeface="+mn-cs"/>
+              </a:defRPr>
+            </a:lvl9pPr>
+          </a:lstStyle>
+          <a:p>
+            <a:r>
+              <a:rPr lang="en-IN" sz="900" b="1" dirty="0"/>
+              <a:t>MAIL SERVICE &amp; PDF GENRATION</a:t>
+            </a:r>
+          </a:p>
+        </p:txBody>
+      </p:sp>
+    </p:spTree>
+    <p:extLst>
+      <p:ext uri="{BB962C8B-B14F-4D97-AF65-F5344CB8AC3E}">
+        <p14:creationId xmlns:p14="http://schemas.microsoft.com/office/powerpoint/2010/main" val="583401255"/>
+      </p:ext>
+    </p:extLst>
+  </p:cSld>
+  <p:clrMapOvr>
+    <a:masterClrMapping/>
+  </p:clrMapOvr>
+</p:sld>
+</file>
+
 <file path=ppt/theme/theme1.xml><?xml version="1.0" encoding="utf-8"?>
 <a:theme xmlns:a="http://schemas.openxmlformats.org/drawingml/2006/main" name="Office Theme">
   <a:themeElements>
